--- a/bemutato.pptx
+++ b/bemutato.pptx
@@ -5,18 +5,20 @@
     <p:sldMasterId id="2147483648" r:id="rId1"/>
   </p:sldMasterIdLst>
   <p:notesMasterIdLst>
-    <p:notesMasterId r:id="rId11"/>
+    <p:notesMasterId r:id="rId13"/>
   </p:notesMasterIdLst>
   <p:sldIdLst>
     <p:sldId id="256" r:id="rId2"/>
-    <p:sldId id="257" r:id="rId3"/>
-    <p:sldId id="258" r:id="rId4"/>
-    <p:sldId id="259" r:id="rId5"/>
-    <p:sldId id="260" r:id="rId6"/>
-    <p:sldId id="261" r:id="rId7"/>
-    <p:sldId id="262" r:id="rId8"/>
-    <p:sldId id="263" r:id="rId9"/>
-    <p:sldId id="264" r:id="rId10"/>
+    <p:sldId id="265" r:id="rId3"/>
+    <p:sldId id="257" r:id="rId4"/>
+    <p:sldId id="258" r:id="rId5"/>
+    <p:sldId id="259" r:id="rId6"/>
+    <p:sldId id="260" r:id="rId7"/>
+    <p:sldId id="261" r:id="rId8"/>
+    <p:sldId id="262" r:id="rId9"/>
+    <p:sldId id="263" r:id="rId10"/>
+    <p:sldId id="264" r:id="rId11"/>
+    <p:sldId id="266" r:id="rId12"/>
   </p:sldIdLst>
   <p:sldSz cx="12192000" cy="6858000"/>
   <p:notesSz cx="6858000" cy="9144000"/>
@@ -115,6 +117,11 @@
       </a:defRPr>
     </a:lvl9pPr>
   </p:defaultTextStyle>
+  <p:extLst>
+    <p:ext uri="{EFAFB233-063F-42B5-8137-9DF3F51BA10A}">
+      <p15:sldGuideLst xmlns:p15="http://schemas.microsoft.com/office/powerpoint/2012/main"/>
+    </p:ext>
+  </p:extLst>
 </p:presentation>
 </file>
 
@@ -200,7 +207,7 @@
           <a:p>
             <a:fld id="{5D01EA2F-D39E-DC47-A02E-3FADA924A388}" type="datetimeFigureOut">
               <a:rPr lang="hu-HU" smtClean="0"/>
-              <a:t>2025. 05. 04.</a:t>
+              <a:t>2025. 05. 06.</a:t>
             </a:fld>
             <a:endParaRPr lang="hu-HU"/>
           </a:p>
@@ -614,7 +621,7 @@
           <a:p>
             <a:fld id="{FF076027-57CE-7644-B674-3EEE831F5408}" type="datetime1">
               <a:rPr lang="hu-HU" smtClean="0"/>
-              <a:t>2025. 05. 04.</a:t>
+              <a:t>2025. 05. 06.</a:t>
             </a:fld>
             <a:endParaRPr lang="hu-HU"/>
           </a:p>
@@ -812,7 +819,7 @@
           <a:p>
             <a:fld id="{830804EE-E663-FD46-8A40-6E7F387E266E}" type="datetime1">
               <a:rPr lang="hu-HU" smtClean="0"/>
-              <a:t>2025. 05. 04.</a:t>
+              <a:t>2025. 05. 06.</a:t>
             </a:fld>
             <a:endParaRPr lang="hu-HU"/>
           </a:p>
@@ -1020,7 +1027,7 @@
           <a:p>
             <a:fld id="{263D005D-85FF-2949-BC6E-508A5CBFF1F3}" type="datetime1">
               <a:rPr lang="hu-HU" smtClean="0"/>
-              <a:t>2025. 05. 04.</a:t>
+              <a:t>2025. 05. 06.</a:t>
             </a:fld>
             <a:endParaRPr lang="hu-HU"/>
           </a:p>
@@ -1218,7 +1225,7 @@
           <a:p>
             <a:fld id="{66445694-FCB9-A642-8FF4-42EEC02622E4}" type="datetime1">
               <a:rPr lang="hu-HU" smtClean="0"/>
-              <a:t>2025. 05. 04.</a:t>
+              <a:t>2025. 05. 06.</a:t>
             </a:fld>
             <a:endParaRPr lang="hu-HU"/>
           </a:p>
@@ -1493,7 +1500,7 @@
           <a:p>
             <a:fld id="{AD6A2A12-DA2B-E74B-B41C-67785A542A35}" type="datetime1">
               <a:rPr lang="hu-HU" smtClean="0"/>
-              <a:t>2025. 05. 04.</a:t>
+              <a:t>2025. 05. 06.</a:t>
             </a:fld>
             <a:endParaRPr lang="hu-HU"/>
           </a:p>
@@ -1758,7 +1765,7 @@
           <a:p>
             <a:fld id="{632B892B-C86C-CB41-991A-53D194128D28}" type="datetime1">
               <a:rPr lang="hu-HU" smtClean="0"/>
-              <a:t>2025. 05. 04.</a:t>
+              <a:t>2025. 05. 06.</a:t>
             </a:fld>
             <a:endParaRPr lang="hu-HU"/>
           </a:p>
@@ -2170,7 +2177,7 @@
           <a:p>
             <a:fld id="{F3290542-D93A-5B47-A38B-6F0DA92AE7CE}" type="datetime1">
               <a:rPr lang="hu-HU" smtClean="0"/>
-              <a:t>2025. 05. 04.</a:t>
+              <a:t>2025. 05. 06.</a:t>
             </a:fld>
             <a:endParaRPr lang="hu-HU"/>
           </a:p>
@@ -2311,7 +2318,7 @@
           <a:p>
             <a:fld id="{80145D3C-4DB2-0040-9CC3-84A09F3EF651}" type="datetime1">
               <a:rPr lang="hu-HU" smtClean="0"/>
-              <a:t>2025. 05. 04.</a:t>
+              <a:t>2025. 05. 06.</a:t>
             </a:fld>
             <a:endParaRPr lang="hu-HU"/>
           </a:p>
@@ -2424,7 +2431,7 @@
           <a:p>
             <a:fld id="{97E68AE9-82F8-A445-82BE-51C0D4582C23}" type="datetime1">
               <a:rPr lang="hu-HU" smtClean="0"/>
-              <a:t>2025. 05. 04.</a:t>
+              <a:t>2025. 05. 06.</a:t>
             </a:fld>
             <a:endParaRPr lang="hu-HU"/>
           </a:p>
@@ -2735,7 +2742,7 @@
           <a:p>
             <a:fld id="{AF41EB5E-CD90-1648-A208-F53FEC683ACA}" type="datetime1">
               <a:rPr lang="hu-HU" smtClean="0"/>
-              <a:t>2025. 05. 04.</a:t>
+              <a:t>2025. 05. 06.</a:t>
             </a:fld>
             <a:endParaRPr lang="hu-HU"/>
           </a:p>
@@ -3023,7 +3030,7 @@
           <a:p>
             <a:fld id="{D62F77B1-2D56-B440-80A2-3FA9E7ED68E6}" type="datetime1">
               <a:rPr lang="hu-HU" smtClean="0"/>
-              <a:t>2025. 05. 04.</a:t>
+              <a:t>2025. 05. 06.</a:t>
             </a:fld>
             <a:endParaRPr lang="hu-HU"/>
           </a:p>
@@ -3264,7 +3271,7 @@
           <a:p>
             <a:fld id="{6C62EFB0-7CE6-9A42-B406-CD1B830524DB}" type="datetime1">
               <a:rPr lang="hu-HU" smtClean="0"/>
-              <a:t>2025. 05. 04.</a:t>
+              <a:t>2025. 05. 06.</a:t>
             </a:fld>
             <a:endParaRPr lang="hu-HU"/>
           </a:p>
@@ -4246,7 +4253,7 @@
 </p:sld>
 </file>
 
-<file path=ppt/slides/slide2.xml><?xml version="1.0" encoding="utf-8"?>
+<file path=ppt/slides/slide10.xml><?xml version="1.0" encoding="utf-8"?>
 <p:sld xmlns:a="http://schemas.openxmlformats.org/drawingml/2006/main" xmlns:r="http://schemas.openxmlformats.org/officeDocument/2006/relationships" xmlns:p="http://schemas.openxmlformats.org/presentationml/2006/main">
   <p:cSld>
     <p:bg>
@@ -4273,10 +4280,10 @@
       </p:grpSpPr>
       <p:sp useBgFill="1">
         <p:nvSpPr>
-          <p:cNvPr id="29" name="Rectangle 18">
-            <a:extLst>
-              <a:ext uri="{FF2B5EF4-FFF2-40B4-BE49-F238E27FC236}">
-                <a16:creationId xmlns:a16="http://schemas.microsoft.com/office/drawing/2014/main" id="{352BEC0E-22F8-46D0-9632-375DB541B06C}"/>
+          <p:cNvPr id="11" name="Rectangle 10">
+            <a:extLst>
+              <a:ext uri="{FF2B5EF4-FFF2-40B4-BE49-F238E27FC236}">
+                <a16:creationId xmlns:a16="http://schemas.microsoft.com/office/drawing/2014/main" id="{100EDD19-6802-4EC3-95CE-CFFAB042CFD6}"/>
               </a:ext>
               <a:ext uri="{C183D7F6-B498-43B3-948B-1728B52AA6E4}">
                 <adec:decorative xmlns:adec="http://schemas.microsoft.com/office/drawing/2017/decorative" val="1"/>
@@ -4336,703 +4343,7 @@
           <p:cNvPr id="2" name="Cím 1">
             <a:extLst>
               <a:ext uri="{FF2B5EF4-FFF2-40B4-BE49-F238E27FC236}">
-                <a16:creationId xmlns:a16="http://schemas.microsoft.com/office/drawing/2014/main" id="{579975F5-627B-E8D9-5D94-19741F11DE10}"/>
-              </a:ext>
-            </a:extLst>
-          </p:cNvPr>
-          <p:cNvSpPr>
-            <a:spLocks noGrp="1"/>
-          </p:cNvSpPr>
-          <p:nvPr>
-            <p:ph type="title"/>
-          </p:nvPr>
-        </p:nvSpPr>
-        <p:spPr>
-          <a:xfrm>
-            <a:off x="640080" y="329184"/>
-            <a:ext cx="6894576" cy="1783080"/>
-          </a:xfrm>
-        </p:spPr>
-        <p:txBody>
-          <a:bodyPr anchor="b">
-            <a:normAutofit/>
-          </a:bodyPr>
-          <a:lstStyle/>
-          <a:p>
-            <a:r>
-              <a:rPr lang="hu-HU" sz="5400" dirty="0"/>
-              <a:t>Idősor szegmentálás</a:t>
-            </a:r>
-          </a:p>
-        </p:txBody>
-      </p:sp>
-      <p:sp>
-        <p:nvSpPr>
-          <p:cNvPr id="30" name="sketch line">
-            <a:extLst>
-              <a:ext uri="{FF2B5EF4-FFF2-40B4-BE49-F238E27FC236}">
-                <a16:creationId xmlns:a16="http://schemas.microsoft.com/office/drawing/2014/main" id="{3FCFB1DE-0B7E-48CC-BA90-B2AB0889F9D6}"/>
-              </a:ext>
-              <a:ext uri="{C183D7F6-B498-43B3-948B-1728B52AA6E4}">
-                <adec:decorative xmlns:adec="http://schemas.microsoft.com/office/drawing/2017/decorative" val="1"/>
-              </a:ext>
-            </a:extLst>
-          </p:cNvPr>
-          <p:cNvSpPr>
-            <a:spLocks noGrp="1" noRot="1" noChangeAspect="1" noMove="1" noResize="1" noEditPoints="1" noAdjustHandles="1" noChangeArrowheads="1" noChangeShapeType="1" noTextEdit="1"/>
-          </p:cNvSpPr>
-          <p:nvPr>
-            <p:extLst>
-              <p:ext uri="{386F3935-93C4-4BCD-93E2-E3B085C9AB24}">
-                <p16:designElem xmlns:p16="http://schemas.microsoft.com/office/powerpoint/2015/main" val="1"/>
-              </p:ext>
-            </p:extLst>
-          </p:nvPr>
-        </p:nvSpPr>
-        <p:spPr>
-          <a:xfrm>
-            <a:off x="758952" y="2395728"/>
-            <a:ext cx="4243589" cy="18288"/>
-          </a:xfrm>
-          <a:custGeom>
-            <a:avLst/>
-            <a:gdLst>
-              <a:gd name="connsiteX0" fmla="*/ 0 w 4243589"/>
-              <a:gd name="connsiteY0" fmla="*/ 0 h 18288"/>
-              <a:gd name="connsiteX1" fmla="*/ 478919 w 4243589"/>
-              <a:gd name="connsiteY1" fmla="*/ 0 h 18288"/>
-              <a:gd name="connsiteX2" fmla="*/ 957839 w 4243589"/>
-              <a:gd name="connsiteY2" fmla="*/ 0 h 18288"/>
-              <a:gd name="connsiteX3" fmla="*/ 1521630 w 4243589"/>
-              <a:gd name="connsiteY3" fmla="*/ 0 h 18288"/>
-              <a:gd name="connsiteX4" fmla="*/ 2212729 w 4243589"/>
-              <a:gd name="connsiteY4" fmla="*/ 0 h 18288"/>
-              <a:gd name="connsiteX5" fmla="*/ 2734084 w 4243589"/>
-              <a:gd name="connsiteY5" fmla="*/ 0 h 18288"/>
-              <a:gd name="connsiteX6" fmla="*/ 3255439 w 4243589"/>
-              <a:gd name="connsiteY6" fmla="*/ 0 h 18288"/>
-              <a:gd name="connsiteX7" fmla="*/ 4243589 w 4243589"/>
-              <a:gd name="connsiteY7" fmla="*/ 0 h 18288"/>
-              <a:gd name="connsiteX8" fmla="*/ 4243589 w 4243589"/>
-              <a:gd name="connsiteY8" fmla="*/ 18288 h 18288"/>
-              <a:gd name="connsiteX9" fmla="*/ 3594926 w 4243589"/>
-              <a:gd name="connsiteY9" fmla="*/ 18288 h 18288"/>
-              <a:gd name="connsiteX10" fmla="*/ 3073571 w 4243589"/>
-              <a:gd name="connsiteY10" fmla="*/ 18288 h 18288"/>
-              <a:gd name="connsiteX11" fmla="*/ 2552216 w 4243589"/>
-              <a:gd name="connsiteY11" fmla="*/ 18288 h 18288"/>
-              <a:gd name="connsiteX12" fmla="*/ 1903553 w 4243589"/>
-              <a:gd name="connsiteY12" fmla="*/ 18288 h 18288"/>
-              <a:gd name="connsiteX13" fmla="*/ 1212454 w 4243589"/>
-              <a:gd name="connsiteY13" fmla="*/ 18288 h 18288"/>
-              <a:gd name="connsiteX14" fmla="*/ 733535 w 4243589"/>
-              <a:gd name="connsiteY14" fmla="*/ 18288 h 18288"/>
-              <a:gd name="connsiteX15" fmla="*/ 0 w 4243589"/>
-              <a:gd name="connsiteY15" fmla="*/ 18288 h 18288"/>
-              <a:gd name="connsiteX16" fmla="*/ 0 w 4243589"/>
-              <a:gd name="connsiteY16" fmla="*/ 0 h 18288"/>
-            </a:gdLst>
-            <a:ahLst/>
-            <a:cxnLst>
-              <a:cxn ang="0">
-                <a:pos x="connsiteX0" y="connsiteY0"/>
-              </a:cxn>
-              <a:cxn ang="0">
-                <a:pos x="connsiteX1" y="connsiteY1"/>
-              </a:cxn>
-              <a:cxn ang="0">
-                <a:pos x="connsiteX2" y="connsiteY2"/>
-              </a:cxn>
-              <a:cxn ang="0">
-                <a:pos x="connsiteX3" y="connsiteY3"/>
-              </a:cxn>
-              <a:cxn ang="0">
-                <a:pos x="connsiteX4" y="connsiteY4"/>
-              </a:cxn>
-              <a:cxn ang="0">
-                <a:pos x="connsiteX5" y="connsiteY5"/>
-              </a:cxn>
-              <a:cxn ang="0">
-                <a:pos x="connsiteX6" y="connsiteY6"/>
-              </a:cxn>
-              <a:cxn ang="0">
-                <a:pos x="connsiteX7" y="connsiteY7"/>
-              </a:cxn>
-              <a:cxn ang="0">
-                <a:pos x="connsiteX8" y="connsiteY8"/>
-              </a:cxn>
-              <a:cxn ang="0">
-                <a:pos x="connsiteX9" y="connsiteY9"/>
-              </a:cxn>
-              <a:cxn ang="0">
-                <a:pos x="connsiteX10" y="connsiteY10"/>
-              </a:cxn>
-              <a:cxn ang="0">
-                <a:pos x="connsiteX11" y="connsiteY11"/>
-              </a:cxn>
-              <a:cxn ang="0">
-                <a:pos x="connsiteX12" y="connsiteY12"/>
-              </a:cxn>
-              <a:cxn ang="0">
-                <a:pos x="connsiteX13" y="connsiteY13"/>
-              </a:cxn>
-              <a:cxn ang="0">
-                <a:pos x="connsiteX14" y="connsiteY14"/>
-              </a:cxn>
-              <a:cxn ang="0">
-                <a:pos x="connsiteX15" y="connsiteY15"/>
-              </a:cxn>
-              <a:cxn ang="0">
-                <a:pos x="connsiteX16" y="connsiteY16"/>
-              </a:cxn>
-            </a:cxnLst>
-            <a:rect l="l" t="t" r="r" b="b"/>
-            <a:pathLst>
-              <a:path w="4243589" h="18288" fill="none" extrusionOk="0">
-                <a:moveTo>
-                  <a:pt x="0" y="0"/>
-                </a:moveTo>
-                <a:cubicBezTo>
-                  <a:pt x="213395" y="-21006"/>
-                  <a:pt x="307421" y="-18116"/>
-                  <a:pt x="478919" y="0"/>
-                </a:cubicBezTo>
-                <a:cubicBezTo>
-                  <a:pt x="650417" y="18116"/>
-                  <a:pt x="831092" y="-21237"/>
-                  <a:pt x="957839" y="0"/>
-                </a:cubicBezTo>
-                <a:cubicBezTo>
-                  <a:pt x="1084586" y="21237"/>
-                  <a:pt x="1301682" y="25124"/>
-                  <a:pt x="1521630" y="0"/>
-                </a:cubicBezTo>
-                <a:cubicBezTo>
-                  <a:pt x="1741578" y="-25124"/>
-                  <a:pt x="1970269" y="-29139"/>
-                  <a:pt x="2212729" y="0"/>
-                </a:cubicBezTo>
-                <a:cubicBezTo>
-                  <a:pt x="2455189" y="29139"/>
-                  <a:pt x="2558847" y="-4796"/>
-                  <a:pt x="2734084" y="0"/>
-                </a:cubicBezTo>
-                <a:cubicBezTo>
-                  <a:pt x="2909321" y="4796"/>
-                  <a:pt x="3097217" y="-13409"/>
-                  <a:pt x="3255439" y="0"/>
-                </a:cubicBezTo>
-                <a:cubicBezTo>
-                  <a:pt x="3413662" y="13409"/>
-                  <a:pt x="3979999" y="-10121"/>
-                  <a:pt x="4243589" y="0"/>
-                </a:cubicBezTo>
-                <a:cubicBezTo>
-                  <a:pt x="4244484" y="8974"/>
-                  <a:pt x="4243043" y="9359"/>
-                  <a:pt x="4243589" y="18288"/>
-                </a:cubicBezTo>
-                <a:cubicBezTo>
-                  <a:pt x="4058777" y="31246"/>
-                  <a:pt x="3910348" y="3158"/>
-                  <a:pt x="3594926" y="18288"/>
-                </a:cubicBezTo>
-                <a:cubicBezTo>
-                  <a:pt x="3279504" y="33418"/>
-                  <a:pt x="3319955" y="-3977"/>
-                  <a:pt x="3073571" y="18288"/>
-                </a:cubicBezTo>
-                <a:cubicBezTo>
-                  <a:pt x="2827187" y="40553"/>
-                  <a:pt x="2767387" y="1863"/>
-                  <a:pt x="2552216" y="18288"/>
-                </a:cubicBezTo>
-                <a:cubicBezTo>
-                  <a:pt x="2337046" y="34713"/>
-                  <a:pt x="2181871" y="19527"/>
-                  <a:pt x="1903553" y="18288"/>
-                </a:cubicBezTo>
-                <a:cubicBezTo>
-                  <a:pt x="1625235" y="17049"/>
-                  <a:pt x="1557672" y="24174"/>
-                  <a:pt x="1212454" y="18288"/>
-                </a:cubicBezTo>
-                <a:cubicBezTo>
-                  <a:pt x="867236" y="12402"/>
-                  <a:pt x="874382" y="15627"/>
-                  <a:pt x="733535" y="18288"/>
-                </a:cubicBezTo>
-                <a:cubicBezTo>
-                  <a:pt x="592688" y="20949"/>
-                  <a:pt x="183477" y="14753"/>
-                  <a:pt x="0" y="18288"/>
-                </a:cubicBezTo>
-                <a:cubicBezTo>
-                  <a:pt x="-229" y="14222"/>
-                  <a:pt x="509" y="5816"/>
-                  <a:pt x="0" y="0"/>
-                </a:cubicBezTo>
-                <a:close/>
-              </a:path>
-              <a:path w="4243589" h="18288" stroke="0" extrusionOk="0">
-                <a:moveTo>
-                  <a:pt x="0" y="0"/>
-                </a:moveTo>
-                <a:cubicBezTo>
-                  <a:pt x="143690" y="16630"/>
-                  <a:pt x="266667" y="14847"/>
-                  <a:pt x="521355" y="0"/>
-                </a:cubicBezTo>
-                <a:cubicBezTo>
-                  <a:pt x="776043" y="-14847"/>
-                  <a:pt x="814491" y="-17363"/>
-                  <a:pt x="1000275" y="0"/>
-                </a:cubicBezTo>
-                <a:cubicBezTo>
-                  <a:pt x="1186059" y="17363"/>
-                  <a:pt x="1352504" y="-23507"/>
-                  <a:pt x="1521630" y="0"/>
-                </a:cubicBezTo>
-                <a:cubicBezTo>
-                  <a:pt x="1690756" y="23507"/>
-                  <a:pt x="1889525" y="5871"/>
-                  <a:pt x="2127857" y="0"/>
-                </a:cubicBezTo>
-                <a:cubicBezTo>
-                  <a:pt x="2366189" y="-5871"/>
-                  <a:pt x="2620628" y="-27997"/>
-                  <a:pt x="2776520" y="0"/>
-                </a:cubicBezTo>
-                <a:cubicBezTo>
-                  <a:pt x="2932412" y="27997"/>
-                  <a:pt x="3131683" y="-25073"/>
-                  <a:pt x="3467618" y="0"/>
-                </a:cubicBezTo>
-                <a:cubicBezTo>
-                  <a:pt x="3803553" y="25073"/>
-                  <a:pt x="4017371" y="3071"/>
-                  <a:pt x="4243589" y="0"/>
-                </a:cubicBezTo>
-                <a:cubicBezTo>
-                  <a:pt x="4243134" y="6162"/>
-                  <a:pt x="4243492" y="11775"/>
-                  <a:pt x="4243589" y="18288"/>
-                </a:cubicBezTo>
-                <a:cubicBezTo>
-                  <a:pt x="4017834" y="-5779"/>
-                  <a:pt x="3834586" y="13376"/>
-                  <a:pt x="3594926" y="18288"/>
-                </a:cubicBezTo>
-                <a:cubicBezTo>
-                  <a:pt x="3355266" y="23200"/>
-                  <a:pt x="3204179" y="2869"/>
-                  <a:pt x="2903827" y="18288"/>
-                </a:cubicBezTo>
-                <a:cubicBezTo>
-                  <a:pt x="2603475" y="33707"/>
-                  <a:pt x="2526187" y="46187"/>
-                  <a:pt x="2212729" y="18288"/>
-                </a:cubicBezTo>
-                <a:cubicBezTo>
-                  <a:pt x="1899271" y="-9611"/>
-                  <a:pt x="1966289" y="29692"/>
-                  <a:pt x="1733809" y="18288"/>
-                </a:cubicBezTo>
-                <a:cubicBezTo>
-                  <a:pt x="1501329" y="6884"/>
-                  <a:pt x="1343612" y="12492"/>
-                  <a:pt x="1085146" y="18288"/>
-                </a:cubicBezTo>
-                <a:cubicBezTo>
-                  <a:pt x="826680" y="24084"/>
-                  <a:pt x="778184" y="35607"/>
-                  <a:pt x="521355" y="18288"/>
-                </a:cubicBezTo>
-                <a:cubicBezTo>
-                  <a:pt x="264526" y="969"/>
-                  <a:pt x="120277" y="4268"/>
-                  <a:pt x="0" y="18288"/>
-                </a:cubicBezTo>
-                <a:cubicBezTo>
-                  <a:pt x="766" y="10800"/>
-                  <a:pt x="-457" y="8180"/>
-                  <a:pt x="0" y="0"/>
-                </a:cubicBezTo>
-                <a:close/>
-              </a:path>
-            </a:pathLst>
-          </a:custGeom>
-          <a:solidFill>
-            <a:schemeClr val="accent2"/>
-          </a:solidFill>
-          <a:ln w="41275" cap="rnd">
-            <a:solidFill>
-              <a:schemeClr val="accent2"/>
-            </a:solidFill>
-            <a:round/>
-            <a:extLst>
-              <a:ext uri="{C807C97D-BFC1-408E-A445-0C87EB9F89A2}">
-                <ask:lineSketchStyleProps xmlns:ask="http://schemas.microsoft.com/office/drawing/2018/sketchyshapes" sd="2727557108">
-                  <a:prstGeom prst="rect">
-                    <a:avLst/>
-                  </a:prstGeom>
-                  <ask:type>
-                    <ask:lineSketchFreehand/>
-                  </ask:type>
-                </ask:lineSketchStyleProps>
-              </a:ext>
-            </a:extLst>
-          </a:ln>
-        </p:spPr>
-        <p:style>
-          <a:lnRef idx="2">
-            <a:schemeClr val="accent1">
-              <a:shade val="50000"/>
-            </a:schemeClr>
-          </a:lnRef>
-          <a:fillRef idx="1">
-            <a:schemeClr val="accent1"/>
-          </a:fillRef>
-          <a:effectRef idx="0">
-            <a:schemeClr val="accent1"/>
-          </a:effectRef>
-          <a:fontRef idx="minor">
-            <a:schemeClr val="lt1"/>
-          </a:fontRef>
-        </p:style>
-        <p:txBody>
-          <a:bodyPr rtlCol="0" anchor="ctr"/>
-          <a:lstStyle/>
-          <a:p>
-            <a:pPr algn="ctr"/>
-            <a:endParaRPr lang="en-US"/>
-          </a:p>
-        </p:txBody>
-      </p:sp>
-      <p:sp>
-        <p:nvSpPr>
-          <p:cNvPr id="3" name="Tartalom helye 2">
-            <a:extLst>
-              <a:ext uri="{FF2B5EF4-FFF2-40B4-BE49-F238E27FC236}">
-                <a16:creationId xmlns:a16="http://schemas.microsoft.com/office/drawing/2014/main" id="{75CCBBF9-2D2A-89B4-3FB6-F274FF0D09C6}"/>
-              </a:ext>
-            </a:extLst>
-          </p:cNvPr>
-          <p:cNvSpPr>
-            <a:spLocks noGrp="1"/>
-          </p:cNvSpPr>
-          <p:nvPr>
-            <p:ph idx="1"/>
-          </p:nvPr>
-        </p:nvSpPr>
-        <p:spPr>
-          <a:xfrm>
-            <a:off x="640080" y="2706624"/>
-            <a:ext cx="6894576" cy="3483864"/>
-          </a:xfrm>
-        </p:spPr>
-        <p:txBody>
-          <a:bodyPr>
-            <a:normAutofit/>
-          </a:bodyPr>
-          <a:lstStyle/>
-          <a:p>
-            <a:r>
-              <a:rPr lang="hu-HU" sz="2200" dirty="0"/>
-              <a:t>kisebb, egymástól elkülönülő szakaszokra bontás</a:t>
-            </a:r>
-          </a:p>
-          <a:p>
-            <a:r>
-              <a:rPr lang="hu-HU" sz="2200" dirty="0"/>
-              <a:t>egyes szakaszok statisztikai vagy szerkezeti tulajdonságai hasonlóak legyenek</a:t>
-            </a:r>
-          </a:p>
-        </p:txBody>
-      </p:sp>
-      <p:pic>
-        <p:nvPicPr>
-          <p:cNvPr id="12" name="Kép 11" descr="A képen képernyőkép, Diagram, sor, Színesség látható&#10;&#10;Automatikusan generált leírás">
-            <a:extLst>
-              <a:ext uri="{FF2B5EF4-FFF2-40B4-BE49-F238E27FC236}">
-                <a16:creationId xmlns:a16="http://schemas.microsoft.com/office/drawing/2014/main" id="{B95A0347-0881-1180-1CD6-45E90EEE266F}"/>
-              </a:ext>
-            </a:extLst>
-          </p:cNvPr>
-          <p:cNvPicPr>
-            <a:picLocks noChangeAspect="1"/>
-          </p:cNvPicPr>
-          <p:nvPr/>
-        </p:nvPicPr>
-        <p:blipFill>
-          <a:blip r:embed="rId2"/>
-          <a:stretch>
-            <a:fillRect/>
-          </a:stretch>
-        </p:blipFill>
-        <p:spPr>
-          <a:xfrm>
-            <a:off x="6991643" y="1055667"/>
-            <a:ext cx="4886413" cy="2406558"/>
-          </a:xfrm>
-          <a:prstGeom prst="rect">
-            <a:avLst/>
-          </a:prstGeom>
-        </p:spPr>
-      </p:pic>
-      <p:pic>
-        <p:nvPicPr>
-          <p:cNvPr id="14" name="Kép 13" descr="A képen Színesség, Acélkék, képernyőkép, kék látható&#10;&#10;Automatikusan generált leírás">
-            <a:extLst>
-              <a:ext uri="{FF2B5EF4-FFF2-40B4-BE49-F238E27FC236}">
-                <a16:creationId xmlns:a16="http://schemas.microsoft.com/office/drawing/2014/main" id="{03C6EA78-A9F6-86C2-BBE0-6B27DF80E4DA}"/>
-              </a:ext>
-            </a:extLst>
-          </p:cNvPr>
-          <p:cNvPicPr>
-            <a:picLocks noChangeAspect="1"/>
-          </p:cNvPicPr>
-          <p:nvPr/>
-        </p:nvPicPr>
-        <p:blipFill>
-          <a:blip r:embed="rId3"/>
-          <a:stretch>
-            <a:fillRect/>
-          </a:stretch>
-        </p:blipFill>
-        <p:spPr>
-          <a:xfrm>
-            <a:off x="6736438" y="3628087"/>
-            <a:ext cx="5123330" cy="2523240"/>
-          </a:xfrm>
-          <a:prstGeom prst="rect">
-            <a:avLst/>
-          </a:prstGeom>
-        </p:spPr>
-      </p:pic>
-      <p:sp>
-        <p:nvSpPr>
-          <p:cNvPr id="4" name="Dátum helye 3">
-            <a:extLst>
-              <a:ext uri="{FF2B5EF4-FFF2-40B4-BE49-F238E27FC236}">
-                <a16:creationId xmlns:a16="http://schemas.microsoft.com/office/drawing/2014/main" id="{85104F79-6E8C-C127-47CD-E76D1CA23C46}"/>
-              </a:ext>
-            </a:extLst>
-          </p:cNvPr>
-          <p:cNvSpPr>
-            <a:spLocks noGrp="1"/>
-          </p:cNvSpPr>
-          <p:nvPr>
-            <p:ph type="dt" sz="half" idx="10"/>
-          </p:nvPr>
-        </p:nvSpPr>
-        <p:spPr>
-          <a:xfrm>
-            <a:off x="838200" y="6356350"/>
-            <a:ext cx="2743200" cy="365125"/>
-          </a:xfrm>
-        </p:spPr>
-        <p:txBody>
-          <a:bodyPr>
-            <a:normAutofit/>
-          </a:bodyPr>
-          <a:lstStyle/>
-          <a:p>
-            <a:pPr>
-              <a:spcAft>
-                <a:spcPts val="600"/>
-              </a:spcAft>
-            </a:pPr>
-            <a:fld id="{3CE8E417-EEEF-F440-8154-5657BA807881}" type="datetime1">
-              <a:rPr lang="hu-HU" smtClean="0"/>
-              <a:t>2025. 05. 04.</a:t>
-            </a:fld>
-            <a:endParaRPr lang="hu-HU"/>
-          </a:p>
-        </p:txBody>
-      </p:sp>
-      <p:sp>
-        <p:nvSpPr>
-          <p:cNvPr id="5" name="Élőláb helye 4">
-            <a:extLst>
-              <a:ext uri="{FF2B5EF4-FFF2-40B4-BE49-F238E27FC236}">
-                <a16:creationId xmlns:a16="http://schemas.microsoft.com/office/drawing/2014/main" id="{90A1A7B9-A1B9-ECCD-17AB-6796F4A83958}"/>
-              </a:ext>
-            </a:extLst>
-          </p:cNvPr>
-          <p:cNvSpPr>
-            <a:spLocks noGrp="1"/>
-          </p:cNvSpPr>
-          <p:nvPr>
-            <p:ph type="ftr" sz="quarter" idx="11"/>
-          </p:nvPr>
-        </p:nvSpPr>
-        <p:spPr>
-          <a:xfrm>
-            <a:off x="4038600" y="6356350"/>
-            <a:ext cx="4114800" cy="365125"/>
-          </a:xfrm>
-        </p:spPr>
-        <p:txBody>
-          <a:bodyPr>
-            <a:normAutofit/>
-          </a:bodyPr>
-          <a:lstStyle/>
-          <a:p>
-            <a:endParaRPr lang="hu-HU" dirty="0"/>
-          </a:p>
-        </p:txBody>
-      </p:sp>
-      <p:sp>
-        <p:nvSpPr>
-          <p:cNvPr id="6" name="Dia számának helye 5">
-            <a:extLst>
-              <a:ext uri="{FF2B5EF4-FFF2-40B4-BE49-F238E27FC236}">
-                <a16:creationId xmlns:a16="http://schemas.microsoft.com/office/drawing/2014/main" id="{54C67151-95B7-D200-F736-DE63E23B4650}"/>
-              </a:ext>
-            </a:extLst>
-          </p:cNvPr>
-          <p:cNvSpPr>
-            <a:spLocks noGrp="1"/>
-          </p:cNvSpPr>
-          <p:nvPr>
-            <p:ph type="sldNum" sz="quarter" idx="12"/>
-          </p:nvPr>
-        </p:nvSpPr>
-        <p:spPr>
-          <a:xfrm>
-            <a:off x="8610600" y="6356350"/>
-            <a:ext cx="2743200" cy="365125"/>
-          </a:xfrm>
-        </p:spPr>
-        <p:txBody>
-          <a:bodyPr>
-            <a:normAutofit/>
-          </a:bodyPr>
-          <a:lstStyle/>
-          <a:p>
-            <a:pPr>
-              <a:spcAft>
-                <a:spcPts val="600"/>
-              </a:spcAft>
-            </a:pPr>
-            <a:fld id="{2BF5634A-3FEB-2145-92F8-FA1760146F41}" type="slidenum">
-              <a:rPr lang="hu-HU" smtClean="0"/>
-              <a:pPr>
-                <a:spcAft>
-                  <a:spcPts val="600"/>
-                </a:spcAft>
-              </a:pPr>
-              <a:t>2</a:t>
-            </a:fld>
-            <a:endParaRPr lang="hu-HU"/>
-          </a:p>
-        </p:txBody>
-      </p:sp>
-    </p:spTree>
-    <p:extLst>
-      <p:ext uri="{BB962C8B-B14F-4D97-AF65-F5344CB8AC3E}">
-        <p14:creationId xmlns:p14="http://schemas.microsoft.com/office/powerpoint/2010/main" val="2637101385"/>
-      </p:ext>
-    </p:extLst>
-  </p:cSld>
-  <p:clrMapOvr>
-    <a:masterClrMapping/>
-  </p:clrMapOvr>
-</p:sld>
-</file>
-
-<file path=ppt/slides/slide3.xml><?xml version="1.0" encoding="utf-8"?>
-<p:sld xmlns:a="http://schemas.openxmlformats.org/drawingml/2006/main" xmlns:r="http://schemas.openxmlformats.org/officeDocument/2006/relationships" xmlns:p="http://schemas.openxmlformats.org/presentationml/2006/main">
-  <p:cSld>
-    <p:bg>
-      <p:bgPr>
-        <a:solidFill>
-          <a:schemeClr val="bg1"/>
-        </a:solidFill>
-        <a:effectLst/>
-      </p:bgPr>
-    </p:bg>
-    <p:spTree>
-      <p:nvGrpSpPr>
-        <p:cNvPr id="1" name=""/>
-        <p:cNvGrpSpPr/>
-        <p:nvPr/>
-      </p:nvGrpSpPr>
-      <p:grpSpPr>
-        <a:xfrm>
-          <a:off x="0" y="0"/>
-          <a:ext cx="0" cy="0"/>
-          <a:chOff x="0" y="0"/>
-          <a:chExt cx="0" cy="0"/>
-        </a:xfrm>
-      </p:grpSpPr>
-      <p:sp useBgFill="1">
-        <p:nvSpPr>
-          <p:cNvPr id="11" name="Rectangle 10">
-            <a:extLst>
-              <a:ext uri="{FF2B5EF4-FFF2-40B4-BE49-F238E27FC236}">
-                <a16:creationId xmlns:a16="http://schemas.microsoft.com/office/drawing/2014/main" id="{100EDD19-6802-4EC3-95CE-CFFAB042CFD6}"/>
-              </a:ext>
-              <a:ext uri="{C183D7F6-B498-43B3-948B-1728B52AA6E4}">
-                <adec:decorative xmlns:adec="http://schemas.microsoft.com/office/drawing/2017/decorative" val="1"/>
-              </a:ext>
-            </a:extLst>
-          </p:cNvPr>
-          <p:cNvSpPr>
-            <a:spLocks noGrp="1" noRot="1" noChangeAspect="1" noMove="1" noResize="1" noEditPoints="1" noAdjustHandles="1" noChangeArrowheads="1" noChangeShapeType="1" noTextEdit="1"/>
-          </p:cNvSpPr>
-          <p:nvPr>
-            <p:extLst>
-              <p:ext uri="{386F3935-93C4-4BCD-93E2-E3B085C9AB24}">
-                <p16:designElem xmlns:p16="http://schemas.microsoft.com/office/powerpoint/2015/main" val="1"/>
-              </p:ext>
-            </p:extLst>
-          </p:nvPr>
-        </p:nvSpPr>
-        <p:spPr>
-          <a:xfrm>
-            <a:off x="0" y="0"/>
-            <a:ext cx="12188952" cy="6858000"/>
-          </a:xfrm>
-          <a:prstGeom prst="rect">
-            <a:avLst/>
-          </a:prstGeom>
-          <a:ln>
-            <a:noFill/>
-          </a:ln>
-        </p:spPr>
-        <p:style>
-          <a:lnRef idx="2">
-            <a:schemeClr val="accent1">
-              <a:shade val="50000"/>
-            </a:schemeClr>
-          </a:lnRef>
-          <a:fillRef idx="1">
-            <a:schemeClr val="accent1"/>
-          </a:fillRef>
-          <a:effectRef idx="0">
-            <a:schemeClr val="accent1"/>
-          </a:effectRef>
-          <a:fontRef idx="minor">
-            <a:schemeClr val="lt1"/>
-          </a:fontRef>
-        </p:style>
-        <p:txBody>
-          <a:bodyPr rtlCol="0" anchor="ctr"/>
-          <a:lstStyle/>
-          <a:p>
-            <a:pPr algn="ctr"/>
-            <a:endParaRPr lang="en-US"/>
-          </a:p>
-        </p:txBody>
-      </p:sp>
-      <p:sp>
-        <p:nvSpPr>
-          <p:cNvPr id="2" name="Cím 1">
-            <a:extLst>
-              <a:ext uri="{FF2B5EF4-FFF2-40B4-BE49-F238E27FC236}">
-                <a16:creationId xmlns:a16="http://schemas.microsoft.com/office/drawing/2014/main" id="{05C0D67E-401B-9449-9CDE-2E970D7A555C}"/>
+                <a16:creationId xmlns:a16="http://schemas.microsoft.com/office/drawing/2014/main" id="{8F9C1376-0D58-FEA9-957C-F8980AA3FB75}"/>
               </a:ext>
             </a:extLst>
           </p:cNvPr>
@@ -5057,7 +4368,7 @@
           <a:p>
             <a:r>
               <a:rPr lang="hu-HU" sz="5400"/>
-              <a:t>Idősor szegmentálás területei</a:t>
+              <a:t>Összegzés és kitekintés</a:t>
             </a:r>
           </a:p>
         </p:txBody>
@@ -5705,7 +5016,7 @@
           <p:cNvPr id="3" name="Tartalom helye 2">
             <a:extLst>
               <a:ext uri="{FF2B5EF4-FFF2-40B4-BE49-F238E27FC236}">
-                <a16:creationId xmlns:a16="http://schemas.microsoft.com/office/drawing/2014/main" id="{D8DDDD36-5379-8A8A-3E3F-BD8C8C26076F}"/>
+                <a16:creationId xmlns:a16="http://schemas.microsoft.com/office/drawing/2014/main" id="{6880C18D-CE4E-5892-2301-4FFA4460E670}"/>
               </a:ext>
             </a:extLst>
           </p:cNvPr>
@@ -5729,33 +5040,63 @@
           <a:lstStyle/>
           <a:p>
             <a:r>
+              <a:rPr lang="hu-HU" sz="2200" dirty="0"/>
+              <a:t>Hierarchikus </a:t>
+            </a:r>
+            <a:r>
+              <a:rPr lang="hu-HU" sz="2200" dirty="0" err="1"/>
+              <a:t>klaszterezés</a:t>
+            </a:r>
+            <a:r>
+              <a:rPr lang="hu-HU" sz="2200" dirty="0"/>
+              <a:t> további optimalizálása</a:t>
+            </a:r>
+          </a:p>
+          <a:p>
+            <a:r>
+              <a:rPr lang="hu-HU" sz="2200" dirty="0"/>
+              <a:t>Idősorok megkülönböztetése statisztikai jellemzők alapján</a:t>
+            </a:r>
+          </a:p>
+          <a:p>
+            <a:r>
+              <a:rPr lang="hu-HU" sz="2200" dirty="0"/>
+              <a:t>Robusztusabb algoritmus</a:t>
+            </a:r>
+          </a:p>
+          <a:p>
+            <a:r>
+              <a:rPr lang="hu-HU" sz="2200" dirty="0"/>
+              <a:t>Egyes algoritmusok erősségeinek feltérképezése</a:t>
+            </a:r>
+          </a:p>
+          <a:p>
+            <a:endParaRPr lang="hu-HU" sz="2200" dirty="0"/>
+          </a:p>
+          <a:p>
+            <a:endParaRPr lang="hu-HU" sz="2200" dirty="0"/>
+          </a:p>
+          <a:p>
+            <a:r>
+              <a:rPr lang="hu-HU" sz="2200" dirty="0"/>
+              <a:t>TODO: 7.dia HAS-</a:t>
+            </a:r>
+            <a:r>
+              <a:rPr lang="hu-HU" sz="2200" dirty="0" err="1"/>
+              <a:t>ról</a:t>
+            </a:r>
+            <a:r>
+              <a:rPr lang="hu-HU" sz="2200" dirty="0"/>
+              <a:t> képek, kitekintés megírása, többségi szavazáshoz ábra, F1 érték </a:t>
+            </a:r>
+            <a:r>
               <a:rPr lang="hu-HU" sz="2200"/>
-              <a:t>Pénzügy</a:t>
-            </a:r>
-          </a:p>
-          <a:p>
-            <a:r>
-              <a:rPr lang="hu-HU" sz="2200"/>
-              <a:t>Egészségügy és orvosi diagnosztika</a:t>
-            </a:r>
-          </a:p>
-          <a:p>
-            <a:r>
-              <a:rPr lang="hu-HU" sz="2200"/>
-              <a:t>Ipari gépmonitorozás</a:t>
-            </a:r>
-          </a:p>
-          <a:p>
-            <a:r>
-              <a:rPr lang="hu-HU" sz="2200"/>
-              <a:t>Beszédfelismerés és jelfeldolgozás</a:t>
-            </a:r>
-          </a:p>
-          <a:p>
-            <a:r>
-              <a:rPr lang="hu-HU" sz="2200"/>
-              <a:t>Közlekedés és mobilitás</a:t>
-            </a:r>
+              <a:t>klaszterenként ábra újra</a:t>
+            </a:r>
+            <a:endParaRPr lang="hu-HU" sz="2200" dirty="0"/>
+          </a:p>
+          <a:p>
+            <a:endParaRPr lang="hu-HU" sz="2200" dirty="0"/>
           </a:p>
         </p:txBody>
       </p:sp>
@@ -5764,7 +5105,7 @@
           <p:cNvPr id="4" name="Dátum helye 3">
             <a:extLst>
               <a:ext uri="{FF2B5EF4-FFF2-40B4-BE49-F238E27FC236}">
-                <a16:creationId xmlns:a16="http://schemas.microsoft.com/office/drawing/2014/main" id="{14306762-26D1-759F-7887-9DA5539F5B3E}"/>
+                <a16:creationId xmlns:a16="http://schemas.microsoft.com/office/drawing/2014/main" id="{947A7BAD-EA9D-68F0-CECB-EF554EE80004}"/>
               </a:ext>
             </a:extLst>
           </p:cNvPr>
@@ -5792,9 +5133,14 @@
                 <a:spcPts val="600"/>
               </a:spcAft>
             </a:pPr>
-            <a:fld id="{CE5796CF-F91D-8A43-BBA8-BA92F2D3E001}" type="datetime1">
+            <a:fld id="{66445694-FCB9-A642-8FF4-42EEC02622E4}" type="datetime1">
               <a:rPr lang="hu-HU" smtClean="0"/>
-              <a:t>2025. 05. 04.</a:t>
+              <a:pPr>
+                <a:spcAft>
+                  <a:spcPts val="600"/>
+                </a:spcAft>
+              </a:pPr>
+              <a:t>2025. 05. 06.</a:t>
             </a:fld>
             <a:endParaRPr lang="hu-HU"/>
           </a:p>
@@ -5805,7 +5151,7 @@
           <p:cNvPr id="5" name="Élőláb helye 4">
             <a:extLst>
               <a:ext uri="{FF2B5EF4-FFF2-40B4-BE49-F238E27FC236}">
-                <a16:creationId xmlns:a16="http://schemas.microsoft.com/office/drawing/2014/main" id="{D312C130-79E2-AC15-56B6-68539B67D660}"/>
+                <a16:creationId xmlns:a16="http://schemas.microsoft.com/office/drawing/2014/main" id="{76530E8E-9331-B191-5D46-D2B038DA1B12}"/>
               </a:ext>
             </a:extLst>
           </p:cNvPr>
@@ -5837,7 +5183,7 @@
           <p:cNvPr id="6" name="Dia számának helye 5">
             <a:extLst>
               <a:ext uri="{FF2B5EF4-FFF2-40B4-BE49-F238E27FC236}">
-                <a16:creationId xmlns:a16="http://schemas.microsoft.com/office/drawing/2014/main" id="{8AAD0207-4F08-E9ED-431D-8FC430E768FA}"/>
+                <a16:creationId xmlns:a16="http://schemas.microsoft.com/office/drawing/2014/main" id="{F74F06FC-D9D0-8861-506F-A7AEF1B8299B}"/>
               </a:ext>
             </a:extLst>
           </p:cNvPr>
@@ -5872,7 +5218,7 @@
                   <a:spcPts val="600"/>
                 </a:spcAft>
               </a:pPr>
-              <a:t>3</a:t>
+              <a:t>10</a:t>
             </a:fld>
             <a:endParaRPr lang="hu-HU"/>
           </a:p>
@@ -5881,7 +5227,7 @@
     </p:spTree>
     <p:extLst>
       <p:ext uri="{BB962C8B-B14F-4D97-AF65-F5344CB8AC3E}">
-        <p14:creationId xmlns:p14="http://schemas.microsoft.com/office/powerpoint/2010/main" val="3616475312"/>
+        <p14:creationId xmlns:p14="http://schemas.microsoft.com/office/powerpoint/2010/main" val="387354445"/>
       </p:ext>
     </p:extLst>
   </p:cSld>
@@ -5891,7 +5237,7 @@
 </p:sld>
 </file>
 
-<file path=ppt/slides/slide4.xml><?xml version="1.0" encoding="utf-8"?>
+<file path=ppt/slides/slide11.xml><?xml version="1.0" encoding="utf-8"?>
 <p:sld xmlns:a="http://schemas.openxmlformats.org/drawingml/2006/main" xmlns:r="http://schemas.openxmlformats.org/officeDocument/2006/relationships" xmlns:p="http://schemas.openxmlformats.org/presentationml/2006/main">
   <p:cSld>
     <p:bg>
@@ -5918,577 +5264,10 @@
       </p:grpSpPr>
       <p:sp useBgFill="1">
         <p:nvSpPr>
-          <p:cNvPr id="14" name="Rectangle 13">
-            <a:extLst>
-              <a:ext uri="{FF2B5EF4-FFF2-40B4-BE49-F238E27FC236}">
-                <a16:creationId xmlns:a16="http://schemas.microsoft.com/office/drawing/2014/main" id="{2B97F24A-32CE-4C1C-A50D-3016B394DCFB}"/>
-              </a:ext>
-              <a:ext uri="{C183D7F6-B498-43B3-948B-1728B52AA6E4}">
-                <adec:decorative xmlns:adec="http://schemas.microsoft.com/office/drawing/2017/decorative" val="1"/>
-              </a:ext>
-            </a:extLst>
-          </p:cNvPr>
-          <p:cNvSpPr>
-            <a:spLocks noGrp="1" noRot="1" noChangeAspect="1" noMove="1" noResize="1" noEditPoints="1" noAdjustHandles="1" noChangeArrowheads="1" noChangeShapeType="1" noTextEdit="1"/>
-          </p:cNvSpPr>
-          <p:nvPr>
-            <p:extLst>
-              <p:ext uri="{386F3935-93C4-4BCD-93E2-E3B085C9AB24}">
-                <p16:designElem xmlns:p16="http://schemas.microsoft.com/office/powerpoint/2015/main" val="1"/>
-              </p:ext>
-            </p:extLst>
-          </p:nvPr>
-        </p:nvSpPr>
-        <p:spPr>
-          <a:xfrm>
-            <a:off x="0" y="0"/>
-            <a:ext cx="12192000" cy="6858000"/>
-          </a:xfrm>
-          <a:prstGeom prst="rect">
-            <a:avLst/>
-          </a:prstGeom>
-          <a:ln>
-            <a:noFill/>
-          </a:ln>
-        </p:spPr>
-        <p:style>
-          <a:lnRef idx="2">
-            <a:schemeClr val="accent1">
-              <a:shade val="50000"/>
-            </a:schemeClr>
-          </a:lnRef>
-          <a:fillRef idx="1">
-            <a:schemeClr val="accent1"/>
-          </a:fillRef>
-          <a:effectRef idx="0">
-            <a:schemeClr val="accent1"/>
-          </a:effectRef>
-          <a:fontRef idx="minor">
-            <a:schemeClr val="lt1"/>
-          </a:fontRef>
-        </p:style>
-        <p:txBody>
-          <a:bodyPr rtlCol="0" anchor="ctr"/>
-          <a:lstStyle/>
-          <a:p>
-            <a:pPr algn="ctr"/>
-            <a:endParaRPr lang="en-US"/>
-          </a:p>
-        </p:txBody>
-      </p:sp>
-      <p:sp>
-        <p:nvSpPr>
-          <p:cNvPr id="2" name="Cím 1">
-            <a:extLst>
-              <a:ext uri="{FF2B5EF4-FFF2-40B4-BE49-F238E27FC236}">
-                <a16:creationId xmlns:a16="http://schemas.microsoft.com/office/drawing/2014/main" id="{55307F71-2F65-8A10-5DA2-6465F3416218}"/>
-              </a:ext>
-            </a:extLst>
-          </p:cNvPr>
-          <p:cNvSpPr>
-            <a:spLocks noGrp="1"/>
-          </p:cNvSpPr>
-          <p:nvPr>
-            <p:ph type="title"/>
-          </p:nvPr>
-        </p:nvSpPr>
-        <p:spPr>
-          <a:xfrm>
-            <a:off x="630936" y="639520"/>
-            <a:ext cx="3429000" cy="1719072"/>
-          </a:xfrm>
-        </p:spPr>
-        <p:txBody>
-          <a:bodyPr anchor="b">
-            <a:normAutofit/>
-          </a:bodyPr>
-          <a:lstStyle/>
-          <a:p>
-            <a:r>
-              <a:rPr lang="hu-HU" sz="3800" dirty="0" err="1"/>
-              <a:t>State</a:t>
-            </a:r>
-            <a:r>
-              <a:rPr lang="hu-HU" sz="3800" dirty="0"/>
-              <a:t>-of-</a:t>
-            </a:r>
-            <a:r>
-              <a:rPr lang="hu-HU" sz="3800" dirty="0" err="1"/>
-              <a:t>the</a:t>
-            </a:r>
-            <a:r>
-              <a:rPr lang="hu-HU" sz="3800" dirty="0"/>
-              <a:t>-art algoritmusok</a:t>
-            </a:r>
-          </a:p>
-        </p:txBody>
-      </p:sp>
-      <p:sp>
-        <p:nvSpPr>
-          <p:cNvPr id="16" name="sketch line">
-            <a:extLst>
-              <a:ext uri="{FF2B5EF4-FFF2-40B4-BE49-F238E27FC236}">
-                <a16:creationId xmlns:a16="http://schemas.microsoft.com/office/drawing/2014/main" id="{CD8B4F24-440B-49E9-B85D-733523DC064B}"/>
-              </a:ext>
-              <a:ext uri="{C183D7F6-B498-43B3-948B-1728B52AA6E4}">
-                <adec:decorative xmlns:adec="http://schemas.microsoft.com/office/drawing/2017/decorative" val="1"/>
-              </a:ext>
-            </a:extLst>
-          </p:cNvPr>
-          <p:cNvSpPr>
-            <a:spLocks noGrp="1" noRot="1" noChangeAspect="1" noMove="1" noResize="1" noEditPoints="1" noAdjustHandles="1" noChangeArrowheads="1" noChangeShapeType="1" noTextEdit="1"/>
-          </p:cNvSpPr>
-          <p:nvPr>
-            <p:extLst>
-              <p:ext uri="{386F3935-93C4-4BCD-93E2-E3B085C9AB24}">
-                <p16:designElem xmlns:p16="http://schemas.microsoft.com/office/powerpoint/2015/main" val="1"/>
-              </p:ext>
-            </p:extLst>
-          </p:nvPr>
-        </p:nvSpPr>
-        <p:spPr>
-          <a:xfrm>
-            <a:off x="643278" y="2573756"/>
-            <a:ext cx="3255095" cy="18288"/>
-          </a:xfrm>
-          <a:custGeom>
-            <a:avLst/>
-            <a:gdLst>
-              <a:gd name="connsiteX0" fmla="*/ 0 w 3255095"/>
-              <a:gd name="connsiteY0" fmla="*/ 0 h 18288"/>
-              <a:gd name="connsiteX1" fmla="*/ 618468 w 3255095"/>
-              <a:gd name="connsiteY1" fmla="*/ 0 h 18288"/>
-              <a:gd name="connsiteX2" fmla="*/ 1269487 w 3255095"/>
-              <a:gd name="connsiteY2" fmla="*/ 0 h 18288"/>
-              <a:gd name="connsiteX3" fmla="*/ 1953057 w 3255095"/>
-              <a:gd name="connsiteY3" fmla="*/ 0 h 18288"/>
-              <a:gd name="connsiteX4" fmla="*/ 2636627 w 3255095"/>
-              <a:gd name="connsiteY4" fmla="*/ 0 h 18288"/>
-              <a:gd name="connsiteX5" fmla="*/ 3255095 w 3255095"/>
-              <a:gd name="connsiteY5" fmla="*/ 0 h 18288"/>
-              <a:gd name="connsiteX6" fmla="*/ 3255095 w 3255095"/>
-              <a:gd name="connsiteY6" fmla="*/ 18288 h 18288"/>
-              <a:gd name="connsiteX7" fmla="*/ 2538974 w 3255095"/>
-              <a:gd name="connsiteY7" fmla="*/ 18288 h 18288"/>
-              <a:gd name="connsiteX8" fmla="*/ 1822853 w 3255095"/>
-              <a:gd name="connsiteY8" fmla="*/ 18288 h 18288"/>
-              <a:gd name="connsiteX9" fmla="*/ 1171834 w 3255095"/>
-              <a:gd name="connsiteY9" fmla="*/ 18288 h 18288"/>
-              <a:gd name="connsiteX10" fmla="*/ 0 w 3255095"/>
-              <a:gd name="connsiteY10" fmla="*/ 18288 h 18288"/>
-              <a:gd name="connsiteX11" fmla="*/ 0 w 3255095"/>
-              <a:gd name="connsiteY11" fmla="*/ 0 h 18288"/>
-            </a:gdLst>
-            <a:ahLst/>
-            <a:cxnLst>
-              <a:cxn ang="0">
-                <a:pos x="connsiteX0" y="connsiteY0"/>
-              </a:cxn>
-              <a:cxn ang="0">
-                <a:pos x="connsiteX1" y="connsiteY1"/>
-              </a:cxn>
-              <a:cxn ang="0">
-                <a:pos x="connsiteX2" y="connsiteY2"/>
-              </a:cxn>
-              <a:cxn ang="0">
-                <a:pos x="connsiteX3" y="connsiteY3"/>
-              </a:cxn>
-              <a:cxn ang="0">
-                <a:pos x="connsiteX4" y="connsiteY4"/>
-              </a:cxn>
-              <a:cxn ang="0">
-                <a:pos x="connsiteX5" y="connsiteY5"/>
-              </a:cxn>
-              <a:cxn ang="0">
-                <a:pos x="connsiteX6" y="connsiteY6"/>
-              </a:cxn>
-              <a:cxn ang="0">
-                <a:pos x="connsiteX7" y="connsiteY7"/>
-              </a:cxn>
-              <a:cxn ang="0">
-                <a:pos x="connsiteX8" y="connsiteY8"/>
-              </a:cxn>
-              <a:cxn ang="0">
-                <a:pos x="connsiteX9" y="connsiteY9"/>
-              </a:cxn>
-              <a:cxn ang="0">
-                <a:pos x="connsiteX10" y="connsiteY10"/>
-              </a:cxn>
-              <a:cxn ang="0">
-                <a:pos x="connsiteX11" y="connsiteY11"/>
-              </a:cxn>
-            </a:cxnLst>
-            <a:rect l="l" t="t" r="r" b="b"/>
-            <a:pathLst>
-              <a:path w="3255095" h="18288" fill="none" extrusionOk="0">
-                <a:moveTo>
-                  <a:pt x="0" y="0"/>
-                </a:moveTo>
-                <a:cubicBezTo>
-                  <a:pt x="240201" y="-22123"/>
-                  <a:pt x="462021" y="-19623"/>
-                  <a:pt x="618468" y="0"/>
-                </a:cubicBezTo>
-                <a:cubicBezTo>
-                  <a:pt x="774915" y="19623"/>
-                  <a:pt x="974734" y="2035"/>
-                  <a:pt x="1269487" y="0"/>
-                </a:cubicBezTo>
-                <a:cubicBezTo>
-                  <a:pt x="1564240" y="-2035"/>
-                  <a:pt x="1733579" y="10639"/>
-                  <a:pt x="1953057" y="0"/>
-                </a:cubicBezTo>
-                <a:cubicBezTo>
-                  <a:pt x="2172535" y="-10639"/>
-                  <a:pt x="2453962" y="14018"/>
-                  <a:pt x="2636627" y="0"/>
-                </a:cubicBezTo>
-                <a:cubicBezTo>
-                  <a:pt x="2819292" y="-14018"/>
-                  <a:pt x="3121375" y="5399"/>
-                  <a:pt x="3255095" y="0"/>
-                </a:cubicBezTo>
-                <a:cubicBezTo>
-                  <a:pt x="3254386" y="8157"/>
-                  <a:pt x="3254682" y="12125"/>
-                  <a:pt x="3255095" y="18288"/>
-                </a:cubicBezTo>
-                <a:cubicBezTo>
-                  <a:pt x="3088545" y="23203"/>
-                  <a:pt x="2687475" y="7419"/>
-                  <a:pt x="2538974" y="18288"/>
-                </a:cubicBezTo>
-                <a:cubicBezTo>
-                  <a:pt x="2390473" y="29157"/>
-                  <a:pt x="2137381" y="-8959"/>
-                  <a:pt x="1822853" y="18288"/>
-                </a:cubicBezTo>
-                <a:cubicBezTo>
-                  <a:pt x="1508325" y="45535"/>
-                  <a:pt x="1466437" y="20385"/>
-                  <a:pt x="1171834" y="18288"/>
-                </a:cubicBezTo>
-                <a:cubicBezTo>
-                  <a:pt x="877231" y="16191"/>
-                  <a:pt x="561097" y="37643"/>
-                  <a:pt x="0" y="18288"/>
-                </a:cubicBezTo>
-                <a:cubicBezTo>
-                  <a:pt x="-46" y="12483"/>
-                  <a:pt x="-203" y="6491"/>
-                  <a:pt x="0" y="0"/>
-                </a:cubicBezTo>
-                <a:close/>
-              </a:path>
-              <a:path w="3255095" h="18288" stroke="0" extrusionOk="0">
-                <a:moveTo>
-                  <a:pt x="0" y="0"/>
-                </a:moveTo>
-                <a:cubicBezTo>
-                  <a:pt x="291965" y="19429"/>
-                  <a:pt x="363155" y="8568"/>
-                  <a:pt x="618468" y="0"/>
-                </a:cubicBezTo>
-                <a:cubicBezTo>
-                  <a:pt x="873781" y="-8568"/>
-                  <a:pt x="904459" y="-19505"/>
-                  <a:pt x="1171834" y="0"/>
-                </a:cubicBezTo>
-                <a:cubicBezTo>
-                  <a:pt x="1439209" y="19505"/>
-                  <a:pt x="1744369" y="9790"/>
-                  <a:pt x="1887955" y="0"/>
-                </a:cubicBezTo>
-                <a:cubicBezTo>
-                  <a:pt x="2031541" y="-9790"/>
-                  <a:pt x="2346378" y="21240"/>
-                  <a:pt x="2506423" y="0"/>
-                </a:cubicBezTo>
-                <a:cubicBezTo>
-                  <a:pt x="2666468" y="-21240"/>
-                  <a:pt x="2990257" y="30414"/>
-                  <a:pt x="3255095" y="0"/>
-                </a:cubicBezTo>
-                <a:cubicBezTo>
-                  <a:pt x="3254831" y="4493"/>
-                  <a:pt x="3255479" y="9472"/>
-                  <a:pt x="3255095" y="18288"/>
-                </a:cubicBezTo>
-                <a:cubicBezTo>
-                  <a:pt x="3120743" y="16690"/>
-                  <a:pt x="2759628" y="42462"/>
-                  <a:pt x="2604076" y="18288"/>
-                </a:cubicBezTo>
-                <a:cubicBezTo>
-                  <a:pt x="2448524" y="-5886"/>
-                  <a:pt x="2184336" y="19599"/>
-                  <a:pt x="1887955" y="18288"/>
-                </a:cubicBezTo>
-                <a:cubicBezTo>
-                  <a:pt x="1591574" y="16977"/>
-                  <a:pt x="1548845" y="6870"/>
-                  <a:pt x="1334589" y="18288"/>
-                </a:cubicBezTo>
-                <a:cubicBezTo>
-                  <a:pt x="1120333" y="29706"/>
-                  <a:pt x="996014" y="9662"/>
-                  <a:pt x="683570" y="18288"/>
-                </a:cubicBezTo>
-                <a:cubicBezTo>
-                  <a:pt x="371126" y="26914"/>
-                  <a:pt x="198687" y="16167"/>
-                  <a:pt x="0" y="18288"/>
-                </a:cubicBezTo>
-                <a:cubicBezTo>
-                  <a:pt x="843" y="9577"/>
-                  <a:pt x="371" y="6900"/>
-                  <a:pt x="0" y="0"/>
-                </a:cubicBezTo>
-                <a:close/>
-              </a:path>
-            </a:pathLst>
-          </a:custGeom>
-          <a:solidFill>
-            <a:schemeClr val="accent2"/>
-          </a:solidFill>
-          <a:ln w="38100" cap="rnd">
-            <a:solidFill>
-              <a:schemeClr val="accent2"/>
-            </a:solidFill>
-            <a:round/>
-            <a:extLst>
-              <a:ext uri="{C807C97D-BFC1-408E-A445-0C87EB9F89A2}">
-                <ask:lineSketchStyleProps xmlns:ask="http://schemas.microsoft.com/office/drawing/2018/sketchyshapes" sd="1219033472">
-                  <a:prstGeom prst="rect">
-                    <a:avLst/>
-                  </a:prstGeom>
-                  <ask:type>
-                    <ask:lineSketchFreehand/>
-                  </ask:type>
-                </ask:lineSketchStyleProps>
-              </a:ext>
-            </a:extLst>
-          </a:ln>
-        </p:spPr>
-        <p:style>
-          <a:lnRef idx="2">
-            <a:schemeClr val="accent1">
-              <a:shade val="50000"/>
-            </a:schemeClr>
-          </a:lnRef>
-          <a:fillRef idx="1">
-            <a:schemeClr val="accent1"/>
-          </a:fillRef>
-          <a:effectRef idx="0">
-            <a:schemeClr val="accent1"/>
-          </a:effectRef>
-          <a:fontRef idx="minor">
-            <a:schemeClr val="lt1"/>
-          </a:fontRef>
-        </p:style>
-        <p:txBody>
-          <a:bodyPr rtlCol="0" anchor="ctr"/>
-          <a:lstStyle/>
-          <a:p>
-            <a:pPr algn="ctr"/>
-            <a:endParaRPr lang="en-US"/>
-          </a:p>
-        </p:txBody>
-      </p:sp>
-      <p:pic>
-        <p:nvPicPr>
-          <p:cNvPr id="7" name="Tartalom helye 6">
-            <a:extLst>
-              <a:ext uri="{FF2B5EF4-FFF2-40B4-BE49-F238E27FC236}">
-                <a16:creationId xmlns:a16="http://schemas.microsoft.com/office/drawing/2014/main" id="{2F0BFB7E-E288-130A-FD76-39A2836BD73B}"/>
-              </a:ext>
-            </a:extLst>
-          </p:cNvPr>
-          <p:cNvPicPr>
-            <a:picLocks noChangeAspect="1"/>
-          </p:cNvPicPr>
-          <p:nvPr/>
-        </p:nvPicPr>
-        <p:blipFill>
-          <a:blip r:embed="rId2"/>
-          <a:stretch>
-            <a:fillRect/>
-          </a:stretch>
-        </p:blipFill>
-        <p:spPr>
-          <a:xfrm>
-            <a:off x="4059936" y="1177492"/>
-            <a:ext cx="7791318" cy="3486613"/>
-          </a:xfrm>
-          <a:prstGeom prst="rect">
-            <a:avLst/>
-          </a:prstGeom>
-        </p:spPr>
-      </p:pic>
-      <p:sp>
-        <p:nvSpPr>
-          <p:cNvPr id="4" name="Dátum helye 3">
-            <a:extLst>
-              <a:ext uri="{FF2B5EF4-FFF2-40B4-BE49-F238E27FC236}">
-                <a16:creationId xmlns:a16="http://schemas.microsoft.com/office/drawing/2014/main" id="{9C6929A2-EE6F-7693-4A2A-E4BF54806160}"/>
-              </a:ext>
-            </a:extLst>
-          </p:cNvPr>
-          <p:cNvSpPr>
-            <a:spLocks noGrp="1"/>
-          </p:cNvSpPr>
-          <p:nvPr>
-            <p:ph type="dt" sz="half" idx="10"/>
-          </p:nvPr>
-        </p:nvSpPr>
-        <p:spPr>
-          <a:xfrm>
-            <a:off x="838200" y="6356350"/>
-            <a:ext cx="2743200" cy="365125"/>
-          </a:xfrm>
-        </p:spPr>
-        <p:txBody>
-          <a:bodyPr>
-            <a:normAutofit/>
-          </a:bodyPr>
-          <a:lstStyle/>
-          <a:p>
-            <a:pPr>
-              <a:spcAft>
-                <a:spcPts val="600"/>
-              </a:spcAft>
-            </a:pPr>
-            <a:fld id="{F6C20065-8D22-D348-8CD3-A180C3961739}" type="datetime1">
-              <a:rPr lang="hu-HU" smtClean="0"/>
-              <a:t>2025. 05. 04.</a:t>
-            </a:fld>
-            <a:endParaRPr lang="hu-HU"/>
-          </a:p>
-        </p:txBody>
-      </p:sp>
-      <p:sp>
-        <p:nvSpPr>
-          <p:cNvPr id="5" name="Élőláb helye 4">
-            <a:extLst>
-              <a:ext uri="{FF2B5EF4-FFF2-40B4-BE49-F238E27FC236}">
-                <a16:creationId xmlns:a16="http://schemas.microsoft.com/office/drawing/2014/main" id="{EBC77B0E-C970-9E2B-9E3E-66287B457963}"/>
-              </a:ext>
-            </a:extLst>
-          </p:cNvPr>
-          <p:cNvSpPr>
-            <a:spLocks noGrp="1"/>
-          </p:cNvSpPr>
-          <p:nvPr>
-            <p:ph type="ftr" sz="quarter" idx="11"/>
-          </p:nvPr>
-        </p:nvSpPr>
-        <p:spPr>
-          <a:xfrm>
-            <a:off x="4038600" y="6356350"/>
-            <a:ext cx="4114800" cy="365125"/>
-          </a:xfrm>
-        </p:spPr>
-        <p:txBody>
-          <a:bodyPr>
-            <a:normAutofit/>
-          </a:bodyPr>
-          <a:lstStyle/>
-          <a:p>
-            <a:endParaRPr lang="hu-HU"/>
-          </a:p>
-        </p:txBody>
-      </p:sp>
-      <p:sp>
-        <p:nvSpPr>
-          <p:cNvPr id="6" name="Dia számának helye 5">
-            <a:extLst>
-              <a:ext uri="{FF2B5EF4-FFF2-40B4-BE49-F238E27FC236}">
-                <a16:creationId xmlns:a16="http://schemas.microsoft.com/office/drawing/2014/main" id="{7D71BE4E-F3F2-B2B7-DFA8-E1B679AC0765}"/>
-              </a:ext>
-            </a:extLst>
-          </p:cNvPr>
-          <p:cNvSpPr>
-            <a:spLocks noGrp="1"/>
-          </p:cNvSpPr>
-          <p:nvPr>
-            <p:ph type="sldNum" sz="quarter" idx="12"/>
-          </p:nvPr>
-        </p:nvSpPr>
-        <p:spPr>
-          <a:xfrm>
-            <a:off x="8610600" y="6356350"/>
-            <a:ext cx="2743200" cy="365125"/>
-          </a:xfrm>
-        </p:spPr>
-        <p:txBody>
-          <a:bodyPr>
-            <a:normAutofit/>
-          </a:bodyPr>
-          <a:lstStyle/>
-          <a:p>
-            <a:pPr>
-              <a:spcAft>
-                <a:spcPts val="600"/>
-              </a:spcAft>
-            </a:pPr>
-            <a:fld id="{2BF5634A-3FEB-2145-92F8-FA1760146F41}" type="slidenum">
-              <a:rPr lang="hu-HU" smtClean="0"/>
-              <a:pPr>
-                <a:spcAft>
-                  <a:spcPts val="600"/>
-                </a:spcAft>
-              </a:pPr>
-              <a:t>4</a:t>
-            </a:fld>
-            <a:endParaRPr lang="hu-HU"/>
-          </a:p>
-        </p:txBody>
-      </p:sp>
-    </p:spTree>
-    <p:extLst>
-      <p:ext uri="{BB962C8B-B14F-4D97-AF65-F5344CB8AC3E}">
-        <p14:creationId xmlns:p14="http://schemas.microsoft.com/office/powerpoint/2010/main" val="2820905864"/>
-      </p:ext>
-    </p:extLst>
-  </p:cSld>
-  <p:clrMapOvr>
-    <a:masterClrMapping/>
-  </p:clrMapOvr>
-</p:sld>
-</file>
-
-<file path=ppt/slides/slide5.xml><?xml version="1.0" encoding="utf-8"?>
-<p:sld xmlns:a="http://schemas.openxmlformats.org/drawingml/2006/main" xmlns:r="http://schemas.openxmlformats.org/officeDocument/2006/relationships" xmlns:p="http://schemas.openxmlformats.org/presentationml/2006/main">
-  <p:cSld>
-    <p:bg>
-      <p:bgPr>
-        <a:solidFill>
-          <a:schemeClr val="bg1"/>
-        </a:solidFill>
-        <a:effectLst/>
-      </p:bgPr>
-    </p:bg>
-    <p:spTree>
-      <p:nvGrpSpPr>
-        <p:cNvPr id="1" name=""/>
-        <p:cNvGrpSpPr/>
-        <p:nvPr/>
-      </p:nvGrpSpPr>
-      <p:grpSpPr>
-        <a:xfrm>
-          <a:off x="0" y="0"/>
-          <a:ext cx="0" cy="0"/>
-          <a:chOff x="0" y="0"/>
-          <a:chExt cx="0" cy="0"/>
-        </a:xfrm>
-      </p:grpSpPr>
-      <p:sp useBgFill="1">
-        <p:nvSpPr>
-          <p:cNvPr id="11" name="Rectangle 10">
-            <a:extLst>
-              <a:ext uri="{FF2B5EF4-FFF2-40B4-BE49-F238E27FC236}">
-                <a16:creationId xmlns:a16="http://schemas.microsoft.com/office/drawing/2014/main" id="{100EDD19-6802-4EC3-95CE-CFFAB042CFD6}"/>
+          <p:cNvPr id="8" name="Rectangle 7">
+            <a:extLst>
+              <a:ext uri="{FF2B5EF4-FFF2-40B4-BE49-F238E27FC236}">
+                <a16:creationId xmlns:a16="http://schemas.microsoft.com/office/drawing/2014/main" id="{943CAA20-3569-4189-9E48-239A229A86CA}"/>
               </a:ext>
               <a:ext uri="{C183D7F6-B498-43B3-948B-1728B52AA6E4}">
                 <adec:decorative xmlns:adec="http://schemas.microsoft.com/office/drawing/2017/decorative" val="1"/>
@@ -6548,7 +5327,514 @@
           <p:cNvPr id="2" name="Cím 1">
             <a:extLst>
               <a:ext uri="{FF2B5EF4-FFF2-40B4-BE49-F238E27FC236}">
-                <a16:creationId xmlns:a16="http://schemas.microsoft.com/office/drawing/2014/main" id="{04497B56-7986-020E-C58E-EF68F5995859}"/>
+                <a16:creationId xmlns:a16="http://schemas.microsoft.com/office/drawing/2014/main" id="{BA96C935-7572-9841-9BBB-DDB87752FCA9}"/>
+              </a:ext>
+            </a:extLst>
+          </p:cNvPr>
+          <p:cNvSpPr>
+            <a:spLocks noGrp="1"/>
+          </p:cNvSpPr>
+          <p:nvPr>
+            <p:ph type="ctrTitle"/>
+          </p:nvPr>
+        </p:nvSpPr>
+        <p:spPr>
+          <a:xfrm>
+            <a:off x="838200" y="451381"/>
+            <a:ext cx="10512552" cy="4066540"/>
+          </a:xfrm>
+        </p:spPr>
+        <p:txBody>
+          <a:bodyPr anchor="b">
+            <a:normAutofit/>
+          </a:bodyPr>
+          <a:lstStyle/>
+          <a:p>
+            <a:pPr algn="l"/>
+            <a:r>
+              <a:rPr lang="hu-HU" sz="6600" dirty="0"/>
+              <a:t>Köszönöm szépen a figyelmet!</a:t>
+            </a:r>
+          </a:p>
+        </p:txBody>
+      </p:sp>
+      <p:sp>
+        <p:nvSpPr>
+          <p:cNvPr id="10" name="sketch line">
+            <a:extLst>
+              <a:ext uri="{FF2B5EF4-FFF2-40B4-BE49-F238E27FC236}">
+                <a16:creationId xmlns:a16="http://schemas.microsoft.com/office/drawing/2014/main" id="{DA542B6D-E775-4832-91DC-2D20F857813A}"/>
+              </a:ext>
+              <a:ext uri="{C183D7F6-B498-43B3-948B-1728B52AA6E4}">
+                <adec:decorative xmlns:adec="http://schemas.microsoft.com/office/drawing/2017/decorative" val="1"/>
+              </a:ext>
+            </a:extLst>
+          </p:cNvPr>
+          <p:cNvSpPr>
+            <a:spLocks noGrp="1" noRot="1" noChangeAspect="1" noMove="1" noResize="1" noEditPoints="1" noAdjustHandles="1" noChangeArrowheads="1" noChangeShapeType="1" noTextEdit="1"/>
+          </p:cNvSpPr>
+          <p:nvPr>
+            <p:extLst>
+              <p:ext uri="{386F3935-93C4-4BCD-93E2-E3B085C9AB24}">
+                <p16:designElem xmlns:p16="http://schemas.microsoft.com/office/powerpoint/2015/main" val="1"/>
+              </p:ext>
+            </p:extLst>
+          </p:nvPr>
+        </p:nvSpPr>
+        <p:spPr>
+          <a:xfrm>
+            <a:off x="838200" y="4718595"/>
+            <a:ext cx="5410200" cy="18288"/>
+          </a:xfrm>
+          <a:custGeom>
+            <a:avLst/>
+            <a:gdLst>
+              <a:gd name="connsiteX0" fmla="*/ 0 w 5410200"/>
+              <a:gd name="connsiteY0" fmla="*/ 0 h 18288"/>
+              <a:gd name="connsiteX1" fmla="*/ 568071 w 5410200"/>
+              <a:gd name="connsiteY1" fmla="*/ 0 h 18288"/>
+              <a:gd name="connsiteX2" fmla="*/ 1298448 w 5410200"/>
+              <a:gd name="connsiteY2" fmla="*/ 0 h 18288"/>
+              <a:gd name="connsiteX3" fmla="*/ 1920621 w 5410200"/>
+              <a:gd name="connsiteY3" fmla="*/ 0 h 18288"/>
+              <a:gd name="connsiteX4" fmla="*/ 2488692 w 5410200"/>
+              <a:gd name="connsiteY4" fmla="*/ 0 h 18288"/>
+              <a:gd name="connsiteX5" fmla="*/ 3219069 w 5410200"/>
+              <a:gd name="connsiteY5" fmla="*/ 0 h 18288"/>
+              <a:gd name="connsiteX6" fmla="*/ 3895344 w 5410200"/>
+              <a:gd name="connsiteY6" fmla="*/ 0 h 18288"/>
+              <a:gd name="connsiteX7" fmla="*/ 4571619 w 5410200"/>
+              <a:gd name="connsiteY7" fmla="*/ 0 h 18288"/>
+              <a:gd name="connsiteX8" fmla="*/ 5410200 w 5410200"/>
+              <a:gd name="connsiteY8" fmla="*/ 0 h 18288"/>
+              <a:gd name="connsiteX9" fmla="*/ 5410200 w 5410200"/>
+              <a:gd name="connsiteY9" fmla="*/ 18288 h 18288"/>
+              <a:gd name="connsiteX10" fmla="*/ 4842129 w 5410200"/>
+              <a:gd name="connsiteY10" fmla="*/ 18288 h 18288"/>
+              <a:gd name="connsiteX11" fmla="*/ 4328160 w 5410200"/>
+              <a:gd name="connsiteY11" fmla="*/ 18288 h 18288"/>
+              <a:gd name="connsiteX12" fmla="*/ 3597783 w 5410200"/>
+              <a:gd name="connsiteY12" fmla="*/ 18288 h 18288"/>
+              <a:gd name="connsiteX13" fmla="*/ 3029712 w 5410200"/>
+              <a:gd name="connsiteY13" fmla="*/ 18288 h 18288"/>
+              <a:gd name="connsiteX14" fmla="*/ 2299335 w 5410200"/>
+              <a:gd name="connsiteY14" fmla="*/ 18288 h 18288"/>
+              <a:gd name="connsiteX15" fmla="*/ 1514856 w 5410200"/>
+              <a:gd name="connsiteY15" fmla="*/ 18288 h 18288"/>
+              <a:gd name="connsiteX16" fmla="*/ 892683 w 5410200"/>
+              <a:gd name="connsiteY16" fmla="*/ 18288 h 18288"/>
+              <a:gd name="connsiteX17" fmla="*/ 0 w 5410200"/>
+              <a:gd name="connsiteY17" fmla="*/ 18288 h 18288"/>
+              <a:gd name="connsiteX18" fmla="*/ 0 w 5410200"/>
+              <a:gd name="connsiteY18" fmla="*/ 0 h 18288"/>
+            </a:gdLst>
+            <a:ahLst/>
+            <a:cxnLst>
+              <a:cxn ang="0">
+                <a:pos x="connsiteX0" y="connsiteY0"/>
+              </a:cxn>
+              <a:cxn ang="0">
+                <a:pos x="connsiteX1" y="connsiteY1"/>
+              </a:cxn>
+              <a:cxn ang="0">
+                <a:pos x="connsiteX2" y="connsiteY2"/>
+              </a:cxn>
+              <a:cxn ang="0">
+                <a:pos x="connsiteX3" y="connsiteY3"/>
+              </a:cxn>
+              <a:cxn ang="0">
+                <a:pos x="connsiteX4" y="connsiteY4"/>
+              </a:cxn>
+              <a:cxn ang="0">
+                <a:pos x="connsiteX5" y="connsiteY5"/>
+              </a:cxn>
+              <a:cxn ang="0">
+                <a:pos x="connsiteX6" y="connsiteY6"/>
+              </a:cxn>
+              <a:cxn ang="0">
+                <a:pos x="connsiteX7" y="connsiteY7"/>
+              </a:cxn>
+              <a:cxn ang="0">
+                <a:pos x="connsiteX8" y="connsiteY8"/>
+              </a:cxn>
+              <a:cxn ang="0">
+                <a:pos x="connsiteX9" y="connsiteY9"/>
+              </a:cxn>
+              <a:cxn ang="0">
+                <a:pos x="connsiteX10" y="connsiteY10"/>
+              </a:cxn>
+              <a:cxn ang="0">
+                <a:pos x="connsiteX11" y="connsiteY11"/>
+              </a:cxn>
+              <a:cxn ang="0">
+                <a:pos x="connsiteX12" y="connsiteY12"/>
+              </a:cxn>
+              <a:cxn ang="0">
+                <a:pos x="connsiteX13" y="connsiteY13"/>
+              </a:cxn>
+              <a:cxn ang="0">
+                <a:pos x="connsiteX14" y="connsiteY14"/>
+              </a:cxn>
+              <a:cxn ang="0">
+                <a:pos x="connsiteX15" y="connsiteY15"/>
+              </a:cxn>
+              <a:cxn ang="0">
+                <a:pos x="connsiteX16" y="connsiteY16"/>
+              </a:cxn>
+              <a:cxn ang="0">
+                <a:pos x="connsiteX17" y="connsiteY17"/>
+              </a:cxn>
+              <a:cxn ang="0">
+                <a:pos x="connsiteX18" y="connsiteY18"/>
+              </a:cxn>
+            </a:cxnLst>
+            <a:rect l="l" t="t" r="r" b="b"/>
+            <a:pathLst>
+              <a:path w="5410200" h="18288" fill="none" extrusionOk="0">
+                <a:moveTo>
+                  <a:pt x="0" y="0"/>
+                </a:moveTo>
+                <a:cubicBezTo>
+                  <a:pt x="163050" y="-18707"/>
+                  <a:pt x="319321" y="-16364"/>
+                  <a:pt x="568071" y="0"/>
+                </a:cubicBezTo>
+                <a:cubicBezTo>
+                  <a:pt x="816821" y="16364"/>
+                  <a:pt x="1013224" y="-7268"/>
+                  <a:pt x="1298448" y="0"/>
+                </a:cubicBezTo>
+                <a:cubicBezTo>
+                  <a:pt x="1583672" y="7268"/>
+                  <a:pt x="1631711" y="-3367"/>
+                  <a:pt x="1920621" y="0"/>
+                </a:cubicBezTo>
+                <a:cubicBezTo>
+                  <a:pt x="2209531" y="3367"/>
+                  <a:pt x="2364420" y="-19184"/>
+                  <a:pt x="2488692" y="0"/>
+                </a:cubicBezTo>
+                <a:cubicBezTo>
+                  <a:pt x="2612964" y="19184"/>
+                  <a:pt x="3023298" y="-34627"/>
+                  <a:pt x="3219069" y="0"/>
+                </a:cubicBezTo>
+                <a:cubicBezTo>
+                  <a:pt x="3414840" y="34627"/>
+                  <a:pt x="3656810" y="24043"/>
+                  <a:pt x="3895344" y="0"/>
+                </a:cubicBezTo>
+                <a:cubicBezTo>
+                  <a:pt x="4133879" y="-24043"/>
+                  <a:pt x="4393984" y="-19577"/>
+                  <a:pt x="4571619" y="0"/>
+                </a:cubicBezTo>
+                <a:cubicBezTo>
+                  <a:pt x="4749255" y="19577"/>
+                  <a:pt x="5179928" y="-6281"/>
+                  <a:pt x="5410200" y="0"/>
+                </a:cubicBezTo>
+                <a:cubicBezTo>
+                  <a:pt x="5410730" y="6954"/>
+                  <a:pt x="5410934" y="12839"/>
+                  <a:pt x="5410200" y="18288"/>
+                </a:cubicBezTo>
+                <a:cubicBezTo>
+                  <a:pt x="5139060" y="6751"/>
+                  <a:pt x="5121593" y="31035"/>
+                  <a:pt x="4842129" y="18288"/>
+                </a:cubicBezTo>
+                <a:cubicBezTo>
+                  <a:pt x="4562665" y="5541"/>
+                  <a:pt x="4448273" y="9487"/>
+                  <a:pt x="4328160" y="18288"/>
+                </a:cubicBezTo>
+                <a:cubicBezTo>
+                  <a:pt x="4208047" y="27089"/>
+                  <a:pt x="3760936" y="22567"/>
+                  <a:pt x="3597783" y="18288"/>
+                </a:cubicBezTo>
+                <a:cubicBezTo>
+                  <a:pt x="3434630" y="14009"/>
+                  <a:pt x="3299718" y="33213"/>
+                  <a:pt x="3029712" y="18288"/>
+                </a:cubicBezTo>
+                <a:cubicBezTo>
+                  <a:pt x="2759706" y="3363"/>
+                  <a:pt x="2640159" y="27394"/>
+                  <a:pt x="2299335" y="18288"/>
+                </a:cubicBezTo>
+                <a:cubicBezTo>
+                  <a:pt x="1958511" y="9182"/>
+                  <a:pt x="1801186" y="28985"/>
+                  <a:pt x="1514856" y="18288"/>
+                </a:cubicBezTo>
+                <a:cubicBezTo>
+                  <a:pt x="1228526" y="7591"/>
+                  <a:pt x="1063509" y="-5305"/>
+                  <a:pt x="892683" y="18288"/>
+                </a:cubicBezTo>
+                <a:cubicBezTo>
+                  <a:pt x="721857" y="41881"/>
+                  <a:pt x="186945" y="-20897"/>
+                  <a:pt x="0" y="18288"/>
+                </a:cubicBezTo>
+                <a:cubicBezTo>
+                  <a:pt x="-570" y="9279"/>
+                  <a:pt x="132" y="5100"/>
+                  <a:pt x="0" y="0"/>
+                </a:cubicBezTo>
+                <a:close/>
+              </a:path>
+              <a:path w="5410200" h="18288" stroke="0" extrusionOk="0">
+                <a:moveTo>
+                  <a:pt x="0" y="0"/>
+                </a:moveTo>
+                <a:cubicBezTo>
+                  <a:pt x="285096" y="-4925"/>
+                  <a:pt x="376456" y="22268"/>
+                  <a:pt x="622173" y="0"/>
+                </a:cubicBezTo>
+                <a:cubicBezTo>
+                  <a:pt x="867890" y="-22268"/>
+                  <a:pt x="1031392" y="7228"/>
+                  <a:pt x="1136142" y="0"/>
+                </a:cubicBezTo>
+                <a:cubicBezTo>
+                  <a:pt x="1240892" y="-7228"/>
+                  <a:pt x="1561853" y="9877"/>
+                  <a:pt x="1920621" y="0"/>
+                </a:cubicBezTo>
+                <a:cubicBezTo>
+                  <a:pt x="2279389" y="-9877"/>
+                  <a:pt x="2367255" y="19546"/>
+                  <a:pt x="2542794" y="0"/>
+                </a:cubicBezTo>
+                <a:cubicBezTo>
+                  <a:pt x="2718333" y="-19546"/>
+                  <a:pt x="2866732" y="-22226"/>
+                  <a:pt x="3164967" y="0"/>
+                </a:cubicBezTo>
+                <a:cubicBezTo>
+                  <a:pt x="3463202" y="22226"/>
+                  <a:pt x="3568055" y="-2765"/>
+                  <a:pt x="3949446" y="0"/>
+                </a:cubicBezTo>
+                <a:cubicBezTo>
+                  <a:pt x="4330837" y="2765"/>
+                  <a:pt x="4287895" y="10557"/>
+                  <a:pt x="4517517" y="0"/>
+                </a:cubicBezTo>
+                <a:cubicBezTo>
+                  <a:pt x="4747139" y="-10557"/>
+                  <a:pt x="5149588" y="8716"/>
+                  <a:pt x="5410200" y="0"/>
+                </a:cubicBezTo>
+                <a:cubicBezTo>
+                  <a:pt x="5409517" y="5414"/>
+                  <a:pt x="5409480" y="12510"/>
+                  <a:pt x="5410200" y="18288"/>
+                </a:cubicBezTo>
+                <a:cubicBezTo>
+                  <a:pt x="5163327" y="41494"/>
+                  <a:pt x="5008749" y="10693"/>
+                  <a:pt x="4842129" y="18288"/>
+                </a:cubicBezTo>
+                <a:cubicBezTo>
+                  <a:pt x="4675509" y="25883"/>
+                  <a:pt x="4433401" y="-615"/>
+                  <a:pt x="4165854" y="18288"/>
+                </a:cubicBezTo>
+                <a:cubicBezTo>
+                  <a:pt x="3898308" y="37191"/>
+                  <a:pt x="3809032" y="-8710"/>
+                  <a:pt x="3543681" y="18288"/>
+                </a:cubicBezTo>
+                <a:cubicBezTo>
+                  <a:pt x="3278330" y="45286"/>
+                  <a:pt x="3073876" y="-15917"/>
+                  <a:pt x="2759202" y="18288"/>
+                </a:cubicBezTo>
+                <a:cubicBezTo>
+                  <a:pt x="2444528" y="52493"/>
+                  <a:pt x="2204144" y="3372"/>
+                  <a:pt x="1974723" y="18288"/>
+                </a:cubicBezTo>
+                <a:cubicBezTo>
+                  <a:pt x="1745302" y="33204"/>
+                  <a:pt x="1602335" y="31490"/>
+                  <a:pt x="1406652" y="18288"/>
+                </a:cubicBezTo>
+                <a:cubicBezTo>
+                  <a:pt x="1210969" y="5086"/>
+                  <a:pt x="923948" y="3161"/>
+                  <a:pt x="730377" y="18288"/>
+                </a:cubicBezTo>
+                <a:cubicBezTo>
+                  <a:pt x="536806" y="33415"/>
+                  <a:pt x="336496" y="-141"/>
+                  <a:pt x="0" y="18288"/>
+                </a:cubicBezTo>
+                <a:cubicBezTo>
+                  <a:pt x="-306" y="11061"/>
+                  <a:pt x="-655" y="7751"/>
+                  <a:pt x="0" y="0"/>
+                </a:cubicBezTo>
+                <a:close/>
+              </a:path>
+            </a:pathLst>
+          </a:custGeom>
+          <a:solidFill>
+            <a:schemeClr val="accent2"/>
+          </a:solidFill>
+          <a:ln w="41275" cap="rnd">
+            <a:solidFill>
+              <a:schemeClr val="accent2"/>
+            </a:solidFill>
+            <a:round/>
+            <a:extLst>
+              <a:ext uri="{C807C97D-BFC1-408E-A445-0C87EB9F89A2}">
+                <ask:lineSketchStyleProps xmlns:ask="http://schemas.microsoft.com/office/drawing/2018/sketchyshapes" sd="1219033472">
+                  <a:prstGeom prst="rect">
+                    <a:avLst/>
+                  </a:prstGeom>
+                  <ask:type>
+                    <ask:lineSketchFreehand/>
+                  </ask:type>
+                </ask:lineSketchStyleProps>
+              </a:ext>
+            </a:extLst>
+          </a:ln>
+        </p:spPr>
+        <p:style>
+          <a:lnRef idx="2">
+            <a:schemeClr val="accent1">
+              <a:shade val="50000"/>
+            </a:schemeClr>
+          </a:lnRef>
+          <a:fillRef idx="1">
+            <a:schemeClr val="accent1"/>
+          </a:fillRef>
+          <a:effectRef idx="0">
+            <a:schemeClr val="accent1"/>
+          </a:effectRef>
+          <a:fontRef idx="minor">
+            <a:schemeClr val="lt1"/>
+          </a:fontRef>
+        </p:style>
+        <p:txBody>
+          <a:bodyPr rtlCol="0" anchor="ctr"/>
+          <a:lstStyle/>
+          <a:p>
+            <a:pPr algn="ctr"/>
+            <a:endParaRPr lang="en-US"/>
+          </a:p>
+        </p:txBody>
+      </p:sp>
+    </p:spTree>
+    <p:extLst>
+      <p:ext uri="{BB962C8B-B14F-4D97-AF65-F5344CB8AC3E}">
+        <p14:creationId xmlns:p14="http://schemas.microsoft.com/office/powerpoint/2010/main" val="269400283"/>
+      </p:ext>
+    </p:extLst>
+  </p:cSld>
+  <p:clrMapOvr>
+    <a:masterClrMapping/>
+  </p:clrMapOvr>
+</p:sld>
+</file>
+
+<file path=ppt/slides/slide2.xml><?xml version="1.0" encoding="utf-8"?>
+<p:sld xmlns:a="http://schemas.openxmlformats.org/drawingml/2006/main" xmlns:r="http://schemas.openxmlformats.org/officeDocument/2006/relationships" xmlns:p="http://schemas.openxmlformats.org/presentationml/2006/main">
+  <p:cSld>
+    <p:bg>
+      <p:bgPr>
+        <a:solidFill>
+          <a:schemeClr val="bg1"/>
+        </a:solidFill>
+        <a:effectLst/>
+      </p:bgPr>
+    </p:bg>
+    <p:spTree>
+      <p:nvGrpSpPr>
+        <p:cNvPr id="1" name=""/>
+        <p:cNvGrpSpPr/>
+        <p:nvPr/>
+      </p:nvGrpSpPr>
+      <p:grpSpPr>
+        <a:xfrm>
+          <a:off x="0" y="0"/>
+          <a:ext cx="0" cy="0"/>
+          <a:chOff x="0" y="0"/>
+          <a:chExt cx="0" cy="0"/>
+        </a:xfrm>
+      </p:grpSpPr>
+      <p:sp useBgFill="1">
+        <p:nvSpPr>
+          <p:cNvPr id="18" name="Rectangle 17">
+            <a:extLst>
+              <a:ext uri="{FF2B5EF4-FFF2-40B4-BE49-F238E27FC236}">
+                <a16:creationId xmlns:a16="http://schemas.microsoft.com/office/drawing/2014/main" id="{100EDD19-6802-4EC3-95CE-CFFAB042CFD6}"/>
+              </a:ext>
+              <a:ext uri="{C183D7F6-B498-43B3-948B-1728B52AA6E4}">
+                <adec:decorative xmlns:adec="http://schemas.microsoft.com/office/drawing/2017/decorative" val="1"/>
+              </a:ext>
+            </a:extLst>
+          </p:cNvPr>
+          <p:cNvSpPr>
+            <a:spLocks noGrp="1" noRot="1" noChangeAspect="1" noMove="1" noResize="1" noEditPoints="1" noAdjustHandles="1" noChangeArrowheads="1" noChangeShapeType="1" noTextEdit="1"/>
+          </p:cNvSpPr>
+          <p:nvPr>
+            <p:extLst>
+              <p:ext uri="{386F3935-93C4-4BCD-93E2-E3B085C9AB24}">
+                <p16:designElem xmlns:p16="http://schemas.microsoft.com/office/powerpoint/2015/main" val="1"/>
+              </p:ext>
+            </p:extLst>
+          </p:nvPr>
+        </p:nvSpPr>
+        <p:spPr>
+          <a:xfrm>
+            <a:off x="0" y="0"/>
+            <a:ext cx="12188952" cy="6858000"/>
+          </a:xfrm>
+          <a:prstGeom prst="rect">
+            <a:avLst/>
+          </a:prstGeom>
+          <a:ln>
+            <a:noFill/>
+          </a:ln>
+        </p:spPr>
+        <p:style>
+          <a:lnRef idx="2">
+            <a:schemeClr val="accent1">
+              <a:shade val="50000"/>
+            </a:schemeClr>
+          </a:lnRef>
+          <a:fillRef idx="1">
+            <a:schemeClr val="accent1"/>
+          </a:fillRef>
+          <a:effectRef idx="0">
+            <a:schemeClr val="accent1"/>
+          </a:effectRef>
+          <a:fontRef idx="minor">
+            <a:schemeClr val="lt1"/>
+          </a:fontRef>
+        </p:style>
+        <p:txBody>
+          <a:bodyPr rtlCol="0" anchor="ctr"/>
+          <a:lstStyle/>
+          <a:p>
+            <a:pPr algn="ctr"/>
+            <a:endParaRPr lang="en-US"/>
+          </a:p>
+        </p:txBody>
+      </p:sp>
+      <p:sp>
+        <p:nvSpPr>
+          <p:cNvPr id="2" name="Cím 1">
+            <a:extLst>
+              <a:ext uri="{FF2B5EF4-FFF2-40B4-BE49-F238E27FC236}">
+                <a16:creationId xmlns:a16="http://schemas.microsoft.com/office/drawing/2014/main" id="{2C307150-6EF1-D441-31CC-4D60082A8AC3}"/>
               </a:ext>
             </a:extLst>
           </p:cNvPr>
@@ -6572,15 +5858,15 @@
           <a:lstStyle/>
           <a:p>
             <a:r>
-              <a:rPr lang="hu-HU" sz="4600"/>
-              <a:t>Többségi szavazás idősor szegmentáláshoz</a:t>
+              <a:rPr lang="hu-HU" sz="5400" dirty="0"/>
+              <a:t>Feladat leírása</a:t>
             </a:r>
           </a:p>
         </p:txBody>
       </p:sp>
       <p:sp>
         <p:nvSpPr>
-          <p:cNvPr id="13" name="sketch line">
+          <p:cNvPr id="20" name="sketch line">
             <a:extLst>
               <a:ext uri="{FF2B5EF4-FFF2-40B4-BE49-F238E27FC236}">
                 <a16:creationId xmlns:a16="http://schemas.microsoft.com/office/drawing/2014/main" id="{DB17E863-922E-4C26-BD64-E8FD41D28661}"/>
@@ -7221,7 +6507,7 @@
           <p:cNvPr id="3" name="Tartalom helye 2">
             <a:extLst>
               <a:ext uri="{FF2B5EF4-FFF2-40B4-BE49-F238E27FC236}">
-                <a16:creationId xmlns:a16="http://schemas.microsoft.com/office/drawing/2014/main" id="{35F077AF-BA62-7156-E8A0-559A130389FD}"/>
+                <a16:creationId xmlns:a16="http://schemas.microsoft.com/office/drawing/2014/main" id="{5EB25816-CF12-3F3C-4ED8-3666D2DF0066}"/>
               </a:ext>
             </a:extLst>
           </p:cNvPr>
@@ -7244,9 +6530,51 @@
           </a:bodyPr>
           <a:lstStyle/>
           <a:p>
-            <a:r>
-              <a:rPr lang="hu-HU" sz="2200"/>
-              <a:t>Generate a picture in the topic of time series segmentation. On the picture should be seen a time series which is segmented by different algorithms the different predictions should have different colors by algorithm. And you should build a dendrogram above the time series which represents the hierarchical clustering of the detected changepoints of different algorithms.</a:t>
+            <a:pPr marL="219710" indent="270510"/>
+            <a:r>
+              <a:rPr lang="hu-HU" sz="2400" kern="50" dirty="0">
+                <a:effectLst/>
+                <a:latin typeface="Times New Roman" panose="02020603050405020304" pitchFamily="18" charset="0"/>
+                <a:ea typeface="DejaVu Sans"/>
+                <a:cs typeface="FreeSans"/>
+              </a:rPr>
+              <a:t>Ha van több szegmentáló módszer (vannak köztük jobbak és kevésbé jók), akkor hogyan lehetne őket kombinálni, hogy egy jobb (pontosabb) szegmentáló módszert kapjunk?  Azaz van </a:t>
+            </a:r>
+            <a:r>
+              <a:rPr lang="hu-HU" sz="2400" kern="50" dirty="0" err="1">
+                <a:effectLst/>
+                <a:latin typeface="Times New Roman" panose="02020603050405020304" pitchFamily="18" charset="0"/>
+                <a:ea typeface="DejaVu Sans"/>
+                <a:cs typeface="FreeSans"/>
+              </a:rPr>
+              <a:t>k</a:t>
+            </a:r>
+            <a:r>
+              <a:rPr lang="hu-HU" sz="2400" kern="50" dirty="0">
+                <a:effectLst/>
+                <a:latin typeface="Times New Roman" panose="02020603050405020304" pitchFamily="18" charset="0"/>
+                <a:ea typeface="DejaVu Sans"/>
+                <a:cs typeface="FreeSans"/>
+              </a:rPr>
+              <a:t> db kész módszer a szakirodalomban, akkor egy </a:t>
+            </a:r>
+            <a:r>
+              <a:rPr lang="hu-HU" sz="2400" kern="50" dirty="0" err="1">
+                <a:effectLst/>
+                <a:latin typeface="Times New Roman" panose="02020603050405020304" pitchFamily="18" charset="0"/>
+                <a:ea typeface="DejaVu Sans"/>
+                <a:cs typeface="FreeSans"/>
+              </a:rPr>
+              <a:t>ensemble</a:t>
+            </a:r>
+            <a:r>
+              <a:rPr lang="hu-HU" sz="2400" kern="50" dirty="0">
+                <a:effectLst/>
+                <a:latin typeface="Times New Roman" panose="02020603050405020304" pitchFamily="18" charset="0"/>
+                <a:ea typeface="DejaVu Sans"/>
+                <a:cs typeface="FreeSans"/>
+              </a:rPr>
+              <a:t> módszer hogyan tud majd dönteni a szegmentálási feladatban?</a:t>
             </a:r>
           </a:p>
         </p:txBody>
@@ -7256,7 +6584,7 @@
           <p:cNvPr id="4" name="Dátum helye 3">
             <a:extLst>
               <a:ext uri="{FF2B5EF4-FFF2-40B4-BE49-F238E27FC236}">
-                <a16:creationId xmlns:a16="http://schemas.microsoft.com/office/drawing/2014/main" id="{E20B7BA5-E0EF-5DFF-B50C-DBA9D8A8D19F}"/>
+                <a16:creationId xmlns:a16="http://schemas.microsoft.com/office/drawing/2014/main" id="{BD13B841-4652-3490-DBF8-84DEA3A81DC8}"/>
               </a:ext>
             </a:extLst>
           </p:cNvPr>
@@ -7284,9 +6612,14 @@
                 <a:spcPts val="600"/>
               </a:spcAft>
             </a:pPr>
-            <a:fld id="{C3CDD1BF-4F77-A341-BD40-66E03000F2E9}" type="datetime1">
+            <a:fld id="{66445694-FCB9-A642-8FF4-42EEC02622E4}" type="datetime1">
               <a:rPr lang="hu-HU" smtClean="0"/>
-              <a:t>2025. 05. 04.</a:t>
+              <a:pPr>
+                <a:spcAft>
+                  <a:spcPts val="600"/>
+                </a:spcAft>
+              </a:pPr>
+              <a:t>2025. 05. 06.</a:t>
             </a:fld>
             <a:endParaRPr lang="hu-HU"/>
           </a:p>
@@ -7297,7 +6630,7 @@
           <p:cNvPr id="5" name="Élőláb helye 4">
             <a:extLst>
               <a:ext uri="{FF2B5EF4-FFF2-40B4-BE49-F238E27FC236}">
-                <a16:creationId xmlns:a16="http://schemas.microsoft.com/office/drawing/2014/main" id="{87BDD2AA-EEF8-234C-4921-C530325347EC}"/>
+                <a16:creationId xmlns:a16="http://schemas.microsoft.com/office/drawing/2014/main" id="{972BD9D4-EAA7-6840-0129-3084895BBD1D}"/>
               </a:ext>
             </a:extLst>
           </p:cNvPr>
@@ -7329,7 +6662,7 @@
           <p:cNvPr id="6" name="Dia számának helye 5">
             <a:extLst>
               <a:ext uri="{FF2B5EF4-FFF2-40B4-BE49-F238E27FC236}">
-                <a16:creationId xmlns:a16="http://schemas.microsoft.com/office/drawing/2014/main" id="{711B285A-05E2-9797-F8C2-03F734BF2447}"/>
+                <a16:creationId xmlns:a16="http://schemas.microsoft.com/office/drawing/2014/main" id="{A92E47C3-8B5C-68F9-1D45-AAF78FEB45E9}"/>
               </a:ext>
             </a:extLst>
           </p:cNvPr>
@@ -7364,7 +6697,7 @@
                   <a:spcPts val="600"/>
                 </a:spcAft>
               </a:pPr>
-              <a:t>5</a:t>
+              <a:t>2</a:t>
             </a:fld>
             <a:endParaRPr lang="hu-HU"/>
           </a:p>
@@ -7373,7 +6706,7 @@
     </p:spTree>
     <p:extLst>
       <p:ext uri="{BB962C8B-B14F-4D97-AF65-F5344CB8AC3E}">
-        <p14:creationId xmlns:p14="http://schemas.microsoft.com/office/powerpoint/2010/main" val="3977326989"/>
+        <p14:creationId xmlns:p14="http://schemas.microsoft.com/office/powerpoint/2010/main" val="1288147728"/>
       </p:ext>
     </p:extLst>
   </p:cSld>
@@ -7383,7 +6716,7 @@
 </p:sld>
 </file>
 
-<file path=ppt/slides/slide6.xml><?xml version="1.0" encoding="utf-8"?>
+<file path=ppt/slides/slide3.xml><?xml version="1.0" encoding="utf-8"?>
 <p:sld xmlns:a="http://schemas.openxmlformats.org/drawingml/2006/main" xmlns:r="http://schemas.openxmlformats.org/officeDocument/2006/relationships" xmlns:p="http://schemas.openxmlformats.org/presentationml/2006/main">
   <p:cSld>
     <p:bg>
@@ -7410,7 +6743,7 @@
       </p:grpSpPr>
       <p:sp useBgFill="1">
         <p:nvSpPr>
-          <p:cNvPr id="17" name="Rectangle 16">
+          <p:cNvPr id="29" name="Rectangle 18">
             <a:extLst>
               <a:ext uri="{FF2B5EF4-FFF2-40B4-BE49-F238E27FC236}">
                 <a16:creationId xmlns:a16="http://schemas.microsoft.com/office/drawing/2014/main" id="{352BEC0E-22F8-46D0-9632-375DB541B06C}"/>
@@ -7473,7 +6806,7 @@
           <p:cNvPr id="2" name="Cím 1">
             <a:extLst>
               <a:ext uri="{FF2B5EF4-FFF2-40B4-BE49-F238E27FC236}">
-                <a16:creationId xmlns:a16="http://schemas.microsoft.com/office/drawing/2014/main" id="{A4AD0AF3-8808-21D8-2584-6A5E2DC03304}"/>
+                <a16:creationId xmlns:a16="http://schemas.microsoft.com/office/drawing/2014/main" id="{579975F5-627B-E8D9-5D94-19741F11DE10}"/>
               </a:ext>
             </a:extLst>
           </p:cNvPr>
@@ -7497,15 +6830,15 @@
           <a:lstStyle/>
           <a:p>
             <a:r>
-              <a:rPr lang="hu-HU" sz="4200" dirty="0"/>
-              <a:t>Adott klaszteren legjobban teljesítő algoritmus választása</a:t>
+              <a:rPr lang="hu-HU" sz="5400" dirty="0"/>
+              <a:t>Idősor szegmentálás</a:t>
             </a:r>
           </a:p>
         </p:txBody>
       </p:sp>
       <p:sp>
         <p:nvSpPr>
-          <p:cNvPr id="19" name="sketch line">
+          <p:cNvPr id="30" name="sketch line">
             <a:extLst>
               <a:ext uri="{FF2B5EF4-FFF2-40B4-BE49-F238E27FC236}">
                 <a16:creationId xmlns:a16="http://schemas.microsoft.com/office/drawing/2014/main" id="{3FCFB1DE-0B7E-48CC-BA90-B2AB0889F9D6}"/>
@@ -7848,10 +7181,10 @@
       </p:sp>
       <p:sp>
         <p:nvSpPr>
-          <p:cNvPr id="14" name="Content Placeholder 13">
-            <a:extLst>
-              <a:ext uri="{FF2B5EF4-FFF2-40B4-BE49-F238E27FC236}">
-                <a16:creationId xmlns:a16="http://schemas.microsoft.com/office/drawing/2014/main" id="{43B5BF15-9C99-8AC1-14C7-279698B0FA5B}"/>
+          <p:cNvPr id="3" name="Tartalom helye 2">
+            <a:extLst>
+              <a:ext uri="{FF2B5EF4-FFF2-40B4-BE49-F238E27FC236}">
+                <a16:creationId xmlns:a16="http://schemas.microsoft.com/office/drawing/2014/main" id="{75CCBBF9-2D2A-89B4-3FB6-F274FF0D09C6}"/>
               </a:ext>
             </a:extLst>
           </p:cNvPr>
@@ -7875,93 +7208,24 @@
           <a:lstStyle/>
           <a:p>
             <a:r>
-              <a:rPr lang="en-US" sz="2200" dirty="0" err="1"/>
-              <a:t>Idősorok</a:t>
-            </a:r>
-            <a:r>
-              <a:rPr lang="en-US" sz="2200" dirty="0"/>
-              <a:t> </a:t>
-            </a:r>
-            <a:r>
-              <a:rPr lang="en-US" sz="2200" dirty="0" err="1"/>
-              <a:t>klaszterezése</a:t>
-            </a:r>
-            <a:r>
-              <a:rPr lang="en-US" sz="2200" dirty="0"/>
-              <a:t> </a:t>
-            </a:r>
-            <a:r>
-              <a:rPr lang="en-US" sz="2200" dirty="0" err="1"/>
-              <a:t>KMeans-sel</a:t>
-            </a:r>
-            <a:endParaRPr lang="en-US" sz="2200" dirty="0"/>
-          </a:p>
-          <a:p>
-            <a:r>
-              <a:rPr lang="en-US" sz="2200" dirty="0" err="1"/>
-              <a:t>Vizsgált</a:t>
-            </a:r>
-            <a:r>
-              <a:rPr lang="en-US" sz="2200" dirty="0"/>
-              <a:t> </a:t>
-            </a:r>
-            <a:r>
-              <a:rPr lang="en-US" sz="2200" dirty="0" err="1"/>
-              <a:t>paraméterek</a:t>
-            </a:r>
-            <a:r>
-              <a:rPr lang="en-US" sz="2200" dirty="0"/>
-              <a:t>:</a:t>
-            </a:r>
-            <a:endParaRPr lang="en-US" sz="1400" dirty="0"/>
-          </a:p>
-          <a:p>
-            <a:pPr lvl="1"/>
-            <a:r>
-              <a:rPr lang="en-US" sz="1800" dirty="0" err="1"/>
-              <a:t>Hossz</a:t>
-            </a:r>
-            <a:endParaRPr lang="en-US" sz="1800" dirty="0"/>
-          </a:p>
-          <a:p>
-            <a:pPr lvl="1"/>
-            <a:r>
-              <a:rPr lang="en-US" sz="1800" dirty="0" err="1"/>
-              <a:t>Autokorreláció</a:t>
-            </a:r>
-            <a:endParaRPr lang="en-US" sz="1800" dirty="0"/>
-          </a:p>
-          <a:p>
-            <a:pPr lvl="1"/>
-            <a:r>
-              <a:rPr lang="en-US" sz="1800" dirty="0" err="1"/>
-              <a:t>Variációs</a:t>
-            </a:r>
-            <a:r>
-              <a:rPr lang="en-US" sz="1800" dirty="0"/>
-              <a:t> </a:t>
-            </a:r>
-            <a:r>
-              <a:rPr lang="en-US" sz="1800" dirty="0" err="1"/>
-              <a:t>kovariancia</a:t>
-            </a:r>
-            <a:endParaRPr lang="en-US" sz="1800" dirty="0"/>
-          </a:p>
-          <a:p>
-            <a:pPr lvl="1"/>
-            <a:r>
-              <a:rPr lang="en-US" sz="1800" dirty="0"/>
-              <a:t>Trend</a:t>
+              <a:rPr lang="hu-HU" sz="2200" dirty="0"/>
+              <a:t>kisebb, egymástól elkülönülő szakaszokra bontás</a:t>
+            </a:r>
+          </a:p>
+          <a:p>
+            <a:r>
+              <a:rPr lang="hu-HU" sz="2200" dirty="0"/>
+              <a:t>egyes szakaszok statisztikai vagy szerkezeti tulajdonságai hasonlóak legyenek</a:t>
             </a:r>
           </a:p>
         </p:txBody>
       </p:sp>
       <p:pic>
         <p:nvPicPr>
-          <p:cNvPr id="8" name="Tartalom helye 7" descr="A képen képernyőkép, szöveg, Diagram, diagram látható&#10;&#10;Automatikusan generált leírás">
-            <a:extLst>
-              <a:ext uri="{FF2B5EF4-FFF2-40B4-BE49-F238E27FC236}">
-                <a16:creationId xmlns:a16="http://schemas.microsoft.com/office/drawing/2014/main" id="{9E1563A1-B9FA-009B-585C-1AD3704BD432}"/>
+          <p:cNvPr id="12" name="Kép 11" descr="A képen képernyőkép, Diagram, sor, Színesség látható&#10;&#10;Automatikusan generált leírás">
+            <a:extLst>
+              <a:ext uri="{FF2B5EF4-FFF2-40B4-BE49-F238E27FC236}">
+                <a16:creationId xmlns:a16="http://schemas.microsoft.com/office/drawing/2014/main" id="{B95A0347-0881-1180-1CD6-45E90EEE266F}"/>
               </a:ext>
             </a:extLst>
           </p:cNvPr>
@@ -7978,8 +7242,8 @@
         </p:blipFill>
         <p:spPr>
           <a:xfrm>
-            <a:off x="7343335" y="413856"/>
-            <a:ext cx="4534721" cy="2924897"/>
+            <a:off x="6991643" y="1055667"/>
+            <a:ext cx="4886413" cy="2406558"/>
           </a:xfrm>
           <a:prstGeom prst="rect">
             <a:avLst/>
@@ -7988,10 +7252,10 @@
       </p:pic>
       <p:pic>
         <p:nvPicPr>
-          <p:cNvPr id="10" name="Kép 9" descr="A képen képernyőkép, szöveg, Diagram, szám látható&#10;&#10;Automatikusan generált leírás">
-            <a:extLst>
-              <a:ext uri="{FF2B5EF4-FFF2-40B4-BE49-F238E27FC236}">
-                <a16:creationId xmlns:a16="http://schemas.microsoft.com/office/drawing/2014/main" id="{493F1578-E155-D1A7-0940-53DC7694E329}"/>
+          <p:cNvPr id="14" name="Kép 13" descr="A képen Színesség, Acélkék, képernyőkép, kék látható&#10;&#10;Automatikusan generált leírás">
+            <a:extLst>
+              <a:ext uri="{FF2B5EF4-FFF2-40B4-BE49-F238E27FC236}">
+                <a16:creationId xmlns:a16="http://schemas.microsoft.com/office/drawing/2014/main" id="{03C6EA78-A9F6-86C2-BBE0-6B27DF80E4DA}"/>
               </a:ext>
             </a:extLst>
           </p:cNvPr>
@@ -8008,8 +7272,8 @@
         </p:blipFill>
         <p:spPr>
           <a:xfrm>
-            <a:off x="7343335" y="3370505"/>
-            <a:ext cx="4534721" cy="2822867"/>
+            <a:off x="6736438" y="3628087"/>
+            <a:ext cx="5123330" cy="2523240"/>
           </a:xfrm>
           <a:prstGeom prst="rect">
             <a:avLst/>
@@ -8021,7 +7285,7 @@
           <p:cNvPr id="4" name="Dátum helye 3">
             <a:extLst>
               <a:ext uri="{FF2B5EF4-FFF2-40B4-BE49-F238E27FC236}">
-                <a16:creationId xmlns:a16="http://schemas.microsoft.com/office/drawing/2014/main" id="{1127C899-DB01-8500-8738-1141D01B5DEB}"/>
+                <a16:creationId xmlns:a16="http://schemas.microsoft.com/office/drawing/2014/main" id="{85104F79-6E8C-C127-47CD-E76D1CA23C46}"/>
               </a:ext>
             </a:extLst>
           </p:cNvPr>
@@ -8049,9 +7313,9 @@
                 <a:spcPts val="600"/>
               </a:spcAft>
             </a:pPr>
-            <a:fld id="{F36B3592-03CB-194B-B84D-F861BFD2AD9F}" type="datetime1">
+            <a:fld id="{3CE8E417-EEEF-F440-8154-5657BA807881}" type="datetime1">
               <a:rPr lang="hu-HU" smtClean="0"/>
-              <a:t>2025. 05. 04.</a:t>
+              <a:t>2025. 05. 06.</a:t>
             </a:fld>
             <a:endParaRPr lang="hu-HU"/>
           </a:p>
@@ -8062,7 +7326,7 @@
           <p:cNvPr id="5" name="Élőláb helye 4">
             <a:extLst>
               <a:ext uri="{FF2B5EF4-FFF2-40B4-BE49-F238E27FC236}">
-                <a16:creationId xmlns:a16="http://schemas.microsoft.com/office/drawing/2014/main" id="{29842AF6-F55E-7059-81BB-DB0E9B874C5D}"/>
+                <a16:creationId xmlns:a16="http://schemas.microsoft.com/office/drawing/2014/main" id="{90A1A7B9-A1B9-ECCD-17AB-6796F4A83958}"/>
               </a:ext>
             </a:extLst>
           </p:cNvPr>
@@ -8085,7 +7349,7 @@
           </a:bodyPr>
           <a:lstStyle/>
           <a:p>
-            <a:endParaRPr lang="hu-HU"/>
+            <a:endParaRPr lang="hu-HU" dirty="0"/>
           </a:p>
         </p:txBody>
       </p:sp>
@@ -8094,7 +7358,7 @@
           <p:cNvPr id="6" name="Dia számának helye 5">
             <a:extLst>
               <a:ext uri="{FF2B5EF4-FFF2-40B4-BE49-F238E27FC236}">
-                <a16:creationId xmlns:a16="http://schemas.microsoft.com/office/drawing/2014/main" id="{8FF4D63D-F38C-52D3-659E-60ECFE62C856}"/>
+                <a16:creationId xmlns:a16="http://schemas.microsoft.com/office/drawing/2014/main" id="{54C67151-95B7-D200-F736-DE63E23B4650}"/>
               </a:ext>
             </a:extLst>
           </p:cNvPr>
@@ -8129,7 +7393,7 @@
                   <a:spcPts val="600"/>
                 </a:spcAft>
               </a:pPr>
-              <a:t>6</a:t>
+              <a:t>3</a:t>
             </a:fld>
             <a:endParaRPr lang="hu-HU"/>
           </a:p>
@@ -8138,7 +7402,7 @@
     </p:spTree>
     <p:extLst>
       <p:ext uri="{BB962C8B-B14F-4D97-AF65-F5344CB8AC3E}">
-        <p14:creationId xmlns:p14="http://schemas.microsoft.com/office/powerpoint/2010/main" val="173301815"/>
+        <p14:creationId xmlns:p14="http://schemas.microsoft.com/office/powerpoint/2010/main" val="2637101385"/>
       </p:ext>
     </p:extLst>
   </p:cSld>
@@ -8148,1422 +7412,7 @@
 </p:sld>
 </file>
 
-<file path=ppt/slides/slide7.xml><?xml version="1.0" encoding="utf-8"?>
-<p:sld xmlns:a="http://schemas.openxmlformats.org/drawingml/2006/main" xmlns:r="http://schemas.openxmlformats.org/officeDocument/2006/relationships" xmlns:p="http://schemas.openxmlformats.org/presentationml/2006/main">
-  <p:cSld>
-    <p:bg>
-      <p:bgPr>
-        <a:solidFill>
-          <a:schemeClr val="bg1"/>
-        </a:solidFill>
-        <a:effectLst/>
-      </p:bgPr>
-    </p:bg>
-    <p:spTree>
-      <p:nvGrpSpPr>
-        <p:cNvPr id="1" name=""/>
-        <p:cNvGrpSpPr/>
-        <p:nvPr/>
-      </p:nvGrpSpPr>
-      <p:grpSpPr>
-        <a:xfrm>
-          <a:off x="0" y="0"/>
-          <a:ext cx="0" cy="0"/>
-          <a:chOff x="0" y="0"/>
-          <a:chExt cx="0" cy="0"/>
-        </a:xfrm>
-      </p:grpSpPr>
-      <p:sp useBgFill="1">
-        <p:nvSpPr>
-          <p:cNvPr id="15" name="Rectangle 14">
-            <a:extLst>
-              <a:ext uri="{FF2B5EF4-FFF2-40B4-BE49-F238E27FC236}">
-                <a16:creationId xmlns:a16="http://schemas.microsoft.com/office/drawing/2014/main" id="{BCED4D40-4B67-4331-AC48-79B82B4A47D8}"/>
-              </a:ext>
-              <a:ext uri="{C183D7F6-B498-43B3-948B-1728B52AA6E4}">
-                <adec:decorative xmlns:adec="http://schemas.microsoft.com/office/drawing/2017/decorative" val="1"/>
-              </a:ext>
-            </a:extLst>
-          </p:cNvPr>
-          <p:cNvSpPr>
-            <a:spLocks noGrp="1" noRot="1" noChangeAspect="1" noMove="1" noResize="1" noEditPoints="1" noAdjustHandles="1" noChangeArrowheads="1" noChangeShapeType="1" noTextEdit="1"/>
-          </p:cNvSpPr>
-          <p:nvPr>
-            <p:extLst>
-              <p:ext uri="{386F3935-93C4-4BCD-93E2-E3B085C9AB24}">
-                <p16:designElem xmlns:p16="http://schemas.microsoft.com/office/powerpoint/2015/main" val="1"/>
-              </p:ext>
-            </p:extLst>
-          </p:nvPr>
-        </p:nvSpPr>
-        <p:spPr>
-          <a:xfrm>
-            <a:off x="0" y="0"/>
-            <a:ext cx="12192000" cy="6858000"/>
-          </a:xfrm>
-          <a:prstGeom prst="rect">
-            <a:avLst/>
-          </a:prstGeom>
-          <a:ln>
-            <a:noFill/>
-          </a:ln>
-        </p:spPr>
-        <p:style>
-          <a:lnRef idx="2">
-            <a:schemeClr val="accent1">
-              <a:shade val="50000"/>
-            </a:schemeClr>
-          </a:lnRef>
-          <a:fillRef idx="1">
-            <a:schemeClr val="accent1"/>
-          </a:fillRef>
-          <a:effectRef idx="0">
-            <a:schemeClr val="accent1"/>
-          </a:effectRef>
-          <a:fontRef idx="minor">
-            <a:schemeClr val="lt1"/>
-          </a:fontRef>
-        </p:style>
-        <p:txBody>
-          <a:bodyPr rtlCol="0" anchor="ctr"/>
-          <a:lstStyle/>
-          <a:p>
-            <a:pPr algn="ctr"/>
-            <a:endParaRPr lang="en-US"/>
-          </a:p>
-        </p:txBody>
-      </p:sp>
-      <p:sp>
-        <p:nvSpPr>
-          <p:cNvPr id="2" name="Cím 1">
-            <a:extLst>
-              <a:ext uri="{FF2B5EF4-FFF2-40B4-BE49-F238E27FC236}">
-                <a16:creationId xmlns:a16="http://schemas.microsoft.com/office/drawing/2014/main" id="{4CBA39B3-A320-6CC0-EF56-4BB2C4A34938}"/>
-              </a:ext>
-            </a:extLst>
-          </p:cNvPr>
-          <p:cNvSpPr>
-            <a:spLocks noGrp="1"/>
-          </p:cNvSpPr>
-          <p:nvPr>
-            <p:ph type="title"/>
-          </p:nvPr>
-        </p:nvSpPr>
-        <p:spPr>
-          <a:xfrm>
-            <a:off x="638881" y="417576"/>
-            <a:ext cx="10909640" cy="1249394"/>
-          </a:xfrm>
-        </p:spPr>
-        <p:txBody>
-          <a:bodyPr vert="horz" lIns="91440" tIns="45720" rIns="91440" bIns="45720" rtlCol="0" anchor="ctr">
-            <a:normAutofit/>
-          </a:bodyPr>
-          <a:lstStyle/>
-          <a:p>
-            <a:pPr algn="ctr"/>
-            <a:r>
-              <a:rPr lang="en-US" sz="4100" kern="1200" dirty="0" err="1">
-                <a:solidFill>
-                  <a:schemeClr val="tx1"/>
-                </a:solidFill>
-                <a:latin typeface="+mj-lt"/>
-                <a:ea typeface="+mj-ea"/>
-                <a:cs typeface="+mj-cs"/>
-              </a:rPr>
-              <a:t>Adott</a:t>
-            </a:r>
-            <a:r>
-              <a:rPr lang="en-US" sz="4100" kern="1200" dirty="0">
-                <a:solidFill>
-                  <a:schemeClr val="tx1"/>
-                </a:solidFill>
-                <a:latin typeface="+mj-lt"/>
-                <a:ea typeface="+mj-ea"/>
-                <a:cs typeface="+mj-cs"/>
-              </a:rPr>
-              <a:t> </a:t>
-            </a:r>
-            <a:r>
-              <a:rPr lang="en-US" sz="4100" kern="1200" dirty="0" err="1">
-                <a:solidFill>
-                  <a:schemeClr val="tx1"/>
-                </a:solidFill>
-                <a:latin typeface="+mj-lt"/>
-                <a:ea typeface="+mj-ea"/>
-                <a:cs typeface="+mj-cs"/>
-              </a:rPr>
-              <a:t>klaszteren</a:t>
-            </a:r>
-            <a:r>
-              <a:rPr lang="en-US" sz="4100" kern="1200" dirty="0">
-                <a:solidFill>
-                  <a:schemeClr val="tx1"/>
-                </a:solidFill>
-                <a:latin typeface="+mj-lt"/>
-                <a:ea typeface="+mj-ea"/>
-                <a:cs typeface="+mj-cs"/>
-              </a:rPr>
-              <a:t> </a:t>
-            </a:r>
-            <a:r>
-              <a:rPr lang="en-US" sz="4100" kern="1200" dirty="0" err="1">
-                <a:solidFill>
-                  <a:schemeClr val="tx1"/>
-                </a:solidFill>
-                <a:latin typeface="+mj-lt"/>
-                <a:ea typeface="+mj-ea"/>
-                <a:cs typeface="+mj-cs"/>
-              </a:rPr>
-              <a:t>legjobban</a:t>
-            </a:r>
-            <a:r>
-              <a:rPr lang="en-US" sz="4100" kern="1200" dirty="0">
-                <a:solidFill>
-                  <a:schemeClr val="tx1"/>
-                </a:solidFill>
-                <a:latin typeface="+mj-lt"/>
-                <a:ea typeface="+mj-ea"/>
-                <a:cs typeface="+mj-cs"/>
-              </a:rPr>
-              <a:t> </a:t>
-            </a:r>
-            <a:r>
-              <a:rPr lang="en-US" sz="4100" kern="1200" dirty="0" err="1">
-                <a:solidFill>
-                  <a:schemeClr val="tx1"/>
-                </a:solidFill>
-                <a:latin typeface="+mj-lt"/>
-                <a:ea typeface="+mj-ea"/>
-                <a:cs typeface="+mj-cs"/>
-              </a:rPr>
-              <a:t>teljesítő</a:t>
-            </a:r>
-            <a:r>
-              <a:rPr lang="en-US" sz="4100" kern="1200" dirty="0">
-                <a:solidFill>
-                  <a:schemeClr val="tx1"/>
-                </a:solidFill>
-                <a:latin typeface="+mj-lt"/>
-                <a:ea typeface="+mj-ea"/>
-                <a:cs typeface="+mj-cs"/>
-              </a:rPr>
-              <a:t> </a:t>
-            </a:r>
-            <a:r>
-              <a:rPr lang="en-US" sz="4100" kern="1200" dirty="0" err="1">
-                <a:solidFill>
-                  <a:schemeClr val="tx1"/>
-                </a:solidFill>
-                <a:latin typeface="+mj-lt"/>
-                <a:ea typeface="+mj-ea"/>
-                <a:cs typeface="+mj-cs"/>
-              </a:rPr>
-              <a:t>algoritmus</a:t>
-            </a:r>
-            <a:r>
-              <a:rPr lang="en-US" sz="4100" kern="1200" dirty="0">
-                <a:solidFill>
-                  <a:schemeClr val="tx1"/>
-                </a:solidFill>
-                <a:latin typeface="+mj-lt"/>
-                <a:ea typeface="+mj-ea"/>
-                <a:cs typeface="+mj-cs"/>
-              </a:rPr>
-              <a:t> </a:t>
-            </a:r>
-            <a:r>
-              <a:rPr lang="en-US" sz="4100" kern="1200" dirty="0" err="1">
-                <a:solidFill>
-                  <a:schemeClr val="tx1"/>
-                </a:solidFill>
-                <a:latin typeface="+mj-lt"/>
-                <a:ea typeface="+mj-ea"/>
-                <a:cs typeface="+mj-cs"/>
-              </a:rPr>
-              <a:t>választása</a:t>
-            </a:r>
-            <a:endParaRPr lang="en-US" sz="4100" kern="1200" dirty="0">
-              <a:solidFill>
-                <a:schemeClr val="tx1"/>
-              </a:solidFill>
-              <a:latin typeface="+mj-lt"/>
-              <a:ea typeface="+mj-ea"/>
-              <a:cs typeface="+mj-cs"/>
-            </a:endParaRPr>
-          </a:p>
-        </p:txBody>
-      </p:sp>
-      <p:sp>
-        <p:nvSpPr>
-          <p:cNvPr id="17" name="sketch line">
-            <a:extLst>
-              <a:ext uri="{FF2B5EF4-FFF2-40B4-BE49-F238E27FC236}">
-                <a16:creationId xmlns:a16="http://schemas.microsoft.com/office/drawing/2014/main" id="{670CEDEF-4F34-412E-84EE-329C1E936AF5}"/>
-              </a:ext>
-              <a:ext uri="{C183D7F6-B498-43B3-948B-1728B52AA6E4}">
-                <adec:decorative xmlns:adec="http://schemas.microsoft.com/office/drawing/2017/decorative" val="1"/>
-              </a:ext>
-            </a:extLst>
-          </p:cNvPr>
-          <p:cNvSpPr>
-            <a:spLocks noGrp="1" noRot="1" noChangeAspect="1" noMove="1" noResize="1" noEditPoints="1" noAdjustHandles="1" noChangeArrowheads="1" noChangeShapeType="1" noTextEdit="1"/>
-          </p:cNvSpPr>
-          <p:nvPr>
-            <p:extLst>
-              <p:ext uri="{386F3935-93C4-4BCD-93E2-E3B085C9AB24}">
-                <p16:designElem xmlns:p16="http://schemas.microsoft.com/office/powerpoint/2015/main" val="1"/>
-              </p:ext>
-            </p:extLst>
-          </p:nvPr>
-        </p:nvSpPr>
-        <p:spPr>
-          <a:xfrm>
-            <a:off x="3807702" y="1733454"/>
-            <a:ext cx="4572000" cy="18288"/>
-          </a:xfrm>
-          <a:custGeom>
-            <a:avLst/>
-            <a:gdLst>
-              <a:gd name="connsiteX0" fmla="*/ 0 w 4572000"/>
-              <a:gd name="connsiteY0" fmla="*/ 0 h 18288"/>
-              <a:gd name="connsiteX1" fmla="*/ 515983 w 4572000"/>
-              <a:gd name="connsiteY1" fmla="*/ 0 h 18288"/>
-              <a:gd name="connsiteX2" fmla="*/ 1031966 w 4572000"/>
-              <a:gd name="connsiteY2" fmla="*/ 0 h 18288"/>
-              <a:gd name="connsiteX3" fmla="*/ 1639389 w 4572000"/>
-              <a:gd name="connsiteY3" fmla="*/ 0 h 18288"/>
-              <a:gd name="connsiteX4" fmla="*/ 2383971 w 4572000"/>
-              <a:gd name="connsiteY4" fmla="*/ 0 h 18288"/>
-              <a:gd name="connsiteX5" fmla="*/ 2945674 w 4572000"/>
-              <a:gd name="connsiteY5" fmla="*/ 0 h 18288"/>
-              <a:gd name="connsiteX6" fmla="*/ 3507377 w 4572000"/>
-              <a:gd name="connsiteY6" fmla="*/ 0 h 18288"/>
-              <a:gd name="connsiteX7" fmla="*/ 4572000 w 4572000"/>
-              <a:gd name="connsiteY7" fmla="*/ 0 h 18288"/>
-              <a:gd name="connsiteX8" fmla="*/ 4572000 w 4572000"/>
-              <a:gd name="connsiteY8" fmla="*/ 18288 h 18288"/>
-              <a:gd name="connsiteX9" fmla="*/ 3873137 w 4572000"/>
-              <a:gd name="connsiteY9" fmla="*/ 18288 h 18288"/>
-              <a:gd name="connsiteX10" fmla="*/ 3311434 w 4572000"/>
-              <a:gd name="connsiteY10" fmla="*/ 18288 h 18288"/>
-              <a:gd name="connsiteX11" fmla="*/ 2749731 w 4572000"/>
-              <a:gd name="connsiteY11" fmla="*/ 18288 h 18288"/>
-              <a:gd name="connsiteX12" fmla="*/ 2050869 w 4572000"/>
-              <a:gd name="connsiteY12" fmla="*/ 18288 h 18288"/>
-              <a:gd name="connsiteX13" fmla="*/ 1306286 w 4572000"/>
-              <a:gd name="connsiteY13" fmla="*/ 18288 h 18288"/>
-              <a:gd name="connsiteX14" fmla="*/ 790303 w 4572000"/>
-              <a:gd name="connsiteY14" fmla="*/ 18288 h 18288"/>
-              <a:gd name="connsiteX15" fmla="*/ 0 w 4572000"/>
-              <a:gd name="connsiteY15" fmla="*/ 18288 h 18288"/>
-              <a:gd name="connsiteX16" fmla="*/ 0 w 4572000"/>
-              <a:gd name="connsiteY16" fmla="*/ 0 h 18288"/>
-            </a:gdLst>
-            <a:ahLst/>
-            <a:cxnLst>
-              <a:cxn ang="0">
-                <a:pos x="connsiteX0" y="connsiteY0"/>
-              </a:cxn>
-              <a:cxn ang="0">
-                <a:pos x="connsiteX1" y="connsiteY1"/>
-              </a:cxn>
-              <a:cxn ang="0">
-                <a:pos x="connsiteX2" y="connsiteY2"/>
-              </a:cxn>
-              <a:cxn ang="0">
-                <a:pos x="connsiteX3" y="connsiteY3"/>
-              </a:cxn>
-              <a:cxn ang="0">
-                <a:pos x="connsiteX4" y="connsiteY4"/>
-              </a:cxn>
-              <a:cxn ang="0">
-                <a:pos x="connsiteX5" y="connsiteY5"/>
-              </a:cxn>
-              <a:cxn ang="0">
-                <a:pos x="connsiteX6" y="connsiteY6"/>
-              </a:cxn>
-              <a:cxn ang="0">
-                <a:pos x="connsiteX7" y="connsiteY7"/>
-              </a:cxn>
-              <a:cxn ang="0">
-                <a:pos x="connsiteX8" y="connsiteY8"/>
-              </a:cxn>
-              <a:cxn ang="0">
-                <a:pos x="connsiteX9" y="connsiteY9"/>
-              </a:cxn>
-              <a:cxn ang="0">
-                <a:pos x="connsiteX10" y="connsiteY10"/>
-              </a:cxn>
-              <a:cxn ang="0">
-                <a:pos x="connsiteX11" y="connsiteY11"/>
-              </a:cxn>
-              <a:cxn ang="0">
-                <a:pos x="connsiteX12" y="connsiteY12"/>
-              </a:cxn>
-              <a:cxn ang="0">
-                <a:pos x="connsiteX13" y="connsiteY13"/>
-              </a:cxn>
-              <a:cxn ang="0">
-                <a:pos x="connsiteX14" y="connsiteY14"/>
-              </a:cxn>
-              <a:cxn ang="0">
-                <a:pos x="connsiteX15" y="connsiteY15"/>
-              </a:cxn>
-              <a:cxn ang="0">
-                <a:pos x="connsiteX16" y="connsiteY16"/>
-              </a:cxn>
-            </a:cxnLst>
-            <a:rect l="l" t="t" r="r" b="b"/>
-            <a:pathLst>
-              <a:path w="4572000" h="18288" fill="none" extrusionOk="0">
-                <a:moveTo>
-                  <a:pt x="0" y="0"/>
-                </a:moveTo>
-                <a:cubicBezTo>
-                  <a:pt x="105156" y="-20963"/>
-                  <a:pt x="340432" y="822"/>
-                  <a:pt x="515983" y="0"/>
-                </a:cubicBezTo>
-                <a:cubicBezTo>
-                  <a:pt x="691534" y="-822"/>
-                  <a:pt x="850679" y="16479"/>
-                  <a:pt x="1031966" y="0"/>
-                </a:cubicBezTo>
-                <a:cubicBezTo>
-                  <a:pt x="1213253" y="-16479"/>
-                  <a:pt x="1443646" y="-18730"/>
-                  <a:pt x="1639389" y="0"/>
-                </a:cubicBezTo>
-                <a:cubicBezTo>
-                  <a:pt x="1835132" y="18730"/>
-                  <a:pt x="2159975" y="18531"/>
-                  <a:pt x="2383971" y="0"/>
-                </a:cubicBezTo>
-                <a:cubicBezTo>
-                  <a:pt x="2607967" y="-18531"/>
-                  <a:pt x="2719096" y="-12030"/>
-                  <a:pt x="2945674" y="0"/>
-                </a:cubicBezTo>
-                <a:cubicBezTo>
-                  <a:pt x="3172252" y="12030"/>
-                  <a:pt x="3269167" y="27666"/>
-                  <a:pt x="3507377" y="0"/>
-                </a:cubicBezTo>
-                <a:cubicBezTo>
-                  <a:pt x="3745587" y="-27666"/>
-                  <a:pt x="4116741" y="18705"/>
-                  <a:pt x="4572000" y="0"/>
-                </a:cubicBezTo>
-                <a:cubicBezTo>
-                  <a:pt x="4572895" y="8974"/>
-                  <a:pt x="4571454" y="9359"/>
-                  <a:pt x="4572000" y="18288"/>
-                </a:cubicBezTo>
-                <a:cubicBezTo>
-                  <a:pt x="4374698" y="3942"/>
-                  <a:pt x="4098874" y="-11042"/>
-                  <a:pt x="3873137" y="18288"/>
-                </a:cubicBezTo>
-                <a:cubicBezTo>
-                  <a:pt x="3647400" y="47618"/>
-                  <a:pt x="3517055" y="5421"/>
-                  <a:pt x="3311434" y="18288"/>
-                </a:cubicBezTo>
-                <a:cubicBezTo>
-                  <a:pt x="3105813" y="31155"/>
-                  <a:pt x="3025168" y="17856"/>
-                  <a:pt x="2749731" y="18288"/>
-                </a:cubicBezTo>
-                <a:cubicBezTo>
-                  <a:pt x="2474294" y="18720"/>
-                  <a:pt x="2291766" y="-14168"/>
-                  <a:pt x="2050869" y="18288"/>
-                </a:cubicBezTo>
-                <a:cubicBezTo>
-                  <a:pt x="1809972" y="50744"/>
-                  <a:pt x="1540276" y="46798"/>
-                  <a:pt x="1306286" y="18288"/>
-                </a:cubicBezTo>
-                <a:cubicBezTo>
-                  <a:pt x="1072296" y="-10222"/>
-                  <a:pt x="972445" y="19645"/>
-                  <a:pt x="790303" y="18288"/>
-                </a:cubicBezTo>
-                <a:cubicBezTo>
-                  <a:pt x="608161" y="16931"/>
-                  <a:pt x="200981" y="8241"/>
-                  <a:pt x="0" y="18288"/>
-                </a:cubicBezTo>
-                <a:cubicBezTo>
-                  <a:pt x="-229" y="14222"/>
-                  <a:pt x="509" y="5816"/>
-                  <a:pt x="0" y="0"/>
-                </a:cubicBezTo>
-                <a:close/>
-              </a:path>
-              <a:path w="4572000" h="18288" stroke="0" extrusionOk="0">
-                <a:moveTo>
-                  <a:pt x="0" y="0"/>
-                </a:moveTo>
-                <a:cubicBezTo>
-                  <a:pt x="143285" y="-9565"/>
-                  <a:pt x="327959" y="-11498"/>
-                  <a:pt x="561703" y="0"/>
-                </a:cubicBezTo>
-                <a:cubicBezTo>
-                  <a:pt x="795447" y="11498"/>
-                  <a:pt x="838260" y="18255"/>
-                  <a:pt x="1077686" y="0"/>
-                </a:cubicBezTo>
-                <a:cubicBezTo>
-                  <a:pt x="1317112" y="-18255"/>
-                  <a:pt x="1437472" y="23514"/>
-                  <a:pt x="1639389" y="0"/>
-                </a:cubicBezTo>
-                <a:cubicBezTo>
-                  <a:pt x="1841306" y="-23514"/>
-                  <a:pt x="2037142" y="-12551"/>
-                  <a:pt x="2292531" y="0"/>
-                </a:cubicBezTo>
-                <a:cubicBezTo>
-                  <a:pt x="2547920" y="12551"/>
-                  <a:pt x="2810436" y="-20352"/>
-                  <a:pt x="2991394" y="0"/>
-                </a:cubicBezTo>
-                <a:cubicBezTo>
-                  <a:pt x="3172352" y="20352"/>
-                  <a:pt x="3530025" y="-13347"/>
-                  <a:pt x="3735977" y="0"/>
-                </a:cubicBezTo>
-                <a:cubicBezTo>
-                  <a:pt x="3941929" y="13347"/>
-                  <a:pt x="4161497" y="34086"/>
-                  <a:pt x="4572000" y="0"/>
-                </a:cubicBezTo>
-                <a:cubicBezTo>
-                  <a:pt x="4571545" y="6162"/>
-                  <a:pt x="4571903" y="11775"/>
-                  <a:pt x="4572000" y="18288"/>
-                </a:cubicBezTo>
-                <a:cubicBezTo>
-                  <a:pt x="4228040" y="36490"/>
-                  <a:pt x="4199736" y="42557"/>
-                  <a:pt x="3873137" y="18288"/>
-                </a:cubicBezTo>
-                <a:cubicBezTo>
-                  <a:pt x="3546538" y="-5981"/>
-                  <a:pt x="3472124" y="16809"/>
-                  <a:pt x="3128554" y="18288"/>
-                </a:cubicBezTo>
-                <a:cubicBezTo>
-                  <a:pt x="2784984" y="19767"/>
-                  <a:pt x="2735896" y="-17781"/>
-                  <a:pt x="2383971" y="18288"/>
-                </a:cubicBezTo>
-                <a:cubicBezTo>
-                  <a:pt x="2032046" y="54357"/>
-                  <a:pt x="2019324" y="2920"/>
-                  <a:pt x="1867989" y="18288"/>
-                </a:cubicBezTo>
-                <a:cubicBezTo>
-                  <a:pt x="1716654" y="33656"/>
-                  <a:pt x="1418675" y="32575"/>
-                  <a:pt x="1169126" y="18288"/>
-                </a:cubicBezTo>
-                <a:cubicBezTo>
-                  <a:pt x="919577" y="4001"/>
-                  <a:pt x="798537" y="16165"/>
-                  <a:pt x="561703" y="18288"/>
-                </a:cubicBezTo>
-                <a:cubicBezTo>
-                  <a:pt x="324869" y="20411"/>
-                  <a:pt x="221395" y="-912"/>
-                  <a:pt x="0" y="18288"/>
-                </a:cubicBezTo>
-                <a:cubicBezTo>
-                  <a:pt x="766" y="10800"/>
-                  <a:pt x="-457" y="8180"/>
-                  <a:pt x="0" y="0"/>
-                </a:cubicBezTo>
-                <a:close/>
-              </a:path>
-            </a:pathLst>
-          </a:custGeom>
-          <a:solidFill>
-            <a:schemeClr val="accent2"/>
-          </a:solidFill>
-          <a:ln w="41275" cap="rnd">
-            <a:solidFill>
-              <a:schemeClr val="accent2"/>
-            </a:solidFill>
-            <a:round/>
-            <a:extLst>
-              <a:ext uri="{C807C97D-BFC1-408E-A445-0C87EB9F89A2}">
-                <ask:lineSketchStyleProps xmlns:ask="http://schemas.microsoft.com/office/drawing/2018/sketchyshapes" sd="2727557108">
-                  <a:prstGeom prst="rect">
-                    <a:avLst/>
-                  </a:prstGeom>
-                  <ask:type>
-                    <ask:lineSketchFreehand/>
-                  </ask:type>
-                </ask:lineSketchStyleProps>
-              </a:ext>
-            </a:extLst>
-          </a:ln>
-        </p:spPr>
-        <p:style>
-          <a:lnRef idx="2">
-            <a:schemeClr val="accent1">
-              <a:shade val="50000"/>
-            </a:schemeClr>
-          </a:lnRef>
-          <a:fillRef idx="1">
-            <a:schemeClr val="accent1"/>
-          </a:fillRef>
-          <a:effectRef idx="0">
-            <a:schemeClr val="accent1"/>
-          </a:effectRef>
-          <a:fontRef idx="minor">
-            <a:schemeClr val="lt1"/>
-          </a:fontRef>
-        </p:style>
-        <p:txBody>
-          <a:bodyPr rtlCol="0" anchor="ctr"/>
-          <a:lstStyle/>
-          <a:p>
-            <a:pPr algn="ctr"/>
-            <a:endParaRPr lang="en-US"/>
-          </a:p>
-        </p:txBody>
-      </p:sp>
-      <p:pic>
-        <p:nvPicPr>
-          <p:cNvPr id="10" name="Kép 9" descr="A képen szöveg, diagram, Színesség, Diagram látható&#10;&#10;Automatikusan generált leírás">
-            <a:extLst>
-              <a:ext uri="{FF2B5EF4-FFF2-40B4-BE49-F238E27FC236}">
-                <a16:creationId xmlns:a16="http://schemas.microsoft.com/office/drawing/2014/main" id="{37A9F293-9DD0-3895-F991-CDFCA2C2978F}"/>
-              </a:ext>
-            </a:extLst>
-          </p:cNvPr>
-          <p:cNvPicPr>
-            <a:picLocks noChangeAspect="1"/>
-          </p:cNvPicPr>
-          <p:nvPr/>
-        </p:nvPicPr>
-        <p:blipFill>
-          <a:blip r:embed="rId2"/>
-          <a:stretch>
-            <a:fillRect/>
-          </a:stretch>
-        </p:blipFill>
-        <p:spPr>
-          <a:xfrm>
-            <a:off x="1756647" y="1923865"/>
-            <a:ext cx="8678706" cy="4295960"/>
-          </a:xfrm>
-          <a:prstGeom prst="rect">
-            <a:avLst/>
-          </a:prstGeom>
-        </p:spPr>
-      </p:pic>
-      <p:sp>
-        <p:nvSpPr>
-          <p:cNvPr id="4" name="Dátum helye 3">
-            <a:extLst>
-              <a:ext uri="{FF2B5EF4-FFF2-40B4-BE49-F238E27FC236}">
-                <a16:creationId xmlns:a16="http://schemas.microsoft.com/office/drawing/2014/main" id="{0908BD97-1AF1-5D07-1672-FE6D0CCC41FA}"/>
-              </a:ext>
-            </a:extLst>
-          </p:cNvPr>
-          <p:cNvSpPr>
-            <a:spLocks noGrp="1"/>
-          </p:cNvSpPr>
-          <p:nvPr>
-            <p:ph type="dt" sz="half" idx="10"/>
-          </p:nvPr>
-        </p:nvSpPr>
-        <p:spPr>
-          <a:xfrm>
-            <a:off x="838200" y="6356350"/>
-            <a:ext cx="2743200" cy="365125"/>
-          </a:xfrm>
-        </p:spPr>
-        <p:txBody>
-          <a:bodyPr vert="horz" lIns="91440" tIns="45720" rIns="91440" bIns="45720" rtlCol="0" anchor="ctr">
-            <a:normAutofit/>
-          </a:bodyPr>
-          <a:lstStyle/>
-          <a:p>
-            <a:pPr>
-              <a:spcAft>
-                <a:spcPts val="600"/>
-              </a:spcAft>
-            </a:pPr>
-            <a:fld id="{7AA740A8-D92E-7A46-8C12-3A1D635ED03F}" type="datetime1">
-              <a:rPr lang="hu-HU" smtClean="0">
-                <a:solidFill>
-                  <a:schemeClr val="tx1">
-                    <a:tint val="75000"/>
-                  </a:schemeClr>
-                </a:solidFill>
-              </a:rPr>
-              <a:t>2025. 05. 04.</a:t>
-            </a:fld>
-            <a:endParaRPr lang="en-US" dirty="0">
-              <a:solidFill>
-                <a:schemeClr val="tx1">
-                  <a:tint val="75000"/>
-                </a:schemeClr>
-              </a:solidFill>
-            </a:endParaRPr>
-          </a:p>
-        </p:txBody>
-      </p:sp>
-      <p:sp>
-        <p:nvSpPr>
-          <p:cNvPr id="5" name="Élőláb helye 4">
-            <a:extLst>
-              <a:ext uri="{FF2B5EF4-FFF2-40B4-BE49-F238E27FC236}">
-                <a16:creationId xmlns:a16="http://schemas.microsoft.com/office/drawing/2014/main" id="{9157C846-2B4B-F5F1-917C-B9CF35779076}"/>
-              </a:ext>
-            </a:extLst>
-          </p:cNvPr>
-          <p:cNvSpPr>
-            <a:spLocks noGrp="1"/>
-          </p:cNvSpPr>
-          <p:nvPr>
-            <p:ph type="ftr" sz="quarter" idx="11"/>
-          </p:nvPr>
-        </p:nvSpPr>
-        <p:spPr>
-          <a:xfrm>
-            <a:off x="4038600" y="6356350"/>
-            <a:ext cx="4114800" cy="365125"/>
-          </a:xfrm>
-        </p:spPr>
-        <p:txBody>
-          <a:bodyPr vert="horz" lIns="91440" tIns="45720" rIns="91440" bIns="45720" rtlCol="0" anchor="ctr">
-            <a:normAutofit/>
-          </a:bodyPr>
-          <a:lstStyle/>
-          <a:p>
-            <a:endParaRPr lang="en-US" sz="1200" kern="1200">
-              <a:solidFill>
-                <a:schemeClr val="tx1">
-                  <a:tint val="75000"/>
-                </a:schemeClr>
-              </a:solidFill>
-              <a:latin typeface="+mn-lt"/>
-              <a:ea typeface="+mn-ea"/>
-              <a:cs typeface="+mn-cs"/>
-            </a:endParaRPr>
-          </a:p>
-        </p:txBody>
-      </p:sp>
-      <p:sp>
-        <p:nvSpPr>
-          <p:cNvPr id="6" name="Dia számának helye 5">
-            <a:extLst>
-              <a:ext uri="{FF2B5EF4-FFF2-40B4-BE49-F238E27FC236}">
-                <a16:creationId xmlns:a16="http://schemas.microsoft.com/office/drawing/2014/main" id="{3684D1D7-7CAA-6907-4596-0EA6DF538C66}"/>
-              </a:ext>
-            </a:extLst>
-          </p:cNvPr>
-          <p:cNvSpPr>
-            <a:spLocks noGrp="1"/>
-          </p:cNvSpPr>
-          <p:nvPr>
-            <p:ph type="sldNum" sz="quarter" idx="12"/>
-          </p:nvPr>
-        </p:nvSpPr>
-        <p:spPr>
-          <a:xfrm>
-            <a:off x="8610600" y="6356350"/>
-            <a:ext cx="2743200" cy="365125"/>
-          </a:xfrm>
-        </p:spPr>
-        <p:txBody>
-          <a:bodyPr vert="horz" lIns="91440" tIns="45720" rIns="91440" bIns="45720" rtlCol="0" anchor="ctr">
-            <a:normAutofit/>
-          </a:bodyPr>
-          <a:lstStyle/>
-          <a:p>
-            <a:pPr>
-              <a:spcAft>
-                <a:spcPts val="600"/>
-              </a:spcAft>
-            </a:pPr>
-            <a:fld id="{2BF5634A-3FEB-2145-92F8-FA1760146F41}" type="slidenum">
-              <a:rPr lang="en-US" smtClean="0">
-                <a:solidFill>
-                  <a:schemeClr val="tx1">
-                    <a:tint val="75000"/>
-                  </a:schemeClr>
-                </a:solidFill>
-              </a:rPr>
-              <a:pPr>
-                <a:spcAft>
-                  <a:spcPts val="600"/>
-                </a:spcAft>
-              </a:pPr>
-              <a:t>7</a:t>
-            </a:fld>
-            <a:endParaRPr lang="en-US">
-              <a:solidFill>
-                <a:schemeClr val="tx1">
-                  <a:tint val="75000"/>
-                </a:schemeClr>
-              </a:solidFill>
-            </a:endParaRPr>
-          </a:p>
-        </p:txBody>
-      </p:sp>
-    </p:spTree>
-    <p:extLst>
-      <p:ext uri="{BB962C8B-B14F-4D97-AF65-F5344CB8AC3E}">
-        <p14:creationId xmlns:p14="http://schemas.microsoft.com/office/powerpoint/2010/main" val="3511724663"/>
-      </p:ext>
-    </p:extLst>
-  </p:cSld>
-  <p:clrMapOvr>
-    <a:masterClrMapping/>
-  </p:clrMapOvr>
-</p:sld>
-</file>
-
-<file path=ppt/slides/slide8.xml><?xml version="1.0" encoding="utf-8"?>
-<p:sld xmlns:a="http://schemas.openxmlformats.org/drawingml/2006/main" xmlns:r="http://schemas.openxmlformats.org/officeDocument/2006/relationships" xmlns:p="http://schemas.openxmlformats.org/presentationml/2006/main">
-  <p:cSld>
-    <p:bg>
-      <p:bgPr>
-        <a:solidFill>
-          <a:schemeClr val="bg1"/>
-        </a:solidFill>
-        <a:effectLst/>
-      </p:bgPr>
-    </p:bg>
-    <p:spTree>
-      <p:nvGrpSpPr>
-        <p:cNvPr id="1" name=""/>
-        <p:cNvGrpSpPr/>
-        <p:nvPr/>
-      </p:nvGrpSpPr>
-      <p:grpSpPr>
-        <a:xfrm>
-          <a:off x="0" y="0"/>
-          <a:ext cx="0" cy="0"/>
-          <a:chOff x="0" y="0"/>
-          <a:chExt cx="0" cy="0"/>
-        </a:xfrm>
-      </p:grpSpPr>
-      <p:sp useBgFill="1">
-        <p:nvSpPr>
-          <p:cNvPr id="14" name="Rectangle 13">
-            <a:extLst>
-              <a:ext uri="{FF2B5EF4-FFF2-40B4-BE49-F238E27FC236}">
-                <a16:creationId xmlns:a16="http://schemas.microsoft.com/office/drawing/2014/main" id="{2B97F24A-32CE-4C1C-A50D-3016B394DCFB}"/>
-              </a:ext>
-              <a:ext uri="{C183D7F6-B498-43B3-948B-1728B52AA6E4}">
-                <adec:decorative xmlns:adec="http://schemas.microsoft.com/office/drawing/2017/decorative" val="1"/>
-              </a:ext>
-            </a:extLst>
-          </p:cNvPr>
-          <p:cNvSpPr>
-            <a:spLocks noGrp="1" noRot="1" noChangeAspect="1" noMove="1" noResize="1" noEditPoints="1" noAdjustHandles="1" noChangeArrowheads="1" noChangeShapeType="1" noTextEdit="1"/>
-          </p:cNvSpPr>
-          <p:nvPr>
-            <p:extLst>
-              <p:ext uri="{386F3935-93C4-4BCD-93E2-E3B085C9AB24}">
-                <p16:designElem xmlns:p16="http://schemas.microsoft.com/office/powerpoint/2015/main" val="1"/>
-              </p:ext>
-            </p:extLst>
-          </p:nvPr>
-        </p:nvSpPr>
-        <p:spPr>
-          <a:xfrm>
-            <a:off x="0" y="0"/>
-            <a:ext cx="12192000" cy="6858000"/>
-          </a:xfrm>
-          <a:prstGeom prst="rect">
-            <a:avLst/>
-          </a:prstGeom>
-          <a:ln>
-            <a:noFill/>
-          </a:ln>
-        </p:spPr>
-        <p:style>
-          <a:lnRef idx="2">
-            <a:schemeClr val="accent1">
-              <a:shade val="50000"/>
-            </a:schemeClr>
-          </a:lnRef>
-          <a:fillRef idx="1">
-            <a:schemeClr val="accent1"/>
-          </a:fillRef>
-          <a:effectRef idx="0">
-            <a:schemeClr val="accent1"/>
-          </a:effectRef>
-          <a:fontRef idx="minor">
-            <a:schemeClr val="lt1"/>
-          </a:fontRef>
-        </p:style>
-        <p:txBody>
-          <a:bodyPr rtlCol="0" anchor="ctr"/>
-          <a:lstStyle/>
-          <a:p>
-            <a:pPr algn="ctr"/>
-            <a:endParaRPr lang="en-US"/>
-          </a:p>
-        </p:txBody>
-      </p:sp>
-      <p:sp>
-        <p:nvSpPr>
-          <p:cNvPr id="2" name="Cím 1">
-            <a:extLst>
-              <a:ext uri="{FF2B5EF4-FFF2-40B4-BE49-F238E27FC236}">
-                <a16:creationId xmlns:a16="http://schemas.microsoft.com/office/drawing/2014/main" id="{7CC5AAA7-BB5A-2330-0CEB-7F999AE3DD31}"/>
-              </a:ext>
-            </a:extLst>
-          </p:cNvPr>
-          <p:cNvSpPr>
-            <a:spLocks noGrp="1"/>
-          </p:cNvSpPr>
-          <p:nvPr>
-            <p:ph type="title"/>
-          </p:nvPr>
-        </p:nvSpPr>
-        <p:spPr>
-          <a:xfrm>
-            <a:off x="630936" y="639520"/>
-            <a:ext cx="3429000" cy="1719072"/>
-          </a:xfrm>
-        </p:spPr>
-        <p:txBody>
-          <a:bodyPr anchor="b">
-            <a:normAutofit/>
-          </a:bodyPr>
-          <a:lstStyle/>
-          <a:p>
-            <a:r>
-              <a:rPr lang="hu-HU" sz="5000"/>
-              <a:t>Eredmények</a:t>
-            </a:r>
-          </a:p>
-        </p:txBody>
-      </p:sp>
-      <p:sp>
-        <p:nvSpPr>
-          <p:cNvPr id="16" name="sketch line">
-            <a:extLst>
-              <a:ext uri="{FF2B5EF4-FFF2-40B4-BE49-F238E27FC236}">
-                <a16:creationId xmlns:a16="http://schemas.microsoft.com/office/drawing/2014/main" id="{6357EC4F-235E-4222-A36F-C7878ACE37F2}"/>
-              </a:ext>
-              <a:ext uri="{C183D7F6-B498-43B3-948B-1728B52AA6E4}">
-                <adec:decorative xmlns:adec="http://schemas.microsoft.com/office/drawing/2017/decorative" val="1"/>
-              </a:ext>
-            </a:extLst>
-          </p:cNvPr>
-          <p:cNvSpPr>
-            <a:spLocks noGrp="1" noRot="1" noChangeAspect="1" noMove="1" noResize="1" noEditPoints="1" noAdjustHandles="1" noChangeArrowheads="1" noChangeShapeType="1" noTextEdit="1"/>
-          </p:cNvSpPr>
-          <p:nvPr>
-            <p:extLst>
-              <p:ext uri="{386F3935-93C4-4BCD-93E2-E3B085C9AB24}">
-                <p16:designElem xmlns:p16="http://schemas.microsoft.com/office/powerpoint/2015/main" val="1"/>
-              </p:ext>
-            </p:extLst>
-          </p:nvPr>
-        </p:nvSpPr>
-        <p:spPr>
-          <a:xfrm>
-            <a:off x="643278" y="2573756"/>
-            <a:ext cx="3255095" cy="18288"/>
-          </a:xfrm>
-          <a:custGeom>
-            <a:avLst/>
-            <a:gdLst>
-              <a:gd name="connsiteX0" fmla="*/ 0 w 3255095"/>
-              <a:gd name="connsiteY0" fmla="*/ 0 h 18288"/>
-              <a:gd name="connsiteX1" fmla="*/ 618468 w 3255095"/>
-              <a:gd name="connsiteY1" fmla="*/ 0 h 18288"/>
-              <a:gd name="connsiteX2" fmla="*/ 1269487 w 3255095"/>
-              <a:gd name="connsiteY2" fmla="*/ 0 h 18288"/>
-              <a:gd name="connsiteX3" fmla="*/ 1953057 w 3255095"/>
-              <a:gd name="connsiteY3" fmla="*/ 0 h 18288"/>
-              <a:gd name="connsiteX4" fmla="*/ 2636627 w 3255095"/>
-              <a:gd name="connsiteY4" fmla="*/ 0 h 18288"/>
-              <a:gd name="connsiteX5" fmla="*/ 3255095 w 3255095"/>
-              <a:gd name="connsiteY5" fmla="*/ 0 h 18288"/>
-              <a:gd name="connsiteX6" fmla="*/ 3255095 w 3255095"/>
-              <a:gd name="connsiteY6" fmla="*/ 18288 h 18288"/>
-              <a:gd name="connsiteX7" fmla="*/ 2538974 w 3255095"/>
-              <a:gd name="connsiteY7" fmla="*/ 18288 h 18288"/>
-              <a:gd name="connsiteX8" fmla="*/ 1822853 w 3255095"/>
-              <a:gd name="connsiteY8" fmla="*/ 18288 h 18288"/>
-              <a:gd name="connsiteX9" fmla="*/ 1171834 w 3255095"/>
-              <a:gd name="connsiteY9" fmla="*/ 18288 h 18288"/>
-              <a:gd name="connsiteX10" fmla="*/ 0 w 3255095"/>
-              <a:gd name="connsiteY10" fmla="*/ 18288 h 18288"/>
-              <a:gd name="connsiteX11" fmla="*/ 0 w 3255095"/>
-              <a:gd name="connsiteY11" fmla="*/ 0 h 18288"/>
-            </a:gdLst>
-            <a:ahLst/>
-            <a:cxnLst>
-              <a:cxn ang="0">
-                <a:pos x="connsiteX0" y="connsiteY0"/>
-              </a:cxn>
-              <a:cxn ang="0">
-                <a:pos x="connsiteX1" y="connsiteY1"/>
-              </a:cxn>
-              <a:cxn ang="0">
-                <a:pos x="connsiteX2" y="connsiteY2"/>
-              </a:cxn>
-              <a:cxn ang="0">
-                <a:pos x="connsiteX3" y="connsiteY3"/>
-              </a:cxn>
-              <a:cxn ang="0">
-                <a:pos x="connsiteX4" y="connsiteY4"/>
-              </a:cxn>
-              <a:cxn ang="0">
-                <a:pos x="connsiteX5" y="connsiteY5"/>
-              </a:cxn>
-              <a:cxn ang="0">
-                <a:pos x="connsiteX6" y="connsiteY6"/>
-              </a:cxn>
-              <a:cxn ang="0">
-                <a:pos x="connsiteX7" y="connsiteY7"/>
-              </a:cxn>
-              <a:cxn ang="0">
-                <a:pos x="connsiteX8" y="connsiteY8"/>
-              </a:cxn>
-              <a:cxn ang="0">
-                <a:pos x="connsiteX9" y="connsiteY9"/>
-              </a:cxn>
-              <a:cxn ang="0">
-                <a:pos x="connsiteX10" y="connsiteY10"/>
-              </a:cxn>
-              <a:cxn ang="0">
-                <a:pos x="connsiteX11" y="connsiteY11"/>
-              </a:cxn>
-            </a:cxnLst>
-            <a:rect l="l" t="t" r="r" b="b"/>
-            <a:pathLst>
-              <a:path w="3255095" h="18288" fill="none" extrusionOk="0">
-                <a:moveTo>
-                  <a:pt x="0" y="0"/>
-                </a:moveTo>
-                <a:cubicBezTo>
-                  <a:pt x="240201" y="-22123"/>
-                  <a:pt x="462021" y="-19623"/>
-                  <a:pt x="618468" y="0"/>
-                </a:cubicBezTo>
-                <a:cubicBezTo>
-                  <a:pt x="774915" y="19623"/>
-                  <a:pt x="974734" y="2035"/>
-                  <a:pt x="1269487" y="0"/>
-                </a:cubicBezTo>
-                <a:cubicBezTo>
-                  <a:pt x="1564240" y="-2035"/>
-                  <a:pt x="1733579" y="10639"/>
-                  <a:pt x="1953057" y="0"/>
-                </a:cubicBezTo>
-                <a:cubicBezTo>
-                  <a:pt x="2172535" y="-10639"/>
-                  <a:pt x="2453962" y="14018"/>
-                  <a:pt x="2636627" y="0"/>
-                </a:cubicBezTo>
-                <a:cubicBezTo>
-                  <a:pt x="2819292" y="-14018"/>
-                  <a:pt x="3121375" y="5399"/>
-                  <a:pt x="3255095" y="0"/>
-                </a:cubicBezTo>
-                <a:cubicBezTo>
-                  <a:pt x="3254386" y="8157"/>
-                  <a:pt x="3254682" y="12125"/>
-                  <a:pt x="3255095" y="18288"/>
-                </a:cubicBezTo>
-                <a:cubicBezTo>
-                  <a:pt x="3088545" y="23203"/>
-                  <a:pt x="2687475" y="7419"/>
-                  <a:pt x="2538974" y="18288"/>
-                </a:cubicBezTo>
-                <a:cubicBezTo>
-                  <a:pt x="2390473" y="29157"/>
-                  <a:pt x="2137381" y="-8959"/>
-                  <a:pt x="1822853" y="18288"/>
-                </a:cubicBezTo>
-                <a:cubicBezTo>
-                  <a:pt x="1508325" y="45535"/>
-                  <a:pt x="1466437" y="20385"/>
-                  <a:pt x="1171834" y="18288"/>
-                </a:cubicBezTo>
-                <a:cubicBezTo>
-                  <a:pt x="877231" y="16191"/>
-                  <a:pt x="561097" y="37643"/>
-                  <a:pt x="0" y="18288"/>
-                </a:cubicBezTo>
-                <a:cubicBezTo>
-                  <a:pt x="-46" y="12483"/>
-                  <a:pt x="-203" y="6491"/>
-                  <a:pt x="0" y="0"/>
-                </a:cubicBezTo>
-                <a:close/>
-              </a:path>
-              <a:path w="3255095" h="18288" stroke="0" extrusionOk="0">
-                <a:moveTo>
-                  <a:pt x="0" y="0"/>
-                </a:moveTo>
-                <a:cubicBezTo>
-                  <a:pt x="291965" y="19429"/>
-                  <a:pt x="363155" y="8568"/>
-                  <a:pt x="618468" y="0"/>
-                </a:cubicBezTo>
-                <a:cubicBezTo>
-                  <a:pt x="873781" y="-8568"/>
-                  <a:pt x="904459" y="-19505"/>
-                  <a:pt x="1171834" y="0"/>
-                </a:cubicBezTo>
-                <a:cubicBezTo>
-                  <a:pt x="1439209" y="19505"/>
-                  <a:pt x="1744369" y="9790"/>
-                  <a:pt x="1887955" y="0"/>
-                </a:cubicBezTo>
-                <a:cubicBezTo>
-                  <a:pt x="2031541" y="-9790"/>
-                  <a:pt x="2346378" y="21240"/>
-                  <a:pt x="2506423" y="0"/>
-                </a:cubicBezTo>
-                <a:cubicBezTo>
-                  <a:pt x="2666468" y="-21240"/>
-                  <a:pt x="2990257" y="30414"/>
-                  <a:pt x="3255095" y="0"/>
-                </a:cubicBezTo>
-                <a:cubicBezTo>
-                  <a:pt x="3254831" y="4493"/>
-                  <a:pt x="3255479" y="9472"/>
-                  <a:pt x="3255095" y="18288"/>
-                </a:cubicBezTo>
-                <a:cubicBezTo>
-                  <a:pt x="3120743" y="16690"/>
-                  <a:pt x="2759628" y="42462"/>
-                  <a:pt x="2604076" y="18288"/>
-                </a:cubicBezTo>
-                <a:cubicBezTo>
-                  <a:pt x="2448524" y="-5886"/>
-                  <a:pt x="2184336" y="19599"/>
-                  <a:pt x="1887955" y="18288"/>
-                </a:cubicBezTo>
-                <a:cubicBezTo>
-                  <a:pt x="1591574" y="16977"/>
-                  <a:pt x="1548845" y="6870"/>
-                  <a:pt x="1334589" y="18288"/>
-                </a:cubicBezTo>
-                <a:cubicBezTo>
-                  <a:pt x="1120333" y="29706"/>
-                  <a:pt x="996014" y="9662"/>
-                  <a:pt x="683570" y="18288"/>
-                </a:cubicBezTo>
-                <a:cubicBezTo>
-                  <a:pt x="371126" y="26914"/>
-                  <a:pt x="198687" y="16167"/>
-                  <a:pt x="0" y="18288"/>
-                </a:cubicBezTo>
-                <a:cubicBezTo>
-                  <a:pt x="843" y="9577"/>
-                  <a:pt x="371" y="6900"/>
-                  <a:pt x="0" y="0"/>
-                </a:cubicBezTo>
-                <a:close/>
-              </a:path>
-            </a:pathLst>
-          </a:custGeom>
-          <a:solidFill>
-            <a:schemeClr val="accent2"/>
-          </a:solidFill>
-          <a:ln w="38100" cap="rnd">
-            <a:solidFill>
-              <a:schemeClr val="accent2"/>
-            </a:solidFill>
-            <a:round/>
-            <a:extLst>
-              <a:ext uri="{C807C97D-BFC1-408E-A445-0C87EB9F89A2}">
-                <ask:lineSketchStyleProps xmlns:ask="http://schemas.microsoft.com/office/drawing/2018/sketchyshapes" sd="1219033472">
-                  <a:prstGeom prst="rect">
-                    <a:avLst/>
-                  </a:prstGeom>
-                  <ask:type>
-                    <ask:lineSketchFreehand/>
-                  </ask:type>
-                </ask:lineSketchStyleProps>
-              </a:ext>
-            </a:extLst>
-          </a:ln>
-        </p:spPr>
-        <p:style>
-          <a:lnRef idx="2">
-            <a:schemeClr val="accent1">
-              <a:shade val="50000"/>
-            </a:schemeClr>
-          </a:lnRef>
-          <a:fillRef idx="1">
-            <a:schemeClr val="accent1"/>
-          </a:fillRef>
-          <a:effectRef idx="0">
-            <a:schemeClr val="accent1"/>
-          </a:effectRef>
-          <a:fontRef idx="minor">
-            <a:schemeClr val="lt1"/>
-          </a:fontRef>
-        </p:style>
-        <p:txBody>
-          <a:bodyPr rtlCol="0" anchor="ctr"/>
-          <a:lstStyle/>
-          <a:p>
-            <a:pPr algn="ctr"/>
-            <a:endParaRPr lang="en-US"/>
-          </a:p>
-        </p:txBody>
-      </p:sp>
-      <p:sp>
-        <p:nvSpPr>
-          <p:cNvPr id="11" name="Content Placeholder 10">
-            <a:extLst>
-              <a:ext uri="{FF2B5EF4-FFF2-40B4-BE49-F238E27FC236}">
-                <a16:creationId xmlns:a16="http://schemas.microsoft.com/office/drawing/2014/main" id="{A049AD4A-1E74-9645-D1C7-33AE59462498}"/>
-              </a:ext>
-            </a:extLst>
-          </p:cNvPr>
-          <p:cNvSpPr>
-            <a:spLocks noGrp="1"/>
-          </p:cNvSpPr>
-          <p:nvPr>
-            <p:ph idx="1"/>
-          </p:nvPr>
-        </p:nvSpPr>
-        <p:spPr>
-          <a:xfrm>
-            <a:off x="630936" y="2807208"/>
-            <a:ext cx="3429000" cy="3410712"/>
-          </a:xfrm>
-        </p:spPr>
-        <p:txBody>
-          <a:bodyPr anchor="t">
-            <a:normAutofit/>
-          </a:bodyPr>
-          <a:lstStyle/>
-          <a:p>
-            <a:r>
-              <a:rPr lang="en-US" sz="2200" dirty="0" err="1"/>
-              <a:t>Használt</a:t>
-            </a:r>
-            <a:r>
-              <a:rPr lang="en-US" sz="2200" dirty="0"/>
-              <a:t> </a:t>
-            </a:r>
-            <a:r>
-              <a:rPr lang="en-US" sz="2200" dirty="0" err="1"/>
-              <a:t>adathalmazok</a:t>
-            </a:r>
-            <a:r>
-              <a:rPr lang="en-US" sz="2200" dirty="0"/>
-              <a:t>:</a:t>
-            </a:r>
-          </a:p>
-          <a:p>
-            <a:pPr lvl="1"/>
-            <a:r>
-              <a:rPr lang="en-US" sz="1800" dirty="0"/>
-              <a:t>TSSB – 75 </a:t>
-            </a:r>
-            <a:r>
-              <a:rPr lang="en-US" sz="1800" dirty="0" err="1"/>
-              <a:t>idősor</a:t>
-            </a:r>
-            <a:endParaRPr lang="en-US" sz="1800" dirty="0"/>
-          </a:p>
-          <a:p>
-            <a:pPr lvl="1"/>
-            <a:r>
-              <a:rPr lang="en-US" sz="1800" dirty="0"/>
-              <a:t>HAS – 250 </a:t>
-            </a:r>
-            <a:r>
-              <a:rPr lang="en-US" sz="1800" dirty="0" err="1"/>
-              <a:t>idősor</a:t>
-            </a:r>
-            <a:endParaRPr lang="en-US" sz="1800" dirty="0"/>
-          </a:p>
-        </p:txBody>
-      </p:sp>
-      <p:pic>
-        <p:nvPicPr>
-          <p:cNvPr id="7" name="Tartalom helye 6">
-            <a:extLst>
-              <a:ext uri="{FF2B5EF4-FFF2-40B4-BE49-F238E27FC236}">
-                <a16:creationId xmlns:a16="http://schemas.microsoft.com/office/drawing/2014/main" id="{5EC8B68C-0128-AE19-126B-04B5F762282C}"/>
-              </a:ext>
-            </a:extLst>
-          </p:cNvPr>
-          <p:cNvPicPr>
-            <a:picLocks noChangeAspect="1"/>
-          </p:cNvPicPr>
-          <p:nvPr/>
-        </p:nvPicPr>
-        <p:blipFill>
-          <a:blip r:embed="rId2"/>
-          <a:stretch>
-            <a:fillRect/>
-          </a:stretch>
-        </p:blipFill>
-        <p:spPr>
-          <a:xfrm>
-            <a:off x="4654296" y="1634033"/>
-            <a:ext cx="6903720" cy="3589934"/>
-          </a:xfrm>
-          <a:prstGeom prst="rect">
-            <a:avLst/>
-          </a:prstGeom>
-        </p:spPr>
-      </p:pic>
-      <p:sp>
-        <p:nvSpPr>
-          <p:cNvPr id="4" name="Dátum helye 3">
-            <a:extLst>
-              <a:ext uri="{FF2B5EF4-FFF2-40B4-BE49-F238E27FC236}">
-                <a16:creationId xmlns:a16="http://schemas.microsoft.com/office/drawing/2014/main" id="{6D2CD1B2-9638-FBF5-CF84-0B377924E8AE}"/>
-              </a:ext>
-            </a:extLst>
-          </p:cNvPr>
-          <p:cNvSpPr>
-            <a:spLocks noGrp="1"/>
-          </p:cNvSpPr>
-          <p:nvPr>
-            <p:ph type="dt" sz="half" idx="10"/>
-          </p:nvPr>
-        </p:nvSpPr>
-        <p:spPr>
-          <a:xfrm>
-            <a:off x="838200" y="6356350"/>
-            <a:ext cx="2743200" cy="365125"/>
-          </a:xfrm>
-        </p:spPr>
-        <p:txBody>
-          <a:bodyPr>
-            <a:normAutofit/>
-          </a:bodyPr>
-          <a:lstStyle/>
-          <a:p>
-            <a:pPr>
-              <a:spcAft>
-                <a:spcPts val="600"/>
-              </a:spcAft>
-            </a:pPr>
-            <a:fld id="{66445694-FCB9-A642-8FF4-42EEC02622E4}" type="datetime1">
-              <a:rPr lang="hu-HU" smtClean="0"/>
-              <a:pPr>
-                <a:spcAft>
-                  <a:spcPts val="600"/>
-                </a:spcAft>
-              </a:pPr>
-              <a:t>2025. 05. 04.</a:t>
-            </a:fld>
-            <a:endParaRPr lang="hu-HU"/>
-          </a:p>
-        </p:txBody>
-      </p:sp>
-      <p:sp>
-        <p:nvSpPr>
-          <p:cNvPr id="5" name="Élőláb helye 4">
-            <a:extLst>
-              <a:ext uri="{FF2B5EF4-FFF2-40B4-BE49-F238E27FC236}">
-                <a16:creationId xmlns:a16="http://schemas.microsoft.com/office/drawing/2014/main" id="{B6F99DD6-87CA-B2B9-BD69-73694673FA91}"/>
-              </a:ext>
-            </a:extLst>
-          </p:cNvPr>
-          <p:cNvSpPr>
-            <a:spLocks noGrp="1"/>
-          </p:cNvSpPr>
-          <p:nvPr>
-            <p:ph type="ftr" sz="quarter" idx="11"/>
-          </p:nvPr>
-        </p:nvSpPr>
-        <p:spPr>
-          <a:xfrm>
-            <a:off x="4038600" y="6356350"/>
-            <a:ext cx="4114800" cy="365125"/>
-          </a:xfrm>
-        </p:spPr>
-        <p:txBody>
-          <a:bodyPr>
-            <a:normAutofit/>
-          </a:bodyPr>
-          <a:lstStyle/>
-          <a:p>
-            <a:endParaRPr lang="hu-HU"/>
-          </a:p>
-        </p:txBody>
-      </p:sp>
-      <p:sp>
-        <p:nvSpPr>
-          <p:cNvPr id="6" name="Dia számának helye 5">
-            <a:extLst>
-              <a:ext uri="{FF2B5EF4-FFF2-40B4-BE49-F238E27FC236}">
-                <a16:creationId xmlns:a16="http://schemas.microsoft.com/office/drawing/2014/main" id="{17B0DA75-DEAF-D741-C469-D3576F9AAFE3}"/>
-              </a:ext>
-            </a:extLst>
-          </p:cNvPr>
-          <p:cNvSpPr>
-            <a:spLocks noGrp="1"/>
-          </p:cNvSpPr>
-          <p:nvPr>
-            <p:ph type="sldNum" sz="quarter" idx="12"/>
-          </p:nvPr>
-        </p:nvSpPr>
-        <p:spPr>
-          <a:xfrm>
-            <a:off x="8610600" y="6356350"/>
-            <a:ext cx="2743200" cy="365125"/>
-          </a:xfrm>
-        </p:spPr>
-        <p:txBody>
-          <a:bodyPr>
-            <a:normAutofit/>
-          </a:bodyPr>
-          <a:lstStyle/>
-          <a:p>
-            <a:pPr>
-              <a:spcAft>
-                <a:spcPts val="600"/>
-              </a:spcAft>
-            </a:pPr>
-            <a:fld id="{2BF5634A-3FEB-2145-92F8-FA1760146F41}" type="slidenum">
-              <a:rPr lang="hu-HU" smtClean="0"/>
-              <a:pPr>
-                <a:spcAft>
-                  <a:spcPts val="600"/>
-                </a:spcAft>
-              </a:pPr>
-              <a:t>8</a:t>
-            </a:fld>
-            <a:endParaRPr lang="hu-HU"/>
-          </a:p>
-        </p:txBody>
-      </p:sp>
-    </p:spTree>
-    <p:extLst>
-      <p:ext uri="{BB962C8B-B14F-4D97-AF65-F5344CB8AC3E}">
-        <p14:creationId xmlns:p14="http://schemas.microsoft.com/office/powerpoint/2010/main" val="2925716366"/>
-      </p:ext>
-    </p:extLst>
-  </p:cSld>
-  <p:clrMapOvr>
-    <a:masterClrMapping/>
-  </p:clrMapOvr>
-</p:sld>
-</file>
-
-<file path=ppt/slides/slide9.xml><?xml version="1.0" encoding="utf-8"?>
+<file path=ppt/slides/slide4.xml><?xml version="1.0" encoding="utf-8"?>
 <p:sld xmlns:a="http://schemas.openxmlformats.org/drawingml/2006/main" xmlns:r="http://schemas.openxmlformats.org/officeDocument/2006/relationships" xmlns:p="http://schemas.openxmlformats.org/presentationml/2006/main">
   <p:cSld>
     <p:bg>
@@ -9653,7 +7502,7 @@
           <p:cNvPr id="2" name="Cím 1">
             <a:extLst>
               <a:ext uri="{FF2B5EF4-FFF2-40B4-BE49-F238E27FC236}">
-                <a16:creationId xmlns:a16="http://schemas.microsoft.com/office/drawing/2014/main" id="{8F9C1376-0D58-FEA9-957C-F8980AA3FB75}"/>
+                <a16:creationId xmlns:a16="http://schemas.microsoft.com/office/drawing/2014/main" id="{05C0D67E-401B-9449-9CDE-2E970D7A555C}"/>
               </a:ext>
             </a:extLst>
           </p:cNvPr>
@@ -9678,7 +7527,7 @@
           <a:p>
             <a:r>
               <a:rPr lang="hu-HU" sz="5400"/>
-              <a:t>Összegzés és kitekintés</a:t>
+              <a:t>Idősor szegmentálás területei</a:t>
             </a:r>
           </a:p>
         </p:txBody>
@@ -10326,7 +8175,7 @@
           <p:cNvPr id="3" name="Tartalom helye 2">
             <a:extLst>
               <a:ext uri="{FF2B5EF4-FFF2-40B4-BE49-F238E27FC236}">
-                <a16:creationId xmlns:a16="http://schemas.microsoft.com/office/drawing/2014/main" id="{6880C18D-CE4E-5892-2301-4FFA4460E670}"/>
+                <a16:creationId xmlns:a16="http://schemas.microsoft.com/office/drawing/2014/main" id="{D8DDDD36-5379-8A8A-3E3F-BD8C8C26076F}"/>
               </a:ext>
             </a:extLst>
           </p:cNvPr>
@@ -10350,38 +8199,33 @@
           <a:lstStyle/>
           <a:p>
             <a:r>
-              <a:rPr lang="hu-HU" sz="2200" dirty="0"/>
-              <a:t>Hierarchikus </a:t>
-            </a:r>
-            <a:r>
-              <a:rPr lang="hu-HU" sz="2200" dirty="0" err="1"/>
-              <a:t>klaszterezés</a:t>
-            </a:r>
-            <a:r>
-              <a:rPr lang="hu-HU" sz="2200" dirty="0"/>
-              <a:t> további optimalizálása</a:t>
-            </a:r>
-          </a:p>
-          <a:p>
-            <a:r>
-              <a:rPr lang="hu-HU" sz="2200" dirty="0"/>
-              <a:t>Idősorok megkülönböztetése statisztikai jellemzők alapján</a:t>
-            </a:r>
-          </a:p>
-          <a:p>
-            <a:r>
-              <a:rPr lang="hu-HU" sz="2200" dirty="0"/>
-              <a:t>Robusztusabb algoritmus</a:t>
-            </a:r>
-          </a:p>
-          <a:p>
-            <a:r>
-              <a:rPr lang="hu-HU" sz="2200" dirty="0"/>
-              <a:t>Egyes algoritmusok erősségeinek feltérképezése</a:t>
-            </a:r>
-          </a:p>
-          <a:p>
-            <a:endParaRPr lang="hu-HU" sz="2200" dirty="0"/>
+              <a:rPr lang="hu-HU" sz="2200"/>
+              <a:t>Pénzügy</a:t>
+            </a:r>
+          </a:p>
+          <a:p>
+            <a:r>
+              <a:rPr lang="hu-HU" sz="2200"/>
+              <a:t>Egészségügy és orvosi diagnosztika</a:t>
+            </a:r>
+          </a:p>
+          <a:p>
+            <a:r>
+              <a:rPr lang="hu-HU" sz="2200"/>
+              <a:t>Ipari gépmonitorozás</a:t>
+            </a:r>
+          </a:p>
+          <a:p>
+            <a:r>
+              <a:rPr lang="hu-HU" sz="2200"/>
+              <a:t>Beszédfelismerés és jelfeldolgozás</a:t>
+            </a:r>
+          </a:p>
+          <a:p>
+            <a:r>
+              <a:rPr lang="hu-HU" sz="2200"/>
+              <a:t>Közlekedés és mobilitás</a:t>
+            </a:r>
           </a:p>
         </p:txBody>
       </p:sp>
@@ -10390,7 +8234,3692 @@
           <p:cNvPr id="4" name="Dátum helye 3">
             <a:extLst>
               <a:ext uri="{FF2B5EF4-FFF2-40B4-BE49-F238E27FC236}">
-                <a16:creationId xmlns:a16="http://schemas.microsoft.com/office/drawing/2014/main" id="{947A7BAD-EA9D-68F0-CECB-EF554EE80004}"/>
+                <a16:creationId xmlns:a16="http://schemas.microsoft.com/office/drawing/2014/main" id="{14306762-26D1-759F-7887-9DA5539F5B3E}"/>
+              </a:ext>
+            </a:extLst>
+          </p:cNvPr>
+          <p:cNvSpPr>
+            <a:spLocks noGrp="1"/>
+          </p:cNvSpPr>
+          <p:nvPr>
+            <p:ph type="dt" sz="half" idx="10"/>
+          </p:nvPr>
+        </p:nvSpPr>
+        <p:spPr>
+          <a:xfrm>
+            <a:off x="838200" y="6356350"/>
+            <a:ext cx="2743200" cy="365125"/>
+          </a:xfrm>
+        </p:spPr>
+        <p:txBody>
+          <a:bodyPr>
+            <a:normAutofit/>
+          </a:bodyPr>
+          <a:lstStyle/>
+          <a:p>
+            <a:pPr>
+              <a:spcAft>
+                <a:spcPts val="600"/>
+              </a:spcAft>
+            </a:pPr>
+            <a:fld id="{CE5796CF-F91D-8A43-BBA8-BA92F2D3E001}" type="datetime1">
+              <a:rPr lang="hu-HU" smtClean="0"/>
+              <a:t>2025. 05. 06.</a:t>
+            </a:fld>
+            <a:endParaRPr lang="hu-HU"/>
+          </a:p>
+        </p:txBody>
+      </p:sp>
+      <p:sp>
+        <p:nvSpPr>
+          <p:cNvPr id="5" name="Élőláb helye 4">
+            <a:extLst>
+              <a:ext uri="{FF2B5EF4-FFF2-40B4-BE49-F238E27FC236}">
+                <a16:creationId xmlns:a16="http://schemas.microsoft.com/office/drawing/2014/main" id="{D312C130-79E2-AC15-56B6-68539B67D660}"/>
+              </a:ext>
+            </a:extLst>
+          </p:cNvPr>
+          <p:cNvSpPr>
+            <a:spLocks noGrp="1"/>
+          </p:cNvSpPr>
+          <p:nvPr>
+            <p:ph type="ftr" sz="quarter" idx="11"/>
+          </p:nvPr>
+        </p:nvSpPr>
+        <p:spPr>
+          <a:xfrm>
+            <a:off x="4038600" y="6356350"/>
+            <a:ext cx="4114800" cy="365125"/>
+          </a:xfrm>
+        </p:spPr>
+        <p:txBody>
+          <a:bodyPr>
+            <a:normAutofit/>
+          </a:bodyPr>
+          <a:lstStyle/>
+          <a:p>
+            <a:endParaRPr lang="hu-HU"/>
+          </a:p>
+        </p:txBody>
+      </p:sp>
+      <p:sp>
+        <p:nvSpPr>
+          <p:cNvPr id="6" name="Dia számának helye 5">
+            <a:extLst>
+              <a:ext uri="{FF2B5EF4-FFF2-40B4-BE49-F238E27FC236}">
+                <a16:creationId xmlns:a16="http://schemas.microsoft.com/office/drawing/2014/main" id="{8AAD0207-4F08-E9ED-431D-8FC430E768FA}"/>
+              </a:ext>
+            </a:extLst>
+          </p:cNvPr>
+          <p:cNvSpPr>
+            <a:spLocks noGrp="1"/>
+          </p:cNvSpPr>
+          <p:nvPr>
+            <p:ph type="sldNum" sz="quarter" idx="12"/>
+          </p:nvPr>
+        </p:nvSpPr>
+        <p:spPr>
+          <a:xfrm>
+            <a:off x="8610600" y="6356350"/>
+            <a:ext cx="2743200" cy="365125"/>
+          </a:xfrm>
+        </p:spPr>
+        <p:txBody>
+          <a:bodyPr>
+            <a:normAutofit/>
+          </a:bodyPr>
+          <a:lstStyle/>
+          <a:p>
+            <a:pPr>
+              <a:spcAft>
+                <a:spcPts val="600"/>
+              </a:spcAft>
+            </a:pPr>
+            <a:fld id="{2BF5634A-3FEB-2145-92F8-FA1760146F41}" type="slidenum">
+              <a:rPr lang="hu-HU" smtClean="0"/>
+              <a:pPr>
+                <a:spcAft>
+                  <a:spcPts val="600"/>
+                </a:spcAft>
+              </a:pPr>
+              <a:t>4</a:t>
+            </a:fld>
+            <a:endParaRPr lang="hu-HU"/>
+          </a:p>
+        </p:txBody>
+      </p:sp>
+    </p:spTree>
+    <p:extLst>
+      <p:ext uri="{BB962C8B-B14F-4D97-AF65-F5344CB8AC3E}">
+        <p14:creationId xmlns:p14="http://schemas.microsoft.com/office/powerpoint/2010/main" val="3616475312"/>
+      </p:ext>
+    </p:extLst>
+  </p:cSld>
+  <p:clrMapOvr>
+    <a:masterClrMapping/>
+  </p:clrMapOvr>
+</p:sld>
+</file>
+
+<file path=ppt/slides/slide5.xml><?xml version="1.0" encoding="utf-8"?>
+<p:sld xmlns:a="http://schemas.openxmlformats.org/drawingml/2006/main" xmlns:r="http://schemas.openxmlformats.org/officeDocument/2006/relationships" xmlns:p="http://schemas.openxmlformats.org/presentationml/2006/main">
+  <p:cSld>
+    <p:bg>
+      <p:bgPr>
+        <a:solidFill>
+          <a:schemeClr val="bg1"/>
+        </a:solidFill>
+        <a:effectLst/>
+      </p:bgPr>
+    </p:bg>
+    <p:spTree>
+      <p:nvGrpSpPr>
+        <p:cNvPr id="1" name=""/>
+        <p:cNvGrpSpPr/>
+        <p:nvPr/>
+      </p:nvGrpSpPr>
+      <p:grpSpPr>
+        <a:xfrm>
+          <a:off x="0" y="0"/>
+          <a:ext cx="0" cy="0"/>
+          <a:chOff x="0" y="0"/>
+          <a:chExt cx="0" cy="0"/>
+        </a:xfrm>
+      </p:grpSpPr>
+      <p:sp useBgFill="1">
+        <p:nvSpPr>
+          <p:cNvPr id="14" name="Rectangle 13">
+            <a:extLst>
+              <a:ext uri="{FF2B5EF4-FFF2-40B4-BE49-F238E27FC236}">
+                <a16:creationId xmlns:a16="http://schemas.microsoft.com/office/drawing/2014/main" id="{2B97F24A-32CE-4C1C-A50D-3016B394DCFB}"/>
+              </a:ext>
+              <a:ext uri="{C183D7F6-B498-43B3-948B-1728B52AA6E4}">
+                <adec:decorative xmlns:adec="http://schemas.microsoft.com/office/drawing/2017/decorative" val="1"/>
+              </a:ext>
+            </a:extLst>
+          </p:cNvPr>
+          <p:cNvSpPr>
+            <a:spLocks noGrp="1" noRot="1" noChangeAspect="1" noMove="1" noResize="1" noEditPoints="1" noAdjustHandles="1" noChangeArrowheads="1" noChangeShapeType="1" noTextEdit="1"/>
+          </p:cNvSpPr>
+          <p:nvPr>
+            <p:extLst>
+              <p:ext uri="{386F3935-93C4-4BCD-93E2-E3B085C9AB24}">
+                <p16:designElem xmlns:p16="http://schemas.microsoft.com/office/powerpoint/2015/main" val="1"/>
+              </p:ext>
+            </p:extLst>
+          </p:nvPr>
+        </p:nvSpPr>
+        <p:spPr>
+          <a:xfrm>
+            <a:off x="0" y="0"/>
+            <a:ext cx="12192000" cy="6858000"/>
+          </a:xfrm>
+          <a:prstGeom prst="rect">
+            <a:avLst/>
+          </a:prstGeom>
+          <a:ln>
+            <a:noFill/>
+          </a:ln>
+        </p:spPr>
+        <p:style>
+          <a:lnRef idx="2">
+            <a:schemeClr val="accent1">
+              <a:shade val="50000"/>
+            </a:schemeClr>
+          </a:lnRef>
+          <a:fillRef idx="1">
+            <a:schemeClr val="accent1"/>
+          </a:fillRef>
+          <a:effectRef idx="0">
+            <a:schemeClr val="accent1"/>
+          </a:effectRef>
+          <a:fontRef idx="minor">
+            <a:schemeClr val="lt1"/>
+          </a:fontRef>
+        </p:style>
+        <p:txBody>
+          <a:bodyPr rtlCol="0" anchor="ctr"/>
+          <a:lstStyle/>
+          <a:p>
+            <a:pPr algn="ctr"/>
+            <a:endParaRPr lang="en-US"/>
+          </a:p>
+        </p:txBody>
+      </p:sp>
+      <p:sp>
+        <p:nvSpPr>
+          <p:cNvPr id="2" name="Cím 1">
+            <a:extLst>
+              <a:ext uri="{FF2B5EF4-FFF2-40B4-BE49-F238E27FC236}">
+                <a16:creationId xmlns:a16="http://schemas.microsoft.com/office/drawing/2014/main" id="{55307F71-2F65-8A10-5DA2-6465F3416218}"/>
+              </a:ext>
+            </a:extLst>
+          </p:cNvPr>
+          <p:cNvSpPr>
+            <a:spLocks noGrp="1"/>
+          </p:cNvSpPr>
+          <p:nvPr>
+            <p:ph type="title"/>
+          </p:nvPr>
+        </p:nvSpPr>
+        <p:spPr>
+          <a:xfrm>
+            <a:off x="630936" y="639520"/>
+            <a:ext cx="3429000" cy="1719072"/>
+          </a:xfrm>
+        </p:spPr>
+        <p:txBody>
+          <a:bodyPr anchor="b">
+            <a:normAutofit/>
+          </a:bodyPr>
+          <a:lstStyle/>
+          <a:p>
+            <a:r>
+              <a:rPr lang="hu-HU" sz="3800" dirty="0" err="1"/>
+              <a:t>State</a:t>
+            </a:r>
+            <a:r>
+              <a:rPr lang="hu-HU" sz="3800" dirty="0"/>
+              <a:t>-of-</a:t>
+            </a:r>
+            <a:r>
+              <a:rPr lang="hu-HU" sz="3800" dirty="0" err="1"/>
+              <a:t>the</a:t>
+            </a:r>
+            <a:r>
+              <a:rPr lang="hu-HU" sz="3800" dirty="0"/>
+              <a:t>-art algoritmusok</a:t>
+            </a:r>
+          </a:p>
+        </p:txBody>
+      </p:sp>
+      <p:sp>
+        <p:nvSpPr>
+          <p:cNvPr id="16" name="sketch line">
+            <a:extLst>
+              <a:ext uri="{FF2B5EF4-FFF2-40B4-BE49-F238E27FC236}">
+                <a16:creationId xmlns:a16="http://schemas.microsoft.com/office/drawing/2014/main" id="{CD8B4F24-440B-49E9-B85D-733523DC064B}"/>
+              </a:ext>
+              <a:ext uri="{C183D7F6-B498-43B3-948B-1728B52AA6E4}">
+                <adec:decorative xmlns:adec="http://schemas.microsoft.com/office/drawing/2017/decorative" val="1"/>
+              </a:ext>
+            </a:extLst>
+          </p:cNvPr>
+          <p:cNvSpPr>
+            <a:spLocks noGrp="1" noRot="1" noChangeAspect="1" noMove="1" noResize="1" noEditPoints="1" noAdjustHandles="1" noChangeArrowheads="1" noChangeShapeType="1" noTextEdit="1"/>
+          </p:cNvSpPr>
+          <p:nvPr>
+            <p:extLst>
+              <p:ext uri="{386F3935-93C4-4BCD-93E2-E3B085C9AB24}">
+                <p16:designElem xmlns:p16="http://schemas.microsoft.com/office/powerpoint/2015/main" val="1"/>
+              </p:ext>
+            </p:extLst>
+          </p:nvPr>
+        </p:nvSpPr>
+        <p:spPr>
+          <a:xfrm>
+            <a:off x="643278" y="2573756"/>
+            <a:ext cx="3255095" cy="18288"/>
+          </a:xfrm>
+          <a:custGeom>
+            <a:avLst/>
+            <a:gdLst>
+              <a:gd name="connsiteX0" fmla="*/ 0 w 3255095"/>
+              <a:gd name="connsiteY0" fmla="*/ 0 h 18288"/>
+              <a:gd name="connsiteX1" fmla="*/ 618468 w 3255095"/>
+              <a:gd name="connsiteY1" fmla="*/ 0 h 18288"/>
+              <a:gd name="connsiteX2" fmla="*/ 1269487 w 3255095"/>
+              <a:gd name="connsiteY2" fmla="*/ 0 h 18288"/>
+              <a:gd name="connsiteX3" fmla="*/ 1953057 w 3255095"/>
+              <a:gd name="connsiteY3" fmla="*/ 0 h 18288"/>
+              <a:gd name="connsiteX4" fmla="*/ 2636627 w 3255095"/>
+              <a:gd name="connsiteY4" fmla="*/ 0 h 18288"/>
+              <a:gd name="connsiteX5" fmla="*/ 3255095 w 3255095"/>
+              <a:gd name="connsiteY5" fmla="*/ 0 h 18288"/>
+              <a:gd name="connsiteX6" fmla="*/ 3255095 w 3255095"/>
+              <a:gd name="connsiteY6" fmla="*/ 18288 h 18288"/>
+              <a:gd name="connsiteX7" fmla="*/ 2538974 w 3255095"/>
+              <a:gd name="connsiteY7" fmla="*/ 18288 h 18288"/>
+              <a:gd name="connsiteX8" fmla="*/ 1822853 w 3255095"/>
+              <a:gd name="connsiteY8" fmla="*/ 18288 h 18288"/>
+              <a:gd name="connsiteX9" fmla="*/ 1171834 w 3255095"/>
+              <a:gd name="connsiteY9" fmla="*/ 18288 h 18288"/>
+              <a:gd name="connsiteX10" fmla="*/ 0 w 3255095"/>
+              <a:gd name="connsiteY10" fmla="*/ 18288 h 18288"/>
+              <a:gd name="connsiteX11" fmla="*/ 0 w 3255095"/>
+              <a:gd name="connsiteY11" fmla="*/ 0 h 18288"/>
+            </a:gdLst>
+            <a:ahLst/>
+            <a:cxnLst>
+              <a:cxn ang="0">
+                <a:pos x="connsiteX0" y="connsiteY0"/>
+              </a:cxn>
+              <a:cxn ang="0">
+                <a:pos x="connsiteX1" y="connsiteY1"/>
+              </a:cxn>
+              <a:cxn ang="0">
+                <a:pos x="connsiteX2" y="connsiteY2"/>
+              </a:cxn>
+              <a:cxn ang="0">
+                <a:pos x="connsiteX3" y="connsiteY3"/>
+              </a:cxn>
+              <a:cxn ang="0">
+                <a:pos x="connsiteX4" y="connsiteY4"/>
+              </a:cxn>
+              <a:cxn ang="0">
+                <a:pos x="connsiteX5" y="connsiteY5"/>
+              </a:cxn>
+              <a:cxn ang="0">
+                <a:pos x="connsiteX6" y="connsiteY6"/>
+              </a:cxn>
+              <a:cxn ang="0">
+                <a:pos x="connsiteX7" y="connsiteY7"/>
+              </a:cxn>
+              <a:cxn ang="0">
+                <a:pos x="connsiteX8" y="connsiteY8"/>
+              </a:cxn>
+              <a:cxn ang="0">
+                <a:pos x="connsiteX9" y="connsiteY9"/>
+              </a:cxn>
+              <a:cxn ang="0">
+                <a:pos x="connsiteX10" y="connsiteY10"/>
+              </a:cxn>
+              <a:cxn ang="0">
+                <a:pos x="connsiteX11" y="connsiteY11"/>
+              </a:cxn>
+            </a:cxnLst>
+            <a:rect l="l" t="t" r="r" b="b"/>
+            <a:pathLst>
+              <a:path w="3255095" h="18288" fill="none" extrusionOk="0">
+                <a:moveTo>
+                  <a:pt x="0" y="0"/>
+                </a:moveTo>
+                <a:cubicBezTo>
+                  <a:pt x="240201" y="-22123"/>
+                  <a:pt x="462021" y="-19623"/>
+                  <a:pt x="618468" y="0"/>
+                </a:cubicBezTo>
+                <a:cubicBezTo>
+                  <a:pt x="774915" y="19623"/>
+                  <a:pt x="974734" y="2035"/>
+                  <a:pt x="1269487" y="0"/>
+                </a:cubicBezTo>
+                <a:cubicBezTo>
+                  <a:pt x="1564240" y="-2035"/>
+                  <a:pt x="1733579" y="10639"/>
+                  <a:pt x="1953057" y="0"/>
+                </a:cubicBezTo>
+                <a:cubicBezTo>
+                  <a:pt x="2172535" y="-10639"/>
+                  <a:pt x="2453962" y="14018"/>
+                  <a:pt x="2636627" y="0"/>
+                </a:cubicBezTo>
+                <a:cubicBezTo>
+                  <a:pt x="2819292" y="-14018"/>
+                  <a:pt x="3121375" y="5399"/>
+                  <a:pt x="3255095" y="0"/>
+                </a:cubicBezTo>
+                <a:cubicBezTo>
+                  <a:pt x="3254386" y="8157"/>
+                  <a:pt x="3254682" y="12125"/>
+                  <a:pt x="3255095" y="18288"/>
+                </a:cubicBezTo>
+                <a:cubicBezTo>
+                  <a:pt x="3088545" y="23203"/>
+                  <a:pt x="2687475" y="7419"/>
+                  <a:pt x="2538974" y="18288"/>
+                </a:cubicBezTo>
+                <a:cubicBezTo>
+                  <a:pt x="2390473" y="29157"/>
+                  <a:pt x="2137381" y="-8959"/>
+                  <a:pt x="1822853" y="18288"/>
+                </a:cubicBezTo>
+                <a:cubicBezTo>
+                  <a:pt x="1508325" y="45535"/>
+                  <a:pt x="1466437" y="20385"/>
+                  <a:pt x="1171834" y="18288"/>
+                </a:cubicBezTo>
+                <a:cubicBezTo>
+                  <a:pt x="877231" y="16191"/>
+                  <a:pt x="561097" y="37643"/>
+                  <a:pt x="0" y="18288"/>
+                </a:cubicBezTo>
+                <a:cubicBezTo>
+                  <a:pt x="-46" y="12483"/>
+                  <a:pt x="-203" y="6491"/>
+                  <a:pt x="0" y="0"/>
+                </a:cubicBezTo>
+                <a:close/>
+              </a:path>
+              <a:path w="3255095" h="18288" stroke="0" extrusionOk="0">
+                <a:moveTo>
+                  <a:pt x="0" y="0"/>
+                </a:moveTo>
+                <a:cubicBezTo>
+                  <a:pt x="291965" y="19429"/>
+                  <a:pt x="363155" y="8568"/>
+                  <a:pt x="618468" y="0"/>
+                </a:cubicBezTo>
+                <a:cubicBezTo>
+                  <a:pt x="873781" y="-8568"/>
+                  <a:pt x="904459" y="-19505"/>
+                  <a:pt x="1171834" y="0"/>
+                </a:cubicBezTo>
+                <a:cubicBezTo>
+                  <a:pt x="1439209" y="19505"/>
+                  <a:pt x="1744369" y="9790"/>
+                  <a:pt x="1887955" y="0"/>
+                </a:cubicBezTo>
+                <a:cubicBezTo>
+                  <a:pt x="2031541" y="-9790"/>
+                  <a:pt x="2346378" y="21240"/>
+                  <a:pt x="2506423" y="0"/>
+                </a:cubicBezTo>
+                <a:cubicBezTo>
+                  <a:pt x="2666468" y="-21240"/>
+                  <a:pt x="2990257" y="30414"/>
+                  <a:pt x="3255095" y="0"/>
+                </a:cubicBezTo>
+                <a:cubicBezTo>
+                  <a:pt x="3254831" y="4493"/>
+                  <a:pt x="3255479" y="9472"/>
+                  <a:pt x="3255095" y="18288"/>
+                </a:cubicBezTo>
+                <a:cubicBezTo>
+                  <a:pt x="3120743" y="16690"/>
+                  <a:pt x="2759628" y="42462"/>
+                  <a:pt x="2604076" y="18288"/>
+                </a:cubicBezTo>
+                <a:cubicBezTo>
+                  <a:pt x="2448524" y="-5886"/>
+                  <a:pt x="2184336" y="19599"/>
+                  <a:pt x="1887955" y="18288"/>
+                </a:cubicBezTo>
+                <a:cubicBezTo>
+                  <a:pt x="1591574" y="16977"/>
+                  <a:pt x="1548845" y="6870"/>
+                  <a:pt x="1334589" y="18288"/>
+                </a:cubicBezTo>
+                <a:cubicBezTo>
+                  <a:pt x="1120333" y="29706"/>
+                  <a:pt x="996014" y="9662"/>
+                  <a:pt x="683570" y="18288"/>
+                </a:cubicBezTo>
+                <a:cubicBezTo>
+                  <a:pt x="371126" y="26914"/>
+                  <a:pt x="198687" y="16167"/>
+                  <a:pt x="0" y="18288"/>
+                </a:cubicBezTo>
+                <a:cubicBezTo>
+                  <a:pt x="843" y="9577"/>
+                  <a:pt x="371" y="6900"/>
+                  <a:pt x="0" y="0"/>
+                </a:cubicBezTo>
+                <a:close/>
+              </a:path>
+            </a:pathLst>
+          </a:custGeom>
+          <a:solidFill>
+            <a:schemeClr val="accent2"/>
+          </a:solidFill>
+          <a:ln w="38100" cap="rnd">
+            <a:solidFill>
+              <a:schemeClr val="accent2"/>
+            </a:solidFill>
+            <a:round/>
+            <a:extLst>
+              <a:ext uri="{C807C97D-BFC1-408E-A445-0C87EB9F89A2}">
+                <ask:lineSketchStyleProps xmlns:ask="http://schemas.microsoft.com/office/drawing/2018/sketchyshapes" sd="1219033472">
+                  <a:prstGeom prst="rect">
+                    <a:avLst/>
+                  </a:prstGeom>
+                  <ask:type>
+                    <ask:lineSketchFreehand/>
+                  </ask:type>
+                </ask:lineSketchStyleProps>
+              </a:ext>
+            </a:extLst>
+          </a:ln>
+        </p:spPr>
+        <p:style>
+          <a:lnRef idx="2">
+            <a:schemeClr val="accent1">
+              <a:shade val="50000"/>
+            </a:schemeClr>
+          </a:lnRef>
+          <a:fillRef idx="1">
+            <a:schemeClr val="accent1"/>
+          </a:fillRef>
+          <a:effectRef idx="0">
+            <a:schemeClr val="accent1"/>
+          </a:effectRef>
+          <a:fontRef idx="minor">
+            <a:schemeClr val="lt1"/>
+          </a:fontRef>
+        </p:style>
+        <p:txBody>
+          <a:bodyPr rtlCol="0" anchor="ctr"/>
+          <a:lstStyle/>
+          <a:p>
+            <a:pPr algn="ctr"/>
+            <a:endParaRPr lang="en-US"/>
+          </a:p>
+        </p:txBody>
+      </p:sp>
+      <p:pic>
+        <p:nvPicPr>
+          <p:cNvPr id="7" name="Tartalom helye 6">
+            <a:extLst>
+              <a:ext uri="{FF2B5EF4-FFF2-40B4-BE49-F238E27FC236}">
+                <a16:creationId xmlns:a16="http://schemas.microsoft.com/office/drawing/2014/main" id="{2F0BFB7E-E288-130A-FD76-39A2836BD73B}"/>
+              </a:ext>
+            </a:extLst>
+          </p:cNvPr>
+          <p:cNvPicPr>
+            <a:picLocks noChangeAspect="1"/>
+          </p:cNvPicPr>
+          <p:nvPr/>
+        </p:nvPicPr>
+        <p:blipFill>
+          <a:blip r:embed="rId2"/>
+          <a:stretch>
+            <a:fillRect/>
+          </a:stretch>
+        </p:blipFill>
+        <p:spPr>
+          <a:xfrm>
+            <a:off x="4059936" y="1177492"/>
+            <a:ext cx="7791318" cy="3486613"/>
+          </a:xfrm>
+          <a:prstGeom prst="rect">
+            <a:avLst/>
+          </a:prstGeom>
+        </p:spPr>
+      </p:pic>
+      <p:sp>
+        <p:nvSpPr>
+          <p:cNvPr id="4" name="Dátum helye 3">
+            <a:extLst>
+              <a:ext uri="{FF2B5EF4-FFF2-40B4-BE49-F238E27FC236}">
+                <a16:creationId xmlns:a16="http://schemas.microsoft.com/office/drawing/2014/main" id="{9C6929A2-EE6F-7693-4A2A-E4BF54806160}"/>
+              </a:ext>
+            </a:extLst>
+          </p:cNvPr>
+          <p:cNvSpPr>
+            <a:spLocks noGrp="1"/>
+          </p:cNvSpPr>
+          <p:nvPr>
+            <p:ph type="dt" sz="half" idx="10"/>
+          </p:nvPr>
+        </p:nvSpPr>
+        <p:spPr>
+          <a:xfrm>
+            <a:off x="838200" y="6356350"/>
+            <a:ext cx="2743200" cy="365125"/>
+          </a:xfrm>
+        </p:spPr>
+        <p:txBody>
+          <a:bodyPr>
+            <a:normAutofit/>
+          </a:bodyPr>
+          <a:lstStyle/>
+          <a:p>
+            <a:pPr>
+              <a:spcAft>
+                <a:spcPts val="600"/>
+              </a:spcAft>
+            </a:pPr>
+            <a:fld id="{F6C20065-8D22-D348-8CD3-A180C3961739}" type="datetime1">
+              <a:rPr lang="hu-HU" smtClean="0"/>
+              <a:t>2025. 05. 06.</a:t>
+            </a:fld>
+            <a:endParaRPr lang="hu-HU"/>
+          </a:p>
+        </p:txBody>
+      </p:sp>
+      <p:sp>
+        <p:nvSpPr>
+          <p:cNvPr id="5" name="Élőláb helye 4">
+            <a:extLst>
+              <a:ext uri="{FF2B5EF4-FFF2-40B4-BE49-F238E27FC236}">
+                <a16:creationId xmlns:a16="http://schemas.microsoft.com/office/drawing/2014/main" id="{EBC77B0E-C970-9E2B-9E3E-66287B457963}"/>
+              </a:ext>
+            </a:extLst>
+          </p:cNvPr>
+          <p:cNvSpPr>
+            <a:spLocks noGrp="1"/>
+          </p:cNvSpPr>
+          <p:nvPr>
+            <p:ph type="ftr" sz="quarter" idx="11"/>
+          </p:nvPr>
+        </p:nvSpPr>
+        <p:spPr>
+          <a:xfrm>
+            <a:off x="4038600" y="6356350"/>
+            <a:ext cx="4114800" cy="365125"/>
+          </a:xfrm>
+        </p:spPr>
+        <p:txBody>
+          <a:bodyPr>
+            <a:normAutofit/>
+          </a:bodyPr>
+          <a:lstStyle/>
+          <a:p>
+            <a:endParaRPr lang="hu-HU"/>
+          </a:p>
+        </p:txBody>
+      </p:sp>
+      <p:sp>
+        <p:nvSpPr>
+          <p:cNvPr id="6" name="Dia számának helye 5">
+            <a:extLst>
+              <a:ext uri="{FF2B5EF4-FFF2-40B4-BE49-F238E27FC236}">
+                <a16:creationId xmlns:a16="http://schemas.microsoft.com/office/drawing/2014/main" id="{7D71BE4E-F3F2-B2B7-DFA8-E1B679AC0765}"/>
+              </a:ext>
+            </a:extLst>
+          </p:cNvPr>
+          <p:cNvSpPr>
+            <a:spLocks noGrp="1"/>
+          </p:cNvSpPr>
+          <p:nvPr>
+            <p:ph type="sldNum" sz="quarter" idx="12"/>
+          </p:nvPr>
+        </p:nvSpPr>
+        <p:spPr>
+          <a:xfrm>
+            <a:off x="8610600" y="6356350"/>
+            <a:ext cx="2743200" cy="365125"/>
+          </a:xfrm>
+        </p:spPr>
+        <p:txBody>
+          <a:bodyPr>
+            <a:normAutofit/>
+          </a:bodyPr>
+          <a:lstStyle/>
+          <a:p>
+            <a:pPr>
+              <a:spcAft>
+                <a:spcPts val="600"/>
+              </a:spcAft>
+            </a:pPr>
+            <a:fld id="{2BF5634A-3FEB-2145-92F8-FA1760146F41}" type="slidenum">
+              <a:rPr lang="hu-HU" smtClean="0"/>
+              <a:pPr>
+                <a:spcAft>
+                  <a:spcPts val="600"/>
+                </a:spcAft>
+              </a:pPr>
+              <a:t>5</a:t>
+            </a:fld>
+            <a:endParaRPr lang="hu-HU"/>
+          </a:p>
+        </p:txBody>
+      </p:sp>
+    </p:spTree>
+    <p:extLst>
+      <p:ext uri="{BB962C8B-B14F-4D97-AF65-F5344CB8AC3E}">
+        <p14:creationId xmlns:p14="http://schemas.microsoft.com/office/powerpoint/2010/main" val="2820905864"/>
+      </p:ext>
+    </p:extLst>
+  </p:cSld>
+  <p:clrMapOvr>
+    <a:masterClrMapping/>
+  </p:clrMapOvr>
+</p:sld>
+</file>
+
+<file path=ppt/slides/slide6.xml><?xml version="1.0" encoding="utf-8"?>
+<p:sld xmlns:a="http://schemas.openxmlformats.org/drawingml/2006/main" xmlns:r="http://schemas.openxmlformats.org/officeDocument/2006/relationships" xmlns:p="http://schemas.openxmlformats.org/presentationml/2006/main">
+  <p:cSld>
+    <p:bg>
+      <p:bgPr>
+        <a:solidFill>
+          <a:schemeClr val="bg1"/>
+        </a:solidFill>
+        <a:effectLst/>
+      </p:bgPr>
+    </p:bg>
+    <p:spTree>
+      <p:nvGrpSpPr>
+        <p:cNvPr id="1" name=""/>
+        <p:cNvGrpSpPr/>
+        <p:nvPr/>
+      </p:nvGrpSpPr>
+      <p:grpSpPr>
+        <a:xfrm>
+          <a:off x="0" y="0"/>
+          <a:ext cx="0" cy="0"/>
+          <a:chOff x="0" y="0"/>
+          <a:chExt cx="0" cy="0"/>
+        </a:xfrm>
+      </p:grpSpPr>
+      <p:sp useBgFill="1">
+        <p:nvSpPr>
+          <p:cNvPr id="11" name="Rectangle 10">
+            <a:extLst>
+              <a:ext uri="{FF2B5EF4-FFF2-40B4-BE49-F238E27FC236}">
+                <a16:creationId xmlns:a16="http://schemas.microsoft.com/office/drawing/2014/main" id="{100EDD19-6802-4EC3-95CE-CFFAB042CFD6}"/>
+              </a:ext>
+              <a:ext uri="{C183D7F6-B498-43B3-948B-1728B52AA6E4}">
+                <adec:decorative xmlns:adec="http://schemas.microsoft.com/office/drawing/2017/decorative" val="1"/>
+              </a:ext>
+            </a:extLst>
+          </p:cNvPr>
+          <p:cNvSpPr>
+            <a:spLocks noGrp="1" noRot="1" noChangeAspect="1" noMove="1" noResize="1" noEditPoints="1" noAdjustHandles="1" noChangeArrowheads="1" noChangeShapeType="1" noTextEdit="1"/>
+          </p:cNvSpPr>
+          <p:nvPr>
+            <p:extLst>
+              <p:ext uri="{386F3935-93C4-4BCD-93E2-E3B085C9AB24}">
+                <p16:designElem xmlns:p16="http://schemas.microsoft.com/office/powerpoint/2015/main" val="1"/>
+              </p:ext>
+            </p:extLst>
+          </p:nvPr>
+        </p:nvSpPr>
+        <p:spPr>
+          <a:xfrm>
+            <a:off x="0" y="0"/>
+            <a:ext cx="12188952" cy="6858000"/>
+          </a:xfrm>
+          <a:prstGeom prst="rect">
+            <a:avLst/>
+          </a:prstGeom>
+          <a:ln>
+            <a:noFill/>
+          </a:ln>
+        </p:spPr>
+        <p:style>
+          <a:lnRef idx="2">
+            <a:schemeClr val="accent1">
+              <a:shade val="50000"/>
+            </a:schemeClr>
+          </a:lnRef>
+          <a:fillRef idx="1">
+            <a:schemeClr val="accent1"/>
+          </a:fillRef>
+          <a:effectRef idx="0">
+            <a:schemeClr val="accent1"/>
+          </a:effectRef>
+          <a:fontRef idx="minor">
+            <a:schemeClr val="lt1"/>
+          </a:fontRef>
+        </p:style>
+        <p:txBody>
+          <a:bodyPr rtlCol="0" anchor="ctr"/>
+          <a:lstStyle/>
+          <a:p>
+            <a:pPr algn="ctr"/>
+            <a:endParaRPr lang="en-US"/>
+          </a:p>
+        </p:txBody>
+      </p:sp>
+      <p:sp>
+        <p:nvSpPr>
+          <p:cNvPr id="2" name="Cím 1">
+            <a:extLst>
+              <a:ext uri="{FF2B5EF4-FFF2-40B4-BE49-F238E27FC236}">
+                <a16:creationId xmlns:a16="http://schemas.microsoft.com/office/drawing/2014/main" id="{04497B56-7986-020E-C58E-EF68F5995859}"/>
+              </a:ext>
+            </a:extLst>
+          </p:cNvPr>
+          <p:cNvSpPr>
+            <a:spLocks noGrp="1"/>
+          </p:cNvSpPr>
+          <p:nvPr>
+            <p:ph type="title"/>
+          </p:nvPr>
+        </p:nvSpPr>
+        <p:spPr>
+          <a:xfrm>
+            <a:off x="838200" y="365125"/>
+            <a:ext cx="10515600" cy="1325563"/>
+          </a:xfrm>
+        </p:spPr>
+        <p:txBody>
+          <a:bodyPr>
+            <a:normAutofit/>
+          </a:bodyPr>
+          <a:lstStyle/>
+          <a:p>
+            <a:r>
+              <a:rPr lang="hu-HU" sz="4600"/>
+              <a:t>Többségi szavazás idősor szegmentáláshoz</a:t>
+            </a:r>
+          </a:p>
+        </p:txBody>
+      </p:sp>
+      <p:sp>
+        <p:nvSpPr>
+          <p:cNvPr id="13" name="sketch line">
+            <a:extLst>
+              <a:ext uri="{FF2B5EF4-FFF2-40B4-BE49-F238E27FC236}">
+                <a16:creationId xmlns:a16="http://schemas.microsoft.com/office/drawing/2014/main" id="{DB17E863-922E-4C26-BD64-E8FD41D28661}"/>
+              </a:ext>
+              <a:ext uri="{C183D7F6-B498-43B3-948B-1728B52AA6E4}">
+                <adec:decorative xmlns:adec="http://schemas.microsoft.com/office/drawing/2017/decorative" val="1"/>
+              </a:ext>
+            </a:extLst>
+          </p:cNvPr>
+          <p:cNvSpPr>
+            <a:spLocks noGrp="1" noRot="1" noChangeAspect="1" noMove="1" noResize="1" noEditPoints="1" noAdjustHandles="1" noChangeArrowheads="1" noChangeShapeType="1" noTextEdit="1"/>
+          </p:cNvSpPr>
+          <p:nvPr>
+            <p:extLst>
+              <p:ext uri="{386F3935-93C4-4BCD-93E2-E3B085C9AB24}">
+                <p16:designElem xmlns:p16="http://schemas.microsoft.com/office/powerpoint/2015/main" val="1"/>
+              </p:ext>
+            </p:extLst>
+          </p:nvPr>
+        </p:nvSpPr>
+        <p:spPr>
+          <a:xfrm>
+            <a:off x="669036" y="1677373"/>
+            <a:ext cx="10853928" cy="18288"/>
+          </a:xfrm>
+          <a:custGeom>
+            <a:avLst/>
+            <a:gdLst>
+              <a:gd name="connsiteX0" fmla="*/ 0 w 10853928"/>
+              <a:gd name="connsiteY0" fmla="*/ 0 h 18288"/>
+              <a:gd name="connsiteX1" fmla="*/ 461292 w 10853928"/>
+              <a:gd name="connsiteY1" fmla="*/ 0 h 18288"/>
+              <a:gd name="connsiteX2" fmla="*/ 1139662 w 10853928"/>
+              <a:gd name="connsiteY2" fmla="*/ 0 h 18288"/>
+              <a:gd name="connsiteX3" fmla="*/ 1926572 w 10853928"/>
+              <a:gd name="connsiteY3" fmla="*/ 0 h 18288"/>
+              <a:gd name="connsiteX4" fmla="*/ 2279325 w 10853928"/>
+              <a:gd name="connsiteY4" fmla="*/ 0 h 18288"/>
+              <a:gd name="connsiteX5" fmla="*/ 2632078 w 10853928"/>
+              <a:gd name="connsiteY5" fmla="*/ 0 h 18288"/>
+              <a:gd name="connsiteX6" fmla="*/ 3527527 w 10853928"/>
+              <a:gd name="connsiteY6" fmla="*/ 0 h 18288"/>
+              <a:gd name="connsiteX7" fmla="*/ 4205897 w 10853928"/>
+              <a:gd name="connsiteY7" fmla="*/ 0 h 18288"/>
+              <a:gd name="connsiteX8" fmla="*/ 4558650 w 10853928"/>
+              <a:gd name="connsiteY8" fmla="*/ 0 h 18288"/>
+              <a:gd name="connsiteX9" fmla="*/ 5237020 w 10853928"/>
+              <a:gd name="connsiteY9" fmla="*/ 0 h 18288"/>
+              <a:gd name="connsiteX10" fmla="*/ 6132469 w 10853928"/>
+              <a:gd name="connsiteY10" fmla="*/ 0 h 18288"/>
+              <a:gd name="connsiteX11" fmla="*/ 6702301 w 10853928"/>
+              <a:gd name="connsiteY11" fmla="*/ 0 h 18288"/>
+              <a:gd name="connsiteX12" fmla="*/ 7272132 w 10853928"/>
+              <a:gd name="connsiteY12" fmla="*/ 0 h 18288"/>
+              <a:gd name="connsiteX13" fmla="*/ 7950502 w 10853928"/>
+              <a:gd name="connsiteY13" fmla="*/ 0 h 18288"/>
+              <a:gd name="connsiteX14" fmla="*/ 8737412 w 10853928"/>
+              <a:gd name="connsiteY14" fmla="*/ 0 h 18288"/>
+              <a:gd name="connsiteX15" fmla="*/ 9524322 w 10853928"/>
+              <a:gd name="connsiteY15" fmla="*/ 0 h 18288"/>
+              <a:gd name="connsiteX16" fmla="*/ 10853928 w 10853928"/>
+              <a:gd name="connsiteY16" fmla="*/ 0 h 18288"/>
+              <a:gd name="connsiteX17" fmla="*/ 10853928 w 10853928"/>
+              <a:gd name="connsiteY17" fmla="*/ 18288 h 18288"/>
+              <a:gd name="connsiteX18" fmla="*/ 10392636 w 10853928"/>
+              <a:gd name="connsiteY18" fmla="*/ 18288 h 18288"/>
+              <a:gd name="connsiteX19" fmla="*/ 9497187 w 10853928"/>
+              <a:gd name="connsiteY19" fmla="*/ 18288 h 18288"/>
+              <a:gd name="connsiteX20" fmla="*/ 8818817 w 10853928"/>
+              <a:gd name="connsiteY20" fmla="*/ 18288 h 18288"/>
+              <a:gd name="connsiteX21" fmla="*/ 8466064 w 10853928"/>
+              <a:gd name="connsiteY21" fmla="*/ 18288 h 18288"/>
+              <a:gd name="connsiteX22" fmla="*/ 7787693 w 10853928"/>
+              <a:gd name="connsiteY22" fmla="*/ 18288 h 18288"/>
+              <a:gd name="connsiteX23" fmla="*/ 7217862 w 10853928"/>
+              <a:gd name="connsiteY23" fmla="*/ 18288 h 18288"/>
+              <a:gd name="connsiteX24" fmla="*/ 6648031 w 10853928"/>
+              <a:gd name="connsiteY24" fmla="*/ 18288 h 18288"/>
+              <a:gd name="connsiteX25" fmla="*/ 6078200 w 10853928"/>
+              <a:gd name="connsiteY25" fmla="*/ 18288 h 18288"/>
+              <a:gd name="connsiteX26" fmla="*/ 5508368 w 10853928"/>
+              <a:gd name="connsiteY26" fmla="*/ 18288 h 18288"/>
+              <a:gd name="connsiteX27" fmla="*/ 4721459 w 10853928"/>
+              <a:gd name="connsiteY27" fmla="*/ 18288 h 18288"/>
+              <a:gd name="connsiteX28" fmla="*/ 4043088 w 10853928"/>
+              <a:gd name="connsiteY28" fmla="*/ 18288 h 18288"/>
+              <a:gd name="connsiteX29" fmla="*/ 3690336 w 10853928"/>
+              <a:gd name="connsiteY29" fmla="*/ 18288 h 18288"/>
+              <a:gd name="connsiteX30" fmla="*/ 3120504 w 10853928"/>
+              <a:gd name="connsiteY30" fmla="*/ 18288 h 18288"/>
+              <a:gd name="connsiteX31" fmla="*/ 2333595 w 10853928"/>
+              <a:gd name="connsiteY31" fmla="*/ 18288 h 18288"/>
+              <a:gd name="connsiteX32" fmla="*/ 1872303 w 10853928"/>
+              <a:gd name="connsiteY32" fmla="*/ 18288 h 18288"/>
+              <a:gd name="connsiteX33" fmla="*/ 976854 w 10853928"/>
+              <a:gd name="connsiteY33" fmla="*/ 18288 h 18288"/>
+              <a:gd name="connsiteX34" fmla="*/ 0 w 10853928"/>
+              <a:gd name="connsiteY34" fmla="*/ 18288 h 18288"/>
+              <a:gd name="connsiteX35" fmla="*/ 0 w 10853928"/>
+              <a:gd name="connsiteY35" fmla="*/ 0 h 18288"/>
+            </a:gdLst>
+            <a:ahLst/>
+            <a:cxnLst>
+              <a:cxn ang="0">
+                <a:pos x="connsiteX0" y="connsiteY0"/>
+              </a:cxn>
+              <a:cxn ang="0">
+                <a:pos x="connsiteX1" y="connsiteY1"/>
+              </a:cxn>
+              <a:cxn ang="0">
+                <a:pos x="connsiteX2" y="connsiteY2"/>
+              </a:cxn>
+              <a:cxn ang="0">
+                <a:pos x="connsiteX3" y="connsiteY3"/>
+              </a:cxn>
+              <a:cxn ang="0">
+                <a:pos x="connsiteX4" y="connsiteY4"/>
+              </a:cxn>
+              <a:cxn ang="0">
+                <a:pos x="connsiteX5" y="connsiteY5"/>
+              </a:cxn>
+              <a:cxn ang="0">
+                <a:pos x="connsiteX6" y="connsiteY6"/>
+              </a:cxn>
+              <a:cxn ang="0">
+                <a:pos x="connsiteX7" y="connsiteY7"/>
+              </a:cxn>
+              <a:cxn ang="0">
+                <a:pos x="connsiteX8" y="connsiteY8"/>
+              </a:cxn>
+              <a:cxn ang="0">
+                <a:pos x="connsiteX9" y="connsiteY9"/>
+              </a:cxn>
+              <a:cxn ang="0">
+                <a:pos x="connsiteX10" y="connsiteY10"/>
+              </a:cxn>
+              <a:cxn ang="0">
+                <a:pos x="connsiteX11" y="connsiteY11"/>
+              </a:cxn>
+              <a:cxn ang="0">
+                <a:pos x="connsiteX12" y="connsiteY12"/>
+              </a:cxn>
+              <a:cxn ang="0">
+                <a:pos x="connsiteX13" y="connsiteY13"/>
+              </a:cxn>
+              <a:cxn ang="0">
+                <a:pos x="connsiteX14" y="connsiteY14"/>
+              </a:cxn>
+              <a:cxn ang="0">
+                <a:pos x="connsiteX15" y="connsiteY15"/>
+              </a:cxn>
+              <a:cxn ang="0">
+                <a:pos x="connsiteX16" y="connsiteY16"/>
+              </a:cxn>
+              <a:cxn ang="0">
+                <a:pos x="connsiteX17" y="connsiteY17"/>
+              </a:cxn>
+              <a:cxn ang="0">
+                <a:pos x="connsiteX18" y="connsiteY18"/>
+              </a:cxn>
+              <a:cxn ang="0">
+                <a:pos x="connsiteX19" y="connsiteY19"/>
+              </a:cxn>
+              <a:cxn ang="0">
+                <a:pos x="connsiteX20" y="connsiteY20"/>
+              </a:cxn>
+              <a:cxn ang="0">
+                <a:pos x="connsiteX21" y="connsiteY21"/>
+              </a:cxn>
+              <a:cxn ang="0">
+                <a:pos x="connsiteX22" y="connsiteY22"/>
+              </a:cxn>
+              <a:cxn ang="0">
+                <a:pos x="connsiteX23" y="connsiteY23"/>
+              </a:cxn>
+              <a:cxn ang="0">
+                <a:pos x="connsiteX24" y="connsiteY24"/>
+              </a:cxn>
+              <a:cxn ang="0">
+                <a:pos x="connsiteX25" y="connsiteY25"/>
+              </a:cxn>
+              <a:cxn ang="0">
+                <a:pos x="connsiteX26" y="connsiteY26"/>
+              </a:cxn>
+              <a:cxn ang="0">
+                <a:pos x="connsiteX27" y="connsiteY27"/>
+              </a:cxn>
+              <a:cxn ang="0">
+                <a:pos x="connsiteX28" y="connsiteY28"/>
+              </a:cxn>
+              <a:cxn ang="0">
+                <a:pos x="connsiteX29" y="connsiteY29"/>
+              </a:cxn>
+              <a:cxn ang="0">
+                <a:pos x="connsiteX30" y="connsiteY30"/>
+              </a:cxn>
+              <a:cxn ang="0">
+                <a:pos x="connsiteX31" y="connsiteY31"/>
+              </a:cxn>
+              <a:cxn ang="0">
+                <a:pos x="connsiteX32" y="connsiteY32"/>
+              </a:cxn>
+              <a:cxn ang="0">
+                <a:pos x="connsiteX33" y="connsiteY33"/>
+              </a:cxn>
+              <a:cxn ang="0">
+                <a:pos x="connsiteX34" y="connsiteY34"/>
+              </a:cxn>
+              <a:cxn ang="0">
+                <a:pos x="connsiteX35" y="connsiteY35"/>
+              </a:cxn>
+            </a:cxnLst>
+            <a:rect l="l" t="t" r="r" b="b"/>
+            <a:pathLst>
+              <a:path w="10853928" h="18288" fill="none" extrusionOk="0">
+                <a:moveTo>
+                  <a:pt x="0" y="0"/>
+                </a:moveTo>
+                <a:cubicBezTo>
+                  <a:pt x="146993" y="-19076"/>
+                  <a:pt x="347684" y="-4790"/>
+                  <a:pt x="461292" y="0"/>
+                </a:cubicBezTo>
+                <a:cubicBezTo>
+                  <a:pt x="574900" y="4790"/>
+                  <a:pt x="808367" y="19821"/>
+                  <a:pt x="1139662" y="0"/>
+                </a:cubicBezTo>
+                <a:cubicBezTo>
+                  <a:pt x="1470957" y="-19821"/>
+                  <a:pt x="1627405" y="5721"/>
+                  <a:pt x="1926572" y="0"/>
+                </a:cubicBezTo>
+                <a:cubicBezTo>
+                  <a:pt x="2225739" y="-5721"/>
+                  <a:pt x="2137730" y="-3235"/>
+                  <a:pt x="2279325" y="0"/>
+                </a:cubicBezTo>
+                <a:cubicBezTo>
+                  <a:pt x="2420920" y="3235"/>
+                  <a:pt x="2456518" y="9685"/>
+                  <a:pt x="2632078" y="0"/>
+                </a:cubicBezTo>
+                <a:cubicBezTo>
+                  <a:pt x="2807638" y="-9685"/>
+                  <a:pt x="3211516" y="-43007"/>
+                  <a:pt x="3527527" y="0"/>
+                </a:cubicBezTo>
+                <a:cubicBezTo>
+                  <a:pt x="3843538" y="43007"/>
+                  <a:pt x="4058833" y="22042"/>
+                  <a:pt x="4205897" y="0"/>
+                </a:cubicBezTo>
+                <a:cubicBezTo>
+                  <a:pt x="4352961" y="-22042"/>
+                  <a:pt x="4474805" y="-11846"/>
+                  <a:pt x="4558650" y="0"/>
+                </a:cubicBezTo>
+                <a:cubicBezTo>
+                  <a:pt x="4642495" y="11846"/>
+                  <a:pt x="5041928" y="-6069"/>
+                  <a:pt x="5237020" y="0"/>
+                </a:cubicBezTo>
+                <a:cubicBezTo>
+                  <a:pt x="5432112" y="6069"/>
+                  <a:pt x="5943266" y="-17479"/>
+                  <a:pt x="6132469" y="0"/>
+                </a:cubicBezTo>
+                <a:cubicBezTo>
+                  <a:pt x="6321672" y="17479"/>
+                  <a:pt x="6483872" y="26234"/>
+                  <a:pt x="6702301" y="0"/>
+                </a:cubicBezTo>
+                <a:cubicBezTo>
+                  <a:pt x="6920730" y="-26234"/>
+                  <a:pt x="6991194" y="-15156"/>
+                  <a:pt x="7272132" y="0"/>
+                </a:cubicBezTo>
+                <a:cubicBezTo>
+                  <a:pt x="7553070" y="15156"/>
+                  <a:pt x="7684444" y="-32961"/>
+                  <a:pt x="7950502" y="0"/>
+                </a:cubicBezTo>
+                <a:cubicBezTo>
+                  <a:pt x="8216560" y="32961"/>
+                  <a:pt x="8493290" y="-10491"/>
+                  <a:pt x="8737412" y="0"/>
+                </a:cubicBezTo>
+                <a:cubicBezTo>
+                  <a:pt x="8981534" y="10491"/>
+                  <a:pt x="9191586" y="-13899"/>
+                  <a:pt x="9524322" y="0"/>
+                </a:cubicBezTo>
+                <a:cubicBezTo>
+                  <a:pt x="9857058" y="13899"/>
+                  <a:pt x="10297509" y="7485"/>
+                  <a:pt x="10853928" y="0"/>
+                </a:cubicBezTo>
+                <a:cubicBezTo>
+                  <a:pt x="10854574" y="4451"/>
+                  <a:pt x="10854418" y="9226"/>
+                  <a:pt x="10853928" y="18288"/>
+                </a:cubicBezTo>
+                <a:cubicBezTo>
+                  <a:pt x="10691638" y="28522"/>
+                  <a:pt x="10574319" y="29578"/>
+                  <a:pt x="10392636" y="18288"/>
+                </a:cubicBezTo>
+                <a:cubicBezTo>
+                  <a:pt x="10210953" y="6998"/>
+                  <a:pt x="9836277" y="-16742"/>
+                  <a:pt x="9497187" y="18288"/>
+                </a:cubicBezTo>
+                <a:cubicBezTo>
+                  <a:pt x="9158097" y="53318"/>
+                  <a:pt x="9119479" y="30714"/>
+                  <a:pt x="8818817" y="18288"/>
+                </a:cubicBezTo>
+                <a:cubicBezTo>
+                  <a:pt x="8518155" y="5863"/>
+                  <a:pt x="8640037" y="6483"/>
+                  <a:pt x="8466064" y="18288"/>
+                </a:cubicBezTo>
+                <a:cubicBezTo>
+                  <a:pt x="8292091" y="30093"/>
+                  <a:pt x="7997656" y="18914"/>
+                  <a:pt x="7787693" y="18288"/>
+                </a:cubicBezTo>
+                <a:cubicBezTo>
+                  <a:pt x="7577730" y="17662"/>
+                  <a:pt x="7412468" y="21416"/>
+                  <a:pt x="7217862" y="18288"/>
+                </a:cubicBezTo>
+                <a:cubicBezTo>
+                  <a:pt x="7023256" y="15160"/>
+                  <a:pt x="6898018" y="14824"/>
+                  <a:pt x="6648031" y="18288"/>
+                </a:cubicBezTo>
+                <a:cubicBezTo>
+                  <a:pt x="6398044" y="21752"/>
+                  <a:pt x="6254402" y="38625"/>
+                  <a:pt x="6078200" y="18288"/>
+                </a:cubicBezTo>
+                <a:cubicBezTo>
+                  <a:pt x="5901998" y="-2049"/>
+                  <a:pt x="5622886" y="3213"/>
+                  <a:pt x="5508368" y="18288"/>
+                </a:cubicBezTo>
+                <a:cubicBezTo>
+                  <a:pt x="5393850" y="33363"/>
+                  <a:pt x="5036260" y="26830"/>
+                  <a:pt x="4721459" y="18288"/>
+                </a:cubicBezTo>
+                <a:cubicBezTo>
+                  <a:pt x="4406658" y="9746"/>
+                  <a:pt x="4239221" y="41551"/>
+                  <a:pt x="4043088" y="18288"/>
+                </a:cubicBezTo>
+                <a:cubicBezTo>
+                  <a:pt x="3846955" y="-4975"/>
+                  <a:pt x="3818802" y="34658"/>
+                  <a:pt x="3690336" y="18288"/>
+                </a:cubicBezTo>
+                <a:cubicBezTo>
+                  <a:pt x="3561870" y="1918"/>
+                  <a:pt x="3265491" y="42194"/>
+                  <a:pt x="3120504" y="18288"/>
+                </a:cubicBezTo>
+                <a:cubicBezTo>
+                  <a:pt x="2975517" y="-5618"/>
+                  <a:pt x="2720254" y="36673"/>
+                  <a:pt x="2333595" y="18288"/>
+                </a:cubicBezTo>
+                <a:cubicBezTo>
+                  <a:pt x="1946936" y="-97"/>
+                  <a:pt x="2097241" y="5776"/>
+                  <a:pt x="1872303" y="18288"/>
+                </a:cubicBezTo>
+                <a:cubicBezTo>
+                  <a:pt x="1647365" y="30800"/>
+                  <a:pt x="1282708" y="45380"/>
+                  <a:pt x="976854" y="18288"/>
+                </a:cubicBezTo>
+                <a:cubicBezTo>
+                  <a:pt x="671000" y="-8804"/>
+                  <a:pt x="408401" y="-12775"/>
+                  <a:pt x="0" y="18288"/>
+                </a:cubicBezTo>
+                <a:cubicBezTo>
+                  <a:pt x="-213" y="9468"/>
+                  <a:pt x="187" y="4459"/>
+                  <a:pt x="0" y="0"/>
+                </a:cubicBezTo>
+                <a:close/>
+              </a:path>
+              <a:path w="10853928" h="18288" stroke="0" extrusionOk="0">
+                <a:moveTo>
+                  <a:pt x="0" y="0"/>
+                </a:moveTo>
+                <a:cubicBezTo>
+                  <a:pt x="267322" y="15284"/>
+                  <a:pt x="415388" y="-21048"/>
+                  <a:pt x="569831" y="0"/>
+                </a:cubicBezTo>
+                <a:cubicBezTo>
+                  <a:pt x="724274" y="21048"/>
+                  <a:pt x="769333" y="-2353"/>
+                  <a:pt x="922584" y="0"/>
+                </a:cubicBezTo>
+                <a:cubicBezTo>
+                  <a:pt x="1075835" y="2353"/>
+                  <a:pt x="1399490" y="-145"/>
+                  <a:pt x="1818033" y="0"/>
+                </a:cubicBezTo>
+                <a:cubicBezTo>
+                  <a:pt x="2236576" y="145"/>
+                  <a:pt x="2145330" y="5482"/>
+                  <a:pt x="2387864" y="0"/>
+                </a:cubicBezTo>
+                <a:cubicBezTo>
+                  <a:pt x="2630398" y="-5482"/>
+                  <a:pt x="2793207" y="18487"/>
+                  <a:pt x="2957695" y="0"/>
+                </a:cubicBezTo>
+                <a:cubicBezTo>
+                  <a:pt x="3122183" y="-18487"/>
+                  <a:pt x="3579141" y="19003"/>
+                  <a:pt x="3853144" y="0"/>
+                </a:cubicBezTo>
+                <a:cubicBezTo>
+                  <a:pt x="4127147" y="-19003"/>
+                  <a:pt x="4209857" y="12211"/>
+                  <a:pt x="4314436" y="0"/>
+                </a:cubicBezTo>
+                <a:cubicBezTo>
+                  <a:pt x="4419015" y="-12211"/>
+                  <a:pt x="4762459" y="-17220"/>
+                  <a:pt x="5209885" y="0"/>
+                </a:cubicBezTo>
+                <a:cubicBezTo>
+                  <a:pt x="5657311" y="17220"/>
+                  <a:pt x="5692663" y="-3290"/>
+                  <a:pt x="6105335" y="0"/>
+                </a:cubicBezTo>
+                <a:cubicBezTo>
+                  <a:pt x="6518007" y="3290"/>
+                  <a:pt x="6455516" y="-5124"/>
+                  <a:pt x="6783705" y="0"/>
+                </a:cubicBezTo>
+                <a:cubicBezTo>
+                  <a:pt x="7111894" y="5124"/>
+                  <a:pt x="7441941" y="-17829"/>
+                  <a:pt x="7679154" y="0"/>
+                </a:cubicBezTo>
+                <a:cubicBezTo>
+                  <a:pt x="7916367" y="17829"/>
+                  <a:pt x="8102967" y="-24363"/>
+                  <a:pt x="8248985" y="0"/>
+                </a:cubicBezTo>
+                <a:cubicBezTo>
+                  <a:pt x="8395003" y="24363"/>
+                  <a:pt x="8552393" y="25505"/>
+                  <a:pt x="8818817" y="0"/>
+                </a:cubicBezTo>
+                <a:cubicBezTo>
+                  <a:pt x="9085241" y="-25505"/>
+                  <a:pt x="9411308" y="38000"/>
+                  <a:pt x="9605726" y="0"/>
+                </a:cubicBezTo>
+                <a:cubicBezTo>
+                  <a:pt x="9800144" y="-38000"/>
+                  <a:pt x="10006468" y="-25741"/>
+                  <a:pt x="10175558" y="0"/>
+                </a:cubicBezTo>
+                <a:cubicBezTo>
+                  <a:pt x="10344648" y="25741"/>
+                  <a:pt x="10696282" y="695"/>
+                  <a:pt x="10853928" y="0"/>
+                </a:cubicBezTo>
+                <a:cubicBezTo>
+                  <a:pt x="10853521" y="8690"/>
+                  <a:pt x="10853774" y="14141"/>
+                  <a:pt x="10853928" y="18288"/>
+                </a:cubicBezTo>
+                <a:cubicBezTo>
+                  <a:pt x="10608124" y="24255"/>
+                  <a:pt x="10343415" y="22307"/>
+                  <a:pt x="10067018" y="18288"/>
+                </a:cubicBezTo>
+                <a:cubicBezTo>
+                  <a:pt x="9790621" y="14270"/>
+                  <a:pt x="9843266" y="3564"/>
+                  <a:pt x="9714266" y="18288"/>
+                </a:cubicBezTo>
+                <a:cubicBezTo>
+                  <a:pt x="9585266" y="33012"/>
+                  <a:pt x="9379484" y="1875"/>
+                  <a:pt x="9252974" y="18288"/>
+                </a:cubicBezTo>
+                <a:cubicBezTo>
+                  <a:pt x="9126464" y="34701"/>
+                  <a:pt x="8580678" y="-4904"/>
+                  <a:pt x="8357525" y="18288"/>
+                </a:cubicBezTo>
+                <a:cubicBezTo>
+                  <a:pt x="8134372" y="41480"/>
+                  <a:pt x="7903199" y="26458"/>
+                  <a:pt x="7679154" y="18288"/>
+                </a:cubicBezTo>
+                <a:cubicBezTo>
+                  <a:pt x="7455109" y="10118"/>
+                  <a:pt x="7435944" y="27109"/>
+                  <a:pt x="7217862" y="18288"/>
+                </a:cubicBezTo>
+                <a:cubicBezTo>
+                  <a:pt x="6999780" y="9467"/>
+                  <a:pt x="6680409" y="18985"/>
+                  <a:pt x="6539492" y="18288"/>
+                </a:cubicBezTo>
+                <a:cubicBezTo>
+                  <a:pt x="6398575" y="17592"/>
+                  <a:pt x="6312077" y="33018"/>
+                  <a:pt x="6186739" y="18288"/>
+                </a:cubicBezTo>
+                <a:cubicBezTo>
+                  <a:pt x="6061401" y="3558"/>
+                  <a:pt x="5947033" y="12075"/>
+                  <a:pt x="5833986" y="18288"/>
+                </a:cubicBezTo>
+                <a:cubicBezTo>
+                  <a:pt x="5720939" y="24501"/>
+                  <a:pt x="5482226" y="8586"/>
+                  <a:pt x="5155616" y="18288"/>
+                </a:cubicBezTo>
+                <a:cubicBezTo>
+                  <a:pt x="4829006" y="27991"/>
+                  <a:pt x="4841274" y="29316"/>
+                  <a:pt x="4694324" y="18288"/>
+                </a:cubicBezTo>
+                <a:cubicBezTo>
+                  <a:pt x="4547374" y="7260"/>
+                  <a:pt x="4077675" y="7013"/>
+                  <a:pt x="3907414" y="18288"/>
+                </a:cubicBezTo>
+                <a:cubicBezTo>
+                  <a:pt x="3737153" y="29564"/>
+                  <a:pt x="3538393" y="21630"/>
+                  <a:pt x="3446122" y="18288"/>
+                </a:cubicBezTo>
+                <a:cubicBezTo>
+                  <a:pt x="3353851" y="14946"/>
+                  <a:pt x="2990320" y="-8091"/>
+                  <a:pt x="2659212" y="18288"/>
+                </a:cubicBezTo>
+                <a:cubicBezTo>
+                  <a:pt x="2328104" y="44667"/>
+                  <a:pt x="2427653" y="9607"/>
+                  <a:pt x="2306460" y="18288"/>
+                </a:cubicBezTo>
+                <a:cubicBezTo>
+                  <a:pt x="2185267" y="26969"/>
+                  <a:pt x="1719763" y="3717"/>
+                  <a:pt x="1519550" y="18288"/>
+                </a:cubicBezTo>
+                <a:cubicBezTo>
+                  <a:pt x="1319337" y="32860"/>
+                  <a:pt x="1167371" y="17040"/>
+                  <a:pt x="1058258" y="18288"/>
+                </a:cubicBezTo>
+                <a:cubicBezTo>
+                  <a:pt x="949145" y="19536"/>
+                  <a:pt x="780234" y="31447"/>
+                  <a:pt x="705505" y="18288"/>
+                </a:cubicBezTo>
+                <a:cubicBezTo>
+                  <a:pt x="630776" y="5129"/>
+                  <a:pt x="215796" y="30056"/>
+                  <a:pt x="0" y="18288"/>
+                </a:cubicBezTo>
+                <a:cubicBezTo>
+                  <a:pt x="-53" y="11301"/>
+                  <a:pt x="-649" y="7756"/>
+                  <a:pt x="0" y="0"/>
+                </a:cubicBezTo>
+                <a:close/>
+              </a:path>
+            </a:pathLst>
+          </a:custGeom>
+          <a:solidFill>
+            <a:schemeClr val="accent2"/>
+          </a:solidFill>
+          <a:ln w="41275" cap="rnd">
+            <a:solidFill>
+              <a:schemeClr val="accent2"/>
+            </a:solidFill>
+            <a:round/>
+            <a:extLst>
+              <a:ext uri="{C807C97D-BFC1-408E-A445-0C87EB9F89A2}">
+                <ask:lineSketchStyleProps xmlns:ask="http://schemas.microsoft.com/office/drawing/2018/sketchyshapes" sd="1219033472">
+                  <a:prstGeom prst="rect">
+                    <a:avLst/>
+                  </a:prstGeom>
+                  <ask:type>
+                    <ask:lineSketchFreehand/>
+                  </ask:type>
+                </ask:lineSketchStyleProps>
+              </a:ext>
+            </a:extLst>
+          </a:ln>
+        </p:spPr>
+        <p:style>
+          <a:lnRef idx="2">
+            <a:schemeClr val="accent1">
+              <a:shade val="50000"/>
+            </a:schemeClr>
+          </a:lnRef>
+          <a:fillRef idx="1">
+            <a:schemeClr val="accent1"/>
+          </a:fillRef>
+          <a:effectRef idx="0">
+            <a:schemeClr val="accent1"/>
+          </a:effectRef>
+          <a:fontRef idx="minor">
+            <a:schemeClr val="lt1"/>
+          </a:fontRef>
+        </p:style>
+        <p:txBody>
+          <a:bodyPr rtlCol="0" anchor="ctr"/>
+          <a:lstStyle/>
+          <a:p>
+            <a:pPr algn="ctr"/>
+            <a:endParaRPr lang="en-US"/>
+          </a:p>
+        </p:txBody>
+      </p:sp>
+      <p:sp>
+        <p:nvSpPr>
+          <p:cNvPr id="3" name="Tartalom helye 2">
+            <a:extLst>
+              <a:ext uri="{FF2B5EF4-FFF2-40B4-BE49-F238E27FC236}">
+                <a16:creationId xmlns:a16="http://schemas.microsoft.com/office/drawing/2014/main" id="{35F077AF-BA62-7156-E8A0-559A130389FD}"/>
+              </a:ext>
+            </a:extLst>
+          </p:cNvPr>
+          <p:cNvSpPr>
+            <a:spLocks noGrp="1"/>
+          </p:cNvSpPr>
+          <p:nvPr>
+            <p:ph idx="1"/>
+          </p:nvPr>
+        </p:nvSpPr>
+        <p:spPr>
+          <a:xfrm>
+            <a:off x="838200" y="1929384"/>
+            <a:ext cx="10515600" cy="4251960"/>
+          </a:xfrm>
+        </p:spPr>
+        <p:txBody>
+          <a:bodyPr>
+            <a:normAutofit/>
+          </a:bodyPr>
+          <a:lstStyle/>
+          <a:p>
+            <a:r>
+              <a:rPr lang="hu-HU" sz="2200"/>
+              <a:t>Generate a picture in the topic of time series segmentation. On the picture should be seen a time series which is segmented by different algorithms the different predictions should have different colors by algorithm. And you should build a dendrogram above the time series which represents the hierarchical clustering of the detected changepoints of different algorithms.</a:t>
+            </a:r>
+          </a:p>
+        </p:txBody>
+      </p:sp>
+      <p:sp>
+        <p:nvSpPr>
+          <p:cNvPr id="4" name="Dátum helye 3">
+            <a:extLst>
+              <a:ext uri="{FF2B5EF4-FFF2-40B4-BE49-F238E27FC236}">
+                <a16:creationId xmlns:a16="http://schemas.microsoft.com/office/drawing/2014/main" id="{E20B7BA5-E0EF-5DFF-B50C-DBA9D8A8D19F}"/>
+              </a:ext>
+            </a:extLst>
+          </p:cNvPr>
+          <p:cNvSpPr>
+            <a:spLocks noGrp="1"/>
+          </p:cNvSpPr>
+          <p:nvPr>
+            <p:ph type="dt" sz="half" idx="10"/>
+          </p:nvPr>
+        </p:nvSpPr>
+        <p:spPr>
+          <a:xfrm>
+            <a:off x="838200" y="6356350"/>
+            <a:ext cx="2743200" cy="365125"/>
+          </a:xfrm>
+        </p:spPr>
+        <p:txBody>
+          <a:bodyPr>
+            <a:normAutofit/>
+          </a:bodyPr>
+          <a:lstStyle/>
+          <a:p>
+            <a:pPr>
+              <a:spcAft>
+                <a:spcPts val="600"/>
+              </a:spcAft>
+            </a:pPr>
+            <a:fld id="{C3CDD1BF-4F77-A341-BD40-66E03000F2E9}" type="datetime1">
+              <a:rPr lang="hu-HU" smtClean="0"/>
+              <a:t>2025. 05. 06.</a:t>
+            </a:fld>
+            <a:endParaRPr lang="hu-HU"/>
+          </a:p>
+        </p:txBody>
+      </p:sp>
+      <p:sp>
+        <p:nvSpPr>
+          <p:cNvPr id="5" name="Élőláb helye 4">
+            <a:extLst>
+              <a:ext uri="{FF2B5EF4-FFF2-40B4-BE49-F238E27FC236}">
+                <a16:creationId xmlns:a16="http://schemas.microsoft.com/office/drawing/2014/main" id="{87BDD2AA-EEF8-234C-4921-C530325347EC}"/>
+              </a:ext>
+            </a:extLst>
+          </p:cNvPr>
+          <p:cNvSpPr>
+            <a:spLocks noGrp="1"/>
+          </p:cNvSpPr>
+          <p:nvPr>
+            <p:ph type="ftr" sz="quarter" idx="11"/>
+          </p:nvPr>
+        </p:nvSpPr>
+        <p:spPr>
+          <a:xfrm>
+            <a:off x="4038600" y="6356350"/>
+            <a:ext cx="4114800" cy="365125"/>
+          </a:xfrm>
+        </p:spPr>
+        <p:txBody>
+          <a:bodyPr>
+            <a:normAutofit/>
+          </a:bodyPr>
+          <a:lstStyle/>
+          <a:p>
+            <a:endParaRPr lang="hu-HU"/>
+          </a:p>
+        </p:txBody>
+      </p:sp>
+      <p:sp>
+        <p:nvSpPr>
+          <p:cNvPr id="6" name="Dia számának helye 5">
+            <a:extLst>
+              <a:ext uri="{FF2B5EF4-FFF2-40B4-BE49-F238E27FC236}">
+                <a16:creationId xmlns:a16="http://schemas.microsoft.com/office/drawing/2014/main" id="{711B285A-05E2-9797-F8C2-03F734BF2447}"/>
+              </a:ext>
+            </a:extLst>
+          </p:cNvPr>
+          <p:cNvSpPr>
+            <a:spLocks noGrp="1"/>
+          </p:cNvSpPr>
+          <p:nvPr>
+            <p:ph type="sldNum" sz="quarter" idx="12"/>
+          </p:nvPr>
+        </p:nvSpPr>
+        <p:spPr>
+          <a:xfrm>
+            <a:off x="8610600" y="6356350"/>
+            <a:ext cx="2743200" cy="365125"/>
+          </a:xfrm>
+        </p:spPr>
+        <p:txBody>
+          <a:bodyPr>
+            <a:normAutofit/>
+          </a:bodyPr>
+          <a:lstStyle/>
+          <a:p>
+            <a:pPr>
+              <a:spcAft>
+                <a:spcPts val="600"/>
+              </a:spcAft>
+            </a:pPr>
+            <a:fld id="{2BF5634A-3FEB-2145-92F8-FA1760146F41}" type="slidenum">
+              <a:rPr lang="hu-HU" smtClean="0"/>
+              <a:pPr>
+                <a:spcAft>
+                  <a:spcPts val="600"/>
+                </a:spcAft>
+              </a:pPr>
+              <a:t>6</a:t>
+            </a:fld>
+            <a:endParaRPr lang="hu-HU"/>
+          </a:p>
+        </p:txBody>
+      </p:sp>
+    </p:spTree>
+    <p:extLst>
+      <p:ext uri="{BB962C8B-B14F-4D97-AF65-F5344CB8AC3E}">
+        <p14:creationId xmlns:p14="http://schemas.microsoft.com/office/powerpoint/2010/main" val="3977326989"/>
+      </p:ext>
+    </p:extLst>
+  </p:cSld>
+  <p:clrMapOvr>
+    <a:masterClrMapping/>
+  </p:clrMapOvr>
+</p:sld>
+</file>
+
+<file path=ppt/slides/slide7.xml><?xml version="1.0" encoding="utf-8"?>
+<p:sld xmlns:a="http://schemas.openxmlformats.org/drawingml/2006/main" xmlns:r="http://schemas.openxmlformats.org/officeDocument/2006/relationships" xmlns:p="http://schemas.openxmlformats.org/presentationml/2006/main">
+  <p:cSld>
+    <p:bg>
+      <p:bgPr>
+        <a:solidFill>
+          <a:schemeClr val="bg1"/>
+        </a:solidFill>
+        <a:effectLst/>
+      </p:bgPr>
+    </p:bg>
+    <p:spTree>
+      <p:nvGrpSpPr>
+        <p:cNvPr id="1" name=""/>
+        <p:cNvGrpSpPr/>
+        <p:nvPr/>
+      </p:nvGrpSpPr>
+      <p:grpSpPr>
+        <a:xfrm>
+          <a:off x="0" y="0"/>
+          <a:ext cx="0" cy="0"/>
+          <a:chOff x="0" y="0"/>
+          <a:chExt cx="0" cy="0"/>
+        </a:xfrm>
+      </p:grpSpPr>
+      <p:sp useBgFill="1">
+        <p:nvSpPr>
+          <p:cNvPr id="17" name="Rectangle 16">
+            <a:extLst>
+              <a:ext uri="{FF2B5EF4-FFF2-40B4-BE49-F238E27FC236}">
+                <a16:creationId xmlns:a16="http://schemas.microsoft.com/office/drawing/2014/main" id="{352BEC0E-22F8-46D0-9632-375DB541B06C}"/>
+              </a:ext>
+              <a:ext uri="{C183D7F6-B498-43B3-948B-1728B52AA6E4}">
+                <adec:decorative xmlns:adec="http://schemas.microsoft.com/office/drawing/2017/decorative" val="1"/>
+              </a:ext>
+            </a:extLst>
+          </p:cNvPr>
+          <p:cNvSpPr>
+            <a:spLocks noGrp="1" noRot="1" noChangeAspect="1" noMove="1" noResize="1" noEditPoints="1" noAdjustHandles="1" noChangeArrowheads="1" noChangeShapeType="1" noTextEdit="1"/>
+          </p:cNvSpPr>
+          <p:nvPr>
+            <p:extLst>
+              <p:ext uri="{386F3935-93C4-4BCD-93E2-E3B085C9AB24}">
+                <p16:designElem xmlns:p16="http://schemas.microsoft.com/office/powerpoint/2015/main" val="1"/>
+              </p:ext>
+            </p:extLst>
+          </p:nvPr>
+        </p:nvSpPr>
+        <p:spPr>
+          <a:xfrm>
+            <a:off x="0" y="0"/>
+            <a:ext cx="12188952" cy="6858000"/>
+          </a:xfrm>
+          <a:prstGeom prst="rect">
+            <a:avLst/>
+          </a:prstGeom>
+          <a:ln>
+            <a:noFill/>
+          </a:ln>
+        </p:spPr>
+        <p:style>
+          <a:lnRef idx="2">
+            <a:schemeClr val="accent1">
+              <a:shade val="50000"/>
+            </a:schemeClr>
+          </a:lnRef>
+          <a:fillRef idx="1">
+            <a:schemeClr val="accent1"/>
+          </a:fillRef>
+          <a:effectRef idx="0">
+            <a:schemeClr val="accent1"/>
+          </a:effectRef>
+          <a:fontRef idx="minor">
+            <a:schemeClr val="lt1"/>
+          </a:fontRef>
+        </p:style>
+        <p:txBody>
+          <a:bodyPr rtlCol="0" anchor="ctr"/>
+          <a:lstStyle/>
+          <a:p>
+            <a:pPr algn="ctr"/>
+            <a:endParaRPr lang="en-US"/>
+          </a:p>
+        </p:txBody>
+      </p:sp>
+      <p:sp>
+        <p:nvSpPr>
+          <p:cNvPr id="2" name="Cím 1">
+            <a:extLst>
+              <a:ext uri="{FF2B5EF4-FFF2-40B4-BE49-F238E27FC236}">
+                <a16:creationId xmlns:a16="http://schemas.microsoft.com/office/drawing/2014/main" id="{A4AD0AF3-8808-21D8-2584-6A5E2DC03304}"/>
+              </a:ext>
+            </a:extLst>
+          </p:cNvPr>
+          <p:cNvSpPr>
+            <a:spLocks noGrp="1"/>
+          </p:cNvSpPr>
+          <p:nvPr>
+            <p:ph type="title"/>
+          </p:nvPr>
+        </p:nvSpPr>
+        <p:spPr>
+          <a:xfrm>
+            <a:off x="640080" y="329184"/>
+            <a:ext cx="6894576" cy="1783080"/>
+          </a:xfrm>
+        </p:spPr>
+        <p:txBody>
+          <a:bodyPr anchor="b">
+            <a:normAutofit/>
+          </a:bodyPr>
+          <a:lstStyle/>
+          <a:p>
+            <a:r>
+              <a:rPr lang="hu-HU" sz="4200" dirty="0"/>
+              <a:t>Adott klaszteren legjobban teljesítő algoritmus választása</a:t>
+            </a:r>
+          </a:p>
+        </p:txBody>
+      </p:sp>
+      <p:sp>
+        <p:nvSpPr>
+          <p:cNvPr id="19" name="sketch line">
+            <a:extLst>
+              <a:ext uri="{FF2B5EF4-FFF2-40B4-BE49-F238E27FC236}">
+                <a16:creationId xmlns:a16="http://schemas.microsoft.com/office/drawing/2014/main" id="{3FCFB1DE-0B7E-48CC-BA90-B2AB0889F9D6}"/>
+              </a:ext>
+              <a:ext uri="{C183D7F6-B498-43B3-948B-1728B52AA6E4}">
+                <adec:decorative xmlns:adec="http://schemas.microsoft.com/office/drawing/2017/decorative" val="1"/>
+              </a:ext>
+            </a:extLst>
+          </p:cNvPr>
+          <p:cNvSpPr>
+            <a:spLocks noGrp="1" noRot="1" noChangeAspect="1" noMove="1" noResize="1" noEditPoints="1" noAdjustHandles="1" noChangeArrowheads="1" noChangeShapeType="1" noTextEdit="1"/>
+          </p:cNvSpPr>
+          <p:nvPr>
+            <p:extLst>
+              <p:ext uri="{386F3935-93C4-4BCD-93E2-E3B085C9AB24}">
+                <p16:designElem xmlns:p16="http://schemas.microsoft.com/office/powerpoint/2015/main" val="1"/>
+              </p:ext>
+            </p:extLst>
+          </p:nvPr>
+        </p:nvSpPr>
+        <p:spPr>
+          <a:xfrm>
+            <a:off x="758952" y="2395728"/>
+            <a:ext cx="4243589" cy="18288"/>
+          </a:xfrm>
+          <a:custGeom>
+            <a:avLst/>
+            <a:gdLst>
+              <a:gd name="connsiteX0" fmla="*/ 0 w 4243589"/>
+              <a:gd name="connsiteY0" fmla="*/ 0 h 18288"/>
+              <a:gd name="connsiteX1" fmla="*/ 478919 w 4243589"/>
+              <a:gd name="connsiteY1" fmla="*/ 0 h 18288"/>
+              <a:gd name="connsiteX2" fmla="*/ 957839 w 4243589"/>
+              <a:gd name="connsiteY2" fmla="*/ 0 h 18288"/>
+              <a:gd name="connsiteX3" fmla="*/ 1521630 w 4243589"/>
+              <a:gd name="connsiteY3" fmla="*/ 0 h 18288"/>
+              <a:gd name="connsiteX4" fmla="*/ 2212729 w 4243589"/>
+              <a:gd name="connsiteY4" fmla="*/ 0 h 18288"/>
+              <a:gd name="connsiteX5" fmla="*/ 2734084 w 4243589"/>
+              <a:gd name="connsiteY5" fmla="*/ 0 h 18288"/>
+              <a:gd name="connsiteX6" fmla="*/ 3255439 w 4243589"/>
+              <a:gd name="connsiteY6" fmla="*/ 0 h 18288"/>
+              <a:gd name="connsiteX7" fmla="*/ 4243589 w 4243589"/>
+              <a:gd name="connsiteY7" fmla="*/ 0 h 18288"/>
+              <a:gd name="connsiteX8" fmla="*/ 4243589 w 4243589"/>
+              <a:gd name="connsiteY8" fmla="*/ 18288 h 18288"/>
+              <a:gd name="connsiteX9" fmla="*/ 3594926 w 4243589"/>
+              <a:gd name="connsiteY9" fmla="*/ 18288 h 18288"/>
+              <a:gd name="connsiteX10" fmla="*/ 3073571 w 4243589"/>
+              <a:gd name="connsiteY10" fmla="*/ 18288 h 18288"/>
+              <a:gd name="connsiteX11" fmla="*/ 2552216 w 4243589"/>
+              <a:gd name="connsiteY11" fmla="*/ 18288 h 18288"/>
+              <a:gd name="connsiteX12" fmla="*/ 1903553 w 4243589"/>
+              <a:gd name="connsiteY12" fmla="*/ 18288 h 18288"/>
+              <a:gd name="connsiteX13" fmla="*/ 1212454 w 4243589"/>
+              <a:gd name="connsiteY13" fmla="*/ 18288 h 18288"/>
+              <a:gd name="connsiteX14" fmla="*/ 733535 w 4243589"/>
+              <a:gd name="connsiteY14" fmla="*/ 18288 h 18288"/>
+              <a:gd name="connsiteX15" fmla="*/ 0 w 4243589"/>
+              <a:gd name="connsiteY15" fmla="*/ 18288 h 18288"/>
+              <a:gd name="connsiteX16" fmla="*/ 0 w 4243589"/>
+              <a:gd name="connsiteY16" fmla="*/ 0 h 18288"/>
+            </a:gdLst>
+            <a:ahLst/>
+            <a:cxnLst>
+              <a:cxn ang="0">
+                <a:pos x="connsiteX0" y="connsiteY0"/>
+              </a:cxn>
+              <a:cxn ang="0">
+                <a:pos x="connsiteX1" y="connsiteY1"/>
+              </a:cxn>
+              <a:cxn ang="0">
+                <a:pos x="connsiteX2" y="connsiteY2"/>
+              </a:cxn>
+              <a:cxn ang="0">
+                <a:pos x="connsiteX3" y="connsiteY3"/>
+              </a:cxn>
+              <a:cxn ang="0">
+                <a:pos x="connsiteX4" y="connsiteY4"/>
+              </a:cxn>
+              <a:cxn ang="0">
+                <a:pos x="connsiteX5" y="connsiteY5"/>
+              </a:cxn>
+              <a:cxn ang="0">
+                <a:pos x="connsiteX6" y="connsiteY6"/>
+              </a:cxn>
+              <a:cxn ang="0">
+                <a:pos x="connsiteX7" y="connsiteY7"/>
+              </a:cxn>
+              <a:cxn ang="0">
+                <a:pos x="connsiteX8" y="connsiteY8"/>
+              </a:cxn>
+              <a:cxn ang="0">
+                <a:pos x="connsiteX9" y="connsiteY9"/>
+              </a:cxn>
+              <a:cxn ang="0">
+                <a:pos x="connsiteX10" y="connsiteY10"/>
+              </a:cxn>
+              <a:cxn ang="0">
+                <a:pos x="connsiteX11" y="connsiteY11"/>
+              </a:cxn>
+              <a:cxn ang="0">
+                <a:pos x="connsiteX12" y="connsiteY12"/>
+              </a:cxn>
+              <a:cxn ang="0">
+                <a:pos x="connsiteX13" y="connsiteY13"/>
+              </a:cxn>
+              <a:cxn ang="0">
+                <a:pos x="connsiteX14" y="connsiteY14"/>
+              </a:cxn>
+              <a:cxn ang="0">
+                <a:pos x="connsiteX15" y="connsiteY15"/>
+              </a:cxn>
+              <a:cxn ang="0">
+                <a:pos x="connsiteX16" y="connsiteY16"/>
+              </a:cxn>
+            </a:cxnLst>
+            <a:rect l="l" t="t" r="r" b="b"/>
+            <a:pathLst>
+              <a:path w="4243589" h="18288" fill="none" extrusionOk="0">
+                <a:moveTo>
+                  <a:pt x="0" y="0"/>
+                </a:moveTo>
+                <a:cubicBezTo>
+                  <a:pt x="213395" y="-21006"/>
+                  <a:pt x="307421" y="-18116"/>
+                  <a:pt x="478919" y="0"/>
+                </a:cubicBezTo>
+                <a:cubicBezTo>
+                  <a:pt x="650417" y="18116"/>
+                  <a:pt x="831092" y="-21237"/>
+                  <a:pt x="957839" y="0"/>
+                </a:cubicBezTo>
+                <a:cubicBezTo>
+                  <a:pt x="1084586" y="21237"/>
+                  <a:pt x="1301682" y="25124"/>
+                  <a:pt x="1521630" y="0"/>
+                </a:cubicBezTo>
+                <a:cubicBezTo>
+                  <a:pt x="1741578" y="-25124"/>
+                  <a:pt x="1970269" y="-29139"/>
+                  <a:pt x="2212729" y="0"/>
+                </a:cubicBezTo>
+                <a:cubicBezTo>
+                  <a:pt x="2455189" y="29139"/>
+                  <a:pt x="2558847" y="-4796"/>
+                  <a:pt x="2734084" y="0"/>
+                </a:cubicBezTo>
+                <a:cubicBezTo>
+                  <a:pt x="2909321" y="4796"/>
+                  <a:pt x="3097217" y="-13409"/>
+                  <a:pt x="3255439" y="0"/>
+                </a:cubicBezTo>
+                <a:cubicBezTo>
+                  <a:pt x="3413662" y="13409"/>
+                  <a:pt x="3979999" y="-10121"/>
+                  <a:pt x="4243589" y="0"/>
+                </a:cubicBezTo>
+                <a:cubicBezTo>
+                  <a:pt x="4244484" y="8974"/>
+                  <a:pt x="4243043" y="9359"/>
+                  <a:pt x="4243589" y="18288"/>
+                </a:cubicBezTo>
+                <a:cubicBezTo>
+                  <a:pt x="4058777" y="31246"/>
+                  <a:pt x="3910348" y="3158"/>
+                  <a:pt x="3594926" y="18288"/>
+                </a:cubicBezTo>
+                <a:cubicBezTo>
+                  <a:pt x="3279504" y="33418"/>
+                  <a:pt x="3319955" y="-3977"/>
+                  <a:pt x="3073571" y="18288"/>
+                </a:cubicBezTo>
+                <a:cubicBezTo>
+                  <a:pt x="2827187" y="40553"/>
+                  <a:pt x="2767387" y="1863"/>
+                  <a:pt x="2552216" y="18288"/>
+                </a:cubicBezTo>
+                <a:cubicBezTo>
+                  <a:pt x="2337046" y="34713"/>
+                  <a:pt x="2181871" y="19527"/>
+                  <a:pt x="1903553" y="18288"/>
+                </a:cubicBezTo>
+                <a:cubicBezTo>
+                  <a:pt x="1625235" y="17049"/>
+                  <a:pt x="1557672" y="24174"/>
+                  <a:pt x="1212454" y="18288"/>
+                </a:cubicBezTo>
+                <a:cubicBezTo>
+                  <a:pt x="867236" y="12402"/>
+                  <a:pt x="874382" y="15627"/>
+                  <a:pt x="733535" y="18288"/>
+                </a:cubicBezTo>
+                <a:cubicBezTo>
+                  <a:pt x="592688" y="20949"/>
+                  <a:pt x="183477" y="14753"/>
+                  <a:pt x="0" y="18288"/>
+                </a:cubicBezTo>
+                <a:cubicBezTo>
+                  <a:pt x="-229" y="14222"/>
+                  <a:pt x="509" y="5816"/>
+                  <a:pt x="0" y="0"/>
+                </a:cubicBezTo>
+                <a:close/>
+              </a:path>
+              <a:path w="4243589" h="18288" stroke="0" extrusionOk="0">
+                <a:moveTo>
+                  <a:pt x="0" y="0"/>
+                </a:moveTo>
+                <a:cubicBezTo>
+                  <a:pt x="143690" y="16630"/>
+                  <a:pt x="266667" y="14847"/>
+                  <a:pt x="521355" y="0"/>
+                </a:cubicBezTo>
+                <a:cubicBezTo>
+                  <a:pt x="776043" y="-14847"/>
+                  <a:pt x="814491" y="-17363"/>
+                  <a:pt x="1000275" y="0"/>
+                </a:cubicBezTo>
+                <a:cubicBezTo>
+                  <a:pt x="1186059" y="17363"/>
+                  <a:pt x="1352504" y="-23507"/>
+                  <a:pt x="1521630" y="0"/>
+                </a:cubicBezTo>
+                <a:cubicBezTo>
+                  <a:pt x="1690756" y="23507"/>
+                  <a:pt x="1889525" y="5871"/>
+                  <a:pt x="2127857" y="0"/>
+                </a:cubicBezTo>
+                <a:cubicBezTo>
+                  <a:pt x="2366189" y="-5871"/>
+                  <a:pt x="2620628" y="-27997"/>
+                  <a:pt x="2776520" y="0"/>
+                </a:cubicBezTo>
+                <a:cubicBezTo>
+                  <a:pt x="2932412" y="27997"/>
+                  <a:pt x="3131683" y="-25073"/>
+                  <a:pt x="3467618" y="0"/>
+                </a:cubicBezTo>
+                <a:cubicBezTo>
+                  <a:pt x="3803553" y="25073"/>
+                  <a:pt x="4017371" y="3071"/>
+                  <a:pt x="4243589" y="0"/>
+                </a:cubicBezTo>
+                <a:cubicBezTo>
+                  <a:pt x="4243134" y="6162"/>
+                  <a:pt x="4243492" y="11775"/>
+                  <a:pt x="4243589" y="18288"/>
+                </a:cubicBezTo>
+                <a:cubicBezTo>
+                  <a:pt x="4017834" y="-5779"/>
+                  <a:pt x="3834586" y="13376"/>
+                  <a:pt x="3594926" y="18288"/>
+                </a:cubicBezTo>
+                <a:cubicBezTo>
+                  <a:pt x="3355266" y="23200"/>
+                  <a:pt x="3204179" y="2869"/>
+                  <a:pt x="2903827" y="18288"/>
+                </a:cubicBezTo>
+                <a:cubicBezTo>
+                  <a:pt x="2603475" y="33707"/>
+                  <a:pt x="2526187" y="46187"/>
+                  <a:pt x="2212729" y="18288"/>
+                </a:cubicBezTo>
+                <a:cubicBezTo>
+                  <a:pt x="1899271" y="-9611"/>
+                  <a:pt x="1966289" y="29692"/>
+                  <a:pt x="1733809" y="18288"/>
+                </a:cubicBezTo>
+                <a:cubicBezTo>
+                  <a:pt x="1501329" y="6884"/>
+                  <a:pt x="1343612" y="12492"/>
+                  <a:pt x="1085146" y="18288"/>
+                </a:cubicBezTo>
+                <a:cubicBezTo>
+                  <a:pt x="826680" y="24084"/>
+                  <a:pt x="778184" y="35607"/>
+                  <a:pt x="521355" y="18288"/>
+                </a:cubicBezTo>
+                <a:cubicBezTo>
+                  <a:pt x="264526" y="969"/>
+                  <a:pt x="120277" y="4268"/>
+                  <a:pt x="0" y="18288"/>
+                </a:cubicBezTo>
+                <a:cubicBezTo>
+                  <a:pt x="766" y="10800"/>
+                  <a:pt x="-457" y="8180"/>
+                  <a:pt x="0" y="0"/>
+                </a:cubicBezTo>
+                <a:close/>
+              </a:path>
+            </a:pathLst>
+          </a:custGeom>
+          <a:solidFill>
+            <a:schemeClr val="accent2"/>
+          </a:solidFill>
+          <a:ln w="41275" cap="rnd">
+            <a:solidFill>
+              <a:schemeClr val="accent2"/>
+            </a:solidFill>
+            <a:round/>
+            <a:extLst>
+              <a:ext uri="{C807C97D-BFC1-408E-A445-0C87EB9F89A2}">
+                <ask:lineSketchStyleProps xmlns:ask="http://schemas.microsoft.com/office/drawing/2018/sketchyshapes" sd="2727557108">
+                  <a:prstGeom prst="rect">
+                    <a:avLst/>
+                  </a:prstGeom>
+                  <ask:type>
+                    <ask:lineSketchFreehand/>
+                  </ask:type>
+                </ask:lineSketchStyleProps>
+              </a:ext>
+            </a:extLst>
+          </a:ln>
+        </p:spPr>
+        <p:style>
+          <a:lnRef idx="2">
+            <a:schemeClr val="accent1">
+              <a:shade val="50000"/>
+            </a:schemeClr>
+          </a:lnRef>
+          <a:fillRef idx="1">
+            <a:schemeClr val="accent1"/>
+          </a:fillRef>
+          <a:effectRef idx="0">
+            <a:schemeClr val="accent1"/>
+          </a:effectRef>
+          <a:fontRef idx="minor">
+            <a:schemeClr val="lt1"/>
+          </a:fontRef>
+        </p:style>
+        <p:txBody>
+          <a:bodyPr rtlCol="0" anchor="ctr"/>
+          <a:lstStyle/>
+          <a:p>
+            <a:pPr algn="ctr"/>
+            <a:endParaRPr lang="en-US"/>
+          </a:p>
+        </p:txBody>
+      </p:sp>
+      <p:sp>
+        <p:nvSpPr>
+          <p:cNvPr id="14" name="Content Placeholder 13">
+            <a:extLst>
+              <a:ext uri="{FF2B5EF4-FFF2-40B4-BE49-F238E27FC236}">
+                <a16:creationId xmlns:a16="http://schemas.microsoft.com/office/drawing/2014/main" id="{43B5BF15-9C99-8AC1-14C7-279698B0FA5B}"/>
+              </a:ext>
+            </a:extLst>
+          </p:cNvPr>
+          <p:cNvSpPr>
+            <a:spLocks noGrp="1"/>
+          </p:cNvSpPr>
+          <p:nvPr>
+            <p:ph idx="1"/>
+          </p:nvPr>
+        </p:nvSpPr>
+        <p:spPr>
+          <a:xfrm>
+            <a:off x="640080" y="2706624"/>
+            <a:ext cx="6894576" cy="3483864"/>
+          </a:xfrm>
+        </p:spPr>
+        <p:txBody>
+          <a:bodyPr>
+            <a:normAutofit/>
+          </a:bodyPr>
+          <a:lstStyle/>
+          <a:p>
+            <a:r>
+              <a:rPr lang="en-US" sz="2200" dirty="0" err="1"/>
+              <a:t>Idősorok</a:t>
+            </a:r>
+            <a:r>
+              <a:rPr lang="en-US" sz="2200" dirty="0"/>
+              <a:t> </a:t>
+            </a:r>
+            <a:r>
+              <a:rPr lang="en-US" sz="2200" dirty="0" err="1"/>
+              <a:t>klaszterezése</a:t>
+            </a:r>
+            <a:r>
+              <a:rPr lang="en-US" sz="2200" dirty="0"/>
+              <a:t> </a:t>
+            </a:r>
+            <a:r>
+              <a:rPr lang="en-US" sz="2200" dirty="0" err="1"/>
+              <a:t>KMeans-sel</a:t>
+            </a:r>
+            <a:endParaRPr lang="en-US" sz="2200" dirty="0"/>
+          </a:p>
+          <a:p>
+            <a:r>
+              <a:rPr lang="en-US" sz="2200" dirty="0" err="1"/>
+              <a:t>Vizsgált</a:t>
+            </a:r>
+            <a:r>
+              <a:rPr lang="en-US" sz="2200" dirty="0"/>
+              <a:t> </a:t>
+            </a:r>
+            <a:r>
+              <a:rPr lang="en-US" sz="2200" dirty="0" err="1"/>
+              <a:t>paraméterek</a:t>
+            </a:r>
+            <a:r>
+              <a:rPr lang="en-US" sz="2200" dirty="0"/>
+              <a:t>:</a:t>
+            </a:r>
+            <a:endParaRPr lang="en-US" sz="1400" dirty="0"/>
+          </a:p>
+          <a:p>
+            <a:pPr lvl="1"/>
+            <a:r>
+              <a:rPr lang="en-US" sz="1800" dirty="0" err="1"/>
+              <a:t>Hossz</a:t>
+            </a:r>
+            <a:endParaRPr lang="en-US" sz="1800" dirty="0"/>
+          </a:p>
+          <a:p>
+            <a:pPr lvl="1"/>
+            <a:r>
+              <a:rPr lang="en-US" sz="1800" dirty="0" err="1"/>
+              <a:t>Autokorreláció</a:t>
+            </a:r>
+            <a:endParaRPr lang="en-US" sz="1800" dirty="0"/>
+          </a:p>
+          <a:p>
+            <a:pPr lvl="1"/>
+            <a:r>
+              <a:rPr lang="en-US" sz="1800" dirty="0" err="1"/>
+              <a:t>Variációs</a:t>
+            </a:r>
+            <a:r>
+              <a:rPr lang="en-US" sz="1800" dirty="0"/>
+              <a:t> </a:t>
+            </a:r>
+            <a:r>
+              <a:rPr lang="en-US" sz="1800" dirty="0" err="1"/>
+              <a:t>kovariancia</a:t>
+            </a:r>
+            <a:endParaRPr lang="en-US" sz="1800" dirty="0"/>
+          </a:p>
+          <a:p>
+            <a:pPr lvl="1"/>
+            <a:r>
+              <a:rPr lang="en-US" sz="1800" dirty="0"/>
+              <a:t>Trend</a:t>
+            </a:r>
+          </a:p>
+        </p:txBody>
+      </p:sp>
+      <p:pic>
+        <p:nvPicPr>
+          <p:cNvPr id="8" name="Tartalom helye 7" descr="A képen képernyőkép, szöveg, Diagram, diagram látható&#10;&#10;Automatikusan generált leírás">
+            <a:extLst>
+              <a:ext uri="{FF2B5EF4-FFF2-40B4-BE49-F238E27FC236}">
+                <a16:creationId xmlns:a16="http://schemas.microsoft.com/office/drawing/2014/main" id="{9E1563A1-B9FA-009B-585C-1AD3704BD432}"/>
+              </a:ext>
+            </a:extLst>
+          </p:cNvPr>
+          <p:cNvPicPr>
+            <a:picLocks noChangeAspect="1"/>
+          </p:cNvPicPr>
+          <p:nvPr/>
+        </p:nvPicPr>
+        <p:blipFill>
+          <a:blip r:embed="rId2"/>
+          <a:stretch>
+            <a:fillRect/>
+          </a:stretch>
+        </p:blipFill>
+        <p:spPr>
+          <a:xfrm>
+            <a:off x="7343335" y="413856"/>
+            <a:ext cx="4534721" cy="2924897"/>
+          </a:xfrm>
+          <a:prstGeom prst="rect">
+            <a:avLst/>
+          </a:prstGeom>
+        </p:spPr>
+      </p:pic>
+      <p:pic>
+        <p:nvPicPr>
+          <p:cNvPr id="10" name="Kép 9" descr="A képen képernyőkép, szöveg, Diagram, szám látható&#10;&#10;Automatikusan generált leírás">
+            <a:extLst>
+              <a:ext uri="{FF2B5EF4-FFF2-40B4-BE49-F238E27FC236}">
+                <a16:creationId xmlns:a16="http://schemas.microsoft.com/office/drawing/2014/main" id="{493F1578-E155-D1A7-0940-53DC7694E329}"/>
+              </a:ext>
+            </a:extLst>
+          </p:cNvPr>
+          <p:cNvPicPr>
+            <a:picLocks noChangeAspect="1"/>
+          </p:cNvPicPr>
+          <p:nvPr/>
+        </p:nvPicPr>
+        <p:blipFill>
+          <a:blip r:embed="rId3"/>
+          <a:stretch>
+            <a:fillRect/>
+          </a:stretch>
+        </p:blipFill>
+        <p:spPr>
+          <a:xfrm>
+            <a:off x="7343335" y="3370505"/>
+            <a:ext cx="4534721" cy="2822867"/>
+          </a:xfrm>
+          <a:prstGeom prst="rect">
+            <a:avLst/>
+          </a:prstGeom>
+        </p:spPr>
+      </p:pic>
+      <p:sp>
+        <p:nvSpPr>
+          <p:cNvPr id="4" name="Dátum helye 3">
+            <a:extLst>
+              <a:ext uri="{FF2B5EF4-FFF2-40B4-BE49-F238E27FC236}">
+                <a16:creationId xmlns:a16="http://schemas.microsoft.com/office/drawing/2014/main" id="{1127C899-DB01-8500-8738-1141D01B5DEB}"/>
+              </a:ext>
+            </a:extLst>
+          </p:cNvPr>
+          <p:cNvSpPr>
+            <a:spLocks noGrp="1"/>
+          </p:cNvSpPr>
+          <p:nvPr>
+            <p:ph type="dt" sz="half" idx="10"/>
+          </p:nvPr>
+        </p:nvSpPr>
+        <p:spPr>
+          <a:xfrm>
+            <a:off x="838200" y="6356350"/>
+            <a:ext cx="2743200" cy="365125"/>
+          </a:xfrm>
+        </p:spPr>
+        <p:txBody>
+          <a:bodyPr>
+            <a:normAutofit/>
+          </a:bodyPr>
+          <a:lstStyle/>
+          <a:p>
+            <a:pPr>
+              <a:spcAft>
+                <a:spcPts val="600"/>
+              </a:spcAft>
+            </a:pPr>
+            <a:fld id="{F36B3592-03CB-194B-B84D-F861BFD2AD9F}" type="datetime1">
+              <a:rPr lang="hu-HU" smtClean="0"/>
+              <a:t>2025. 05. 06.</a:t>
+            </a:fld>
+            <a:endParaRPr lang="hu-HU"/>
+          </a:p>
+        </p:txBody>
+      </p:sp>
+      <p:sp>
+        <p:nvSpPr>
+          <p:cNvPr id="5" name="Élőláb helye 4">
+            <a:extLst>
+              <a:ext uri="{FF2B5EF4-FFF2-40B4-BE49-F238E27FC236}">
+                <a16:creationId xmlns:a16="http://schemas.microsoft.com/office/drawing/2014/main" id="{29842AF6-F55E-7059-81BB-DB0E9B874C5D}"/>
+              </a:ext>
+            </a:extLst>
+          </p:cNvPr>
+          <p:cNvSpPr>
+            <a:spLocks noGrp="1"/>
+          </p:cNvSpPr>
+          <p:nvPr>
+            <p:ph type="ftr" sz="quarter" idx="11"/>
+          </p:nvPr>
+        </p:nvSpPr>
+        <p:spPr>
+          <a:xfrm>
+            <a:off x="4038600" y="6356350"/>
+            <a:ext cx="4114800" cy="365125"/>
+          </a:xfrm>
+        </p:spPr>
+        <p:txBody>
+          <a:bodyPr>
+            <a:normAutofit/>
+          </a:bodyPr>
+          <a:lstStyle/>
+          <a:p>
+            <a:endParaRPr lang="hu-HU"/>
+          </a:p>
+        </p:txBody>
+      </p:sp>
+      <p:sp>
+        <p:nvSpPr>
+          <p:cNvPr id="6" name="Dia számának helye 5">
+            <a:extLst>
+              <a:ext uri="{FF2B5EF4-FFF2-40B4-BE49-F238E27FC236}">
+                <a16:creationId xmlns:a16="http://schemas.microsoft.com/office/drawing/2014/main" id="{8FF4D63D-F38C-52D3-659E-60ECFE62C856}"/>
+              </a:ext>
+            </a:extLst>
+          </p:cNvPr>
+          <p:cNvSpPr>
+            <a:spLocks noGrp="1"/>
+          </p:cNvSpPr>
+          <p:nvPr>
+            <p:ph type="sldNum" sz="quarter" idx="12"/>
+          </p:nvPr>
+        </p:nvSpPr>
+        <p:spPr>
+          <a:xfrm>
+            <a:off x="8610600" y="6356350"/>
+            <a:ext cx="2743200" cy="365125"/>
+          </a:xfrm>
+        </p:spPr>
+        <p:txBody>
+          <a:bodyPr>
+            <a:normAutofit/>
+          </a:bodyPr>
+          <a:lstStyle/>
+          <a:p>
+            <a:pPr>
+              <a:spcAft>
+                <a:spcPts val="600"/>
+              </a:spcAft>
+            </a:pPr>
+            <a:fld id="{2BF5634A-3FEB-2145-92F8-FA1760146F41}" type="slidenum">
+              <a:rPr lang="hu-HU" smtClean="0"/>
+              <a:pPr>
+                <a:spcAft>
+                  <a:spcPts val="600"/>
+                </a:spcAft>
+              </a:pPr>
+              <a:t>7</a:t>
+            </a:fld>
+            <a:endParaRPr lang="hu-HU"/>
+          </a:p>
+        </p:txBody>
+      </p:sp>
+    </p:spTree>
+    <p:extLst>
+      <p:ext uri="{BB962C8B-B14F-4D97-AF65-F5344CB8AC3E}">
+        <p14:creationId xmlns:p14="http://schemas.microsoft.com/office/powerpoint/2010/main" val="173301815"/>
+      </p:ext>
+    </p:extLst>
+  </p:cSld>
+  <p:clrMapOvr>
+    <a:masterClrMapping/>
+  </p:clrMapOvr>
+</p:sld>
+</file>
+
+<file path=ppt/slides/slide8.xml><?xml version="1.0" encoding="utf-8"?>
+<p:sld xmlns:a="http://schemas.openxmlformats.org/drawingml/2006/main" xmlns:r="http://schemas.openxmlformats.org/officeDocument/2006/relationships" xmlns:p="http://schemas.openxmlformats.org/presentationml/2006/main">
+  <p:cSld>
+    <p:bg>
+      <p:bgPr>
+        <a:solidFill>
+          <a:schemeClr val="bg1"/>
+        </a:solidFill>
+        <a:effectLst/>
+      </p:bgPr>
+    </p:bg>
+    <p:spTree>
+      <p:nvGrpSpPr>
+        <p:cNvPr id="1" name=""/>
+        <p:cNvGrpSpPr/>
+        <p:nvPr/>
+      </p:nvGrpSpPr>
+      <p:grpSpPr>
+        <a:xfrm>
+          <a:off x="0" y="0"/>
+          <a:ext cx="0" cy="0"/>
+          <a:chOff x="0" y="0"/>
+          <a:chExt cx="0" cy="0"/>
+        </a:xfrm>
+      </p:grpSpPr>
+      <p:sp useBgFill="1">
+        <p:nvSpPr>
+          <p:cNvPr id="15" name="Rectangle 14">
+            <a:extLst>
+              <a:ext uri="{FF2B5EF4-FFF2-40B4-BE49-F238E27FC236}">
+                <a16:creationId xmlns:a16="http://schemas.microsoft.com/office/drawing/2014/main" id="{BCED4D40-4B67-4331-AC48-79B82B4A47D8}"/>
+              </a:ext>
+              <a:ext uri="{C183D7F6-B498-43B3-948B-1728B52AA6E4}">
+                <adec:decorative xmlns:adec="http://schemas.microsoft.com/office/drawing/2017/decorative" val="1"/>
+              </a:ext>
+            </a:extLst>
+          </p:cNvPr>
+          <p:cNvSpPr>
+            <a:spLocks noGrp="1" noRot="1" noChangeAspect="1" noMove="1" noResize="1" noEditPoints="1" noAdjustHandles="1" noChangeArrowheads="1" noChangeShapeType="1" noTextEdit="1"/>
+          </p:cNvSpPr>
+          <p:nvPr>
+            <p:extLst>
+              <p:ext uri="{386F3935-93C4-4BCD-93E2-E3B085C9AB24}">
+                <p16:designElem xmlns:p16="http://schemas.microsoft.com/office/powerpoint/2015/main" val="1"/>
+              </p:ext>
+            </p:extLst>
+          </p:nvPr>
+        </p:nvSpPr>
+        <p:spPr>
+          <a:xfrm>
+            <a:off x="0" y="0"/>
+            <a:ext cx="12192000" cy="6858000"/>
+          </a:xfrm>
+          <a:prstGeom prst="rect">
+            <a:avLst/>
+          </a:prstGeom>
+          <a:ln>
+            <a:noFill/>
+          </a:ln>
+        </p:spPr>
+        <p:style>
+          <a:lnRef idx="2">
+            <a:schemeClr val="accent1">
+              <a:shade val="50000"/>
+            </a:schemeClr>
+          </a:lnRef>
+          <a:fillRef idx="1">
+            <a:schemeClr val="accent1"/>
+          </a:fillRef>
+          <a:effectRef idx="0">
+            <a:schemeClr val="accent1"/>
+          </a:effectRef>
+          <a:fontRef idx="minor">
+            <a:schemeClr val="lt1"/>
+          </a:fontRef>
+        </p:style>
+        <p:txBody>
+          <a:bodyPr rtlCol="0" anchor="ctr"/>
+          <a:lstStyle/>
+          <a:p>
+            <a:pPr algn="ctr"/>
+            <a:endParaRPr lang="en-US"/>
+          </a:p>
+        </p:txBody>
+      </p:sp>
+      <p:sp>
+        <p:nvSpPr>
+          <p:cNvPr id="2" name="Cím 1">
+            <a:extLst>
+              <a:ext uri="{FF2B5EF4-FFF2-40B4-BE49-F238E27FC236}">
+                <a16:creationId xmlns:a16="http://schemas.microsoft.com/office/drawing/2014/main" id="{4CBA39B3-A320-6CC0-EF56-4BB2C4A34938}"/>
+              </a:ext>
+            </a:extLst>
+          </p:cNvPr>
+          <p:cNvSpPr>
+            <a:spLocks noGrp="1"/>
+          </p:cNvSpPr>
+          <p:nvPr>
+            <p:ph type="title"/>
+          </p:nvPr>
+        </p:nvSpPr>
+        <p:spPr>
+          <a:xfrm>
+            <a:off x="638881" y="417576"/>
+            <a:ext cx="10909640" cy="1249394"/>
+          </a:xfrm>
+        </p:spPr>
+        <p:txBody>
+          <a:bodyPr vert="horz" lIns="91440" tIns="45720" rIns="91440" bIns="45720" rtlCol="0" anchor="ctr">
+            <a:normAutofit/>
+          </a:bodyPr>
+          <a:lstStyle/>
+          <a:p>
+            <a:pPr algn="ctr"/>
+            <a:r>
+              <a:rPr lang="en-US" sz="4100" kern="1200" dirty="0" err="1">
+                <a:solidFill>
+                  <a:schemeClr val="tx1"/>
+                </a:solidFill>
+                <a:latin typeface="+mj-lt"/>
+                <a:ea typeface="+mj-ea"/>
+                <a:cs typeface="+mj-cs"/>
+              </a:rPr>
+              <a:t>Adott</a:t>
+            </a:r>
+            <a:r>
+              <a:rPr lang="en-US" sz="4100" kern="1200" dirty="0">
+                <a:solidFill>
+                  <a:schemeClr val="tx1"/>
+                </a:solidFill>
+                <a:latin typeface="+mj-lt"/>
+                <a:ea typeface="+mj-ea"/>
+                <a:cs typeface="+mj-cs"/>
+              </a:rPr>
+              <a:t> </a:t>
+            </a:r>
+            <a:r>
+              <a:rPr lang="en-US" sz="4100" kern="1200" dirty="0" err="1">
+                <a:solidFill>
+                  <a:schemeClr val="tx1"/>
+                </a:solidFill>
+                <a:latin typeface="+mj-lt"/>
+                <a:ea typeface="+mj-ea"/>
+                <a:cs typeface="+mj-cs"/>
+              </a:rPr>
+              <a:t>klaszteren</a:t>
+            </a:r>
+            <a:r>
+              <a:rPr lang="en-US" sz="4100" kern="1200" dirty="0">
+                <a:solidFill>
+                  <a:schemeClr val="tx1"/>
+                </a:solidFill>
+                <a:latin typeface="+mj-lt"/>
+                <a:ea typeface="+mj-ea"/>
+                <a:cs typeface="+mj-cs"/>
+              </a:rPr>
+              <a:t> </a:t>
+            </a:r>
+            <a:r>
+              <a:rPr lang="en-US" sz="4100" kern="1200" dirty="0" err="1">
+                <a:solidFill>
+                  <a:schemeClr val="tx1"/>
+                </a:solidFill>
+                <a:latin typeface="+mj-lt"/>
+                <a:ea typeface="+mj-ea"/>
+                <a:cs typeface="+mj-cs"/>
+              </a:rPr>
+              <a:t>legjobban</a:t>
+            </a:r>
+            <a:r>
+              <a:rPr lang="en-US" sz="4100" kern="1200" dirty="0">
+                <a:solidFill>
+                  <a:schemeClr val="tx1"/>
+                </a:solidFill>
+                <a:latin typeface="+mj-lt"/>
+                <a:ea typeface="+mj-ea"/>
+                <a:cs typeface="+mj-cs"/>
+              </a:rPr>
+              <a:t> </a:t>
+            </a:r>
+            <a:r>
+              <a:rPr lang="en-US" sz="4100" kern="1200" dirty="0" err="1">
+                <a:solidFill>
+                  <a:schemeClr val="tx1"/>
+                </a:solidFill>
+                <a:latin typeface="+mj-lt"/>
+                <a:ea typeface="+mj-ea"/>
+                <a:cs typeface="+mj-cs"/>
+              </a:rPr>
+              <a:t>teljesítő</a:t>
+            </a:r>
+            <a:r>
+              <a:rPr lang="en-US" sz="4100" kern="1200" dirty="0">
+                <a:solidFill>
+                  <a:schemeClr val="tx1"/>
+                </a:solidFill>
+                <a:latin typeface="+mj-lt"/>
+                <a:ea typeface="+mj-ea"/>
+                <a:cs typeface="+mj-cs"/>
+              </a:rPr>
+              <a:t> </a:t>
+            </a:r>
+            <a:r>
+              <a:rPr lang="en-US" sz="4100" kern="1200" dirty="0" err="1">
+                <a:solidFill>
+                  <a:schemeClr val="tx1"/>
+                </a:solidFill>
+                <a:latin typeface="+mj-lt"/>
+                <a:ea typeface="+mj-ea"/>
+                <a:cs typeface="+mj-cs"/>
+              </a:rPr>
+              <a:t>algoritmus</a:t>
+            </a:r>
+            <a:r>
+              <a:rPr lang="en-US" sz="4100" kern="1200" dirty="0">
+                <a:solidFill>
+                  <a:schemeClr val="tx1"/>
+                </a:solidFill>
+                <a:latin typeface="+mj-lt"/>
+                <a:ea typeface="+mj-ea"/>
+                <a:cs typeface="+mj-cs"/>
+              </a:rPr>
+              <a:t> </a:t>
+            </a:r>
+            <a:r>
+              <a:rPr lang="en-US" sz="4100" kern="1200" dirty="0" err="1">
+                <a:solidFill>
+                  <a:schemeClr val="tx1"/>
+                </a:solidFill>
+                <a:latin typeface="+mj-lt"/>
+                <a:ea typeface="+mj-ea"/>
+                <a:cs typeface="+mj-cs"/>
+              </a:rPr>
+              <a:t>választása</a:t>
+            </a:r>
+            <a:endParaRPr lang="en-US" sz="4100" kern="1200" dirty="0">
+              <a:solidFill>
+                <a:schemeClr val="tx1"/>
+              </a:solidFill>
+              <a:latin typeface="+mj-lt"/>
+              <a:ea typeface="+mj-ea"/>
+              <a:cs typeface="+mj-cs"/>
+            </a:endParaRPr>
+          </a:p>
+        </p:txBody>
+      </p:sp>
+      <p:sp>
+        <p:nvSpPr>
+          <p:cNvPr id="17" name="sketch line">
+            <a:extLst>
+              <a:ext uri="{FF2B5EF4-FFF2-40B4-BE49-F238E27FC236}">
+                <a16:creationId xmlns:a16="http://schemas.microsoft.com/office/drawing/2014/main" id="{670CEDEF-4F34-412E-84EE-329C1E936AF5}"/>
+              </a:ext>
+              <a:ext uri="{C183D7F6-B498-43B3-948B-1728B52AA6E4}">
+                <adec:decorative xmlns:adec="http://schemas.microsoft.com/office/drawing/2017/decorative" val="1"/>
+              </a:ext>
+            </a:extLst>
+          </p:cNvPr>
+          <p:cNvSpPr>
+            <a:spLocks noGrp="1" noRot="1" noChangeAspect="1" noMove="1" noResize="1" noEditPoints="1" noAdjustHandles="1" noChangeArrowheads="1" noChangeShapeType="1" noTextEdit="1"/>
+          </p:cNvSpPr>
+          <p:nvPr>
+            <p:extLst>
+              <p:ext uri="{386F3935-93C4-4BCD-93E2-E3B085C9AB24}">
+                <p16:designElem xmlns:p16="http://schemas.microsoft.com/office/powerpoint/2015/main" val="1"/>
+              </p:ext>
+            </p:extLst>
+          </p:nvPr>
+        </p:nvSpPr>
+        <p:spPr>
+          <a:xfrm>
+            <a:off x="3807702" y="1733454"/>
+            <a:ext cx="4572000" cy="18288"/>
+          </a:xfrm>
+          <a:custGeom>
+            <a:avLst/>
+            <a:gdLst>
+              <a:gd name="connsiteX0" fmla="*/ 0 w 4572000"/>
+              <a:gd name="connsiteY0" fmla="*/ 0 h 18288"/>
+              <a:gd name="connsiteX1" fmla="*/ 515983 w 4572000"/>
+              <a:gd name="connsiteY1" fmla="*/ 0 h 18288"/>
+              <a:gd name="connsiteX2" fmla="*/ 1031966 w 4572000"/>
+              <a:gd name="connsiteY2" fmla="*/ 0 h 18288"/>
+              <a:gd name="connsiteX3" fmla="*/ 1639389 w 4572000"/>
+              <a:gd name="connsiteY3" fmla="*/ 0 h 18288"/>
+              <a:gd name="connsiteX4" fmla="*/ 2383971 w 4572000"/>
+              <a:gd name="connsiteY4" fmla="*/ 0 h 18288"/>
+              <a:gd name="connsiteX5" fmla="*/ 2945674 w 4572000"/>
+              <a:gd name="connsiteY5" fmla="*/ 0 h 18288"/>
+              <a:gd name="connsiteX6" fmla="*/ 3507377 w 4572000"/>
+              <a:gd name="connsiteY6" fmla="*/ 0 h 18288"/>
+              <a:gd name="connsiteX7" fmla="*/ 4572000 w 4572000"/>
+              <a:gd name="connsiteY7" fmla="*/ 0 h 18288"/>
+              <a:gd name="connsiteX8" fmla="*/ 4572000 w 4572000"/>
+              <a:gd name="connsiteY8" fmla="*/ 18288 h 18288"/>
+              <a:gd name="connsiteX9" fmla="*/ 3873137 w 4572000"/>
+              <a:gd name="connsiteY9" fmla="*/ 18288 h 18288"/>
+              <a:gd name="connsiteX10" fmla="*/ 3311434 w 4572000"/>
+              <a:gd name="connsiteY10" fmla="*/ 18288 h 18288"/>
+              <a:gd name="connsiteX11" fmla="*/ 2749731 w 4572000"/>
+              <a:gd name="connsiteY11" fmla="*/ 18288 h 18288"/>
+              <a:gd name="connsiteX12" fmla="*/ 2050869 w 4572000"/>
+              <a:gd name="connsiteY12" fmla="*/ 18288 h 18288"/>
+              <a:gd name="connsiteX13" fmla="*/ 1306286 w 4572000"/>
+              <a:gd name="connsiteY13" fmla="*/ 18288 h 18288"/>
+              <a:gd name="connsiteX14" fmla="*/ 790303 w 4572000"/>
+              <a:gd name="connsiteY14" fmla="*/ 18288 h 18288"/>
+              <a:gd name="connsiteX15" fmla="*/ 0 w 4572000"/>
+              <a:gd name="connsiteY15" fmla="*/ 18288 h 18288"/>
+              <a:gd name="connsiteX16" fmla="*/ 0 w 4572000"/>
+              <a:gd name="connsiteY16" fmla="*/ 0 h 18288"/>
+            </a:gdLst>
+            <a:ahLst/>
+            <a:cxnLst>
+              <a:cxn ang="0">
+                <a:pos x="connsiteX0" y="connsiteY0"/>
+              </a:cxn>
+              <a:cxn ang="0">
+                <a:pos x="connsiteX1" y="connsiteY1"/>
+              </a:cxn>
+              <a:cxn ang="0">
+                <a:pos x="connsiteX2" y="connsiteY2"/>
+              </a:cxn>
+              <a:cxn ang="0">
+                <a:pos x="connsiteX3" y="connsiteY3"/>
+              </a:cxn>
+              <a:cxn ang="0">
+                <a:pos x="connsiteX4" y="connsiteY4"/>
+              </a:cxn>
+              <a:cxn ang="0">
+                <a:pos x="connsiteX5" y="connsiteY5"/>
+              </a:cxn>
+              <a:cxn ang="0">
+                <a:pos x="connsiteX6" y="connsiteY6"/>
+              </a:cxn>
+              <a:cxn ang="0">
+                <a:pos x="connsiteX7" y="connsiteY7"/>
+              </a:cxn>
+              <a:cxn ang="0">
+                <a:pos x="connsiteX8" y="connsiteY8"/>
+              </a:cxn>
+              <a:cxn ang="0">
+                <a:pos x="connsiteX9" y="connsiteY9"/>
+              </a:cxn>
+              <a:cxn ang="0">
+                <a:pos x="connsiteX10" y="connsiteY10"/>
+              </a:cxn>
+              <a:cxn ang="0">
+                <a:pos x="connsiteX11" y="connsiteY11"/>
+              </a:cxn>
+              <a:cxn ang="0">
+                <a:pos x="connsiteX12" y="connsiteY12"/>
+              </a:cxn>
+              <a:cxn ang="0">
+                <a:pos x="connsiteX13" y="connsiteY13"/>
+              </a:cxn>
+              <a:cxn ang="0">
+                <a:pos x="connsiteX14" y="connsiteY14"/>
+              </a:cxn>
+              <a:cxn ang="0">
+                <a:pos x="connsiteX15" y="connsiteY15"/>
+              </a:cxn>
+              <a:cxn ang="0">
+                <a:pos x="connsiteX16" y="connsiteY16"/>
+              </a:cxn>
+            </a:cxnLst>
+            <a:rect l="l" t="t" r="r" b="b"/>
+            <a:pathLst>
+              <a:path w="4572000" h="18288" fill="none" extrusionOk="0">
+                <a:moveTo>
+                  <a:pt x="0" y="0"/>
+                </a:moveTo>
+                <a:cubicBezTo>
+                  <a:pt x="105156" y="-20963"/>
+                  <a:pt x="340432" y="822"/>
+                  <a:pt x="515983" y="0"/>
+                </a:cubicBezTo>
+                <a:cubicBezTo>
+                  <a:pt x="691534" y="-822"/>
+                  <a:pt x="850679" y="16479"/>
+                  <a:pt x="1031966" y="0"/>
+                </a:cubicBezTo>
+                <a:cubicBezTo>
+                  <a:pt x="1213253" y="-16479"/>
+                  <a:pt x="1443646" y="-18730"/>
+                  <a:pt x="1639389" y="0"/>
+                </a:cubicBezTo>
+                <a:cubicBezTo>
+                  <a:pt x="1835132" y="18730"/>
+                  <a:pt x="2159975" y="18531"/>
+                  <a:pt x="2383971" y="0"/>
+                </a:cubicBezTo>
+                <a:cubicBezTo>
+                  <a:pt x="2607967" y="-18531"/>
+                  <a:pt x="2719096" y="-12030"/>
+                  <a:pt x="2945674" y="0"/>
+                </a:cubicBezTo>
+                <a:cubicBezTo>
+                  <a:pt x="3172252" y="12030"/>
+                  <a:pt x="3269167" y="27666"/>
+                  <a:pt x="3507377" y="0"/>
+                </a:cubicBezTo>
+                <a:cubicBezTo>
+                  <a:pt x="3745587" y="-27666"/>
+                  <a:pt x="4116741" y="18705"/>
+                  <a:pt x="4572000" y="0"/>
+                </a:cubicBezTo>
+                <a:cubicBezTo>
+                  <a:pt x="4572895" y="8974"/>
+                  <a:pt x="4571454" y="9359"/>
+                  <a:pt x="4572000" y="18288"/>
+                </a:cubicBezTo>
+                <a:cubicBezTo>
+                  <a:pt x="4374698" y="3942"/>
+                  <a:pt x="4098874" y="-11042"/>
+                  <a:pt x="3873137" y="18288"/>
+                </a:cubicBezTo>
+                <a:cubicBezTo>
+                  <a:pt x="3647400" y="47618"/>
+                  <a:pt x="3517055" y="5421"/>
+                  <a:pt x="3311434" y="18288"/>
+                </a:cubicBezTo>
+                <a:cubicBezTo>
+                  <a:pt x="3105813" y="31155"/>
+                  <a:pt x="3025168" y="17856"/>
+                  <a:pt x="2749731" y="18288"/>
+                </a:cubicBezTo>
+                <a:cubicBezTo>
+                  <a:pt x="2474294" y="18720"/>
+                  <a:pt x="2291766" y="-14168"/>
+                  <a:pt x="2050869" y="18288"/>
+                </a:cubicBezTo>
+                <a:cubicBezTo>
+                  <a:pt x="1809972" y="50744"/>
+                  <a:pt x="1540276" y="46798"/>
+                  <a:pt x="1306286" y="18288"/>
+                </a:cubicBezTo>
+                <a:cubicBezTo>
+                  <a:pt x="1072296" y="-10222"/>
+                  <a:pt x="972445" y="19645"/>
+                  <a:pt x="790303" y="18288"/>
+                </a:cubicBezTo>
+                <a:cubicBezTo>
+                  <a:pt x="608161" y="16931"/>
+                  <a:pt x="200981" y="8241"/>
+                  <a:pt x="0" y="18288"/>
+                </a:cubicBezTo>
+                <a:cubicBezTo>
+                  <a:pt x="-229" y="14222"/>
+                  <a:pt x="509" y="5816"/>
+                  <a:pt x="0" y="0"/>
+                </a:cubicBezTo>
+                <a:close/>
+              </a:path>
+              <a:path w="4572000" h="18288" stroke="0" extrusionOk="0">
+                <a:moveTo>
+                  <a:pt x="0" y="0"/>
+                </a:moveTo>
+                <a:cubicBezTo>
+                  <a:pt x="143285" y="-9565"/>
+                  <a:pt x="327959" y="-11498"/>
+                  <a:pt x="561703" y="0"/>
+                </a:cubicBezTo>
+                <a:cubicBezTo>
+                  <a:pt x="795447" y="11498"/>
+                  <a:pt x="838260" y="18255"/>
+                  <a:pt x="1077686" y="0"/>
+                </a:cubicBezTo>
+                <a:cubicBezTo>
+                  <a:pt x="1317112" y="-18255"/>
+                  <a:pt x="1437472" y="23514"/>
+                  <a:pt x="1639389" y="0"/>
+                </a:cubicBezTo>
+                <a:cubicBezTo>
+                  <a:pt x="1841306" y="-23514"/>
+                  <a:pt x="2037142" y="-12551"/>
+                  <a:pt x="2292531" y="0"/>
+                </a:cubicBezTo>
+                <a:cubicBezTo>
+                  <a:pt x="2547920" y="12551"/>
+                  <a:pt x="2810436" y="-20352"/>
+                  <a:pt x="2991394" y="0"/>
+                </a:cubicBezTo>
+                <a:cubicBezTo>
+                  <a:pt x="3172352" y="20352"/>
+                  <a:pt x="3530025" y="-13347"/>
+                  <a:pt x="3735977" y="0"/>
+                </a:cubicBezTo>
+                <a:cubicBezTo>
+                  <a:pt x="3941929" y="13347"/>
+                  <a:pt x="4161497" y="34086"/>
+                  <a:pt x="4572000" y="0"/>
+                </a:cubicBezTo>
+                <a:cubicBezTo>
+                  <a:pt x="4571545" y="6162"/>
+                  <a:pt x="4571903" y="11775"/>
+                  <a:pt x="4572000" y="18288"/>
+                </a:cubicBezTo>
+                <a:cubicBezTo>
+                  <a:pt x="4228040" y="36490"/>
+                  <a:pt x="4199736" y="42557"/>
+                  <a:pt x="3873137" y="18288"/>
+                </a:cubicBezTo>
+                <a:cubicBezTo>
+                  <a:pt x="3546538" y="-5981"/>
+                  <a:pt x="3472124" y="16809"/>
+                  <a:pt x="3128554" y="18288"/>
+                </a:cubicBezTo>
+                <a:cubicBezTo>
+                  <a:pt x="2784984" y="19767"/>
+                  <a:pt x="2735896" y="-17781"/>
+                  <a:pt x="2383971" y="18288"/>
+                </a:cubicBezTo>
+                <a:cubicBezTo>
+                  <a:pt x="2032046" y="54357"/>
+                  <a:pt x="2019324" y="2920"/>
+                  <a:pt x="1867989" y="18288"/>
+                </a:cubicBezTo>
+                <a:cubicBezTo>
+                  <a:pt x="1716654" y="33656"/>
+                  <a:pt x="1418675" y="32575"/>
+                  <a:pt x="1169126" y="18288"/>
+                </a:cubicBezTo>
+                <a:cubicBezTo>
+                  <a:pt x="919577" y="4001"/>
+                  <a:pt x="798537" y="16165"/>
+                  <a:pt x="561703" y="18288"/>
+                </a:cubicBezTo>
+                <a:cubicBezTo>
+                  <a:pt x="324869" y="20411"/>
+                  <a:pt x="221395" y="-912"/>
+                  <a:pt x="0" y="18288"/>
+                </a:cubicBezTo>
+                <a:cubicBezTo>
+                  <a:pt x="766" y="10800"/>
+                  <a:pt x="-457" y="8180"/>
+                  <a:pt x="0" y="0"/>
+                </a:cubicBezTo>
+                <a:close/>
+              </a:path>
+            </a:pathLst>
+          </a:custGeom>
+          <a:solidFill>
+            <a:schemeClr val="accent2"/>
+          </a:solidFill>
+          <a:ln w="41275" cap="rnd">
+            <a:solidFill>
+              <a:schemeClr val="accent2"/>
+            </a:solidFill>
+            <a:round/>
+            <a:extLst>
+              <a:ext uri="{C807C97D-BFC1-408E-A445-0C87EB9F89A2}">
+                <ask:lineSketchStyleProps xmlns:ask="http://schemas.microsoft.com/office/drawing/2018/sketchyshapes" sd="2727557108">
+                  <a:prstGeom prst="rect">
+                    <a:avLst/>
+                  </a:prstGeom>
+                  <ask:type>
+                    <ask:lineSketchFreehand/>
+                  </ask:type>
+                </ask:lineSketchStyleProps>
+              </a:ext>
+            </a:extLst>
+          </a:ln>
+        </p:spPr>
+        <p:style>
+          <a:lnRef idx="2">
+            <a:schemeClr val="accent1">
+              <a:shade val="50000"/>
+            </a:schemeClr>
+          </a:lnRef>
+          <a:fillRef idx="1">
+            <a:schemeClr val="accent1"/>
+          </a:fillRef>
+          <a:effectRef idx="0">
+            <a:schemeClr val="accent1"/>
+          </a:effectRef>
+          <a:fontRef idx="minor">
+            <a:schemeClr val="lt1"/>
+          </a:fontRef>
+        </p:style>
+        <p:txBody>
+          <a:bodyPr rtlCol="0" anchor="ctr"/>
+          <a:lstStyle/>
+          <a:p>
+            <a:pPr algn="ctr"/>
+            <a:endParaRPr lang="en-US"/>
+          </a:p>
+        </p:txBody>
+      </p:sp>
+      <p:pic>
+        <p:nvPicPr>
+          <p:cNvPr id="10" name="Kép 9" descr="A képen szöveg, diagram, Színesség, Diagram látható&#10;&#10;Automatikusan generált leírás">
+            <a:extLst>
+              <a:ext uri="{FF2B5EF4-FFF2-40B4-BE49-F238E27FC236}">
+                <a16:creationId xmlns:a16="http://schemas.microsoft.com/office/drawing/2014/main" id="{37A9F293-9DD0-3895-F991-CDFCA2C2978F}"/>
+              </a:ext>
+            </a:extLst>
+          </p:cNvPr>
+          <p:cNvPicPr>
+            <a:picLocks noChangeAspect="1"/>
+          </p:cNvPicPr>
+          <p:nvPr/>
+        </p:nvPicPr>
+        <p:blipFill>
+          <a:blip r:embed="rId2"/>
+          <a:stretch>
+            <a:fillRect/>
+          </a:stretch>
+        </p:blipFill>
+        <p:spPr>
+          <a:xfrm>
+            <a:off x="1756647" y="1923865"/>
+            <a:ext cx="8678706" cy="4295960"/>
+          </a:xfrm>
+          <a:prstGeom prst="rect">
+            <a:avLst/>
+          </a:prstGeom>
+        </p:spPr>
+      </p:pic>
+      <p:sp>
+        <p:nvSpPr>
+          <p:cNvPr id="4" name="Dátum helye 3">
+            <a:extLst>
+              <a:ext uri="{FF2B5EF4-FFF2-40B4-BE49-F238E27FC236}">
+                <a16:creationId xmlns:a16="http://schemas.microsoft.com/office/drawing/2014/main" id="{0908BD97-1AF1-5D07-1672-FE6D0CCC41FA}"/>
+              </a:ext>
+            </a:extLst>
+          </p:cNvPr>
+          <p:cNvSpPr>
+            <a:spLocks noGrp="1"/>
+          </p:cNvSpPr>
+          <p:nvPr>
+            <p:ph type="dt" sz="half" idx="10"/>
+          </p:nvPr>
+        </p:nvSpPr>
+        <p:spPr>
+          <a:xfrm>
+            <a:off x="838200" y="6356350"/>
+            <a:ext cx="2743200" cy="365125"/>
+          </a:xfrm>
+        </p:spPr>
+        <p:txBody>
+          <a:bodyPr vert="horz" lIns="91440" tIns="45720" rIns="91440" bIns="45720" rtlCol="0" anchor="ctr">
+            <a:normAutofit/>
+          </a:bodyPr>
+          <a:lstStyle/>
+          <a:p>
+            <a:pPr>
+              <a:spcAft>
+                <a:spcPts val="600"/>
+              </a:spcAft>
+            </a:pPr>
+            <a:fld id="{7AA740A8-D92E-7A46-8C12-3A1D635ED03F}" type="datetime1">
+              <a:rPr lang="hu-HU" smtClean="0">
+                <a:solidFill>
+                  <a:schemeClr val="tx1">
+                    <a:tint val="75000"/>
+                  </a:schemeClr>
+                </a:solidFill>
+              </a:rPr>
+              <a:t>2025. 05. 06.</a:t>
+            </a:fld>
+            <a:endParaRPr lang="en-US" dirty="0">
+              <a:solidFill>
+                <a:schemeClr val="tx1">
+                  <a:tint val="75000"/>
+                </a:schemeClr>
+              </a:solidFill>
+            </a:endParaRPr>
+          </a:p>
+        </p:txBody>
+      </p:sp>
+      <p:sp>
+        <p:nvSpPr>
+          <p:cNvPr id="5" name="Élőláb helye 4">
+            <a:extLst>
+              <a:ext uri="{FF2B5EF4-FFF2-40B4-BE49-F238E27FC236}">
+                <a16:creationId xmlns:a16="http://schemas.microsoft.com/office/drawing/2014/main" id="{9157C846-2B4B-F5F1-917C-B9CF35779076}"/>
+              </a:ext>
+            </a:extLst>
+          </p:cNvPr>
+          <p:cNvSpPr>
+            <a:spLocks noGrp="1"/>
+          </p:cNvSpPr>
+          <p:nvPr>
+            <p:ph type="ftr" sz="quarter" idx="11"/>
+          </p:nvPr>
+        </p:nvSpPr>
+        <p:spPr>
+          <a:xfrm>
+            <a:off x="4038600" y="6356350"/>
+            <a:ext cx="4114800" cy="365125"/>
+          </a:xfrm>
+        </p:spPr>
+        <p:txBody>
+          <a:bodyPr vert="horz" lIns="91440" tIns="45720" rIns="91440" bIns="45720" rtlCol="0" anchor="ctr">
+            <a:normAutofit/>
+          </a:bodyPr>
+          <a:lstStyle/>
+          <a:p>
+            <a:endParaRPr lang="en-US" sz="1200" kern="1200">
+              <a:solidFill>
+                <a:schemeClr val="tx1">
+                  <a:tint val="75000"/>
+                </a:schemeClr>
+              </a:solidFill>
+              <a:latin typeface="+mn-lt"/>
+              <a:ea typeface="+mn-ea"/>
+              <a:cs typeface="+mn-cs"/>
+            </a:endParaRPr>
+          </a:p>
+        </p:txBody>
+      </p:sp>
+      <p:sp>
+        <p:nvSpPr>
+          <p:cNvPr id="6" name="Dia számának helye 5">
+            <a:extLst>
+              <a:ext uri="{FF2B5EF4-FFF2-40B4-BE49-F238E27FC236}">
+                <a16:creationId xmlns:a16="http://schemas.microsoft.com/office/drawing/2014/main" id="{3684D1D7-7CAA-6907-4596-0EA6DF538C66}"/>
+              </a:ext>
+            </a:extLst>
+          </p:cNvPr>
+          <p:cNvSpPr>
+            <a:spLocks noGrp="1"/>
+          </p:cNvSpPr>
+          <p:nvPr>
+            <p:ph type="sldNum" sz="quarter" idx="12"/>
+          </p:nvPr>
+        </p:nvSpPr>
+        <p:spPr>
+          <a:xfrm>
+            <a:off x="8610600" y="6356350"/>
+            <a:ext cx="2743200" cy="365125"/>
+          </a:xfrm>
+        </p:spPr>
+        <p:txBody>
+          <a:bodyPr vert="horz" lIns="91440" tIns="45720" rIns="91440" bIns="45720" rtlCol="0" anchor="ctr">
+            <a:normAutofit/>
+          </a:bodyPr>
+          <a:lstStyle/>
+          <a:p>
+            <a:pPr>
+              <a:spcAft>
+                <a:spcPts val="600"/>
+              </a:spcAft>
+            </a:pPr>
+            <a:fld id="{2BF5634A-3FEB-2145-92F8-FA1760146F41}" type="slidenum">
+              <a:rPr lang="en-US" smtClean="0">
+                <a:solidFill>
+                  <a:schemeClr val="tx1">
+                    <a:tint val="75000"/>
+                  </a:schemeClr>
+                </a:solidFill>
+              </a:rPr>
+              <a:pPr>
+                <a:spcAft>
+                  <a:spcPts val="600"/>
+                </a:spcAft>
+              </a:pPr>
+              <a:t>8</a:t>
+            </a:fld>
+            <a:endParaRPr lang="en-US">
+              <a:solidFill>
+                <a:schemeClr val="tx1">
+                  <a:tint val="75000"/>
+                </a:schemeClr>
+              </a:solidFill>
+            </a:endParaRPr>
+          </a:p>
+        </p:txBody>
+      </p:sp>
+    </p:spTree>
+    <p:extLst>
+      <p:ext uri="{BB962C8B-B14F-4D97-AF65-F5344CB8AC3E}">
+        <p14:creationId xmlns:p14="http://schemas.microsoft.com/office/powerpoint/2010/main" val="3511724663"/>
+      </p:ext>
+    </p:extLst>
+  </p:cSld>
+  <p:clrMapOvr>
+    <a:masterClrMapping/>
+  </p:clrMapOvr>
+</p:sld>
+</file>
+
+<file path=ppt/slides/slide9.xml><?xml version="1.0" encoding="utf-8"?>
+<p:sld xmlns:a="http://schemas.openxmlformats.org/drawingml/2006/main" xmlns:r="http://schemas.openxmlformats.org/officeDocument/2006/relationships" xmlns:p="http://schemas.openxmlformats.org/presentationml/2006/main">
+  <p:cSld>
+    <p:bg>
+      <p:bgPr>
+        <a:solidFill>
+          <a:schemeClr val="bg1"/>
+        </a:solidFill>
+        <a:effectLst/>
+      </p:bgPr>
+    </p:bg>
+    <p:spTree>
+      <p:nvGrpSpPr>
+        <p:cNvPr id="1" name=""/>
+        <p:cNvGrpSpPr/>
+        <p:nvPr/>
+      </p:nvGrpSpPr>
+      <p:grpSpPr>
+        <a:xfrm>
+          <a:off x="0" y="0"/>
+          <a:ext cx="0" cy="0"/>
+          <a:chOff x="0" y="0"/>
+          <a:chExt cx="0" cy="0"/>
+        </a:xfrm>
+      </p:grpSpPr>
+      <p:sp useBgFill="1">
+        <p:nvSpPr>
+          <p:cNvPr id="14" name="Rectangle 13">
+            <a:extLst>
+              <a:ext uri="{FF2B5EF4-FFF2-40B4-BE49-F238E27FC236}">
+                <a16:creationId xmlns:a16="http://schemas.microsoft.com/office/drawing/2014/main" id="{2B97F24A-32CE-4C1C-A50D-3016B394DCFB}"/>
+              </a:ext>
+              <a:ext uri="{C183D7F6-B498-43B3-948B-1728B52AA6E4}">
+                <adec:decorative xmlns:adec="http://schemas.microsoft.com/office/drawing/2017/decorative" val="1"/>
+              </a:ext>
+            </a:extLst>
+          </p:cNvPr>
+          <p:cNvSpPr>
+            <a:spLocks noGrp="1" noRot="1" noChangeAspect="1" noMove="1" noResize="1" noEditPoints="1" noAdjustHandles="1" noChangeArrowheads="1" noChangeShapeType="1" noTextEdit="1"/>
+          </p:cNvSpPr>
+          <p:nvPr>
+            <p:extLst>
+              <p:ext uri="{386F3935-93C4-4BCD-93E2-E3B085C9AB24}">
+                <p16:designElem xmlns:p16="http://schemas.microsoft.com/office/powerpoint/2015/main" val="1"/>
+              </p:ext>
+            </p:extLst>
+          </p:nvPr>
+        </p:nvSpPr>
+        <p:spPr>
+          <a:xfrm>
+            <a:off x="0" y="0"/>
+            <a:ext cx="12192000" cy="6858000"/>
+          </a:xfrm>
+          <a:prstGeom prst="rect">
+            <a:avLst/>
+          </a:prstGeom>
+          <a:ln>
+            <a:noFill/>
+          </a:ln>
+        </p:spPr>
+        <p:style>
+          <a:lnRef idx="2">
+            <a:schemeClr val="accent1">
+              <a:shade val="50000"/>
+            </a:schemeClr>
+          </a:lnRef>
+          <a:fillRef idx="1">
+            <a:schemeClr val="accent1"/>
+          </a:fillRef>
+          <a:effectRef idx="0">
+            <a:schemeClr val="accent1"/>
+          </a:effectRef>
+          <a:fontRef idx="minor">
+            <a:schemeClr val="lt1"/>
+          </a:fontRef>
+        </p:style>
+        <p:txBody>
+          <a:bodyPr rtlCol="0" anchor="ctr"/>
+          <a:lstStyle/>
+          <a:p>
+            <a:pPr algn="ctr"/>
+            <a:endParaRPr lang="en-US"/>
+          </a:p>
+        </p:txBody>
+      </p:sp>
+      <p:sp>
+        <p:nvSpPr>
+          <p:cNvPr id="2" name="Cím 1">
+            <a:extLst>
+              <a:ext uri="{FF2B5EF4-FFF2-40B4-BE49-F238E27FC236}">
+                <a16:creationId xmlns:a16="http://schemas.microsoft.com/office/drawing/2014/main" id="{7CC5AAA7-BB5A-2330-0CEB-7F999AE3DD31}"/>
+              </a:ext>
+            </a:extLst>
+          </p:cNvPr>
+          <p:cNvSpPr>
+            <a:spLocks noGrp="1"/>
+          </p:cNvSpPr>
+          <p:nvPr>
+            <p:ph type="title"/>
+          </p:nvPr>
+        </p:nvSpPr>
+        <p:spPr>
+          <a:xfrm>
+            <a:off x="630936" y="639520"/>
+            <a:ext cx="3429000" cy="1719072"/>
+          </a:xfrm>
+        </p:spPr>
+        <p:txBody>
+          <a:bodyPr anchor="b">
+            <a:normAutofit/>
+          </a:bodyPr>
+          <a:lstStyle/>
+          <a:p>
+            <a:r>
+              <a:rPr lang="hu-HU" sz="5000"/>
+              <a:t>Eredmények</a:t>
+            </a:r>
+          </a:p>
+        </p:txBody>
+      </p:sp>
+      <p:sp>
+        <p:nvSpPr>
+          <p:cNvPr id="16" name="sketch line">
+            <a:extLst>
+              <a:ext uri="{FF2B5EF4-FFF2-40B4-BE49-F238E27FC236}">
+                <a16:creationId xmlns:a16="http://schemas.microsoft.com/office/drawing/2014/main" id="{6357EC4F-235E-4222-A36F-C7878ACE37F2}"/>
+              </a:ext>
+              <a:ext uri="{C183D7F6-B498-43B3-948B-1728B52AA6E4}">
+                <adec:decorative xmlns:adec="http://schemas.microsoft.com/office/drawing/2017/decorative" val="1"/>
+              </a:ext>
+            </a:extLst>
+          </p:cNvPr>
+          <p:cNvSpPr>
+            <a:spLocks noGrp="1" noRot="1" noChangeAspect="1" noMove="1" noResize="1" noEditPoints="1" noAdjustHandles="1" noChangeArrowheads="1" noChangeShapeType="1" noTextEdit="1"/>
+          </p:cNvSpPr>
+          <p:nvPr>
+            <p:extLst>
+              <p:ext uri="{386F3935-93C4-4BCD-93E2-E3B085C9AB24}">
+                <p16:designElem xmlns:p16="http://schemas.microsoft.com/office/powerpoint/2015/main" val="1"/>
+              </p:ext>
+            </p:extLst>
+          </p:nvPr>
+        </p:nvSpPr>
+        <p:spPr>
+          <a:xfrm>
+            <a:off x="643278" y="2573756"/>
+            <a:ext cx="3255095" cy="18288"/>
+          </a:xfrm>
+          <a:custGeom>
+            <a:avLst/>
+            <a:gdLst>
+              <a:gd name="connsiteX0" fmla="*/ 0 w 3255095"/>
+              <a:gd name="connsiteY0" fmla="*/ 0 h 18288"/>
+              <a:gd name="connsiteX1" fmla="*/ 618468 w 3255095"/>
+              <a:gd name="connsiteY1" fmla="*/ 0 h 18288"/>
+              <a:gd name="connsiteX2" fmla="*/ 1269487 w 3255095"/>
+              <a:gd name="connsiteY2" fmla="*/ 0 h 18288"/>
+              <a:gd name="connsiteX3" fmla="*/ 1953057 w 3255095"/>
+              <a:gd name="connsiteY3" fmla="*/ 0 h 18288"/>
+              <a:gd name="connsiteX4" fmla="*/ 2636627 w 3255095"/>
+              <a:gd name="connsiteY4" fmla="*/ 0 h 18288"/>
+              <a:gd name="connsiteX5" fmla="*/ 3255095 w 3255095"/>
+              <a:gd name="connsiteY5" fmla="*/ 0 h 18288"/>
+              <a:gd name="connsiteX6" fmla="*/ 3255095 w 3255095"/>
+              <a:gd name="connsiteY6" fmla="*/ 18288 h 18288"/>
+              <a:gd name="connsiteX7" fmla="*/ 2538974 w 3255095"/>
+              <a:gd name="connsiteY7" fmla="*/ 18288 h 18288"/>
+              <a:gd name="connsiteX8" fmla="*/ 1822853 w 3255095"/>
+              <a:gd name="connsiteY8" fmla="*/ 18288 h 18288"/>
+              <a:gd name="connsiteX9" fmla="*/ 1171834 w 3255095"/>
+              <a:gd name="connsiteY9" fmla="*/ 18288 h 18288"/>
+              <a:gd name="connsiteX10" fmla="*/ 0 w 3255095"/>
+              <a:gd name="connsiteY10" fmla="*/ 18288 h 18288"/>
+              <a:gd name="connsiteX11" fmla="*/ 0 w 3255095"/>
+              <a:gd name="connsiteY11" fmla="*/ 0 h 18288"/>
+            </a:gdLst>
+            <a:ahLst/>
+            <a:cxnLst>
+              <a:cxn ang="0">
+                <a:pos x="connsiteX0" y="connsiteY0"/>
+              </a:cxn>
+              <a:cxn ang="0">
+                <a:pos x="connsiteX1" y="connsiteY1"/>
+              </a:cxn>
+              <a:cxn ang="0">
+                <a:pos x="connsiteX2" y="connsiteY2"/>
+              </a:cxn>
+              <a:cxn ang="0">
+                <a:pos x="connsiteX3" y="connsiteY3"/>
+              </a:cxn>
+              <a:cxn ang="0">
+                <a:pos x="connsiteX4" y="connsiteY4"/>
+              </a:cxn>
+              <a:cxn ang="0">
+                <a:pos x="connsiteX5" y="connsiteY5"/>
+              </a:cxn>
+              <a:cxn ang="0">
+                <a:pos x="connsiteX6" y="connsiteY6"/>
+              </a:cxn>
+              <a:cxn ang="0">
+                <a:pos x="connsiteX7" y="connsiteY7"/>
+              </a:cxn>
+              <a:cxn ang="0">
+                <a:pos x="connsiteX8" y="connsiteY8"/>
+              </a:cxn>
+              <a:cxn ang="0">
+                <a:pos x="connsiteX9" y="connsiteY9"/>
+              </a:cxn>
+              <a:cxn ang="0">
+                <a:pos x="connsiteX10" y="connsiteY10"/>
+              </a:cxn>
+              <a:cxn ang="0">
+                <a:pos x="connsiteX11" y="connsiteY11"/>
+              </a:cxn>
+            </a:cxnLst>
+            <a:rect l="l" t="t" r="r" b="b"/>
+            <a:pathLst>
+              <a:path w="3255095" h="18288" fill="none" extrusionOk="0">
+                <a:moveTo>
+                  <a:pt x="0" y="0"/>
+                </a:moveTo>
+                <a:cubicBezTo>
+                  <a:pt x="240201" y="-22123"/>
+                  <a:pt x="462021" y="-19623"/>
+                  <a:pt x="618468" y="0"/>
+                </a:cubicBezTo>
+                <a:cubicBezTo>
+                  <a:pt x="774915" y="19623"/>
+                  <a:pt x="974734" y="2035"/>
+                  <a:pt x="1269487" y="0"/>
+                </a:cubicBezTo>
+                <a:cubicBezTo>
+                  <a:pt x="1564240" y="-2035"/>
+                  <a:pt x="1733579" y="10639"/>
+                  <a:pt x="1953057" y="0"/>
+                </a:cubicBezTo>
+                <a:cubicBezTo>
+                  <a:pt x="2172535" y="-10639"/>
+                  <a:pt x="2453962" y="14018"/>
+                  <a:pt x="2636627" y="0"/>
+                </a:cubicBezTo>
+                <a:cubicBezTo>
+                  <a:pt x="2819292" y="-14018"/>
+                  <a:pt x="3121375" y="5399"/>
+                  <a:pt x="3255095" y="0"/>
+                </a:cubicBezTo>
+                <a:cubicBezTo>
+                  <a:pt x="3254386" y="8157"/>
+                  <a:pt x="3254682" y="12125"/>
+                  <a:pt x="3255095" y="18288"/>
+                </a:cubicBezTo>
+                <a:cubicBezTo>
+                  <a:pt x="3088545" y="23203"/>
+                  <a:pt x="2687475" y="7419"/>
+                  <a:pt x="2538974" y="18288"/>
+                </a:cubicBezTo>
+                <a:cubicBezTo>
+                  <a:pt x="2390473" y="29157"/>
+                  <a:pt x="2137381" y="-8959"/>
+                  <a:pt x="1822853" y="18288"/>
+                </a:cubicBezTo>
+                <a:cubicBezTo>
+                  <a:pt x="1508325" y="45535"/>
+                  <a:pt x="1466437" y="20385"/>
+                  <a:pt x="1171834" y="18288"/>
+                </a:cubicBezTo>
+                <a:cubicBezTo>
+                  <a:pt x="877231" y="16191"/>
+                  <a:pt x="561097" y="37643"/>
+                  <a:pt x="0" y="18288"/>
+                </a:cubicBezTo>
+                <a:cubicBezTo>
+                  <a:pt x="-46" y="12483"/>
+                  <a:pt x="-203" y="6491"/>
+                  <a:pt x="0" y="0"/>
+                </a:cubicBezTo>
+                <a:close/>
+              </a:path>
+              <a:path w="3255095" h="18288" stroke="0" extrusionOk="0">
+                <a:moveTo>
+                  <a:pt x="0" y="0"/>
+                </a:moveTo>
+                <a:cubicBezTo>
+                  <a:pt x="291965" y="19429"/>
+                  <a:pt x="363155" y="8568"/>
+                  <a:pt x="618468" y="0"/>
+                </a:cubicBezTo>
+                <a:cubicBezTo>
+                  <a:pt x="873781" y="-8568"/>
+                  <a:pt x="904459" y="-19505"/>
+                  <a:pt x="1171834" y="0"/>
+                </a:cubicBezTo>
+                <a:cubicBezTo>
+                  <a:pt x="1439209" y="19505"/>
+                  <a:pt x="1744369" y="9790"/>
+                  <a:pt x="1887955" y="0"/>
+                </a:cubicBezTo>
+                <a:cubicBezTo>
+                  <a:pt x="2031541" y="-9790"/>
+                  <a:pt x="2346378" y="21240"/>
+                  <a:pt x="2506423" y="0"/>
+                </a:cubicBezTo>
+                <a:cubicBezTo>
+                  <a:pt x="2666468" y="-21240"/>
+                  <a:pt x="2990257" y="30414"/>
+                  <a:pt x="3255095" y="0"/>
+                </a:cubicBezTo>
+                <a:cubicBezTo>
+                  <a:pt x="3254831" y="4493"/>
+                  <a:pt x="3255479" y="9472"/>
+                  <a:pt x="3255095" y="18288"/>
+                </a:cubicBezTo>
+                <a:cubicBezTo>
+                  <a:pt x="3120743" y="16690"/>
+                  <a:pt x="2759628" y="42462"/>
+                  <a:pt x="2604076" y="18288"/>
+                </a:cubicBezTo>
+                <a:cubicBezTo>
+                  <a:pt x="2448524" y="-5886"/>
+                  <a:pt x="2184336" y="19599"/>
+                  <a:pt x="1887955" y="18288"/>
+                </a:cubicBezTo>
+                <a:cubicBezTo>
+                  <a:pt x="1591574" y="16977"/>
+                  <a:pt x="1548845" y="6870"/>
+                  <a:pt x="1334589" y="18288"/>
+                </a:cubicBezTo>
+                <a:cubicBezTo>
+                  <a:pt x="1120333" y="29706"/>
+                  <a:pt x="996014" y="9662"/>
+                  <a:pt x="683570" y="18288"/>
+                </a:cubicBezTo>
+                <a:cubicBezTo>
+                  <a:pt x="371126" y="26914"/>
+                  <a:pt x="198687" y="16167"/>
+                  <a:pt x="0" y="18288"/>
+                </a:cubicBezTo>
+                <a:cubicBezTo>
+                  <a:pt x="843" y="9577"/>
+                  <a:pt x="371" y="6900"/>
+                  <a:pt x="0" y="0"/>
+                </a:cubicBezTo>
+                <a:close/>
+              </a:path>
+            </a:pathLst>
+          </a:custGeom>
+          <a:solidFill>
+            <a:schemeClr val="accent2"/>
+          </a:solidFill>
+          <a:ln w="38100" cap="rnd">
+            <a:solidFill>
+              <a:schemeClr val="accent2"/>
+            </a:solidFill>
+            <a:round/>
+            <a:extLst>
+              <a:ext uri="{C807C97D-BFC1-408E-A445-0C87EB9F89A2}">
+                <ask:lineSketchStyleProps xmlns:ask="http://schemas.microsoft.com/office/drawing/2018/sketchyshapes" sd="1219033472">
+                  <a:prstGeom prst="rect">
+                    <a:avLst/>
+                  </a:prstGeom>
+                  <ask:type>
+                    <ask:lineSketchFreehand/>
+                  </ask:type>
+                </ask:lineSketchStyleProps>
+              </a:ext>
+            </a:extLst>
+          </a:ln>
+        </p:spPr>
+        <p:style>
+          <a:lnRef idx="2">
+            <a:schemeClr val="accent1">
+              <a:shade val="50000"/>
+            </a:schemeClr>
+          </a:lnRef>
+          <a:fillRef idx="1">
+            <a:schemeClr val="accent1"/>
+          </a:fillRef>
+          <a:effectRef idx="0">
+            <a:schemeClr val="accent1"/>
+          </a:effectRef>
+          <a:fontRef idx="minor">
+            <a:schemeClr val="lt1"/>
+          </a:fontRef>
+        </p:style>
+        <p:txBody>
+          <a:bodyPr rtlCol="0" anchor="ctr"/>
+          <a:lstStyle/>
+          <a:p>
+            <a:pPr algn="ctr"/>
+            <a:endParaRPr lang="en-US"/>
+          </a:p>
+        </p:txBody>
+      </p:sp>
+      <p:sp>
+        <p:nvSpPr>
+          <p:cNvPr id="11" name="Content Placeholder 10">
+            <a:extLst>
+              <a:ext uri="{FF2B5EF4-FFF2-40B4-BE49-F238E27FC236}">
+                <a16:creationId xmlns:a16="http://schemas.microsoft.com/office/drawing/2014/main" id="{A049AD4A-1E74-9645-D1C7-33AE59462498}"/>
+              </a:ext>
+            </a:extLst>
+          </p:cNvPr>
+          <p:cNvSpPr>
+            <a:spLocks noGrp="1"/>
+          </p:cNvSpPr>
+          <p:nvPr>
+            <p:ph idx="1"/>
+          </p:nvPr>
+        </p:nvSpPr>
+        <p:spPr>
+          <a:xfrm>
+            <a:off x="630936" y="2807208"/>
+            <a:ext cx="3835556" cy="3410712"/>
+          </a:xfrm>
+        </p:spPr>
+        <p:txBody>
+          <a:bodyPr anchor="t">
+            <a:normAutofit/>
+          </a:bodyPr>
+          <a:lstStyle/>
+          <a:p>
+            <a:r>
+              <a:rPr lang="en-US" sz="2200" dirty="0" err="1"/>
+              <a:t>Használt</a:t>
+            </a:r>
+            <a:r>
+              <a:rPr lang="en-US" sz="2200" dirty="0"/>
+              <a:t> </a:t>
+            </a:r>
+            <a:r>
+              <a:rPr lang="en-US" sz="2200" dirty="0" err="1"/>
+              <a:t>adathalmazok</a:t>
+            </a:r>
+            <a:r>
+              <a:rPr lang="en-US" sz="2200" dirty="0"/>
+              <a:t>:</a:t>
+            </a:r>
+          </a:p>
+          <a:p>
+            <a:pPr lvl="1"/>
+            <a:r>
+              <a:rPr lang="en-US" sz="1800" dirty="0"/>
+              <a:t>TSSB – 75 </a:t>
+            </a:r>
+            <a:r>
+              <a:rPr lang="en-US" sz="1800" dirty="0" err="1"/>
+              <a:t>idősor</a:t>
+            </a:r>
+            <a:endParaRPr lang="en-US" sz="1800" dirty="0"/>
+          </a:p>
+          <a:p>
+            <a:pPr lvl="1"/>
+            <a:r>
+              <a:rPr lang="en-US" sz="1800" dirty="0"/>
+              <a:t>HAS – 250 </a:t>
+            </a:r>
+            <a:r>
+              <a:rPr lang="en-US" sz="1800" dirty="0" err="1"/>
+              <a:t>idősor</a:t>
+            </a:r>
+            <a:endParaRPr lang="en-US" sz="1800" dirty="0"/>
+          </a:p>
+          <a:p>
+            <a:r>
+              <a:rPr lang="en-US" sz="2200" dirty="0" err="1"/>
+              <a:t>Teszthalmaz</a:t>
+            </a:r>
+            <a:r>
+              <a:rPr lang="en-US" sz="2200" dirty="0"/>
+              <a:t> </a:t>
+            </a:r>
+            <a:r>
+              <a:rPr lang="en-US" sz="2200" dirty="0" err="1"/>
+              <a:t>nagysága</a:t>
+            </a:r>
+            <a:r>
+              <a:rPr lang="en-US" sz="2200" dirty="0"/>
+              <a:t>: 40%</a:t>
+            </a:r>
+          </a:p>
+        </p:txBody>
+      </p:sp>
+      <p:pic>
+        <p:nvPicPr>
+          <p:cNvPr id="7" name="Tartalom helye 6">
+            <a:extLst>
+              <a:ext uri="{FF2B5EF4-FFF2-40B4-BE49-F238E27FC236}">
+                <a16:creationId xmlns:a16="http://schemas.microsoft.com/office/drawing/2014/main" id="{5EC8B68C-0128-AE19-126B-04B5F762282C}"/>
+              </a:ext>
+            </a:extLst>
+          </p:cNvPr>
+          <p:cNvPicPr>
+            <a:picLocks noChangeAspect="1"/>
+          </p:cNvPicPr>
+          <p:nvPr/>
+        </p:nvPicPr>
+        <p:blipFill>
+          <a:blip r:embed="rId2"/>
+          <a:stretch>
+            <a:fillRect/>
+          </a:stretch>
+        </p:blipFill>
+        <p:spPr>
+          <a:xfrm>
+            <a:off x="4654296" y="1634033"/>
+            <a:ext cx="6903720" cy="3589934"/>
+          </a:xfrm>
+          <a:prstGeom prst="rect">
+            <a:avLst/>
+          </a:prstGeom>
+        </p:spPr>
+      </p:pic>
+      <p:sp>
+        <p:nvSpPr>
+          <p:cNvPr id="4" name="Dátum helye 3">
+            <a:extLst>
+              <a:ext uri="{FF2B5EF4-FFF2-40B4-BE49-F238E27FC236}">
+                <a16:creationId xmlns:a16="http://schemas.microsoft.com/office/drawing/2014/main" id="{6D2CD1B2-9638-FBF5-CF84-0B377924E8AE}"/>
               </a:ext>
             </a:extLst>
           </p:cNvPr>
@@ -10425,7 +11954,7 @@
                   <a:spcPts val="600"/>
                 </a:spcAft>
               </a:pPr>
-              <a:t>2025. 05. 04.</a:t>
+              <a:t>2025. 05. 06.</a:t>
             </a:fld>
             <a:endParaRPr lang="hu-HU"/>
           </a:p>
@@ -10436,7 +11965,7 @@
           <p:cNvPr id="5" name="Élőláb helye 4">
             <a:extLst>
               <a:ext uri="{FF2B5EF4-FFF2-40B4-BE49-F238E27FC236}">
-                <a16:creationId xmlns:a16="http://schemas.microsoft.com/office/drawing/2014/main" id="{76530E8E-9331-B191-5D46-D2B038DA1B12}"/>
+                <a16:creationId xmlns:a16="http://schemas.microsoft.com/office/drawing/2014/main" id="{B6F99DD6-87CA-B2B9-BD69-73694673FA91}"/>
               </a:ext>
             </a:extLst>
           </p:cNvPr>
@@ -10468,7 +11997,7 @@
           <p:cNvPr id="6" name="Dia számának helye 5">
             <a:extLst>
               <a:ext uri="{FF2B5EF4-FFF2-40B4-BE49-F238E27FC236}">
-                <a16:creationId xmlns:a16="http://schemas.microsoft.com/office/drawing/2014/main" id="{F74F06FC-D9D0-8861-506F-A7AEF1B8299B}"/>
+                <a16:creationId xmlns:a16="http://schemas.microsoft.com/office/drawing/2014/main" id="{17B0DA75-DEAF-D741-C469-D3576F9AAFE3}"/>
               </a:ext>
             </a:extLst>
           </p:cNvPr>
@@ -10512,7 +12041,7 @@
     </p:spTree>
     <p:extLst>
       <p:ext uri="{BB962C8B-B14F-4D97-AF65-F5344CB8AC3E}">
-        <p14:creationId xmlns:p14="http://schemas.microsoft.com/office/powerpoint/2010/main" val="387354445"/>
+        <p14:creationId xmlns:p14="http://schemas.microsoft.com/office/powerpoint/2010/main" val="2925716366"/>
       </p:ext>
     </p:extLst>
   </p:cSld>

--- a/bemutato.pptx
+++ b/bemutato.pptx
@@ -207,7 +207,7 @@
           <a:p>
             <a:fld id="{5D01EA2F-D39E-DC47-A02E-3FADA924A388}" type="datetimeFigureOut">
               <a:rPr lang="hu-HU" smtClean="0"/>
-              <a:t>2025. 05. 06.</a:t>
+              <a:t>2025. 05. 07.</a:t>
             </a:fld>
             <a:endParaRPr lang="hu-HU"/>
           </a:p>
@@ -621,7 +621,7 @@
           <a:p>
             <a:fld id="{FF076027-57CE-7644-B674-3EEE831F5408}" type="datetime1">
               <a:rPr lang="hu-HU" smtClean="0"/>
-              <a:t>2025. 05. 06.</a:t>
+              <a:t>2025. 05. 07.</a:t>
             </a:fld>
             <a:endParaRPr lang="hu-HU"/>
           </a:p>
@@ -819,7 +819,7 @@
           <a:p>
             <a:fld id="{830804EE-E663-FD46-8A40-6E7F387E266E}" type="datetime1">
               <a:rPr lang="hu-HU" smtClean="0"/>
-              <a:t>2025. 05. 06.</a:t>
+              <a:t>2025. 05. 07.</a:t>
             </a:fld>
             <a:endParaRPr lang="hu-HU"/>
           </a:p>
@@ -1027,7 +1027,7 @@
           <a:p>
             <a:fld id="{263D005D-85FF-2949-BC6E-508A5CBFF1F3}" type="datetime1">
               <a:rPr lang="hu-HU" smtClean="0"/>
-              <a:t>2025. 05. 06.</a:t>
+              <a:t>2025. 05. 07.</a:t>
             </a:fld>
             <a:endParaRPr lang="hu-HU"/>
           </a:p>
@@ -1225,7 +1225,7 @@
           <a:p>
             <a:fld id="{66445694-FCB9-A642-8FF4-42EEC02622E4}" type="datetime1">
               <a:rPr lang="hu-HU" smtClean="0"/>
-              <a:t>2025. 05. 06.</a:t>
+              <a:t>2025. 05. 07.</a:t>
             </a:fld>
             <a:endParaRPr lang="hu-HU"/>
           </a:p>
@@ -1500,7 +1500,7 @@
           <a:p>
             <a:fld id="{AD6A2A12-DA2B-E74B-B41C-67785A542A35}" type="datetime1">
               <a:rPr lang="hu-HU" smtClean="0"/>
-              <a:t>2025. 05. 06.</a:t>
+              <a:t>2025. 05. 07.</a:t>
             </a:fld>
             <a:endParaRPr lang="hu-HU"/>
           </a:p>
@@ -1765,7 +1765,7 @@
           <a:p>
             <a:fld id="{632B892B-C86C-CB41-991A-53D194128D28}" type="datetime1">
               <a:rPr lang="hu-HU" smtClean="0"/>
-              <a:t>2025. 05. 06.</a:t>
+              <a:t>2025. 05. 07.</a:t>
             </a:fld>
             <a:endParaRPr lang="hu-HU"/>
           </a:p>
@@ -2177,7 +2177,7 @@
           <a:p>
             <a:fld id="{F3290542-D93A-5B47-A38B-6F0DA92AE7CE}" type="datetime1">
               <a:rPr lang="hu-HU" smtClean="0"/>
-              <a:t>2025. 05. 06.</a:t>
+              <a:t>2025. 05. 07.</a:t>
             </a:fld>
             <a:endParaRPr lang="hu-HU"/>
           </a:p>
@@ -2318,7 +2318,7 @@
           <a:p>
             <a:fld id="{80145D3C-4DB2-0040-9CC3-84A09F3EF651}" type="datetime1">
               <a:rPr lang="hu-HU" smtClean="0"/>
-              <a:t>2025. 05. 06.</a:t>
+              <a:t>2025. 05. 07.</a:t>
             </a:fld>
             <a:endParaRPr lang="hu-HU"/>
           </a:p>
@@ -2431,7 +2431,7 @@
           <a:p>
             <a:fld id="{97E68AE9-82F8-A445-82BE-51C0D4582C23}" type="datetime1">
               <a:rPr lang="hu-HU" smtClean="0"/>
-              <a:t>2025. 05. 06.</a:t>
+              <a:t>2025. 05. 07.</a:t>
             </a:fld>
             <a:endParaRPr lang="hu-HU"/>
           </a:p>
@@ -2742,7 +2742,7 @@
           <a:p>
             <a:fld id="{AF41EB5E-CD90-1648-A208-F53FEC683ACA}" type="datetime1">
               <a:rPr lang="hu-HU" smtClean="0"/>
-              <a:t>2025. 05. 06.</a:t>
+              <a:t>2025. 05. 07.</a:t>
             </a:fld>
             <a:endParaRPr lang="hu-HU"/>
           </a:p>
@@ -3030,7 +3030,7 @@
           <a:p>
             <a:fld id="{D62F77B1-2D56-B440-80A2-3FA9E7ED68E6}" type="datetime1">
               <a:rPr lang="hu-HU" smtClean="0"/>
-              <a:t>2025. 05. 06.</a:t>
+              <a:t>2025. 05. 07.</a:t>
             </a:fld>
             <a:endParaRPr lang="hu-HU"/>
           </a:p>
@@ -3271,7 +3271,7 @@
           <a:p>
             <a:fld id="{6C62EFB0-7CE6-9A42-B406-CD1B830524DB}" type="datetime1">
               <a:rPr lang="hu-HU" smtClean="0"/>
-              <a:t>2025. 05. 06.</a:t>
+              <a:t>2025. 05. 07.</a:t>
             </a:fld>
             <a:endParaRPr lang="hu-HU"/>
           </a:p>
@@ -5079,24 +5079,8 @@
           <a:p>
             <a:r>
               <a:rPr lang="hu-HU" sz="2200" dirty="0"/>
-              <a:t>TODO: 7.dia HAS-</a:t>
-            </a:r>
-            <a:r>
-              <a:rPr lang="hu-HU" sz="2200" dirty="0" err="1"/>
-              <a:t>ról</a:t>
-            </a:r>
-            <a:r>
-              <a:rPr lang="hu-HU" sz="2200" dirty="0"/>
-              <a:t> képek, kitekintés megírása, többségi szavazáshoz ábra, F1 érték </a:t>
-            </a:r>
-            <a:r>
-              <a:rPr lang="hu-HU" sz="2200"/>
-              <a:t>klaszterenként ábra újra</a:t>
-            </a:r>
-            <a:endParaRPr lang="hu-HU" sz="2200" dirty="0"/>
-          </a:p>
-          <a:p>
-            <a:endParaRPr lang="hu-HU" sz="2200" dirty="0"/>
+              <a:t>TODO: kitekintés megírása, diaszám</a:t>
+            </a:r>
           </a:p>
         </p:txBody>
       </p:sp>
@@ -5140,7 +5124,7 @@
                   <a:spcPts val="600"/>
                 </a:spcAft>
               </a:pPr>
-              <a:t>2025. 05. 06.</a:t>
+              <a:t>2025. 05. 07.</a:t>
             </a:fld>
             <a:endParaRPr lang="hu-HU"/>
           </a:p>
@@ -6619,7 +6603,7 @@
                   <a:spcPts val="600"/>
                 </a:spcAft>
               </a:pPr>
-              <a:t>2025. 05. 06.</a:t>
+              <a:t>2025. 05. 07.</a:t>
             </a:fld>
             <a:endParaRPr lang="hu-HU"/>
           </a:p>
@@ -7315,7 +7299,7 @@
             </a:pPr>
             <a:fld id="{3CE8E417-EEEF-F440-8154-5657BA807881}" type="datetime1">
               <a:rPr lang="hu-HU" smtClean="0"/>
-              <a:t>2025. 05. 06.</a:t>
+              <a:t>2025. 05. 07.</a:t>
             </a:fld>
             <a:endParaRPr lang="hu-HU"/>
           </a:p>
@@ -8264,7 +8248,7 @@
             </a:pPr>
             <a:fld id="{CE5796CF-F91D-8A43-BBA8-BA92F2D3E001}" type="datetime1">
               <a:rPr lang="hu-HU" smtClean="0"/>
-              <a:t>2025. 05. 06.</a:t>
+              <a:t>2025. 05. 07.</a:t>
             </a:fld>
             <a:endParaRPr lang="hu-HU"/>
           </a:p>
@@ -8831,7 +8815,7 @@
             </a:pPr>
             <a:fld id="{F6C20065-8D22-D348-8CD3-A180C3961739}" type="datetime1">
               <a:rPr lang="hu-HU" smtClean="0"/>
-              <a:t>2025. 05. 06.</a:t>
+              <a:t>2025. 05. 07.</a:t>
             </a:fld>
             <a:endParaRPr lang="hu-HU"/>
           </a:p>
@@ -8953,774 +8937,71 @@
           <a:chExt cx="0" cy="0"/>
         </a:xfrm>
       </p:grpSpPr>
-      <p:sp useBgFill="1">
-        <p:nvSpPr>
-          <p:cNvPr id="11" name="Rectangle 10">
-            <a:extLst>
-              <a:ext uri="{FF2B5EF4-FFF2-40B4-BE49-F238E27FC236}">
-                <a16:creationId xmlns:a16="http://schemas.microsoft.com/office/drawing/2014/main" id="{100EDD19-6802-4EC3-95CE-CFFAB042CFD6}"/>
-              </a:ext>
-              <a:ext uri="{C183D7F6-B498-43B3-948B-1728B52AA6E4}">
-                <adec:decorative xmlns:adec="http://schemas.microsoft.com/office/drawing/2017/decorative" val="1"/>
-              </a:ext>
-            </a:extLst>
-          </p:cNvPr>
-          <p:cNvSpPr>
-            <a:spLocks noGrp="1" noRot="1" noChangeAspect="1" noMove="1" noResize="1" noEditPoints="1" noAdjustHandles="1" noChangeArrowheads="1" noChangeShapeType="1" noTextEdit="1"/>
-          </p:cNvSpPr>
-          <p:nvPr>
-            <p:extLst>
-              <p:ext uri="{386F3935-93C4-4BCD-93E2-E3B085C9AB24}">
-                <p16:designElem xmlns:p16="http://schemas.microsoft.com/office/powerpoint/2015/main" val="1"/>
-              </p:ext>
-            </p:extLst>
+      <p:sp>
+        <p:nvSpPr>
+          <p:cNvPr id="2" name="Cím 1">
+            <a:extLst>
+              <a:ext uri="{FF2B5EF4-FFF2-40B4-BE49-F238E27FC236}">
+                <a16:creationId xmlns:a16="http://schemas.microsoft.com/office/drawing/2014/main" id="{04497B56-7986-020E-C58E-EF68F5995859}"/>
+              </a:ext>
+            </a:extLst>
+          </p:cNvPr>
+          <p:cNvSpPr>
+            <a:spLocks noGrp="1"/>
+          </p:cNvSpPr>
+          <p:nvPr>
+            <p:ph type="title"/>
           </p:nvPr>
         </p:nvSpPr>
         <p:spPr>
           <a:xfrm>
-            <a:off x="0" y="0"/>
-            <a:ext cx="12188952" cy="6858000"/>
+            <a:off x="876693" y="741391"/>
+            <a:ext cx="3455821" cy="1616203"/>
+          </a:xfrm>
+        </p:spPr>
+        <p:txBody>
+          <a:bodyPr anchor="b">
+            <a:normAutofit/>
+          </a:bodyPr>
+          <a:lstStyle/>
+          <a:p>
+            <a:r>
+              <a:rPr lang="hu-HU" sz="3200"/>
+              <a:t>Többségi szavazás idősor szegmentáláshoz</a:t>
+            </a:r>
+          </a:p>
+        </p:txBody>
+      </p:sp>
+      <p:pic>
+        <p:nvPicPr>
+          <p:cNvPr id="8" name="Tartalom helye 7">
+            <a:extLst>
+              <a:ext uri="{FF2B5EF4-FFF2-40B4-BE49-F238E27FC236}">
+                <a16:creationId xmlns:a16="http://schemas.microsoft.com/office/drawing/2014/main" id="{1DC4AF57-EAA9-5E0B-630B-A1B76B1D37A5}"/>
+              </a:ext>
+            </a:extLst>
+          </p:cNvPr>
+          <p:cNvPicPr>
+            <a:picLocks noChangeAspect="1"/>
+          </p:cNvPicPr>
+          <p:nvPr/>
+        </p:nvPicPr>
+        <p:blipFill>
+          <a:blip r:embed="rId2"/>
+          <a:stretch>
+            <a:fillRect/>
+          </a:stretch>
+        </p:blipFill>
+        <p:spPr>
+          <a:xfrm>
+            <a:off x="4102406" y="524033"/>
+            <a:ext cx="7619584" cy="5809933"/>
           </a:xfrm>
           <a:prstGeom prst="rect">
             <a:avLst/>
           </a:prstGeom>
-          <a:ln>
-            <a:noFill/>
-          </a:ln>
         </p:spPr>
-        <p:style>
-          <a:lnRef idx="2">
-            <a:schemeClr val="accent1">
-              <a:shade val="50000"/>
-            </a:schemeClr>
-          </a:lnRef>
-          <a:fillRef idx="1">
-            <a:schemeClr val="accent1"/>
-          </a:fillRef>
-          <a:effectRef idx="0">
-            <a:schemeClr val="accent1"/>
-          </a:effectRef>
-          <a:fontRef idx="minor">
-            <a:schemeClr val="lt1"/>
-          </a:fontRef>
-        </p:style>
-        <p:txBody>
-          <a:bodyPr rtlCol="0" anchor="ctr"/>
-          <a:lstStyle/>
-          <a:p>
-            <a:pPr algn="ctr"/>
-            <a:endParaRPr lang="en-US"/>
-          </a:p>
-        </p:txBody>
-      </p:sp>
-      <p:sp>
-        <p:nvSpPr>
-          <p:cNvPr id="2" name="Cím 1">
-            <a:extLst>
-              <a:ext uri="{FF2B5EF4-FFF2-40B4-BE49-F238E27FC236}">
-                <a16:creationId xmlns:a16="http://schemas.microsoft.com/office/drawing/2014/main" id="{04497B56-7986-020E-C58E-EF68F5995859}"/>
-              </a:ext>
-            </a:extLst>
-          </p:cNvPr>
-          <p:cNvSpPr>
-            <a:spLocks noGrp="1"/>
-          </p:cNvSpPr>
-          <p:nvPr>
-            <p:ph type="title"/>
-          </p:nvPr>
-        </p:nvSpPr>
-        <p:spPr>
-          <a:xfrm>
-            <a:off x="838200" y="365125"/>
-            <a:ext cx="10515600" cy="1325563"/>
-          </a:xfrm>
-        </p:spPr>
-        <p:txBody>
-          <a:bodyPr>
-            <a:normAutofit/>
-          </a:bodyPr>
-          <a:lstStyle/>
-          <a:p>
-            <a:r>
-              <a:rPr lang="hu-HU" sz="4600"/>
-              <a:t>Többségi szavazás idősor szegmentáláshoz</a:t>
-            </a:r>
-          </a:p>
-        </p:txBody>
-      </p:sp>
-      <p:sp>
-        <p:nvSpPr>
-          <p:cNvPr id="13" name="sketch line">
-            <a:extLst>
-              <a:ext uri="{FF2B5EF4-FFF2-40B4-BE49-F238E27FC236}">
-                <a16:creationId xmlns:a16="http://schemas.microsoft.com/office/drawing/2014/main" id="{DB17E863-922E-4C26-BD64-E8FD41D28661}"/>
-              </a:ext>
-              <a:ext uri="{C183D7F6-B498-43B3-948B-1728B52AA6E4}">
-                <adec:decorative xmlns:adec="http://schemas.microsoft.com/office/drawing/2017/decorative" val="1"/>
-              </a:ext>
-            </a:extLst>
-          </p:cNvPr>
-          <p:cNvSpPr>
-            <a:spLocks noGrp="1" noRot="1" noChangeAspect="1" noMove="1" noResize="1" noEditPoints="1" noAdjustHandles="1" noChangeArrowheads="1" noChangeShapeType="1" noTextEdit="1"/>
-          </p:cNvSpPr>
-          <p:nvPr>
-            <p:extLst>
-              <p:ext uri="{386F3935-93C4-4BCD-93E2-E3B085C9AB24}">
-                <p16:designElem xmlns:p16="http://schemas.microsoft.com/office/powerpoint/2015/main" val="1"/>
-              </p:ext>
-            </p:extLst>
-          </p:nvPr>
-        </p:nvSpPr>
-        <p:spPr>
-          <a:xfrm>
-            <a:off x="669036" y="1677373"/>
-            <a:ext cx="10853928" cy="18288"/>
-          </a:xfrm>
-          <a:custGeom>
-            <a:avLst/>
-            <a:gdLst>
-              <a:gd name="connsiteX0" fmla="*/ 0 w 10853928"/>
-              <a:gd name="connsiteY0" fmla="*/ 0 h 18288"/>
-              <a:gd name="connsiteX1" fmla="*/ 461292 w 10853928"/>
-              <a:gd name="connsiteY1" fmla="*/ 0 h 18288"/>
-              <a:gd name="connsiteX2" fmla="*/ 1139662 w 10853928"/>
-              <a:gd name="connsiteY2" fmla="*/ 0 h 18288"/>
-              <a:gd name="connsiteX3" fmla="*/ 1926572 w 10853928"/>
-              <a:gd name="connsiteY3" fmla="*/ 0 h 18288"/>
-              <a:gd name="connsiteX4" fmla="*/ 2279325 w 10853928"/>
-              <a:gd name="connsiteY4" fmla="*/ 0 h 18288"/>
-              <a:gd name="connsiteX5" fmla="*/ 2632078 w 10853928"/>
-              <a:gd name="connsiteY5" fmla="*/ 0 h 18288"/>
-              <a:gd name="connsiteX6" fmla="*/ 3527527 w 10853928"/>
-              <a:gd name="connsiteY6" fmla="*/ 0 h 18288"/>
-              <a:gd name="connsiteX7" fmla="*/ 4205897 w 10853928"/>
-              <a:gd name="connsiteY7" fmla="*/ 0 h 18288"/>
-              <a:gd name="connsiteX8" fmla="*/ 4558650 w 10853928"/>
-              <a:gd name="connsiteY8" fmla="*/ 0 h 18288"/>
-              <a:gd name="connsiteX9" fmla="*/ 5237020 w 10853928"/>
-              <a:gd name="connsiteY9" fmla="*/ 0 h 18288"/>
-              <a:gd name="connsiteX10" fmla="*/ 6132469 w 10853928"/>
-              <a:gd name="connsiteY10" fmla="*/ 0 h 18288"/>
-              <a:gd name="connsiteX11" fmla="*/ 6702301 w 10853928"/>
-              <a:gd name="connsiteY11" fmla="*/ 0 h 18288"/>
-              <a:gd name="connsiteX12" fmla="*/ 7272132 w 10853928"/>
-              <a:gd name="connsiteY12" fmla="*/ 0 h 18288"/>
-              <a:gd name="connsiteX13" fmla="*/ 7950502 w 10853928"/>
-              <a:gd name="connsiteY13" fmla="*/ 0 h 18288"/>
-              <a:gd name="connsiteX14" fmla="*/ 8737412 w 10853928"/>
-              <a:gd name="connsiteY14" fmla="*/ 0 h 18288"/>
-              <a:gd name="connsiteX15" fmla="*/ 9524322 w 10853928"/>
-              <a:gd name="connsiteY15" fmla="*/ 0 h 18288"/>
-              <a:gd name="connsiteX16" fmla="*/ 10853928 w 10853928"/>
-              <a:gd name="connsiteY16" fmla="*/ 0 h 18288"/>
-              <a:gd name="connsiteX17" fmla="*/ 10853928 w 10853928"/>
-              <a:gd name="connsiteY17" fmla="*/ 18288 h 18288"/>
-              <a:gd name="connsiteX18" fmla="*/ 10392636 w 10853928"/>
-              <a:gd name="connsiteY18" fmla="*/ 18288 h 18288"/>
-              <a:gd name="connsiteX19" fmla="*/ 9497187 w 10853928"/>
-              <a:gd name="connsiteY19" fmla="*/ 18288 h 18288"/>
-              <a:gd name="connsiteX20" fmla="*/ 8818817 w 10853928"/>
-              <a:gd name="connsiteY20" fmla="*/ 18288 h 18288"/>
-              <a:gd name="connsiteX21" fmla="*/ 8466064 w 10853928"/>
-              <a:gd name="connsiteY21" fmla="*/ 18288 h 18288"/>
-              <a:gd name="connsiteX22" fmla="*/ 7787693 w 10853928"/>
-              <a:gd name="connsiteY22" fmla="*/ 18288 h 18288"/>
-              <a:gd name="connsiteX23" fmla="*/ 7217862 w 10853928"/>
-              <a:gd name="connsiteY23" fmla="*/ 18288 h 18288"/>
-              <a:gd name="connsiteX24" fmla="*/ 6648031 w 10853928"/>
-              <a:gd name="connsiteY24" fmla="*/ 18288 h 18288"/>
-              <a:gd name="connsiteX25" fmla="*/ 6078200 w 10853928"/>
-              <a:gd name="connsiteY25" fmla="*/ 18288 h 18288"/>
-              <a:gd name="connsiteX26" fmla="*/ 5508368 w 10853928"/>
-              <a:gd name="connsiteY26" fmla="*/ 18288 h 18288"/>
-              <a:gd name="connsiteX27" fmla="*/ 4721459 w 10853928"/>
-              <a:gd name="connsiteY27" fmla="*/ 18288 h 18288"/>
-              <a:gd name="connsiteX28" fmla="*/ 4043088 w 10853928"/>
-              <a:gd name="connsiteY28" fmla="*/ 18288 h 18288"/>
-              <a:gd name="connsiteX29" fmla="*/ 3690336 w 10853928"/>
-              <a:gd name="connsiteY29" fmla="*/ 18288 h 18288"/>
-              <a:gd name="connsiteX30" fmla="*/ 3120504 w 10853928"/>
-              <a:gd name="connsiteY30" fmla="*/ 18288 h 18288"/>
-              <a:gd name="connsiteX31" fmla="*/ 2333595 w 10853928"/>
-              <a:gd name="connsiteY31" fmla="*/ 18288 h 18288"/>
-              <a:gd name="connsiteX32" fmla="*/ 1872303 w 10853928"/>
-              <a:gd name="connsiteY32" fmla="*/ 18288 h 18288"/>
-              <a:gd name="connsiteX33" fmla="*/ 976854 w 10853928"/>
-              <a:gd name="connsiteY33" fmla="*/ 18288 h 18288"/>
-              <a:gd name="connsiteX34" fmla="*/ 0 w 10853928"/>
-              <a:gd name="connsiteY34" fmla="*/ 18288 h 18288"/>
-              <a:gd name="connsiteX35" fmla="*/ 0 w 10853928"/>
-              <a:gd name="connsiteY35" fmla="*/ 0 h 18288"/>
-            </a:gdLst>
-            <a:ahLst/>
-            <a:cxnLst>
-              <a:cxn ang="0">
-                <a:pos x="connsiteX0" y="connsiteY0"/>
-              </a:cxn>
-              <a:cxn ang="0">
-                <a:pos x="connsiteX1" y="connsiteY1"/>
-              </a:cxn>
-              <a:cxn ang="0">
-                <a:pos x="connsiteX2" y="connsiteY2"/>
-              </a:cxn>
-              <a:cxn ang="0">
-                <a:pos x="connsiteX3" y="connsiteY3"/>
-              </a:cxn>
-              <a:cxn ang="0">
-                <a:pos x="connsiteX4" y="connsiteY4"/>
-              </a:cxn>
-              <a:cxn ang="0">
-                <a:pos x="connsiteX5" y="connsiteY5"/>
-              </a:cxn>
-              <a:cxn ang="0">
-                <a:pos x="connsiteX6" y="connsiteY6"/>
-              </a:cxn>
-              <a:cxn ang="0">
-                <a:pos x="connsiteX7" y="connsiteY7"/>
-              </a:cxn>
-              <a:cxn ang="0">
-                <a:pos x="connsiteX8" y="connsiteY8"/>
-              </a:cxn>
-              <a:cxn ang="0">
-                <a:pos x="connsiteX9" y="connsiteY9"/>
-              </a:cxn>
-              <a:cxn ang="0">
-                <a:pos x="connsiteX10" y="connsiteY10"/>
-              </a:cxn>
-              <a:cxn ang="0">
-                <a:pos x="connsiteX11" y="connsiteY11"/>
-              </a:cxn>
-              <a:cxn ang="0">
-                <a:pos x="connsiteX12" y="connsiteY12"/>
-              </a:cxn>
-              <a:cxn ang="0">
-                <a:pos x="connsiteX13" y="connsiteY13"/>
-              </a:cxn>
-              <a:cxn ang="0">
-                <a:pos x="connsiteX14" y="connsiteY14"/>
-              </a:cxn>
-              <a:cxn ang="0">
-                <a:pos x="connsiteX15" y="connsiteY15"/>
-              </a:cxn>
-              <a:cxn ang="0">
-                <a:pos x="connsiteX16" y="connsiteY16"/>
-              </a:cxn>
-              <a:cxn ang="0">
-                <a:pos x="connsiteX17" y="connsiteY17"/>
-              </a:cxn>
-              <a:cxn ang="0">
-                <a:pos x="connsiteX18" y="connsiteY18"/>
-              </a:cxn>
-              <a:cxn ang="0">
-                <a:pos x="connsiteX19" y="connsiteY19"/>
-              </a:cxn>
-              <a:cxn ang="0">
-                <a:pos x="connsiteX20" y="connsiteY20"/>
-              </a:cxn>
-              <a:cxn ang="0">
-                <a:pos x="connsiteX21" y="connsiteY21"/>
-              </a:cxn>
-              <a:cxn ang="0">
-                <a:pos x="connsiteX22" y="connsiteY22"/>
-              </a:cxn>
-              <a:cxn ang="0">
-                <a:pos x="connsiteX23" y="connsiteY23"/>
-              </a:cxn>
-              <a:cxn ang="0">
-                <a:pos x="connsiteX24" y="connsiteY24"/>
-              </a:cxn>
-              <a:cxn ang="0">
-                <a:pos x="connsiteX25" y="connsiteY25"/>
-              </a:cxn>
-              <a:cxn ang="0">
-                <a:pos x="connsiteX26" y="connsiteY26"/>
-              </a:cxn>
-              <a:cxn ang="0">
-                <a:pos x="connsiteX27" y="connsiteY27"/>
-              </a:cxn>
-              <a:cxn ang="0">
-                <a:pos x="connsiteX28" y="connsiteY28"/>
-              </a:cxn>
-              <a:cxn ang="0">
-                <a:pos x="connsiteX29" y="connsiteY29"/>
-              </a:cxn>
-              <a:cxn ang="0">
-                <a:pos x="connsiteX30" y="connsiteY30"/>
-              </a:cxn>
-              <a:cxn ang="0">
-                <a:pos x="connsiteX31" y="connsiteY31"/>
-              </a:cxn>
-              <a:cxn ang="0">
-                <a:pos x="connsiteX32" y="connsiteY32"/>
-              </a:cxn>
-              <a:cxn ang="0">
-                <a:pos x="connsiteX33" y="connsiteY33"/>
-              </a:cxn>
-              <a:cxn ang="0">
-                <a:pos x="connsiteX34" y="connsiteY34"/>
-              </a:cxn>
-              <a:cxn ang="0">
-                <a:pos x="connsiteX35" y="connsiteY35"/>
-              </a:cxn>
-            </a:cxnLst>
-            <a:rect l="l" t="t" r="r" b="b"/>
-            <a:pathLst>
-              <a:path w="10853928" h="18288" fill="none" extrusionOk="0">
-                <a:moveTo>
-                  <a:pt x="0" y="0"/>
-                </a:moveTo>
-                <a:cubicBezTo>
-                  <a:pt x="146993" y="-19076"/>
-                  <a:pt x="347684" y="-4790"/>
-                  <a:pt x="461292" y="0"/>
-                </a:cubicBezTo>
-                <a:cubicBezTo>
-                  <a:pt x="574900" y="4790"/>
-                  <a:pt x="808367" y="19821"/>
-                  <a:pt x="1139662" y="0"/>
-                </a:cubicBezTo>
-                <a:cubicBezTo>
-                  <a:pt x="1470957" y="-19821"/>
-                  <a:pt x="1627405" y="5721"/>
-                  <a:pt x="1926572" y="0"/>
-                </a:cubicBezTo>
-                <a:cubicBezTo>
-                  <a:pt x="2225739" y="-5721"/>
-                  <a:pt x="2137730" y="-3235"/>
-                  <a:pt x="2279325" y="0"/>
-                </a:cubicBezTo>
-                <a:cubicBezTo>
-                  <a:pt x="2420920" y="3235"/>
-                  <a:pt x="2456518" y="9685"/>
-                  <a:pt x="2632078" y="0"/>
-                </a:cubicBezTo>
-                <a:cubicBezTo>
-                  <a:pt x="2807638" y="-9685"/>
-                  <a:pt x="3211516" y="-43007"/>
-                  <a:pt x="3527527" y="0"/>
-                </a:cubicBezTo>
-                <a:cubicBezTo>
-                  <a:pt x="3843538" y="43007"/>
-                  <a:pt x="4058833" y="22042"/>
-                  <a:pt x="4205897" y="0"/>
-                </a:cubicBezTo>
-                <a:cubicBezTo>
-                  <a:pt x="4352961" y="-22042"/>
-                  <a:pt x="4474805" y="-11846"/>
-                  <a:pt x="4558650" y="0"/>
-                </a:cubicBezTo>
-                <a:cubicBezTo>
-                  <a:pt x="4642495" y="11846"/>
-                  <a:pt x="5041928" y="-6069"/>
-                  <a:pt x="5237020" y="0"/>
-                </a:cubicBezTo>
-                <a:cubicBezTo>
-                  <a:pt x="5432112" y="6069"/>
-                  <a:pt x="5943266" y="-17479"/>
-                  <a:pt x="6132469" y="0"/>
-                </a:cubicBezTo>
-                <a:cubicBezTo>
-                  <a:pt x="6321672" y="17479"/>
-                  <a:pt x="6483872" y="26234"/>
-                  <a:pt x="6702301" y="0"/>
-                </a:cubicBezTo>
-                <a:cubicBezTo>
-                  <a:pt x="6920730" y="-26234"/>
-                  <a:pt x="6991194" y="-15156"/>
-                  <a:pt x="7272132" y="0"/>
-                </a:cubicBezTo>
-                <a:cubicBezTo>
-                  <a:pt x="7553070" y="15156"/>
-                  <a:pt x="7684444" y="-32961"/>
-                  <a:pt x="7950502" y="0"/>
-                </a:cubicBezTo>
-                <a:cubicBezTo>
-                  <a:pt x="8216560" y="32961"/>
-                  <a:pt x="8493290" y="-10491"/>
-                  <a:pt x="8737412" y="0"/>
-                </a:cubicBezTo>
-                <a:cubicBezTo>
-                  <a:pt x="8981534" y="10491"/>
-                  <a:pt x="9191586" y="-13899"/>
-                  <a:pt x="9524322" y="0"/>
-                </a:cubicBezTo>
-                <a:cubicBezTo>
-                  <a:pt x="9857058" y="13899"/>
-                  <a:pt x="10297509" y="7485"/>
-                  <a:pt x="10853928" y="0"/>
-                </a:cubicBezTo>
-                <a:cubicBezTo>
-                  <a:pt x="10854574" y="4451"/>
-                  <a:pt x="10854418" y="9226"/>
-                  <a:pt x="10853928" y="18288"/>
-                </a:cubicBezTo>
-                <a:cubicBezTo>
-                  <a:pt x="10691638" y="28522"/>
-                  <a:pt x="10574319" y="29578"/>
-                  <a:pt x="10392636" y="18288"/>
-                </a:cubicBezTo>
-                <a:cubicBezTo>
-                  <a:pt x="10210953" y="6998"/>
-                  <a:pt x="9836277" y="-16742"/>
-                  <a:pt x="9497187" y="18288"/>
-                </a:cubicBezTo>
-                <a:cubicBezTo>
-                  <a:pt x="9158097" y="53318"/>
-                  <a:pt x="9119479" y="30714"/>
-                  <a:pt x="8818817" y="18288"/>
-                </a:cubicBezTo>
-                <a:cubicBezTo>
-                  <a:pt x="8518155" y="5863"/>
-                  <a:pt x="8640037" y="6483"/>
-                  <a:pt x="8466064" y="18288"/>
-                </a:cubicBezTo>
-                <a:cubicBezTo>
-                  <a:pt x="8292091" y="30093"/>
-                  <a:pt x="7997656" y="18914"/>
-                  <a:pt x="7787693" y="18288"/>
-                </a:cubicBezTo>
-                <a:cubicBezTo>
-                  <a:pt x="7577730" y="17662"/>
-                  <a:pt x="7412468" y="21416"/>
-                  <a:pt x="7217862" y="18288"/>
-                </a:cubicBezTo>
-                <a:cubicBezTo>
-                  <a:pt x="7023256" y="15160"/>
-                  <a:pt x="6898018" y="14824"/>
-                  <a:pt x="6648031" y="18288"/>
-                </a:cubicBezTo>
-                <a:cubicBezTo>
-                  <a:pt x="6398044" y="21752"/>
-                  <a:pt x="6254402" y="38625"/>
-                  <a:pt x="6078200" y="18288"/>
-                </a:cubicBezTo>
-                <a:cubicBezTo>
-                  <a:pt x="5901998" y="-2049"/>
-                  <a:pt x="5622886" y="3213"/>
-                  <a:pt x="5508368" y="18288"/>
-                </a:cubicBezTo>
-                <a:cubicBezTo>
-                  <a:pt x="5393850" y="33363"/>
-                  <a:pt x="5036260" y="26830"/>
-                  <a:pt x="4721459" y="18288"/>
-                </a:cubicBezTo>
-                <a:cubicBezTo>
-                  <a:pt x="4406658" y="9746"/>
-                  <a:pt x="4239221" y="41551"/>
-                  <a:pt x="4043088" y="18288"/>
-                </a:cubicBezTo>
-                <a:cubicBezTo>
-                  <a:pt x="3846955" y="-4975"/>
-                  <a:pt x="3818802" y="34658"/>
-                  <a:pt x="3690336" y="18288"/>
-                </a:cubicBezTo>
-                <a:cubicBezTo>
-                  <a:pt x="3561870" y="1918"/>
-                  <a:pt x="3265491" y="42194"/>
-                  <a:pt x="3120504" y="18288"/>
-                </a:cubicBezTo>
-                <a:cubicBezTo>
-                  <a:pt x="2975517" y="-5618"/>
-                  <a:pt x="2720254" y="36673"/>
-                  <a:pt x="2333595" y="18288"/>
-                </a:cubicBezTo>
-                <a:cubicBezTo>
-                  <a:pt x="1946936" y="-97"/>
-                  <a:pt x="2097241" y="5776"/>
-                  <a:pt x="1872303" y="18288"/>
-                </a:cubicBezTo>
-                <a:cubicBezTo>
-                  <a:pt x="1647365" y="30800"/>
-                  <a:pt x="1282708" y="45380"/>
-                  <a:pt x="976854" y="18288"/>
-                </a:cubicBezTo>
-                <a:cubicBezTo>
-                  <a:pt x="671000" y="-8804"/>
-                  <a:pt x="408401" y="-12775"/>
-                  <a:pt x="0" y="18288"/>
-                </a:cubicBezTo>
-                <a:cubicBezTo>
-                  <a:pt x="-213" y="9468"/>
-                  <a:pt x="187" y="4459"/>
-                  <a:pt x="0" y="0"/>
-                </a:cubicBezTo>
-                <a:close/>
-              </a:path>
-              <a:path w="10853928" h="18288" stroke="0" extrusionOk="0">
-                <a:moveTo>
-                  <a:pt x="0" y="0"/>
-                </a:moveTo>
-                <a:cubicBezTo>
-                  <a:pt x="267322" y="15284"/>
-                  <a:pt x="415388" y="-21048"/>
-                  <a:pt x="569831" y="0"/>
-                </a:cubicBezTo>
-                <a:cubicBezTo>
-                  <a:pt x="724274" y="21048"/>
-                  <a:pt x="769333" y="-2353"/>
-                  <a:pt x="922584" y="0"/>
-                </a:cubicBezTo>
-                <a:cubicBezTo>
-                  <a:pt x="1075835" y="2353"/>
-                  <a:pt x="1399490" y="-145"/>
-                  <a:pt x="1818033" y="0"/>
-                </a:cubicBezTo>
-                <a:cubicBezTo>
-                  <a:pt x="2236576" y="145"/>
-                  <a:pt x="2145330" y="5482"/>
-                  <a:pt x="2387864" y="0"/>
-                </a:cubicBezTo>
-                <a:cubicBezTo>
-                  <a:pt x="2630398" y="-5482"/>
-                  <a:pt x="2793207" y="18487"/>
-                  <a:pt x="2957695" y="0"/>
-                </a:cubicBezTo>
-                <a:cubicBezTo>
-                  <a:pt x="3122183" y="-18487"/>
-                  <a:pt x="3579141" y="19003"/>
-                  <a:pt x="3853144" y="0"/>
-                </a:cubicBezTo>
-                <a:cubicBezTo>
-                  <a:pt x="4127147" y="-19003"/>
-                  <a:pt x="4209857" y="12211"/>
-                  <a:pt x="4314436" y="0"/>
-                </a:cubicBezTo>
-                <a:cubicBezTo>
-                  <a:pt x="4419015" y="-12211"/>
-                  <a:pt x="4762459" y="-17220"/>
-                  <a:pt x="5209885" y="0"/>
-                </a:cubicBezTo>
-                <a:cubicBezTo>
-                  <a:pt x="5657311" y="17220"/>
-                  <a:pt x="5692663" y="-3290"/>
-                  <a:pt x="6105335" y="0"/>
-                </a:cubicBezTo>
-                <a:cubicBezTo>
-                  <a:pt x="6518007" y="3290"/>
-                  <a:pt x="6455516" y="-5124"/>
-                  <a:pt x="6783705" y="0"/>
-                </a:cubicBezTo>
-                <a:cubicBezTo>
-                  <a:pt x="7111894" y="5124"/>
-                  <a:pt x="7441941" y="-17829"/>
-                  <a:pt x="7679154" y="0"/>
-                </a:cubicBezTo>
-                <a:cubicBezTo>
-                  <a:pt x="7916367" y="17829"/>
-                  <a:pt x="8102967" y="-24363"/>
-                  <a:pt x="8248985" y="0"/>
-                </a:cubicBezTo>
-                <a:cubicBezTo>
-                  <a:pt x="8395003" y="24363"/>
-                  <a:pt x="8552393" y="25505"/>
-                  <a:pt x="8818817" y="0"/>
-                </a:cubicBezTo>
-                <a:cubicBezTo>
-                  <a:pt x="9085241" y="-25505"/>
-                  <a:pt x="9411308" y="38000"/>
-                  <a:pt x="9605726" y="0"/>
-                </a:cubicBezTo>
-                <a:cubicBezTo>
-                  <a:pt x="9800144" y="-38000"/>
-                  <a:pt x="10006468" y="-25741"/>
-                  <a:pt x="10175558" y="0"/>
-                </a:cubicBezTo>
-                <a:cubicBezTo>
-                  <a:pt x="10344648" y="25741"/>
-                  <a:pt x="10696282" y="695"/>
-                  <a:pt x="10853928" y="0"/>
-                </a:cubicBezTo>
-                <a:cubicBezTo>
-                  <a:pt x="10853521" y="8690"/>
-                  <a:pt x="10853774" y="14141"/>
-                  <a:pt x="10853928" y="18288"/>
-                </a:cubicBezTo>
-                <a:cubicBezTo>
-                  <a:pt x="10608124" y="24255"/>
-                  <a:pt x="10343415" y="22307"/>
-                  <a:pt x="10067018" y="18288"/>
-                </a:cubicBezTo>
-                <a:cubicBezTo>
-                  <a:pt x="9790621" y="14270"/>
-                  <a:pt x="9843266" y="3564"/>
-                  <a:pt x="9714266" y="18288"/>
-                </a:cubicBezTo>
-                <a:cubicBezTo>
-                  <a:pt x="9585266" y="33012"/>
-                  <a:pt x="9379484" y="1875"/>
-                  <a:pt x="9252974" y="18288"/>
-                </a:cubicBezTo>
-                <a:cubicBezTo>
-                  <a:pt x="9126464" y="34701"/>
-                  <a:pt x="8580678" y="-4904"/>
-                  <a:pt x="8357525" y="18288"/>
-                </a:cubicBezTo>
-                <a:cubicBezTo>
-                  <a:pt x="8134372" y="41480"/>
-                  <a:pt x="7903199" y="26458"/>
-                  <a:pt x="7679154" y="18288"/>
-                </a:cubicBezTo>
-                <a:cubicBezTo>
-                  <a:pt x="7455109" y="10118"/>
-                  <a:pt x="7435944" y="27109"/>
-                  <a:pt x="7217862" y="18288"/>
-                </a:cubicBezTo>
-                <a:cubicBezTo>
-                  <a:pt x="6999780" y="9467"/>
-                  <a:pt x="6680409" y="18985"/>
-                  <a:pt x="6539492" y="18288"/>
-                </a:cubicBezTo>
-                <a:cubicBezTo>
-                  <a:pt x="6398575" y="17592"/>
-                  <a:pt x="6312077" y="33018"/>
-                  <a:pt x="6186739" y="18288"/>
-                </a:cubicBezTo>
-                <a:cubicBezTo>
-                  <a:pt x="6061401" y="3558"/>
-                  <a:pt x="5947033" y="12075"/>
-                  <a:pt x="5833986" y="18288"/>
-                </a:cubicBezTo>
-                <a:cubicBezTo>
-                  <a:pt x="5720939" y="24501"/>
-                  <a:pt x="5482226" y="8586"/>
-                  <a:pt x="5155616" y="18288"/>
-                </a:cubicBezTo>
-                <a:cubicBezTo>
-                  <a:pt x="4829006" y="27991"/>
-                  <a:pt x="4841274" y="29316"/>
-                  <a:pt x="4694324" y="18288"/>
-                </a:cubicBezTo>
-                <a:cubicBezTo>
-                  <a:pt x="4547374" y="7260"/>
-                  <a:pt x="4077675" y="7013"/>
-                  <a:pt x="3907414" y="18288"/>
-                </a:cubicBezTo>
-                <a:cubicBezTo>
-                  <a:pt x="3737153" y="29564"/>
-                  <a:pt x="3538393" y="21630"/>
-                  <a:pt x="3446122" y="18288"/>
-                </a:cubicBezTo>
-                <a:cubicBezTo>
-                  <a:pt x="3353851" y="14946"/>
-                  <a:pt x="2990320" y="-8091"/>
-                  <a:pt x="2659212" y="18288"/>
-                </a:cubicBezTo>
-                <a:cubicBezTo>
-                  <a:pt x="2328104" y="44667"/>
-                  <a:pt x="2427653" y="9607"/>
-                  <a:pt x="2306460" y="18288"/>
-                </a:cubicBezTo>
-                <a:cubicBezTo>
-                  <a:pt x="2185267" y="26969"/>
-                  <a:pt x="1719763" y="3717"/>
-                  <a:pt x="1519550" y="18288"/>
-                </a:cubicBezTo>
-                <a:cubicBezTo>
-                  <a:pt x="1319337" y="32860"/>
-                  <a:pt x="1167371" y="17040"/>
-                  <a:pt x="1058258" y="18288"/>
-                </a:cubicBezTo>
-                <a:cubicBezTo>
-                  <a:pt x="949145" y="19536"/>
-                  <a:pt x="780234" y="31447"/>
-                  <a:pt x="705505" y="18288"/>
-                </a:cubicBezTo>
-                <a:cubicBezTo>
-                  <a:pt x="630776" y="5129"/>
-                  <a:pt x="215796" y="30056"/>
-                  <a:pt x="0" y="18288"/>
-                </a:cubicBezTo>
-                <a:cubicBezTo>
-                  <a:pt x="-53" y="11301"/>
-                  <a:pt x="-649" y="7756"/>
-                  <a:pt x="0" y="0"/>
-                </a:cubicBezTo>
-                <a:close/>
-              </a:path>
-            </a:pathLst>
-          </a:custGeom>
-          <a:solidFill>
-            <a:schemeClr val="accent2"/>
-          </a:solidFill>
-          <a:ln w="41275" cap="rnd">
-            <a:solidFill>
-              <a:schemeClr val="accent2"/>
-            </a:solidFill>
-            <a:round/>
-            <a:extLst>
-              <a:ext uri="{C807C97D-BFC1-408E-A445-0C87EB9F89A2}">
-                <ask:lineSketchStyleProps xmlns:ask="http://schemas.microsoft.com/office/drawing/2018/sketchyshapes" sd="1219033472">
-                  <a:prstGeom prst="rect">
-                    <a:avLst/>
-                  </a:prstGeom>
-                  <ask:type>
-                    <ask:lineSketchFreehand/>
-                  </ask:type>
-                </ask:lineSketchStyleProps>
-              </a:ext>
-            </a:extLst>
-          </a:ln>
-        </p:spPr>
-        <p:style>
-          <a:lnRef idx="2">
-            <a:schemeClr val="accent1">
-              <a:shade val="50000"/>
-            </a:schemeClr>
-          </a:lnRef>
-          <a:fillRef idx="1">
-            <a:schemeClr val="accent1"/>
-          </a:fillRef>
-          <a:effectRef idx="0">
-            <a:schemeClr val="accent1"/>
-          </a:effectRef>
-          <a:fontRef idx="minor">
-            <a:schemeClr val="lt1"/>
-          </a:fontRef>
-        </p:style>
-        <p:txBody>
-          <a:bodyPr rtlCol="0" anchor="ctr"/>
-          <a:lstStyle/>
-          <a:p>
-            <a:pPr algn="ctr"/>
-            <a:endParaRPr lang="en-US"/>
-          </a:p>
-        </p:txBody>
-      </p:sp>
-      <p:sp>
-        <p:nvSpPr>
-          <p:cNvPr id="3" name="Tartalom helye 2">
-            <a:extLst>
-              <a:ext uri="{FF2B5EF4-FFF2-40B4-BE49-F238E27FC236}">
-                <a16:creationId xmlns:a16="http://schemas.microsoft.com/office/drawing/2014/main" id="{35F077AF-BA62-7156-E8A0-559A130389FD}"/>
-              </a:ext>
-            </a:extLst>
-          </p:cNvPr>
-          <p:cNvSpPr>
-            <a:spLocks noGrp="1"/>
-          </p:cNvSpPr>
-          <p:nvPr>
-            <p:ph idx="1"/>
-          </p:nvPr>
-        </p:nvSpPr>
-        <p:spPr>
-          <a:xfrm>
-            <a:off x="838200" y="1929384"/>
-            <a:ext cx="10515600" cy="4251960"/>
-          </a:xfrm>
-        </p:spPr>
-        <p:txBody>
-          <a:bodyPr>
-            <a:normAutofit/>
-          </a:bodyPr>
-          <a:lstStyle/>
-          <a:p>
-            <a:r>
-              <a:rPr lang="hu-HU" sz="2200"/>
-              <a:t>Generate a picture in the topic of time series segmentation. On the picture should be seen a time series which is segmented by different algorithms the different predictions should have different colors by algorithm. And you should build a dendrogram above the time series which represents the hierarchical clustering of the detected changepoints of different algorithms.</a:t>
-            </a:r>
-          </a:p>
-        </p:txBody>
-      </p:sp>
+      </p:pic>
       <p:sp>
         <p:nvSpPr>
           <p:cNvPr id="4" name="Dátum helye 3">
@@ -9756,7 +9037,7 @@
             </a:pPr>
             <a:fld id="{C3CDD1BF-4F77-A341-BD40-66E03000F2E9}" type="datetime1">
               <a:rPr lang="hu-HU" smtClean="0"/>
-              <a:t>2025. 05. 06.</a:t>
+              <a:t>2025. 05. 07.</a:t>
             </a:fld>
             <a:endParaRPr lang="hu-HU"/>
           </a:p>
@@ -9780,8 +9061,8 @@
         </p:nvSpPr>
         <p:spPr>
           <a:xfrm>
-            <a:off x="4038600" y="6356350"/>
-            <a:ext cx="4114800" cy="365125"/>
+            <a:off x="5514569" y="6356350"/>
+            <a:ext cx="3096030" cy="365125"/>
           </a:xfrm>
         </p:spPr>
         <p:txBody>
@@ -9790,7 +9071,15 @@
           </a:bodyPr>
           <a:lstStyle/>
           <a:p>
-            <a:endParaRPr lang="hu-HU"/>
+            <a:pPr algn="l"/>
+            <a:endParaRPr lang="hu-HU">
+              <a:solidFill>
+                <a:schemeClr val="tx1">
+                  <a:lumMod val="50000"/>
+                  <a:lumOff val="50000"/>
+                </a:schemeClr>
+              </a:solidFill>
+            </a:endParaRPr>
           </a:p>
         </p:txBody>
       </p:sp>
@@ -9828,7 +9117,14 @@
               </a:spcAft>
             </a:pPr>
             <a:fld id="{2BF5634A-3FEB-2145-92F8-FA1760146F41}" type="slidenum">
-              <a:rPr lang="hu-HU" smtClean="0"/>
+              <a:rPr lang="hu-HU">
+                <a:solidFill>
+                  <a:schemeClr val="tx1">
+                    <a:lumMod val="50000"/>
+                    <a:lumOff val="50000"/>
+                  </a:schemeClr>
+                </a:solidFill>
+              </a:rPr>
               <a:pPr>
                 <a:spcAft>
                   <a:spcPts val="600"/>
@@ -9836,10 +9132,194 @@
               </a:pPr>
               <a:t>6</a:t>
             </a:fld>
-            <a:endParaRPr lang="hu-HU"/>
-          </a:p>
-        </p:txBody>
-      </p:sp>
+            <a:endParaRPr lang="hu-HU">
+              <a:solidFill>
+                <a:schemeClr val="tx1">
+                  <a:lumMod val="50000"/>
+                  <a:lumOff val="50000"/>
+                </a:schemeClr>
+              </a:solidFill>
+            </a:endParaRPr>
+          </a:p>
+        </p:txBody>
+      </p:sp>
+      <p:grpSp>
+        <p:nvGrpSpPr>
+          <p:cNvPr id="20" name="Group 19">
+            <a:extLst>
+              <a:ext uri="{FF2B5EF4-FFF2-40B4-BE49-F238E27FC236}">
+                <a16:creationId xmlns:a16="http://schemas.microsoft.com/office/drawing/2014/main" id="{6258F736-B256-8039-9DC6-F4E49A5C5AD5}"/>
+              </a:ext>
+              <a:ext uri="{C183D7F6-B498-43B3-948B-1728B52AA6E4}">
+                <adec:decorative xmlns:adec="http://schemas.microsoft.com/office/drawing/2017/decorative" val="1"/>
+              </a:ext>
+            </a:extLst>
+          </p:cNvPr>
+          <p:cNvGrpSpPr>
+            <a:grpSpLocks noGrp="1" noUngrp="1" noRot="1" noChangeAspect="1" noMove="1" noResize="1"/>
+          </p:cNvGrpSpPr>
+          <p:nvPr>
+            <p:extLst>
+              <p:ext uri="{386F3935-93C4-4BCD-93E2-E3B085C9AB24}">
+                <p16:designElem xmlns:p16="http://schemas.microsoft.com/office/powerpoint/2015/main" val="1"/>
+              </p:ext>
+            </p:extLst>
+          </p:nvPr>
+        </p:nvGrpSpPr>
+        <p:grpSpPr>
+          <a:xfrm flipH="1">
+            <a:off x="12068638" y="0"/>
+            <a:ext cx="123362" cy="6858000"/>
+            <a:chOff x="12068638" y="0"/>
+            <a:chExt cx="123362" cy="6858000"/>
+          </a:xfrm>
+        </p:grpSpPr>
+        <p:sp>
+          <p:nvSpPr>
+            <p:cNvPr id="21" name="Rectangle 20">
+              <a:extLst>
+                <a:ext uri="{FF2B5EF4-FFF2-40B4-BE49-F238E27FC236}">
+                  <a16:creationId xmlns:a16="http://schemas.microsoft.com/office/drawing/2014/main" id="{10B4520A-996E-330C-99DA-69CA4D89E906}"/>
+                </a:ext>
+                <a:ext uri="{C183D7F6-B498-43B3-948B-1728B52AA6E4}">
+                  <adec:decorative xmlns:adec="http://schemas.microsoft.com/office/drawing/2017/decorative" val="1"/>
+                </a:ext>
+              </a:extLst>
+            </p:cNvPr>
+            <p:cNvSpPr/>
+            <p:nvPr>
+              <p:extLst>
+                <p:ext uri="{386F3935-93C4-4BCD-93E2-E3B085C9AB24}">
+                  <p16:designElem xmlns:p16="http://schemas.microsoft.com/office/powerpoint/2015/main" val="1"/>
+                </p:ext>
+              </p:extLst>
+            </p:nvPr>
+          </p:nvSpPr>
+          <p:spPr>
+            <a:xfrm>
+              <a:off x="12068638" y="0"/>
+              <a:ext cx="123362" cy="6858000"/>
+            </a:xfrm>
+            <a:prstGeom prst="rect">
+              <a:avLst/>
+            </a:prstGeom>
+            <a:gradFill>
+              <a:gsLst>
+                <a:gs pos="0">
+                  <a:schemeClr val="accent2"/>
+                </a:gs>
+                <a:gs pos="100000">
+                  <a:schemeClr val="accent5"/>
+                </a:gs>
+              </a:gsLst>
+              <a:lin ang="1800000" scaled="0"/>
+            </a:gradFill>
+            <a:ln>
+              <a:noFill/>
+            </a:ln>
+          </p:spPr>
+          <p:style>
+            <a:lnRef idx="2">
+              <a:schemeClr val="accent1">
+                <a:shade val="50000"/>
+              </a:schemeClr>
+            </a:lnRef>
+            <a:fillRef idx="1">
+              <a:schemeClr val="accent1"/>
+            </a:fillRef>
+            <a:effectRef idx="0">
+              <a:schemeClr val="accent1"/>
+            </a:effectRef>
+            <a:fontRef idx="minor">
+              <a:schemeClr val="lt1"/>
+            </a:fontRef>
+          </p:style>
+          <p:txBody>
+            <a:bodyPr rtlCol="0" anchor="ctr"/>
+            <a:lstStyle/>
+            <a:p>
+              <a:pPr algn="ctr"/>
+              <a:endParaRPr lang="en-US"/>
+            </a:p>
+          </p:txBody>
+        </p:sp>
+        <p:sp>
+          <p:nvSpPr>
+            <p:cNvPr id="22" name="Rectangle 21">
+              <a:extLst>
+                <a:ext uri="{FF2B5EF4-FFF2-40B4-BE49-F238E27FC236}">
+                  <a16:creationId xmlns:a16="http://schemas.microsoft.com/office/drawing/2014/main" id="{EC8FA945-E356-695F-18D6-CAD4EF34FE4A}"/>
+                </a:ext>
+                <a:ext uri="{C183D7F6-B498-43B3-948B-1728B52AA6E4}">
+                  <adec:decorative xmlns:adec="http://schemas.microsoft.com/office/drawing/2017/decorative" val="1"/>
+                </a:ext>
+              </a:extLst>
+            </p:cNvPr>
+            <p:cNvSpPr/>
+            <p:nvPr>
+              <p:extLst>
+                <p:ext uri="{386F3935-93C4-4BCD-93E2-E3B085C9AB24}">
+                  <p16:designElem xmlns:p16="http://schemas.microsoft.com/office/powerpoint/2015/main" val="1"/>
+                </p:ext>
+              </p:extLst>
+            </p:nvPr>
+          </p:nvSpPr>
+          <p:spPr>
+            <a:xfrm>
+              <a:off x="12068638" y="3527553"/>
+              <a:ext cx="123362" cy="3330447"/>
+            </a:xfrm>
+            <a:prstGeom prst="rect">
+              <a:avLst/>
+            </a:prstGeom>
+            <a:gradFill>
+              <a:gsLst>
+                <a:gs pos="19000">
+                  <a:schemeClr val="accent5">
+                    <a:lumMod val="60000"/>
+                    <a:lumOff val="40000"/>
+                    <a:alpha val="0"/>
+                  </a:schemeClr>
+                </a:gs>
+                <a:gs pos="100000">
+                  <a:schemeClr val="accent5">
+                    <a:lumMod val="60000"/>
+                    <a:lumOff val="40000"/>
+                  </a:schemeClr>
+                </a:gs>
+              </a:gsLst>
+              <a:lin ang="600000" scaled="0"/>
+            </a:gradFill>
+            <a:ln>
+              <a:noFill/>
+            </a:ln>
+          </p:spPr>
+          <p:style>
+            <a:lnRef idx="2">
+              <a:schemeClr val="accent1">
+                <a:shade val="50000"/>
+              </a:schemeClr>
+            </a:lnRef>
+            <a:fillRef idx="1">
+              <a:schemeClr val="accent1"/>
+            </a:fillRef>
+            <a:effectRef idx="0">
+              <a:schemeClr val="accent1"/>
+            </a:effectRef>
+            <a:fontRef idx="minor">
+              <a:schemeClr val="lt1"/>
+            </a:fontRef>
+          </p:style>
+          <p:txBody>
+            <a:bodyPr rtlCol="0" anchor="ctr"/>
+            <a:lstStyle/>
+            <a:p>
+              <a:pPr algn="ctr"/>
+              <a:endParaRPr lang="en-US"/>
+            </a:p>
+          </p:txBody>
+        </p:sp>
+      </p:grpSp>
     </p:spTree>
     <p:extLst>
       <p:ext uri="{BB962C8B-B14F-4D97-AF65-F5344CB8AC3E}">
@@ -10426,66 +9906,6 @@
           </a:p>
         </p:txBody>
       </p:sp>
-      <p:pic>
-        <p:nvPicPr>
-          <p:cNvPr id="8" name="Tartalom helye 7" descr="A képen képernyőkép, szöveg, Diagram, diagram látható&#10;&#10;Automatikusan generált leírás">
-            <a:extLst>
-              <a:ext uri="{FF2B5EF4-FFF2-40B4-BE49-F238E27FC236}">
-                <a16:creationId xmlns:a16="http://schemas.microsoft.com/office/drawing/2014/main" id="{9E1563A1-B9FA-009B-585C-1AD3704BD432}"/>
-              </a:ext>
-            </a:extLst>
-          </p:cNvPr>
-          <p:cNvPicPr>
-            <a:picLocks noChangeAspect="1"/>
-          </p:cNvPicPr>
-          <p:nvPr/>
-        </p:nvPicPr>
-        <p:blipFill>
-          <a:blip r:embed="rId2"/>
-          <a:stretch>
-            <a:fillRect/>
-          </a:stretch>
-        </p:blipFill>
-        <p:spPr>
-          <a:xfrm>
-            <a:off x="7343335" y="413856"/>
-            <a:ext cx="4534721" cy="2924897"/>
-          </a:xfrm>
-          <a:prstGeom prst="rect">
-            <a:avLst/>
-          </a:prstGeom>
-        </p:spPr>
-      </p:pic>
-      <p:pic>
-        <p:nvPicPr>
-          <p:cNvPr id="10" name="Kép 9" descr="A képen képernyőkép, szöveg, Diagram, szám látható&#10;&#10;Automatikusan generált leírás">
-            <a:extLst>
-              <a:ext uri="{FF2B5EF4-FFF2-40B4-BE49-F238E27FC236}">
-                <a16:creationId xmlns:a16="http://schemas.microsoft.com/office/drawing/2014/main" id="{493F1578-E155-D1A7-0940-53DC7694E329}"/>
-              </a:ext>
-            </a:extLst>
-          </p:cNvPr>
-          <p:cNvPicPr>
-            <a:picLocks noChangeAspect="1"/>
-          </p:cNvPicPr>
-          <p:nvPr/>
-        </p:nvPicPr>
-        <p:blipFill>
-          <a:blip r:embed="rId3"/>
-          <a:stretch>
-            <a:fillRect/>
-          </a:stretch>
-        </p:blipFill>
-        <p:spPr>
-          <a:xfrm>
-            <a:off x="7343335" y="3370505"/>
-            <a:ext cx="4534721" cy="2822867"/>
-          </a:xfrm>
-          <a:prstGeom prst="rect">
-            <a:avLst/>
-          </a:prstGeom>
-        </p:spPr>
-      </p:pic>
       <p:sp>
         <p:nvSpPr>
           <p:cNvPr id="4" name="Dátum helye 3">
@@ -10521,7 +9941,7 @@
             </a:pPr>
             <a:fld id="{F36B3592-03CB-194B-B84D-F861BFD2AD9F}" type="datetime1">
               <a:rPr lang="hu-HU" smtClean="0"/>
-              <a:t>2025. 05. 06.</a:t>
+              <a:t>2025. 05. 07.</a:t>
             </a:fld>
             <a:endParaRPr lang="hu-HU"/>
           </a:p>
@@ -10605,6 +10025,66 @@
           </a:p>
         </p:txBody>
       </p:sp>
+      <p:pic>
+        <p:nvPicPr>
+          <p:cNvPr id="7" name="Kép 6" descr="A képen képernyőkép, szöveg, Diagram, diagram látható&#10;&#10;Automatikusan generált leírás">
+            <a:extLst>
+              <a:ext uri="{FF2B5EF4-FFF2-40B4-BE49-F238E27FC236}">
+                <a16:creationId xmlns:a16="http://schemas.microsoft.com/office/drawing/2014/main" id="{16E6557D-C145-DEDB-191C-EC01CAB5DFA4}"/>
+              </a:ext>
+            </a:extLst>
+          </p:cNvPr>
+          <p:cNvPicPr>
+            <a:picLocks noChangeAspect="1"/>
+          </p:cNvPicPr>
+          <p:nvPr/>
+        </p:nvPicPr>
+        <p:blipFill>
+          <a:blip r:embed="rId2"/>
+          <a:stretch>
+            <a:fillRect/>
+          </a:stretch>
+        </p:blipFill>
+        <p:spPr>
+          <a:xfrm>
+            <a:off x="7304926" y="424909"/>
+            <a:ext cx="4536688" cy="2920167"/>
+          </a:xfrm>
+          <a:prstGeom prst="rect">
+            <a:avLst/>
+          </a:prstGeom>
+        </p:spPr>
+      </p:pic>
+      <p:pic>
+        <p:nvPicPr>
+          <p:cNvPr id="11" name="Kép 10" descr="A képen képernyőkép, szöveg, Diagram, diagram látható&#10;&#10;Automatikusan generált leírás">
+            <a:extLst>
+              <a:ext uri="{FF2B5EF4-FFF2-40B4-BE49-F238E27FC236}">
+                <a16:creationId xmlns:a16="http://schemas.microsoft.com/office/drawing/2014/main" id="{95A277DC-1015-F444-C23A-54931F6DFAD2}"/>
+              </a:ext>
+            </a:extLst>
+          </p:cNvPr>
+          <p:cNvPicPr>
+            <a:picLocks/>
+          </p:cNvPicPr>
+          <p:nvPr/>
+        </p:nvPicPr>
+        <p:blipFill>
+          <a:blip r:embed="rId3"/>
+          <a:stretch>
+            <a:fillRect/>
+          </a:stretch>
+        </p:blipFill>
+        <p:spPr>
+          <a:xfrm>
+            <a:off x="7276087" y="3270888"/>
+            <a:ext cx="4536000" cy="2919600"/>
+          </a:xfrm>
+          <a:prstGeom prst="rect">
+            <a:avLst/>
+          </a:prstGeom>
+        </p:spPr>
+      </p:pic>
     </p:spTree>
     <p:extLst>
       <p:ext uri="{BB962C8B-B14F-4D97-AF65-F5344CB8AC3E}">
@@ -11207,36 +10687,6 @@
           </a:p>
         </p:txBody>
       </p:sp>
-      <p:pic>
-        <p:nvPicPr>
-          <p:cNvPr id="10" name="Kép 9" descr="A képen szöveg, diagram, Színesség, Diagram látható&#10;&#10;Automatikusan generált leírás">
-            <a:extLst>
-              <a:ext uri="{FF2B5EF4-FFF2-40B4-BE49-F238E27FC236}">
-                <a16:creationId xmlns:a16="http://schemas.microsoft.com/office/drawing/2014/main" id="{37A9F293-9DD0-3895-F991-CDFCA2C2978F}"/>
-              </a:ext>
-            </a:extLst>
-          </p:cNvPr>
-          <p:cNvPicPr>
-            <a:picLocks noChangeAspect="1"/>
-          </p:cNvPicPr>
-          <p:nvPr/>
-        </p:nvPicPr>
-        <p:blipFill>
-          <a:blip r:embed="rId2"/>
-          <a:stretch>
-            <a:fillRect/>
-          </a:stretch>
-        </p:blipFill>
-        <p:spPr>
-          <a:xfrm>
-            <a:off x="1756647" y="1923865"/>
-            <a:ext cx="8678706" cy="4295960"/>
-          </a:xfrm>
-          <a:prstGeom prst="rect">
-            <a:avLst/>
-          </a:prstGeom>
-        </p:spPr>
-      </p:pic>
       <p:sp>
         <p:nvSpPr>
           <p:cNvPr id="4" name="Dátum helye 3">
@@ -11278,7 +10728,7 @@
                   </a:schemeClr>
                 </a:solidFill>
               </a:rPr>
-              <a:t>2025. 05. 06.</a:t>
+              <a:t>2025. 05. 07.</a:t>
             </a:fld>
             <a:endParaRPr lang="en-US" dirty="0">
               <a:solidFill>
@@ -11389,6 +10839,36 @@
           </a:p>
         </p:txBody>
       </p:sp>
+      <p:pic>
+        <p:nvPicPr>
+          <p:cNvPr id="7" name="Kép 6" descr="A képen szöveg, diagram, Színesség, Diagram látható&#10;&#10;Automatikusan generált leírás">
+            <a:extLst>
+              <a:ext uri="{FF2B5EF4-FFF2-40B4-BE49-F238E27FC236}">
+                <a16:creationId xmlns:a16="http://schemas.microsoft.com/office/drawing/2014/main" id="{D7894517-6AAA-8C00-5005-2A63054C8628}"/>
+              </a:ext>
+            </a:extLst>
+          </p:cNvPr>
+          <p:cNvPicPr>
+            <a:picLocks noChangeAspect="1"/>
+          </p:cNvPicPr>
+          <p:nvPr/>
+        </p:nvPicPr>
+        <p:blipFill>
+          <a:blip r:embed="rId2"/>
+          <a:stretch>
+            <a:fillRect/>
+          </a:stretch>
+        </p:blipFill>
+        <p:spPr>
+          <a:xfrm>
+            <a:off x="1572491" y="1882957"/>
+            <a:ext cx="9042419" cy="4473393"/>
+          </a:xfrm>
+          <a:prstGeom prst="rect">
+            <a:avLst/>
+          </a:prstGeom>
+        </p:spPr>
+      </p:pic>
     </p:spTree>
     <p:extLst>
       <p:ext uri="{BB962C8B-B14F-4D97-AF65-F5344CB8AC3E}">
@@ -11954,7 +11434,7 @@
                   <a:spcPts val="600"/>
                 </a:spcAft>
               </a:pPr>
-              <a:t>2025. 05. 06.</a:t>
+              <a:t>2025. 05. 07.</a:t>
             </a:fld>
             <a:endParaRPr lang="hu-HU"/>
           </a:p>

--- a/bemutato.pptx
+++ b/bemutato.pptx
@@ -207,7 +207,7 @@
           <a:p>
             <a:fld id="{5D01EA2F-D39E-DC47-A02E-3FADA924A388}" type="datetimeFigureOut">
               <a:rPr lang="hu-HU" smtClean="0"/>
-              <a:t>2025. 05. 07.</a:t>
+              <a:t>2025. 05. 10.</a:t>
             </a:fld>
             <a:endParaRPr lang="hu-HU"/>
           </a:p>
@@ -474,6 +474,199 @@
 </p:notesMaster>
 </file>
 
+<file path=ppt/notesSlides/notesSlide1.xml><?xml version="1.0" encoding="utf-8"?>
+<p:notes xmlns:a="http://schemas.openxmlformats.org/drawingml/2006/main" xmlns:r="http://schemas.openxmlformats.org/officeDocument/2006/relationships" xmlns:p="http://schemas.openxmlformats.org/presentationml/2006/main">
+  <p:cSld>
+    <p:spTree>
+      <p:nvGrpSpPr>
+        <p:cNvPr id="1" name=""/>
+        <p:cNvGrpSpPr/>
+        <p:nvPr/>
+      </p:nvGrpSpPr>
+      <p:grpSpPr>
+        <a:xfrm>
+          <a:off x="0" y="0"/>
+          <a:ext cx="0" cy="0"/>
+          <a:chOff x="0" y="0"/>
+          <a:chExt cx="0" cy="0"/>
+        </a:xfrm>
+      </p:grpSpPr>
+      <p:sp>
+        <p:nvSpPr>
+          <p:cNvPr id="2" name="Diakép helye 1"/>
+          <p:cNvSpPr>
+            <a:spLocks noGrp="1" noRot="1" noChangeAspect="1"/>
+          </p:cNvSpPr>
+          <p:nvPr>
+            <p:ph type="sldImg"/>
+          </p:nvPr>
+        </p:nvSpPr>
+        <p:spPr/>
+      </p:sp>
+      <p:sp>
+        <p:nvSpPr>
+          <p:cNvPr id="3" name="Jegyzetek helye 2"/>
+          <p:cNvSpPr>
+            <a:spLocks noGrp="1"/>
+          </p:cNvSpPr>
+          <p:nvPr>
+            <p:ph type="body" idx="1"/>
+          </p:nvPr>
+        </p:nvSpPr>
+        <p:spPr/>
+        <p:txBody>
+          <a:bodyPr/>
+          <a:lstStyle/>
+          <a:p>
+            <a:r>
+              <a:rPr lang="hu-HU" dirty="0"/>
+              <a:t>Az algoritmus az összes detektált szegmentációs pontot összegyűjti, majd hierarchikus </a:t>
+            </a:r>
+            <a:r>
+              <a:rPr lang="hu-HU" dirty="0" err="1"/>
+              <a:t>klaszterezéssel</a:t>
+            </a:r>
+            <a:r>
+              <a:rPr lang="hu-HU" dirty="0"/>
+              <a:t> (</a:t>
+            </a:r>
+            <a:r>
+              <a:rPr lang="hu-HU" dirty="0" err="1"/>
+              <a:t>Ward-linkage</a:t>
+            </a:r>
+            <a:r>
+              <a:rPr lang="hu-HU" dirty="0"/>
+              <a:t>) csoportosítja őket. A </a:t>
+            </a:r>
+            <a:r>
+              <a:rPr lang="hu-HU" dirty="0" err="1"/>
+              <a:t>klaszterezéshez</a:t>
+            </a:r>
+            <a:r>
+              <a:rPr lang="hu-HU" dirty="0"/>
+              <a:t> használt távolsági küszöböt az </a:t>
+            </a:r>
+            <a:r>
+              <a:rPr lang="hu-HU" i="1" dirty="0" err="1"/>
+              <a:t>inconsistent</a:t>
+            </a:r>
+            <a:r>
+              <a:rPr lang="hu-HU" dirty="0"/>
+              <a:t> függvény segítségével automatikusan határozza meg, amely a </a:t>
+            </a:r>
+            <a:r>
+              <a:rPr lang="hu-HU" dirty="0" err="1"/>
+              <a:t>dendrogramon</a:t>
+            </a:r>
+            <a:r>
+              <a:rPr lang="hu-HU" dirty="0"/>
+              <a:t> belüli változékonyságot elemzi különböző mélységeken. </a:t>
+            </a:r>
+          </a:p>
+          <a:p>
+            <a:endParaRPr lang="hu-HU" dirty="0"/>
+          </a:p>
+          <a:p>
+            <a:r>
+              <a:rPr lang="hu-HU" dirty="0"/>
+              <a:t>A távolsági küszöböt, amivel a </a:t>
+            </a:r>
+            <a:r>
+              <a:rPr lang="hu-HU" dirty="0" err="1"/>
+              <a:t>dendrogramot</a:t>
+            </a:r>
+            <a:r>
+              <a:rPr lang="hu-HU" dirty="0"/>
+              <a:t> elvágjuk a klaszterek szétválasztásához, az algoritmus nem kézzel megadva, hanem automatikusan határozza meg az </a:t>
+            </a:r>
+            <a:r>
+              <a:rPr lang="hu-HU" dirty="0" err="1"/>
+              <a:t>inconsistent</a:t>
+            </a:r>
+            <a:r>
+              <a:rPr lang="hu-HU" dirty="0"/>
+              <a:t> függvény segítségével. Ez a függvény minden </a:t>
+            </a:r>
+            <a:r>
+              <a:rPr lang="hu-HU" dirty="0" err="1"/>
+              <a:t>dendrogram</a:t>
+            </a:r>
+            <a:r>
+              <a:rPr lang="hu-HU" dirty="0"/>
+              <a:t> szinten kiszámolja, hogy az adott </a:t>
+            </a:r>
+            <a:r>
+              <a:rPr lang="hu-HU" dirty="0" err="1"/>
+              <a:t>klaszterezési</a:t>
+            </a:r>
+            <a:r>
+              <a:rPr lang="hu-HU" dirty="0"/>
+              <a:t> lépés mennyire tér el az azt megelőző </a:t>
+            </a:r>
+            <a:r>
+              <a:rPr lang="hu-HU" dirty="0" err="1"/>
+              <a:t>klaszterezések</a:t>
+            </a:r>
+            <a:r>
+              <a:rPr lang="hu-HU" dirty="0"/>
+              <a:t> távolságától – vagyis mennyire "inkonzisztens" a struktúrában. Az algoritmus ezután különböző mélységi szinteken (például 1–10 között) megvizsgálja az inkonzisztencia szórását, és azt a szintet választja ki, ahol ez a legnagyobb, mert ott jelentkezik a legnagyobb szerkezeti változás. Az ehhez tartozó távolságérték – az adott szint inkonzisztencia átlaga plusz szórása – lesz a vágási küszöb, ami alapján értelmes klasztereket tudunk kialakítani a változási pontok között. Ez az adaptív módszer segít a túl- vagy </a:t>
+            </a:r>
+            <a:r>
+              <a:rPr lang="hu-HU" dirty="0" err="1"/>
+              <a:t>alulszegmentálás</a:t>
+            </a:r>
+            <a:r>
+              <a:rPr lang="hu-HU" dirty="0"/>
+              <a:t> elkerülésében.</a:t>
+            </a:r>
+          </a:p>
+          <a:p>
+            <a:endParaRPr lang="hu-HU" dirty="0"/>
+          </a:p>
+          <a:p>
+            <a:r>
+              <a:rPr lang="hu-HU" dirty="0"/>
+              <a:t>Végül a visszaadott változáspontok a klaszterekben szereplő pontok átlaga. </a:t>
+            </a:r>
+          </a:p>
+        </p:txBody>
+      </p:sp>
+      <p:sp>
+        <p:nvSpPr>
+          <p:cNvPr id="4" name="Dia számának helye 3"/>
+          <p:cNvSpPr>
+            <a:spLocks noGrp="1"/>
+          </p:cNvSpPr>
+          <p:nvPr>
+            <p:ph type="sldNum" sz="quarter" idx="5"/>
+          </p:nvPr>
+        </p:nvSpPr>
+        <p:spPr/>
+        <p:txBody>
+          <a:bodyPr/>
+          <a:lstStyle/>
+          <a:p>
+            <a:fld id="{DD81B902-AA01-4B4C-984B-3A0D86553040}" type="slidenum">
+              <a:rPr lang="hu-HU" smtClean="0"/>
+              <a:t>6</a:t>
+            </a:fld>
+            <a:endParaRPr lang="hu-HU"/>
+          </a:p>
+        </p:txBody>
+      </p:sp>
+    </p:spTree>
+    <p:extLst>
+      <p:ext uri="{BB962C8B-B14F-4D97-AF65-F5344CB8AC3E}">
+        <p14:creationId xmlns:p14="http://schemas.microsoft.com/office/powerpoint/2010/main" val="3050680156"/>
+      </p:ext>
+    </p:extLst>
+  </p:cSld>
+  <p:clrMapOvr>
+    <a:masterClrMapping/>
+  </p:clrMapOvr>
+</p:notes>
+</file>
+
 <file path=ppt/slideLayouts/slideLayout1.xml><?xml version="1.0" encoding="utf-8"?>
 <p:sldLayout xmlns:a="http://schemas.openxmlformats.org/drawingml/2006/main" xmlns:r="http://schemas.openxmlformats.org/officeDocument/2006/relationships" xmlns:p="http://schemas.openxmlformats.org/presentationml/2006/main" type="title" preserve="1">
   <p:cSld name="Címdia">
@@ -621,7 +814,7 @@
           <a:p>
             <a:fld id="{FF076027-57CE-7644-B674-3EEE831F5408}" type="datetime1">
               <a:rPr lang="hu-HU" smtClean="0"/>
-              <a:t>2025. 05. 07.</a:t>
+              <a:t>2025. 05. 10.</a:t>
             </a:fld>
             <a:endParaRPr lang="hu-HU"/>
           </a:p>
@@ -819,7 +1012,7 @@
           <a:p>
             <a:fld id="{830804EE-E663-FD46-8A40-6E7F387E266E}" type="datetime1">
               <a:rPr lang="hu-HU" smtClean="0"/>
-              <a:t>2025. 05. 07.</a:t>
+              <a:t>2025. 05. 10.</a:t>
             </a:fld>
             <a:endParaRPr lang="hu-HU"/>
           </a:p>
@@ -1027,7 +1220,7 @@
           <a:p>
             <a:fld id="{263D005D-85FF-2949-BC6E-508A5CBFF1F3}" type="datetime1">
               <a:rPr lang="hu-HU" smtClean="0"/>
-              <a:t>2025. 05. 07.</a:t>
+              <a:t>2025. 05. 10.</a:t>
             </a:fld>
             <a:endParaRPr lang="hu-HU"/>
           </a:p>
@@ -1225,7 +1418,7 @@
           <a:p>
             <a:fld id="{66445694-FCB9-A642-8FF4-42EEC02622E4}" type="datetime1">
               <a:rPr lang="hu-HU" smtClean="0"/>
-              <a:t>2025. 05. 07.</a:t>
+              <a:t>2025. 05. 10.</a:t>
             </a:fld>
             <a:endParaRPr lang="hu-HU"/>
           </a:p>
@@ -1500,7 +1693,7 @@
           <a:p>
             <a:fld id="{AD6A2A12-DA2B-E74B-B41C-67785A542A35}" type="datetime1">
               <a:rPr lang="hu-HU" smtClean="0"/>
-              <a:t>2025. 05. 07.</a:t>
+              <a:t>2025. 05. 10.</a:t>
             </a:fld>
             <a:endParaRPr lang="hu-HU"/>
           </a:p>
@@ -1765,7 +1958,7 @@
           <a:p>
             <a:fld id="{632B892B-C86C-CB41-991A-53D194128D28}" type="datetime1">
               <a:rPr lang="hu-HU" smtClean="0"/>
-              <a:t>2025. 05. 07.</a:t>
+              <a:t>2025. 05. 10.</a:t>
             </a:fld>
             <a:endParaRPr lang="hu-HU"/>
           </a:p>
@@ -2177,7 +2370,7 @@
           <a:p>
             <a:fld id="{F3290542-D93A-5B47-A38B-6F0DA92AE7CE}" type="datetime1">
               <a:rPr lang="hu-HU" smtClean="0"/>
-              <a:t>2025. 05. 07.</a:t>
+              <a:t>2025. 05. 10.</a:t>
             </a:fld>
             <a:endParaRPr lang="hu-HU"/>
           </a:p>
@@ -2318,7 +2511,7 @@
           <a:p>
             <a:fld id="{80145D3C-4DB2-0040-9CC3-84A09F3EF651}" type="datetime1">
               <a:rPr lang="hu-HU" smtClean="0"/>
-              <a:t>2025. 05. 07.</a:t>
+              <a:t>2025. 05. 10.</a:t>
             </a:fld>
             <a:endParaRPr lang="hu-HU"/>
           </a:p>
@@ -2431,7 +2624,7 @@
           <a:p>
             <a:fld id="{97E68AE9-82F8-A445-82BE-51C0D4582C23}" type="datetime1">
               <a:rPr lang="hu-HU" smtClean="0"/>
-              <a:t>2025. 05. 07.</a:t>
+              <a:t>2025. 05. 10.</a:t>
             </a:fld>
             <a:endParaRPr lang="hu-HU"/>
           </a:p>
@@ -2742,7 +2935,7 @@
           <a:p>
             <a:fld id="{AF41EB5E-CD90-1648-A208-F53FEC683ACA}" type="datetime1">
               <a:rPr lang="hu-HU" smtClean="0"/>
-              <a:t>2025. 05. 07.</a:t>
+              <a:t>2025. 05. 10.</a:t>
             </a:fld>
             <a:endParaRPr lang="hu-HU"/>
           </a:p>
@@ -3030,7 +3223,7 @@
           <a:p>
             <a:fld id="{D62F77B1-2D56-B440-80A2-3FA9E7ED68E6}" type="datetime1">
               <a:rPr lang="hu-HU" smtClean="0"/>
-              <a:t>2025. 05. 07.</a:t>
+              <a:t>2025. 05. 10.</a:t>
             </a:fld>
             <a:endParaRPr lang="hu-HU"/>
           </a:p>
@@ -3271,7 +3464,7 @@
           <a:p>
             <a:fld id="{6C62EFB0-7CE6-9A42-B406-CD1B830524DB}" type="datetime1">
               <a:rPr lang="hu-HU" smtClean="0"/>
-              <a:t>2025. 05. 07.</a:t>
+              <a:t>2025. 05. 10.</a:t>
             </a:fld>
             <a:endParaRPr lang="hu-HU"/>
           </a:p>
@@ -3363,7 +3556,7 @@
               <a:rPr lang="hu-HU" smtClean="0"/>
               <a:t>‹#›</a:t>
             </a:fld>
-            <a:endParaRPr lang="hu-HU"/>
+            <a:endParaRPr lang="hu-HU" dirty="0"/>
           </a:p>
         </p:txBody>
       </p:sp>
@@ -4367,7 +4560,7 @@
           <a:lstStyle/>
           <a:p>
             <a:r>
-              <a:rPr lang="hu-HU" sz="5400"/>
+              <a:rPr lang="hu-HU" sz="5400" dirty="0"/>
               <a:t>Összegzés és kitekintés</a:t>
             </a:r>
           </a:p>
@@ -5041,21 +5234,13 @@
           <a:p>
             <a:r>
               <a:rPr lang="hu-HU" sz="2200" dirty="0"/>
-              <a:t>Hierarchikus </a:t>
-            </a:r>
-            <a:r>
-              <a:rPr lang="hu-HU" sz="2200" dirty="0" err="1"/>
-              <a:t>klaszterezés</a:t>
-            </a:r>
+              <a:t>Idősorok megkülönböztetése statisztikai jellemzők alapján</a:t>
+            </a:r>
+          </a:p>
+          <a:p>
             <a:r>
               <a:rPr lang="hu-HU" sz="2200" dirty="0"/>
-              <a:t> további optimalizálása</a:t>
-            </a:r>
-          </a:p>
-          <a:p>
-            <a:r>
-              <a:rPr lang="hu-HU" sz="2200" dirty="0"/>
-              <a:t>Idősorok megkülönböztetése statisztikai jellemzők alapján</a:t>
+              <a:t>Egyes algoritmusok erősségeinek feltérképezése</a:t>
             </a:r>
           </a:p>
           <a:p>
@@ -5067,19 +5252,51 @@
           <a:p>
             <a:r>
               <a:rPr lang="hu-HU" sz="2200" dirty="0"/>
-              <a:t>Egyes algoritmusok erősségeinek feltérképezése</a:t>
-            </a:r>
-          </a:p>
-          <a:p>
-            <a:endParaRPr lang="hu-HU" sz="2200" dirty="0"/>
-          </a:p>
-          <a:p>
-            <a:endParaRPr lang="hu-HU" sz="2200" dirty="0"/>
-          </a:p>
-          <a:p>
-            <a:r>
-              <a:rPr lang="hu-HU" sz="2200" dirty="0"/>
-              <a:t>TODO: kitekintés megírása, diaszám</a:t>
+              <a:t>Jövőbeli feladatok:</a:t>
+            </a:r>
+          </a:p>
+          <a:p>
+            <a:pPr lvl="1"/>
+            <a:r>
+              <a:rPr lang="hu-HU" sz="1800" dirty="0"/>
+              <a:t>Hierarchikus </a:t>
+            </a:r>
+            <a:r>
+              <a:rPr lang="hu-HU" sz="1800" dirty="0" err="1"/>
+              <a:t>klaszterezés</a:t>
+            </a:r>
+            <a:r>
+              <a:rPr lang="hu-HU" sz="1800" dirty="0"/>
+              <a:t> más módszerrel történő optimalizálása</a:t>
+            </a:r>
+          </a:p>
+          <a:p>
+            <a:pPr lvl="1"/>
+            <a:r>
+              <a:rPr lang="hu-HU" sz="1800" dirty="0"/>
+              <a:t>TCN </a:t>
+            </a:r>
+            <a:r>
+              <a:rPr lang="hu-HU" sz="1800" dirty="0" err="1"/>
+              <a:t>autoencoder</a:t>
+            </a:r>
+            <a:r>
+              <a:rPr lang="hu-HU" sz="1800" dirty="0"/>
+              <a:t> fejlesztése</a:t>
+            </a:r>
+          </a:p>
+          <a:p>
+            <a:pPr lvl="1"/>
+            <a:r>
+              <a:rPr lang="hu-HU" sz="1800" dirty="0"/>
+              <a:t>Idősorok megkülönböztetése további paraméterek alapján</a:t>
+            </a:r>
+          </a:p>
+          <a:p>
+            <a:pPr lvl="1"/>
+            <a:r>
+              <a:rPr lang="hu-HU" sz="1800" dirty="0"/>
+              <a:t>Több előre szegmentált adathalmaz gyűjtése</a:t>
             </a:r>
           </a:p>
         </p:txBody>
@@ -5124,7 +5341,7 @@
                   <a:spcPts val="600"/>
                 </a:spcAft>
               </a:pPr>
-              <a:t>2025. 05. 07.</a:t>
+              <a:t>2025. 05. 10.</a:t>
             </a:fld>
             <a:endParaRPr lang="hu-HU"/>
           </a:p>
@@ -5204,7 +5421,10 @@
               </a:pPr>
               <a:t>10</a:t>
             </a:fld>
-            <a:endParaRPr lang="hu-HU"/>
+            <a:r>
+              <a:rPr lang="hu-HU" dirty="0"/>
+              <a:t>/11</a:t>
+            </a:r>
           </a:p>
         </p:txBody>
       </p:sp>
@@ -6603,7 +6823,7 @@
                   <a:spcPts val="600"/>
                 </a:spcAft>
               </a:pPr>
-              <a:t>2025. 05. 07.</a:t>
+              <a:t>2025. 05. 10.</a:t>
             </a:fld>
             <a:endParaRPr lang="hu-HU"/>
           </a:p>
@@ -6683,7 +6903,10 @@
               </a:pPr>
               <a:t>2</a:t>
             </a:fld>
-            <a:endParaRPr lang="hu-HU"/>
+            <a:r>
+              <a:rPr lang="hu-HU" dirty="0"/>
+              <a:t>/11</a:t>
+            </a:r>
           </a:p>
         </p:txBody>
       </p:sp>
@@ -7299,7 +7522,7 @@
             </a:pPr>
             <a:fld id="{3CE8E417-EEEF-F440-8154-5657BA807881}" type="datetime1">
               <a:rPr lang="hu-HU" smtClean="0"/>
-              <a:t>2025. 05. 07.</a:t>
+              <a:t>2025. 05. 10.</a:t>
             </a:fld>
             <a:endParaRPr lang="hu-HU"/>
           </a:p>
@@ -7379,7 +7602,10 @@
               </a:pPr>
               <a:t>3</a:t>
             </a:fld>
-            <a:endParaRPr lang="hu-HU"/>
+            <a:r>
+              <a:rPr lang="hu-HU" dirty="0"/>
+              <a:t>/11</a:t>
+            </a:r>
           </a:p>
         </p:txBody>
       </p:sp>
@@ -8183,31 +8409,31 @@
           <a:lstStyle/>
           <a:p>
             <a:r>
-              <a:rPr lang="hu-HU" sz="2200"/>
+              <a:rPr lang="hu-HU" sz="2200" dirty="0"/>
               <a:t>Pénzügy</a:t>
             </a:r>
           </a:p>
           <a:p>
             <a:r>
-              <a:rPr lang="hu-HU" sz="2200"/>
+              <a:rPr lang="hu-HU" sz="2200" dirty="0"/>
               <a:t>Egészségügy és orvosi diagnosztika</a:t>
             </a:r>
           </a:p>
           <a:p>
             <a:r>
-              <a:rPr lang="hu-HU" sz="2200"/>
+              <a:rPr lang="hu-HU" sz="2200" dirty="0"/>
               <a:t>Ipari gépmonitorozás</a:t>
             </a:r>
           </a:p>
           <a:p>
             <a:r>
-              <a:rPr lang="hu-HU" sz="2200"/>
+              <a:rPr lang="hu-HU" sz="2200" dirty="0"/>
               <a:t>Beszédfelismerés és jelfeldolgozás</a:t>
             </a:r>
           </a:p>
           <a:p>
             <a:r>
-              <a:rPr lang="hu-HU" sz="2200"/>
+              <a:rPr lang="hu-HU" sz="2200" dirty="0"/>
               <a:t>Közlekedés és mobilitás</a:t>
             </a:r>
           </a:p>
@@ -8248,7 +8474,7 @@
             </a:pPr>
             <a:fld id="{CE5796CF-F91D-8A43-BBA8-BA92F2D3E001}" type="datetime1">
               <a:rPr lang="hu-HU" smtClean="0"/>
-              <a:t>2025. 05. 07.</a:t>
+              <a:t>2025. 05. 10.</a:t>
             </a:fld>
             <a:endParaRPr lang="hu-HU"/>
           </a:p>
@@ -8328,7 +8554,10 @@
               </a:pPr>
               <a:t>4</a:t>
             </a:fld>
-            <a:endParaRPr lang="hu-HU"/>
+            <a:r>
+              <a:rPr lang="hu-HU" dirty="0"/>
+              <a:t>/11</a:t>
+            </a:r>
           </a:p>
         </p:txBody>
       </p:sp>
@@ -8815,9 +9044,9 @@
             </a:pPr>
             <a:fld id="{F6C20065-8D22-D348-8CD3-A180C3961739}" type="datetime1">
               <a:rPr lang="hu-HU" smtClean="0"/>
-              <a:t>2025. 05. 07.</a:t>
+              <a:t>2025. 05. 10.</a:t>
             </a:fld>
-            <a:endParaRPr lang="hu-HU"/>
+            <a:endParaRPr lang="hu-HU" dirty="0"/>
           </a:p>
         </p:txBody>
       </p:sp>
@@ -8895,7 +9124,10 @@
               </a:pPr>
               <a:t>5</a:t>
             </a:fld>
-            <a:endParaRPr lang="hu-HU"/>
+            <a:r>
+              <a:rPr lang="hu-HU" dirty="0"/>
+              <a:t>/11</a:t>
+            </a:r>
           </a:p>
         </p:txBody>
       </p:sp>
@@ -8937,44 +9169,384 @@
           <a:chExt cx="0" cy="0"/>
         </a:xfrm>
       </p:grpSpPr>
-      <p:sp>
-        <p:nvSpPr>
-          <p:cNvPr id="2" name="Cím 1">
-            <a:extLst>
-              <a:ext uri="{FF2B5EF4-FFF2-40B4-BE49-F238E27FC236}">
-                <a16:creationId xmlns:a16="http://schemas.microsoft.com/office/drawing/2014/main" id="{04497B56-7986-020E-C58E-EF68F5995859}"/>
-              </a:ext>
-            </a:extLst>
-          </p:cNvPr>
-          <p:cNvSpPr>
-            <a:spLocks noGrp="1"/>
-          </p:cNvSpPr>
-          <p:nvPr>
-            <p:ph type="title"/>
+      <p:sp useBgFill="1">
+        <p:nvSpPr>
+          <p:cNvPr id="27" name="Rectangle 26">
+            <a:extLst>
+              <a:ext uri="{FF2B5EF4-FFF2-40B4-BE49-F238E27FC236}">
+                <a16:creationId xmlns:a16="http://schemas.microsoft.com/office/drawing/2014/main" id="{665DBBEF-238B-476B-96AB-8AAC3224ECEA}"/>
+              </a:ext>
+              <a:ext uri="{C183D7F6-B498-43B3-948B-1728B52AA6E4}">
+                <adec:decorative xmlns:adec="http://schemas.microsoft.com/office/drawing/2017/decorative" val="1"/>
+              </a:ext>
+            </a:extLst>
+          </p:cNvPr>
+          <p:cNvSpPr>
+            <a:spLocks noGrp="1" noRot="1" noChangeAspect="1" noMove="1" noResize="1" noEditPoints="1" noAdjustHandles="1" noChangeArrowheads="1" noChangeShapeType="1" noTextEdit="1"/>
+          </p:cNvSpPr>
+          <p:nvPr>
+            <p:extLst>
+              <p:ext uri="{386F3935-93C4-4BCD-93E2-E3B085C9AB24}">
+                <p16:designElem xmlns:p16="http://schemas.microsoft.com/office/powerpoint/2015/main" val="1"/>
+              </p:ext>
+            </p:extLst>
           </p:nvPr>
         </p:nvSpPr>
         <p:spPr>
           <a:xfrm>
-            <a:off x="876693" y="741391"/>
-            <a:ext cx="3455821" cy="1616203"/>
+            <a:off x="0" y="0"/>
+            <a:ext cx="12192000" cy="6858000"/>
+          </a:xfrm>
+          <a:prstGeom prst="rect">
+            <a:avLst/>
+          </a:prstGeom>
+          <a:ln>
+            <a:noFill/>
+          </a:ln>
+        </p:spPr>
+        <p:style>
+          <a:lnRef idx="2">
+            <a:schemeClr val="accent1">
+              <a:shade val="50000"/>
+            </a:schemeClr>
+          </a:lnRef>
+          <a:fillRef idx="1">
+            <a:schemeClr val="accent1"/>
+          </a:fillRef>
+          <a:effectRef idx="0">
+            <a:schemeClr val="accent1"/>
+          </a:effectRef>
+          <a:fontRef idx="minor">
+            <a:schemeClr val="lt1"/>
+          </a:fontRef>
+        </p:style>
+        <p:txBody>
+          <a:bodyPr rtlCol="0" anchor="ctr"/>
+          <a:lstStyle/>
+          <a:p>
+            <a:pPr algn="ctr"/>
+            <a:endParaRPr lang="en-US"/>
+          </a:p>
+        </p:txBody>
+      </p:sp>
+      <p:sp>
+        <p:nvSpPr>
+          <p:cNvPr id="2" name="Cím 1">
+            <a:extLst>
+              <a:ext uri="{FF2B5EF4-FFF2-40B4-BE49-F238E27FC236}">
+                <a16:creationId xmlns:a16="http://schemas.microsoft.com/office/drawing/2014/main" id="{04497B56-7986-020E-C58E-EF68F5995859}"/>
+              </a:ext>
+            </a:extLst>
+          </p:cNvPr>
+          <p:cNvSpPr>
+            <a:spLocks noGrp="1"/>
+          </p:cNvSpPr>
+          <p:nvPr>
+            <p:ph type="title"/>
+          </p:nvPr>
+        </p:nvSpPr>
+        <p:spPr>
+          <a:xfrm>
+            <a:off x="638882" y="639193"/>
+            <a:ext cx="3571810" cy="3573516"/>
           </a:xfrm>
         </p:spPr>
         <p:txBody>
-          <a:bodyPr anchor="b">
+          <a:bodyPr vert="horz" lIns="91440" tIns="45720" rIns="91440" bIns="45720" rtlCol="0" anchor="b">
             <a:normAutofit/>
           </a:bodyPr>
           <a:lstStyle/>
           <a:p>
             <a:r>
-              <a:rPr lang="hu-HU" sz="3200"/>
+              <a:rPr lang="en-US" sz="3600" kern="1200">
+                <a:solidFill>
+                  <a:schemeClr val="tx1"/>
+                </a:solidFill>
+                <a:latin typeface="+mj-lt"/>
+                <a:ea typeface="+mj-ea"/>
+                <a:cs typeface="+mj-cs"/>
+              </a:rPr>
               <a:t>Többségi szavazás idősor szegmentáláshoz</a:t>
             </a:r>
+          </a:p>
+        </p:txBody>
+      </p:sp>
+      <p:sp>
+        <p:nvSpPr>
+          <p:cNvPr id="29" name="sketch line">
+            <a:extLst>
+              <a:ext uri="{FF2B5EF4-FFF2-40B4-BE49-F238E27FC236}">
+                <a16:creationId xmlns:a16="http://schemas.microsoft.com/office/drawing/2014/main" id="{3FCFB1DE-0B7E-48CC-BA90-B2AB0889F9D6}"/>
+              </a:ext>
+              <a:ext uri="{C183D7F6-B498-43B3-948B-1728B52AA6E4}">
+                <adec:decorative xmlns:adec="http://schemas.microsoft.com/office/drawing/2017/decorative" val="1"/>
+              </a:ext>
+            </a:extLst>
+          </p:cNvPr>
+          <p:cNvSpPr>
+            <a:spLocks noGrp="1" noRot="1" noChangeAspect="1" noMove="1" noResize="1" noEditPoints="1" noAdjustHandles="1" noChangeArrowheads="1" noChangeShapeType="1" noTextEdit="1"/>
+          </p:cNvSpPr>
+          <p:nvPr>
+            <p:extLst>
+              <p:ext uri="{386F3935-93C4-4BCD-93E2-E3B085C9AB24}">
+                <p16:designElem xmlns:p16="http://schemas.microsoft.com/office/powerpoint/2015/main" val="1"/>
+              </p:ext>
+            </p:extLst>
+          </p:nvPr>
+        </p:nvSpPr>
+        <p:spPr>
+          <a:xfrm>
+            <a:off x="643278" y="4409267"/>
+            <a:ext cx="3255095" cy="18288"/>
+          </a:xfrm>
+          <a:custGeom>
+            <a:avLst/>
+            <a:gdLst>
+              <a:gd name="connsiteX0" fmla="*/ 0 w 3255095"/>
+              <a:gd name="connsiteY0" fmla="*/ 0 h 18288"/>
+              <a:gd name="connsiteX1" fmla="*/ 618468 w 3255095"/>
+              <a:gd name="connsiteY1" fmla="*/ 0 h 18288"/>
+              <a:gd name="connsiteX2" fmla="*/ 1269487 w 3255095"/>
+              <a:gd name="connsiteY2" fmla="*/ 0 h 18288"/>
+              <a:gd name="connsiteX3" fmla="*/ 1953057 w 3255095"/>
+              <a:gd name="connsiteY3" fmla="*/ 0 h 18288"/>
+              <a:gd name="connsiteX4" fmla="*/ 2636627 w 3255095"/>
+              <a:gd name="connsiteY4" fmla="*/ 0 h 18288"/>
+              <a:gd name="connsiteX5" fmla="*/ 3255095 w 3255095"/>
+              <a:gd name="connsiteY5" fmla="*/ 0 h 18288"/>
+              <a:gd name="connsiteX6" fmla="*/ 3255095 w 3255095"/>
+              <a:gd name="connsiteY6" fmla="*/ 18288 h 18288"/>
+              <a:gd name="connsiteX7" fmla="*/ 2538974 w 3255095"/>
+              <a:gd name="connsiteY7" fmla="*/ 18288 h 18288"/>
+              <a:gd name="connsiteX8" fmla="*/ 1822853 w 3255095"/>
+              <a:gd name="connsiteY8" fmla="*/ 18288 h 18288"/>
+              <a:gd name="connsiteX9" fmla="*/ 1171834 w 3255095"/>
+              <a:gd name="connsiteY9" fmla="*/ 18288 h 18288"/>
+              <a:gd name="connsiteX10" fmla="*/ 0 w 3255095"/>
+              <a:gd name="connsiteY10" fmla="*/ 18288 h 18288"/>
+              <a:gd name="connsiteX11" fmla="*/ 0 w 3255095"/>
+              <a:gd name="connsiteY11" fmla="*/ 0 h 18288"/>
+            </a:gdLst>
+            <a:ahLst/>
+            <a:cxnLst>
+              <a:cxn ang="0">
+                <a:pos x="connsiteX0" y="connsiteY0"/>
+              </a:cxn>
+              <a:cxn ang="0">
+                <a:pos x="connsiteX1" y="connsiteY1"/>
+              </a:cxn>
+              <a:cxn ang="0">
+                <a:pos x="connsiteX2" y="connsiteY2"/>
+              </a:cxn>
+              <a:cxn ang="0">
+                <a:pos x="connsiteX3" y="connsiteY3"/>
+              </a:cxn>
+              <a:cxn ang="0">
+                <a:pos x="connsiteX4" y="connsiteY4"/>
+              </a:cxn>
+              <a:cxn ang="0">
+                <a:pos x="connsiteX5" y="connsiteY5"/>
+              </a:cxn>
+              <a:cxn ang="0">
+                <a:pos x="connsiteX6" y="connsiteY6"/>
+              </a:cxn>
+              <a:cxn ang="0">
+                <a:pos x="connsiteX7" y="connsiteY7"/>
+              </a:cxn>
+              <a:cxn ang="0">
+                <a:pos x="connsiteX8" y="connsiteY8"/>
+              </a:cxn>
+              <a:cxn ang="0">
+                <a:pos x="connsiteX9" y="connsiteY9"/>
+              </a:cxn>
+              <a:cxn ang="0">
+                <a:pos x="connsiteX10" y="connsiteY10"/>
+              </a:cxn>
+              <a:cxn ang="0">
+                <a:pos x="connsiteX11" y="connsiteY11"/>
+              </a:cxn>
+            </a:cxnLst>
+            <a:rect l="l" t="t" r="r" b="b"/>
+            <a:pathLst>
+              <a:path w="3255095" h="18288" fill="none" extrusionOk="0">
+                <a:moveTo>
+                  <a:pt x="0" y="0"/>
+                </a:moveTo>
+                <a:cubicBezTo>
+                  <a:pt x="240201" y="-22123"/>
+                  <a:pt x="462021" y="-19623"/>
+                  <a:pt x="618468" y="0"/>
+                </a:cubicBezTo>
+                <a:cubicBezTo>
+                  <a:pt x="774915" y="19623"/>
+                  <a:pt x="974734" y="2035"/>
+                  <a:pt x="1269487" y="0"/>
+                </a:cubicBezTo>
+                <a:cubicBezTo>
+                  <a:pt x="1564240" y="-2035"/>
+                  <a:pt x="1733579" y="10639"/>
+                  <a:pt x="1953057" y="0"/>
+                </a:cubicBezTo>
+                <a:cubicBezTo>
+                  <a:pt x="2172535" y="-10639"/>
+                  <a:pt x="2453962" y="14018"/>
+                  <a:pt x="2636627" y="0"/>
+                </a:cubicBezTo>
+                <a:cubicBezTo>
+                  <a:pt x="2819292" y="-14018"/>
+                  <a:pt x="3121375" y="5399"/>
+                  <a:pt x="3255095" y="0"/>
+                </a:cubicBezTo>
+                <a:cubicBezTo>
+                  <a:pt x="3254386" y="8157"/>
+                  <a:pt x="3254682" y="12125"/>
+                  <a:pt x="3255095" y="18288"/>
+                </a:cubicBezTo>
+                <a:cubicBezTo>
+                  <a:pt x="3088545" y="23203"/>
+                  <a:pt x="2687475" y="7419"/>
+                  <a:pt x="2538974" y="18288"/>
+                </a:cubicBezTo>
+                <a:cubicBezTo>
+                  <a:pt x="2390473" y="29157"/>
+                  <a:pt x="2137381" y="-8959"/>
+                  <a:pt x="1822853" y="18288"/>
+                </a:cubicBezTo>
+                <a:cubicBezTo>
+                  <a:pt x="1508325" y="45535"/>
+                  <a:pt x="1466437" y="20385"/>
+                  <a:pt x="1171834" y="18288"/>
+                </a:cubicBezTo>
+                <a:cubicBezTo>
+                  <a:pt x="877231" y="16191"/>
+                  <a:pt x="561097" y="37643"/>
+                  <a:pt x="0" y="18288"/>
+                </a:cubicBezTo>
+                <a:cubicBezTo>
+                  <a:pt x="-46" y="12483"/>
+                  <a:pt x="-203" y="6491"/>
+                  <a:pt x="0" y="0"/>
+                </a:cubicBezTo>
+                <a:close/>
+              </a:path>
+              <a:path w="3255095" h="18288" stroke="0" extrusionOk="0">
+                <a:moveTo>
+                  <a:pt x="0" y="0"/>
+                </a:moveTo>
+                <a:cubicBezTo>
+                  <a:pt x="291965" y="19429"/>
+                  <a:pt x="363155" y="8568"/>
+                  <a:pt x="618468" y="0"/>
+                </a:cubicBezTo>
+                <a:cubicBezTo>
+                  <a:pt x="873781" y="-8568"/>
+                  <a:pt x="904459" y="-19505"/>
+                  <a:pt x="1171834" y="0"/>
+                </a:cubicBezTo>
+                <a:cubicBezTo>
+                  <a:pt x="1439209" y="19505"/>
+                  <a:pt x="1744369" y="9790"/>
+                  <a:pt x="1887955" y="0"/>
+                </a:cubicBezTo>
+                <a:cubicBezTo>
+                  <a:pt x="2031541" y="-9790"/>
+                  <a:pt x="2346378" y="21240"/>
+                  <a:pt x="2506423" y="0"/>
+                </a:cubicBezTo>
+                <a:cubicBezTo>
+                  <a:pt x="2666468" y="-21240"/>
+                  <a:pt x="2990257" y="30414"/>
+                  <a:pt x="3255095" y="0"/>
+                </a:cubicBezTo>
+                <a:cubicBezTo>
+                  <a:pt x="3254831" y="4493"/>
+                  <a:pt x="3255479" y="9472"/>
+                  <a:pt x="3255095" y="18288"/>
+                </a:cubicBezTo>
+                <a:cubicBezTo>
+                  <a:pt x="3120743" y="16690"/>
+                  <a:pt x="2759628" y="42462"/>
+                  <a:pt x="2604076" y="18288"/>
+                </a:cubicBezTo>
+                <a:cubicBezTo>
+                  <a:pt x="2448524" y="-5886"/>
+                  <a:pt x="2184336" y="19599"/>
+                  <a:pt x="1887955" y="18288"/>
+                </a:cubicBezTo>
+                <a:cubicBezTo>
+                  <a:pt x="1591574" y="16977"/>
+                  <a:pt x="1548845" y="6870"/>
+                  <a:pt x="1334589" y="18288"/>
+                </a:cubicBezTo>
+                <a:cubicBezTo>
+                  <a:pt x="1120333" y="29706"/>
+                  <a:pt x="996014" y="9662"/>
+                  <a:pt x="683570" y="18288"/>
+                </a:cubicBezTo>
+                <a:cubicBezTo>
+                  <a:pt x="371126" y="26914"/>
+                  <a:pt x="198687" y="16167"/>
+                  <a:pt x="0" y="18288"/>
+                </a:cubicBezTo>
+                <a:cubicBezTo>
+                  <a:pt x="843" y="9577"/>
+                  <a:pt x="371" y="6900"/>
+                  <a:pt x="0" y="0"/>
+                </a:cubicBezTo>
+                <a:close/>
+              </a:path>
+            </a:pathLst>
+          </a:custGeom>
+          <a:solidFill>
+            <a:schemeClr val="accent2"/>
+          </a:solidFill>
+          <a:ln w="38100" cap="rnd">
+            <a:solidFill>
+              <a:schemeClr val="accent2"/>
+            </a:solidFill>
+            <a:round/>
+            <a:extLst>
+              <a:ext uri="{C807C97D-BFC1-408E-A445-0C87EB9F89A2}">
+                <ask:lineSketchStyleProps xmlns:ask="http://schemas.microsoft.com/office/drawing/2018/sketchyshapes" sd="1219033472">
+                  <a:prstGeom prst="rect">
+                    <a:avLst/>
+                  </a:prstGeom>
+                  <ask:type>
+                    <ask:lineSketchFreehand/>
+                  </ask:type>
+                </ask:lineSketchStyleProps>
+              </a:ext>
+            </a:extLst>
+          </a:ln>
+        </p:spPr>
+        <p:style>
+          <a:lnRef idx="2">
+            <a:schemeClr val="accent1">
+              <a:shade val="50000"/>
+            </a:schemeClr>
+          </a:lnRef>
+          <a:fillRef idx="1">
+            <a:schemeClr val="accent1"/>
+          </a:fillRef>
+          <a:effectRef idx="0">
+            <a:schemeClr val="accent1"/>
+          </a:effectRef>
+          <a:fontRef idx="minor">
+            <a:schemeClr val="lt1"/>
+          </a:fontRef>
+        </p:style>
+        <p:txBody>
+          <a:bodyPr rtlCol="0" anchor="ctr"/>
+          <a:lstStyle/>
+          <a:p>
+            <a:pPr algn="ctr"/>
+            <a:endParaRPr lang="en-US"/>
           </a:p>
         </p:txBody>
       </p:sp>
       <p:pic>
         <p:nvPicPr>
-          <p:cNvPr id="8" name="Tartalom helye 7">
+          <p:cNvPr id="8" name="Tartalom helye 7" descr="A képen diagram, sor, Diagram, képernyőkép látható&#10;&#10;Automatikusan generált leírás">
             <a:extLst>
               <a:ext uri="{FF2B5EF4-FFF2-40B4-BE49-F238E27FC236}">
                 <a16:creationId xmlns:a16="http://schemas.microsoft.com/office/drawing/2014/main" id="{1DC4AF57-EAA9-5E0B-630B-A1B76B1D37A5}"/>
@@ -8987,15 +9559,15 @@
           <p:nvPr/>
         </p:nvPicPr>
         <p:blipFill>
-          <a:blip r:embed="rId2"/>
+          <a:blip r:embed="rId3"/>
           <a:stretch>
             <a:fillRect/>
           </a:stretch>
         </p:blipFill>
         <p:spPr>
           <a:xfrm>
-            <a:off x="4102406" y="524033"/>
-            <a:ext cx="7619584" cy="5809933"/>
+            <a:off x="4210692" y="365858"/>
+            <a:ext cx="7677333" cy="5853967"/>
           </a:xfrm>
           <a:prstGeom prst="rect">
             <a:avLst/>
@@ -9025,7 +9597,7 @@
           </a:xfrm>
         </p:spPr>
         <p:txBody>
-          <a:bodyPr>
+          <a:bodyPr vert="horz" lIns="91440" tIns="45720" rIns="91440" bIns="45720" rtlCol="0" anchor="ctr">
             <a:normAutofit/>
           </a:bodyPr>
           <a:lstStyle/>
@@ -9035,11 +9607,16 @@
                 <a:spcPts val="600"/>
               </a:spcAft>
             </a:pPr>
-            <a:fld id="{C3CDD1BF-4F77-A341-BD40-66E03000F2E9}" type="datetime1">
-              <a:rPr lang="hu-HU" smtClean="0"/>
-              <a:t>2025. 05. 07.</a:t>
-            </a:fld>
-            <a:endParaRPr lang="hu-HU"/>
+            <a:r>
+              <a:rPr lang="en-US" dirty="0">
+                <a:solidFill>
+                  <a:schemeClr val="tx1">
+                    <a:tint val="75000"/>
+                  </a:schemeClr>
+                </a:solidFill>
+              </a:rPr>
+              <a:t>2025. 05. 10.</a:t>
+            </a:r>
           </a:p>
         </p:txBody>
       </p:sp>
@@ -9061,24 +9638,25 @@
         </p:nvSpPr>
         <p:spPr>
           <a:xfrm>
-            <a:off x="5514569" y="6356350"/>
-            <a:ext cx="3096030" cy="365125"/>
+            <a:off x="4038600" y="6356350"/>
+            <a:ext cx="4114800" cy="365125"/>
           </a:xfrm>
         </p:spPr>
         <p:txBody>
-          <a:bodyPr>
+          <a:bodyPr vert="horz" lIns="91440" tIns="45720" rIns="91440" bIns="45720" rtlCol="0" anchor="ctr">
             <a:normAutofit/>
           </a:bodyPr>
           <a:lstStyle/>
           <a:p>
-            <a:pPr algn="l"/>
-            <a:endParaRPr lang="hu-HU">
+            <a:endParaRPr lang="en-US" sz="1200" kern="1200">
               <a:solidFill>
                 <a:schemeClr val="tx1">
-                  <a:lumMod val="50000"/>
-                  <a:lumOff val="50000"/>
+                  <a:tint val="75000"/>
                 </a:schemeClr>
               </a:solidFill>
+              <a:latin typeface="+mn-lt"/>
+              <a:ea typeface="+mn-ea"/>
+              <a:cs typeface="+mn-cs"/>
             </a:endParaRPr>
           </a:p>
         </p:txBody>
@@ -9106,7 +9684,7 @@
           </a:xfrm>
         </p:spPr>
         <p:txBody>
-          <a:bodyPr>
+          <a:bodyPr vert="horz" lIns="91440" tIns="45720" rIns="91440" bIns="45720" rtlCol="0" anchor="ctr">
             <a:normAutofit/>
           </a:bodyPr>
           <a:lstStyle/>
@@ -9117,11 +9695,10 @@
               </a:spcAft>
             </a:pPr>
             <a:fld id="{2BF5634A-3FEB-2145-92F8-FA1760146F41}" type="slidenum">
-              <a:rPr lang="hu-HU">
+              <a:rPr lang="en-US" smtClean="0">
                 <a:solidFill>
                   <a:schemeClr val="tx1">
-                    <a:lumMod val="50000"/>
-                    <a:lumOff val="50000"/>
+                    <a:tint val="75000"/>
                   </a:schemeClr>
                 </a:solidFill>
               </a:rPr>
@@ -9132,194 +9709,19 @@
               </a:pPr>
               <a:t>6</a:t>
             </a:fld>
-            <a:endParaRPr lang="hu-HU">
-              <a:solidFill>
-                <a:schemeClr val="tx1">
-                  <a:lumMod val="50000"/>
-                  <a:lumOff val="50000"/>
-                </a:schemeClr>
-              </a:solidFill>
-            </a:endParaRPr>
-          </a:p>
-        </p:txBody>
-      </p:sp>
-      <p:grpSp>
-        <p:nvGrpSpPr>
-          <p:cNvPr id="20" name="Group 19">
-            <a:extLst>
-              <a:ext uri="{FF2B5EF4-FFF2-40B4-BE49-F238E27FC236}">
-                <a16:creationId xmlns:a16="http://schemas.microsoft.com/office/drawing/2014/main" id="{6258F736-B256-8039-9DC6-F4E49A5C5AD5}"/>
-              </a:ext>
-              <a:ext uri="{C183D7F6-B498-43B3-948B-1728B52AA6E4}">
-                <adec:decorative xmlns:adec="http://schemas.microsoft.com/office/drawing/2017/decorative" val="1"/>
-              </a:ext>
-            </a:extLst>
-          </p:cNvPr>
-          <p:cNvGrpSpPr>
-            <a:grpSpLocks noGrp="1" noUngrp="1" noRot="1" noChangeAspect="1" noMove="1" noResize="1"/>
-          </p:cNvGrpSpPr>
-          <p:nvPr>
-            <p:extLst>
-              <p:ext uri="{386F3935-93C4-4BCD-93E2-E3B085C9AB24}">
-                <p16:designElem xmlns:p16="http://schemas.microsoft.com/office/powerpoint/2015/main" val="1"/>
-              </p:ext>
-            </p:extLst>
-          </p:nvPr>
-        </p:nvGrpSpPr>
-        <p:grpSpPr>
-          <a:xfrm flipH="1">
-            <a:off x="12068638" y="0"/>
-            <a:ext cx="123362" cy="6858000"/>
-            <a:chOff x="12068638" y="0"/>
-            <a:chExt cx="123362" cy="6858000"/>
-          </a:xfrm>
-        </p:grpSpPr>
-        <p:sp>
-          <p:nvSpPr>
-            <p:cNvPr id="21" name="Rectangle 20">
-              <a:extLst>
-                <a:ext uri="{FF2B5EF4-FFF2-40B4-BE49-F238E27FC236}">
-                  <a16:creationId xmlns:a16="http://schemas.microsoft.com/office/drawing/2014/main" id="{10B4520A-996E-330C-99DA-69CA4D89E906}"/>
-                </a:ext>
-                <a:ext uri="{C183D7F6-B498-43B3-948B-1728B52AA6E4}">
-                  <adec:decorative xmlns:adec="http://schemas.microsoft.com/office/drawing/2017/decorative" val="1"/>
-                </a:ext>
-              </a:extLst>
-            </p:cNvPr>
-            <p:cNvSpPr/>
-            <p:nvPr>
-              <p:extLst>
-                <p:ext uri="{386F3935-93C4-4BCD-93E2-E3B085C9AB24}">
-                  <p16:designElem xmlns:p16="http://schemas.microsoft.com/office/powerpoint/2015/main" val="1"/>
-                </p:ext>
-              </p:extLst>
-            </p:nvPr>
-          </p:nvSpPr>
-          <p:spPr>
-            <a:xfrm>
-              <a:off x="12068638" y="0"/>
-              <a:ext cx="123362" cy="6858000"/>
-            </a:xfrm>
-            <a:prstGeom prst="rect">
-              <a:avLst/>
-            </a:prstGeom>
-            <a:gradFill>
-              <a:gsLst>
-                <a:gs pos="0">
-                  <a:schemeClr val="accent2"/>
-                </a:gs>
-                <a:gs pos="100000">
-                  <a:schemeClr val="accent5"/>
-                </a:gs>
-              </a:gsLst>
-              <a:lin ang="1800000" scaled="0"/>
-            </a:gradFill>
-            <a:ln>
-              <a:noFill/>
-            </a:ln>
-          </p:spPr>
-          <p:style>
-            <a:lnRef idx="2">
-              <a:schemeClr val="accent1">
-                <a:shade val="50000"/>
-              </a:schemeClr>
-            </a:lnRef>
-            <a:fillRef idx="1">
-              <a:schemeClr val="accent1"/>
-            </a:fillRef>
-            <a:effectRef idx="0">
-              <a:schemeClr val="accent1"/>
-            </a:effectRef>
-            <a:fontRef idx="minor">
-              <a:schemeClr val="lt1"/>
-            </a:fontRef>
-          </p:style>
-          <p:txBody>
-            <a:bodyPr rtlCol="0" anchor="ctr"/>
-            <a:lstStyle/>
-            <a:p>
-              <a:pPr algn="ctr"/>
-              <a:endParaRPr lang="en-US"/>
-            </a:p>
-          </p:txBody>
-        </p:sp>
-        <p:sp>
-          <p:nvSpPr>
-            <p:cNvPr id="22" name="Rectangle 21">
-              <a:extLst>
-                <a:ext uri="{FF2B5EF4-FFF2-40B4-BE49-F238E27FC236}">
-                  <a16:creationId xmlns:a16="http://schemas.microsoft.com/office/drawing/2014/main" id="{EC8FA945-E356-695F-18D6-CAD4EF34FE4A}"/>
-                </a:ext>
-                <a:ext uri="{C183D7F6-B498-43B3-948B-1728B52AA6E4}">
-                  <adec:decorative xmlns:adec="http://schemas.microsoft.com/office/drawing/2017/decorative" val="1"/>
-                </a:ext>
-              </a:extLst>
-            </p:cNvPr>
-            <p:cNvSpPr/>
-            <p:nvPr>
-              <p:extLst>
-                <p:ext uri="{386F3935-93C4-4BCD-93E2-E3B085C9AB24}">
-                  <p16:designElem xmlns:p16="http://schemas.microsoft.com/office/powerpoint/2015/main" val="1"/>
-                </p:ext>
-              </p:extLst>
-            </p:nvPr>
-          </p:nvSpPr>
-          <p:spPr>
-            <a:xfrm>
-              <a:off x="12068638" y="3527553"/>
-              <a:ext cx="123362" cy="3330447"/>
-            </a:xfrm>
-            <a:prstGeom prst="rect">
-              <a:avLst/>
-            </a:prstGeom>
-            <a:gradFill>
-              <a:gsLst>
-                <a:gs pos="19000">
-                  <a:schemeClr val="accent5">
-                    <a:lumMod val="60000"/>
-                    <a:lumOff val="40000"/>
-                    <a:alpha val="0"/>
+            <a:r>
+              <a:rPr lang="en-US" dirty="0">
+                <a:solidFill>
+                  <a:schemeClr val="tx1">
+                    <a:tint val="75000"/>
                   </a:schemeClr>
-                </a:gs>
-                <a:gs pos="100000">
-                  <a:schemeClr val="accent5">
-                    <a:lumMod val="60000"/>
-                    <a:lumOff val="40000"/>
-                  </a:schemeClr>
-                </a:gs>
-              </a:gsLst>
-              <a:lin ang="600000" scaled="0"/>
-            </a:gradFill>
-            <a:ln>
-              <a:noFill/>
-            </a:ln>
-          </p:spPr>
-          <p:style>
-            <a:lnRef idx="2">
-              <a:schemeClr val="accent1">
-                <a:shade val="50000"/>
-              </a:schemeClr>
-            </a:lnRef>
-            <a:fillRef idx="1">
-              <a:schemeClr val="accent1"/>
-            </a:fillRef>
-            <a:effectRef idx="0">
-              <a:schemeClr val="accent1"/>
-            </a:effectRef>
-            <a:fontRef idx="minor">
-              <a:schemeClr val="lt1"/>
-            </a:fontRef>
-          </p:style>
-          <p:txBody>
-            <a:bodyPr rtlCol="0" anchor="ctr"/>
-            <a:lstStyle/>
-            <a:p>
-              <a:pPr algn="ctr"/>
-              <a:endParaRPr lang="en-US"/>
-            </a:p>
-          </p:txBody>
-        </p:sp>
-      </p:grpSp>
+                </a:solidFill>
+              </a:rPr>
+              <a:t>/11</a:t>
+            </a:r>
+          </a:p>
+        </p:txBody>
+      </p:sp>
     </p:spTree>
     <p:extLst>
       <p:ext uri="{BB962C8B-B14F-4D97-AF65-F5344CB8AC3E}">
@@ -9941,7 +10343,7 @@
             </a:pPr>
             <a:fld id="{F36B3592-03CB-194B-B84D-F861BFD2AD9F}" type="datetime1">
               <a:rPr lang="hu-HU" smtClean="0"/>
-              <a:t>2025. 05. 07.</a:t>
+              <a:t>2025. 05. 10.</a:t>
             </a:fld>
             <a:endParaRPr lang="hu-HU"/>
           </a:p>
@@ -10021,7 +10423,10 @@
               </a:pPr>
               <a:t>7</a:t>
             </a:fld>
-            <a:endParaRPr lang="hu-HU"/>
+            <a:r>
+              <a:rPr lang="hu-HU" dirty="0"/>
+              <a:t>/11</a:t>
+            </a:r>
           </a:p>
         </p:txBody>
       </p:sp>
@@ -10728,7 +11133,7 @@
                   </a:schemeClr>
                 </a:solidFill>
               </a:rPr>
-              <a:t>2025. 05. 07.</a:t>
+              <a:t>2025. 05. 10.</a:t>
             </a:fld>
             <a:endParaRPr lang="en-US" dirty="0">
               <a:solidFill>
@@ -10829,13 +11234,16 @@
               </a:pPr>
               <a:t>8</a:t>
             </a:fld>
-            <a:endParaRPr lang="en-US">
-              <a:solidFill>
-                <a:schemeClr val="tx1">
-                  <a:tint val="75000"/>
-                </a:schemeClr>
-              </a:solidFill>
-            </a:endParaRPr>
+            <a:r>
+              <a:rPr lang="en-US" dirty="0">
+                <a:solidFill>
+                  <a:schemeClr val="tx1">
+                    <a:tint val="75000"/>
+                  </a:schemeClr>
+                </a:solidFill>
+              </a:rPr>
+              <a:t>/11</a:t>
+            </a:r>
           </a:p>
         </p:txBody>
       </p:sp>
@@ -11434,7 +11842,7 @@
                   <a:spcPts val="600"/>
                 </a:spcAft>
               </a:pPr>
-              <a:t>2025. 05. 07.</a:t>
+              <a:t>2025. 05. 10.</a:t>
             </a:fld>
             <a:endParaRPr lang="hu-HU"/>
           </a:p>
@@ -11514,7 +11922,10 @@
               </a:pPr>
               <a:t>9</a:t>
             </a:fld>
-            <a:endParaRPr lang="hu-HU"/>
+            <a:r>
+              <a:rPr lang="hu-HU" dirty="0"/>
+              <a:t>/11</a:t>
+            </a:r>
           </a:p>
         </p:txBody>
       </p:sp>

--- a/bemutato.pptx
+++ b/bemutato.pptx
@@ -1,6 +1,6 @@
 
 <file path=ppt/presentation.xml><?xml version="1.0" encoding="utf-8"?>
-<p:presentation xmlns:a="http://schemas.openxmlformats.org/drawingml/2006/main" xmlns:r="http://schemas.openxmlformats.org/officeDocument/2006/relationships" xmlns:p="http://schemas.openxmlformats.org/presentationml/2006/main" showSpecialPlsOnTitleSld="0" saveSubsetFonts="1" autoCompressPictures="0">
+<p:presentation xmlns:a="http://schemas.openxmlformats.org/drawingml/2006/main" xmlns:r="http://schemas.openxmlformats.org/officeDocument/2006/relationships" xmlns:p="http://schemas.openxmlformats.org/presentationml/2006/main" saveSubsetFonts="1" autoCompressPictures="0">
   <p:sldMasterIdLst>
     <p:sldMasterId id="2147483648" r:id="rId1"/>
   </p:sldMasterIdLst>
@@ -207,7 +207,7 @@
           <a:p>
             <a:fld id="{5D01EA2F-D39E-DC47-A02E-3FADA924A388}" type="datetimeFigureOut">
               <a:rPr lang="hu-HU" smtClean="0"/>
-              <a:t>2025. 05. 10.</a:t>
+              <a:t>2025. 05. 12.</a:t>
             </a:fld>
             <a:endParaRPr lang="hu-HU"/>
           </a:p>
@@ -528,15 +528,58 @@
             </a:r>
             <a:r>
               <a:rPr lang="hu-HU" dirty="0"/>
-              <a:t> (</a:t>
-            </a:r>
-            <a:r>
-              <a:rPr lang="hu-HU" dirty="0" err="1"/>
-              <a:t>Ward-linkage</a:t>
-            </a:r>
+              <a:t> csoportosítja őket.</a:t>
+            </a:r>
+          </a:p>
+          <a:p>
+            <a:r>
+              <a:rPr lang="hu-HU" dirty="0" err="1">
+                <a:solidFill>
+                  <a:srgbClr val="000000"/>
+                </a:solidFill>
+                <a:effectLst/>
+                <a:latin typeface="Times New Roman" panose="02020603050405020304" pitchFamily="18" charset="0"/>
+              </a:rPr>
+              <a:t>ward</a:t>
+            </a:r>
+            <a:r>
+              <a:rPr lang="hu-HU" dirty="0">
+                <a:solidFill>
+                  <a:srgbClr val="000000"/>
+                </a:solidFill>
+                <a:effectLst/>
+                <a:latin typeface="Times New Roman" panose="02020603050405020304" pitchFamily="18" charset="0"/>
+              </a:rPr>
+              <a:t> egy variancia minimalizáló stratégiát követ, addig a </a:t>
+            </a:r>
+            <a:r>
+              <a:rPr lang="hu-HU" dirty="0" err="1">
+                <a:solidFill>
+                  <a:srgbClr val="000000"/>
+                </a:solidFill>
+                <a:effectLst/>
+                <a:latin typeface="Times New Roman" panose="02020603050405020304" pitchFamily="18" charset="0"/>
+              </a:rPr>
+              <a:t>single</a:t>
+            </a:r>
+            <a:r>
+              <a:rPr lang="hu-HU" dirty="0">
+                <a:solidFill>
+                  <a:srgbClr val="000000"/>
+                </a:solidFill>
+                <a:effectLst/>
+                <a:latin typeface="Times New Roman" panose="02020603050405020304" pitchFamily="18" charset="0"/>
+              </a:rPr>
+              <a:t> a klaszterek legközelebbi pontjai közötti távolság alapján hozza meg az összevonási döntést</a:t>
+            </a:r>
+          </a:p>
+          <a:p>
+            <a:endParaRPr lang="hu-HU" dirty="0"/>
+          </a:p>
+          <a:p>
             <a:r>
               <a:rPr lang="hu-HU" dirty="0"/>
-              <a:t>) csoportosítja őket. A </a:t>
+              <a:t> A </a:t>
             </a:r>
             <a:r>
               <a:rPr lang="hu-HU" dirty="0" err="1"/>
@@ -544,7 +587,15 @@
             </a:r>
             <a:r>
               <a:rPr lang="hu-HU" dirty="0"/>
-              <a:t> használt távolsági küszöböt az </a:t>
+              <a:t> használt távolsági küszöböt, amivel a </a:t>
+            </a:r>
+            <a:r>
+              <a:rPr lang="hu-HU" dirty="0" err="1"/>
+              <a:t>dendrogramot</a:t>
+            </a:r>
+            <a:r>
+              <a:rPr lang="hu-HU" dirty="0"/>
+              <a:t> elvágjuk az </a:t>
             </a:r>
             <a:r>
               <a:rPr lang="hu-HU" i="1" dirty="0" err="1"/>
@@ -569,23 +620,7 @@
           <a:p>
             <a:r>
               <a:rPr lang="hu-HU" dirty="0"/>
-              <a:t>A távolsági küszöböt, amivel a </a:t>
-            </a:r>
-            <a:r>
-              <a:rPr lang="hu-HU" dirty="0" err="1"/>
-              <a:t>dendrogramot</a:t>
-            </a:r>
-            <a:r>
-              <a:rPr lang="hu-HU" dirty="0"/>
-              <a:t> elvágjuk a klaszterek szétválasztásához, az algoritmus nem kézzel megadva, hanem automatikusan határozza meg az </a:t>
-            </a:r>
-            <a:r>
-              <a:rPr lang="hu-HU" dirty="0" err="1"/>
-              <a:t>inconsistent</a:t>
-            </a:r>
-            <a:r>
-              <a:rPr lang="hu-HU" dirty="0"/>
-              <a:t> függvény segítségével. Ez a függvény minden </a:t>
+              <a:t>minden </a:t>
             </a:r>
             <a:r>
               <a:rPr lang="hu-HU" dirty="0" err="1"/>
@@ -593,31 +628,65 @@
             </a:r>
             <a:r>
               <a:rPr lang="hu-HU" dirty="0"/>
-              <a:t> szinten kiszámolja, hogy az adott </a:t>
-            </a:r>
-            <a:r>
-              <a:rPr lang="hu-HU" dirty="0" err="1"/>
+              <a:t> szinten </a:t>
+            </a:r>
+            <a:r>
+              <a:rPr lang="hu-HU" u="sng" dirty="0"/>
+              <a:t>az adott </a:t>
+            </a:r>
+            <a:r>
+              <a:rPr lang="hu-HU" u="sng" dirty="0" err="1"/>
               <a:t>klaszterezési</a:t>
             </a:r>
             <a:r>
+              <a:rPr lang="hu-HU" u="sng" dirty="0"/>
+              <a:t> lépés mennyire tér el az azt megelőző </a:t>
+            </a:r>
+            <a:r>
+              <a:rPr lang="hu-HU" u="sng" dirty="0" err="1"/>
+              <a:t>klaszterezések</a:t>
+            </a:r>
+            <a:r>
+              <a:rPr lang="hu-HU" u="sng" dirty="0"/>
+              <a:t> távolságától </a:t>
+            </a:r>
+          </a:p>
+          <a:p>
+            <a:r>
+              <a:rPr lang="hu-HU" u="sng" dirty="0"/>
+              <a:t>különböző mélységi szinteken megvizsgálja az inkonzisztencia szórását, és azt a szintet választja ki, ahol ez a legnagyobb, mert ott jelentkezik a legnagyobb szerkezeti változás</a:t>
+            </a:r>
+            <a:r>
               <a:rPr lang="hu-HU" dirty="0"/>
-              <a:t> lépés mennyire tér el az azt megelőző </a:t>
-            </a:r>
-            <a:r>
-              <a:rPr lang="hu-HU" dirty="0" err="1"/>
-              <a:t>klaszterezések</a:t>
-            </a:r>
+              <a:t>. </a:t>
+            </a:r>
+          </a:p>
+          <a:p>
             <a:r>
               <a:rPr lang="hu-HU" dirty="0"/>
-              <a:t> távolságától – vagyis mennyire "inkonzisztens" a struktúrában. Az algoritmus ezután különböző mélységi szinteken (például 1–10 között) megvizsgálja az inkonzisztencia szórását, és azt a szintet választja ki, ahol ez a legnagyobb, mert ott jelentkezik a legnagyobb szerkezeti változás. Az ehhez tartozó távolságérték – az adott szint inkonzisztencia átlaga plusz szórása – lesz a vágási küszöb, ami alapján értelmes klasztereket tudunk kialakítani a változási pontok között. Ez az adaptív módszer segít a túl- vagy </a:t>
-            </a:r>
-            <a:r>
-              <a:rPr lang="hu-HU" dirty="0" err="1"/>
+              <a:t>Az ehhez tartozó távolságérték – az adott szint inkonzisztencia átlaga plusz szórása – lesz a vágási küszöb, ami alapján értelmes klasztereket tudunk kialakítani a változási pontok között</a:t>
+            </a:r>
+            <a:endParaRPr lang="hu-HU" u="sng" dirty="0"/>
+          </a:p>
+          <a:p>
+            <a:endParaRPr lang="hu-HU" u="sng" dirty="0"/>
+          </a:p>
+          <a:p>
+            <a:r>
+              <a:rPr lang="hu-HU" u="sng" dirty="0"/>
+              <a:t> Ez az adaptív módszer segít a túl- vagy </a:t>
+            </a:r>
+            <a:r>
+              <a:rPr lang="hu-HU" u="sng" dirty="0" err="1"/>
               <a:t>alulszegmentálás</a:t>
             </a:r>
             <a:r>
+              <a:rPr lang="hu-HU" u="sng" dirty="0"/>
+              <a:t> elkerülésében</a:t>
+            </a:r>
+            <a:r>
               <a:rPr lang="hu-HU" dirty="0"/>
-              <a:t> elkerülésében.</a:t>
+              <a:t>.</a:t>
             </a:r>
           </a:p>
           <a:p>
@@ -626,7 +695,7 @@
           <a:p>
             <a:r>
               <a:rPr lang="hu-HU" dirty="0"/>
-              <a:t>Végül a visszaadott változáspontok a klaszterekben szereplő pontok átlaga. </a:t>
+              <a:t>Végül a visszaadott változáspontok a klaszterekben szereplő pontok átlaga. - &gt; annyi változáspont ahány klaszter</a:t>
             </a:r>
           </a:p>
         </p:txBody>
@@ -814,7 +883,7 @@
           <a:p>
             <a:fld id="{FF076027-57CE-7644-B674-3EEE831F5408}" type="datetime1">
               <a:rPr lang="hu-HU" smtClean="0"/>
-              <a:t>2025. 05. 10.</a:t>
+              <a:t>2025. 05. 12.</a:t>
             </a:fld>
             <a:endParaRPr lang="hu-HU"/>
           </a:p>
@@ -1012,7 +1081,7 @@
           <a:p>
             <a:fld id="{830804EE-E663-FD46-8A40-6E7F387E266E}" type="datetime1">
               <a:rPr lang="hu-HU" smtClean="0"/>
-              <a:t>2025. 05. 10.</a:t>
+              <a:t>2025. 05. 12.</a:t>
             </a:fld>
             <a:endParaRPr lang="hu-HU"/>
           </a:p>
@@ -1220,7 +1289,7 @@
           <a:p>
             <a:fld id="{263D005D-85FF-2949-BC6E-508A5CBFF1F3}" type="datetime1">
               <a:rPr lang="hu-HU" smtClean="0"/>
-              <a:t>2025. 05. 10.</a:t>
+              <a:t>2025. 05. 12.</a:t>
             </a:fld>
             <a:endParaRPr lang="hu-HU"/>
           </a:p>
@@ -1418,7 +1487,7 @@
           <a:p>
             <a:fld id="{66445694-FCB9-A642-8FF4-42EEC02622E4}" type="datetime1">
               <a:rPr lang="hu-HU" smtClean="0"/>
-              <a:t>2025. 05. 10.</a:t>
+              <a:t>2025. 05. 12.</a:t>
             </a:fld>
             <a:endParaRPr lang="hu-HU"/>
           </a:p>
@@ -1693,7 +1762,7 @@
           <a:p>
             <a:fld id="{AD6A2A12-DA2B-E74B-B41C-67785A542A35}" type="datetime1">
               <a:rPr lang="hu-HU" smtClean="0"/>
-              <a:t>2025. 05. 10.</a:t>
+              <a:t>2025. 05. 12.</a:t>
             </a:fld>
             <a:endParaRPr lang="hu-HU"/>
           </a:p>
@@ -1958,7 +2027,7 @@
           <a:p>
             <a:fld id="{632B892B-C86C-CB41-991A-53D194128D28}" type="datetime1">
               <a:rPr lang="hu-HU" smtClean="0"/>
-              <a:t>2025. 05. 10.</a:t>
+              <a:t>2025. 05. 12.</a:t>
             </a:fld>
             <a:endParaRPr lang="hu-HU"/>
           </a:p>
@@ -2370,7 +2439,7 @@
           <a:p>
             <a:fld id="{F3290542-D93A-5B47-A38B-6F0DA92AE7CE}" type="datetime1">
               <a:rPr lang="hu-HU" smtClean="0"/>
-              <a:t>2025. 05. 10.</a:t>
+              <a:t>2025. 05. 12.</a:t>
             </a:fld>
             <a:endParaRPr lang="hu-HU"/>
           </a:p>
@@ -2511,7 +2580,7 @@
           <a:p>
             <a:fld id="{80145D3C-4DB2-0040-9CC3-84A09F3EF651}" type="datetime1">
               <a:rPr lang="hu-HU" smtClean="0"/>
-              <a:t>2025. 05. 10.</a:t>
+              <a:t>2025. 05. 12.</a:t>
             </a:fld>
             <a:endParaRPr lang="hu-HU"/>
           </a:p>
@@ -2624,7 +2693,7 @@
           <a:p>
             <a:fld id="{97E68AE9-82F8-A445-82BE-51C0D4582C23}" type="datetime1">
               <a:rPr lang="hu-HU" smtClean="0"/>
-              <a:t>2025. 05. 10.</a:t>
+              <a:t>2025. 05. 12.</a:t>
             </a:fld>
             <a:endParaRPr lang="hu-HU"/>
           </a:p>
@@ -2935,7 +3004,7 @@
           <a:p>
             <a:fld id="{AF41EB5E-CD90-1648-A208-F53FEC683ACA}" type="datetime1">
               <a:rPr lang="hu-HU" smtClean="0"/>
-              <a:t>2025. 05. 10.</a:t>
+              <a:t>2025. 05. 12.</a:t>
             </a:fld>
             <a:endParaRPr lang="hu-HU"/>
           </a:p>
@@ -3223,7 +3292,7 @@
           <a:p>
             <a:fld id="{D62F77B1-2D56-B440-80A2-3FA9E7ED68E6}" type="datetime1">
               <a:rPr lang="hu-HU" smtClean="0"/>
-              <a:t>2025. 05. 10.</a:t>
+              <a:t>2025. 05. 12.</a:t>
             </a:fld>
             <a:endParaRPr lang="hu-HU"/>
           </a:p>
@@ -3464,7 +3533,7 @@
           <a:p>
             <a:fld id="{6C62EFB0-7CE6-9A42-B406-CD1B830524DB}" type="datetime1">
               <a:rPr lang="hu-HU" smtClean="0"/>
-              <a:t>2025. 05. 10.</a:t>
+              <a:t>2025. 05. 12.</a:t>
             </a:fld>
             <a:endParaRPr lang="hu-HU"/>
           </a:p>
@@ -5341,7 +5410,7 @@
                   <a:spcPts val="600"/>
                 </a:spcAft>
               </a:pPr>
-              <a:t>2025. 05. 10.</a:t>
+              <a:t>2025. 05. 12.</a:t>
             </a:fld>
             <a:endParaRPr lang="hu-HU"/>
           </a:p>
@@ -6823,7 +6892,7 @@
                   <a:spcPts val="600"/>
                 </a:spcAft>
               </a:pPr>
-              <a:t>2025. 05. 10.</a:t>
+              <a:t>2025. 05. 12.</a:t>
             </a:fld>
             <a:endParaRPr lang="hu-HU"/>
           </a:p>
@@ -7522,7 +7591,7 @@
             </a:pPr>
             <a:fld id="{3CE8E417-EEEF-F440-8154-5657BA807881}" type="datetime1">
               <a:rPr lang="hu-HU" smtClean="0"/>
-              <a:t>2025. 05. 10.</a:t>
+              <a:t>2025. 05. 12.</a:t>
             </a:fld>
             <a:endParaRPr lang="hu-HU"/>
           </a:p>
@@ -8474,7 +8543,7 @@
             </a:pPr>
             <a:fld id="{CE5796CF-F91D-8A43-BBA8-BA92F2D3E001}" type="datetime1">
               <a:rPr lang="hu-HU" smtClean="0"/>
-              <a:t>2025. 05. 10.</a:t>
+              <a:t>2025. 05. 12.</a:t>
             </a:fld>
             <a:endParaRPr lang="hu-HU"/>
           </a:p>
@@ -9044,7 +9113,7 @@
             </a:pPr>
             <a:fld id="{F6C20065-8D22-D348-8CD3-A180C3961739}" type="datetime1">
               <a:rPr lang="hu-HU" smtClean="0"/>
-              <a:t>2025. 05. 10.</a:t>
+              <a:t>2025. 05. 12.</a:t>
             </a:fld>
             <a:endParaRPr lang="hu-HU" dirty="0"/>
           </a:p>
@@ -9607,16 +9676,23 @@
                 <a:spcPts val="600"/>
               </a:spcAft>
             </a:pPr>
-            <a:r>
-              <a:rPr lang="en-US" dirty="0">
+            <a:fld id="{4D49FDE6-1D45-5A42-A661-ED0C1E03E6E1}" type="datetime1">
+              <a:rPr lang="hu-HU" smtClean="0">
                 <a:solidFill>
                   <a:schemeClr val="tx1">
                     <a:tint val="75000"/>
                   </a:schemeClr>
                 </a:solidFill>
               </a:rPr>
-              <a:t>2025. 05. 10.</a:t>
-            </a:r>
+              <a:t>2025. 05. 12.</a:t>
+            </a:fld>
+            <a:endParaRPr lang="en-US" dirty="0">
+              <a:solidFill>
+                <a:schemeClr val="tx1">
+                  <a:tint val="75000"/>
+                </a:schemeClr>
+              </a:solidFill>
+            </a:endParaRPr>
           </a:p>
         </p:txBody>
       </p:sp>
@@ -10295,7 +10371,7 @@
             </a:r>
             <a:r>
               <a:rPr lang="en-US" sz="1800" dirty="0" err="1"/>
-              <a:t>kovariancia</a:t>
+              <a:t>koefficiens</a:t>
             </a:r>
             <a:endParaRPr lang="en-US" sz="1800" dirty="0"/>
           </a:p>
@@ -10343,7 +10419,7 @@
             </a:pPr>
             <a:fld id="{F36B3592-03CB-194B-B84D-F861BFD2AD9F}" type="datetime1">
               <a:rPr lang="hu-HU" smtClean="0"/>
-              <a:t>2025. 05. 10.</a:t>
+              <a:t>2025. 05. 12.</a:t>
             </a:fld>
             <a:endParaRPr lang="hu-HU"/>
           </a:p>
@@ -10432,15 +10508,15 @@
       </p:sp>
       <p:pic>
         <p:nvPicPr>
-          <p:cNvPr id="7" name="Kép 6" descr="A képen képernyőkép, szöveg, Diagram, diagram látható&#10;&#10;Automatikusan generált leírás">
-            <a:extLst>
-              <a:ext uri="{FF2B5EF4-FFF2-40B4-BE49-F238E27FC236}">
-                <a16:creationId xmlns:a16="http://schemas.microsoft.com/office/drawing/2014/main" id="{16E6557D-C145-DEDB-191C-EC01CAB5DFA4}"/>
+          <p:cNvPr id="11" name="Kép 10" descr="A képen képernyőkép, szöveg, Diagram, diagram látható&#10;&#10;Automatikusan generált leírás">
+            <a:extLst>
+              <a:ext uri="{FF2B5EF4-FFF2-40B4-BE49-F238E27FC236}">
+                <a16:creationId xmlns:a16="http://schemas.microsoft.com/office/drawing/2014/main" id="{95A277DC-1015-F444-C23A-54931F6DFAD2}"/>
               </a:ext>
             </a:extLst>
           </p:cNvPr>
           <p:cNvPicPr>
-            <a:picLocks noChangeAspect="1"/>
+            <a:picLocks/>
           </p:cNvPicPr>
           <p:nvPr/>
         </p:nvPicPr>
@@ -10452,20 +10528,158 @@
         </p:blipFill>
         <p:spPr>
           <a:xfrm>
-            <a:off x="7304926" y="424909"/>
-            <a:ext cx="4536688" cy="2920167"/>
+            <a:off x="7276087" y="3270888"/>
+            <a:ext cx="4536000" cy="2919600"/>
           </a:xfrm>
           <a:prstGeom prst="rect">
             <a:avLst/>
           </a:prstGeom>
         </p:spPr>
       </p:pic>
+      <p:sp>
+        <p:nvSpPr>
+          <p:cNvPr id="3" name="Rectangle 2">
+            <a:extLst>
+              <a:ext uri="{FF2B5EF4-FFF2-40B4-BE49-F238E27FC236}">
+                <a16:creationId xmlns:a16="http://schemas.microsoft.com/office/drawing/2014/main" id="{B00FF9EE-9165-C132-C565-5E8A55F1F5C8}"/>
+              </a:ext>
+            </a:extLst>
+          </p:cNvPr>
+          <p:cNvSpPr>
+            <a:spLocks noChangeArrowheads="1"/>
+          </p:cNvSpPr>
+          <p:nvPr/>
+        </p:nvSpPr>
+        <p:spPr bwMode="auto">
+          <a:xfrm>
+            <a:off x="5714410" y="215775"/>
+            <a:ext cx="14466977" cy="45719"/>
+          </a:xfrm>
+          <a:prstGeom prst="rect">
+            <a:avLst/>
+          </a:prstGeom>
+          <a:noFill/>
+          <a:ln>
+            <a:noFill/>
+          </a:ln>
+          <a:effectLst/>
+          <a:extLst>
+            <a:ext uri="{909E8E84-426E-40DD-AFC4-6F175D3DCCD1}">
+              <a14:hiddenFill xmlns:a14="http://schemas.microsoft.com/office/drawing/2010/main">
+                <a:solidFill>
+                  <a:schemeClr val="accent1"/>
+                </a:solidFill>
+              </a14:hiddenFill>
+            </a:ext>
+            <a:ext uri="{91240B29-F687-4F45-9708-019B960494DF}">
+              <a14:hiddenLine xmlns:a14="http://schemas.microsoft.com/office/drawing/2010/main" w="9525">
+                <a:solidFill>
+                  <a:schemeClr val="tx1"/>
+                </a:solidFill>
+                <a:miter lim="800000"/>
+                <a:headEnd/>
+                <a:tailEnd/>
+              </a14:hiddenLine>
+            </a:ext>
+            <a:ext uri="{AF507438-7753-43E0-B8FC-AC1667EBCBE1}">
+              <a14:hiddenEffects xmlns:a14="http://schemas.microsoft.com/office/drawing/2010/main">
+                <a:effectLst>
+                  <a:outerShdw dist="35921" dir="2700000" algn="ctr" rotWithShape="0">
+                    <a:schemeClr val="bg2"/>
+                  </a:outerShdw>
+                </a:effectLst>
+              </a14:hiddenEffects>
+            </a:ext>
+          </a:extLst>
+        </p:spPr>
+        <p:txBody>
+          <a:bodyPr vert="horz" wrap="square" lIns="91440" tIns="45720" rIns="91440" bIns="45720" numCol="1" anchor="ctr" anchorCtr="0" compatLnSpc="1">
+            <a:prstTxWarp prst="textNoShape">
+              <a:avLst/>
+            </a:prstTxWarp>
+            <a:spAutoFit/>
+          </a:bodyPr>
+          <a:lstStyle/>
+          <a:p>
+            <a:endParaRPr lang="hu-HU"/>
+          </a:p>
+        </p:txBody>
+      </p:sp>
+      <p:sp>
+        <p:nvSpPr>
+          <p:cNvPr id="8" name="Rectangle 4">
+            <a:extLst>
+              <a:ext uri="{FF2B5EF4-FFF2-40B4-BE49-F238E27FC236}">
+                <a16:creationId xmlns:a16="http://schemas.microsoft.com/office/drawing/2014/main" id="{AF02287E-4C59-3550-B0E7-88A89EC2D037}"/>
+              </a:ext>
+            </a:extLst>
+          </p:cNvPr>
+          <p:cNvSpPr>
+            <a:spLocks noChangeArrowheads="1"/>
+          </p:cNvSpPr>
+          <p:nvPr/>
+        </p:nvSpPr>
+        <p:spPr bwMode="auto">
+          <a:xfrm>
+            <a:off x="5868261" y="261494"/>
+            <a:ext cx="14342805" cy="45719"/>
+          </a:xfrm>
+          <a:prstGeom prst="rect">
+            <a:avLst/>
+          </a:prstGeom>
+          <a:noFill/>
+          <a:ln>
+            <a:noFill/>
+          </a:ln>
+          <a:effectLst/>
+          <a:extLst>
+            <a:ext uri="{909E8E84-426E-40DD-AFC4-6F175D3DCCD1}">
+              <a14:hiddenFill xmlns:a14="http://schemas.microsoft.com/office/drawing/2010/main">
+                <a:solidFill>
+                  <a:schemeClr val="accent1"/>
+                </a:solidFill>
+              </a14:hiddenFill>
+            </a:ext>
+            <a:ext uri="{91240B29-F687-4F45-9708-019B960494DF}">
+              <a14:hiddenLine xmlns:a14="http://schemas.microsoft.com/office/drawing/2010/main" w="9525">
+                <a:solidFill>
+                  <a:schemeClr val="tx1"/>
+                </a:solidFill>
+                <a:miter lim="800000"/>
+                <a:headEnd/>
+                <a:tailEnd/>
+              </a14:hiddenLine>
+            </a:ext>
+            <a:ext uri="{AF507438-7753-43E0-B8FC-AC1667EBCBE1}">
+              <a14:hiddenEffects xmlns:a14="http://schemas.microsoft.com/office/drawing/2010/main">
+                <a:effectLst>
+                  <a:outerShdw dist="35921" dir="2700000" algn="ctr" rotWithShape="0">
+                    <a:schemeClr val="bg2"/>
+                  </a:outerShdw>
+                </a:effectLst>
+              </a14:hiddenEffects>
+            </a:ext>
+          </a:extLst>
+        </p:spPr>
+        <p:txBody>
+          <a:bodyPr vert="horz" wrap="square" lIns="91440" tIns="45720" rIns="91440" bIns="45720" numCol="1" anchor="ctr" anchorCtr="0" compatLnSpc="1">
+            <a:prstTxWarp prst="textNoShape">
+              <a:avLst/>
+            </a:prstTxWarp>
+            <a:spAutoFit/>
+          </a:bodyPr>
+          <a:lstStyle/>
+          <a:p>
+            <a:endParaRPr lang="hu-HU"/>
+          </a:p>
+        </p:txBody>
+      </p:sp>
       <p:pic>
         <p:nvPicPr>
-          <p:cNvPr id="11" name="Kép 10" descr="A képen képernyőkép, szöveg, Diagram, diagram látható&#10;&#10;Automatikusan generált leírás">
-            <a:extLst>
-              <a:ext uri="{FF2B5EF4-FFF2-40B4-BE49-F238E27FC236}">
-                <a16:creationId xmlns:a16="http://schemas.microsoft.com/office/drawing/2014/main" id="{95A277DC-1015-F444-C23A-54931F6DFAD2}"/>
+          <p:cNvPr id="9" name="Kép 8" descr="A képen szöveg, Diagram, sor, diagram látható&#10;&#10;Automatikusan generált leírás">
+            <a:extLst>
+              <a:ext uri="{FF2B5EF4-FFF2-40B4-BE49-F238E27FC236}">
+                <a16:creationId xmlns:a16="http://schemas.microsoft.com/office/drawing/2014/main" id="{FC4D68A6-F471-5708-2A52-10C177E1AE8A}"/>
               </a:ext>
             </a:extLst>
           </p:cNvPr>
@@ -10475,15 +10689,21 @@
           <p:nvPr/>
         </p:nvPicPr>
         <p:blipFill>
-          <a:blip r:embed="rId3"/>
+          <a:blip r:embed="rId3">
+            <a:extLst>
+              <a:ext uri="{28A0092B-C50C-407E-A947-70E740481C1C}">
+                <a14:useLocalDpi xmlns:a14="http://schemas.microsoft.com/office/drawing/2010/main" val="0"/>
+              </a:ext>
+            </a:extLst>
+          </a:blip>
           <a:stretch>
             <a:fillRect/>
           </a:stretch>
         </p:blipFill>
         <p:spPr>
           <a:xfrm>
-            <a:off x="7276087" y="3270888"/>
-            <a:ext cx="4536000" cy="2919600"/>
+            <a:off x="7276087" y="215774"/>
+            <a:ext cx="4536000" cy="3055114"/>
           </a:xfrm>
           <a:prstGeom prst="rect">
             <a:avLst/>
@@ -11133,7 +11353,7 @@
                   </a:schemeClr>
                 </a:solidFill>
               </a:rPr>
-              <a:t>2025. 05. 10.</a:t>
+              <a:t>2025. 05. 12.</a:t>
             </a:fld>
             <a:endParaRPr lang="en-US" dirty="0">
               <a:solidFill>
@@ -11842,7 +12062,7 @@
                   <a:spcPts val="600"/>
                 </a:spcAft>
               </a:pPr>
-              <a:t>2025. 05. 10.</a:t>
+              <a:t>2025. 05. 12.</a:t>
             </a:fld>
             <a:endParaRPr lang="hu-HU"/>
           </a:p>

--- a/bemutato.pptx
+++ b/bemutato.pptx
@@ -207,7 +207,7 @@
           <a:p>
             <a:fld id="{5D01EA2F-D39E-DC47-A02E-3FADA924A388}" type="datetimeFigureOut">
               <a:rPr lang="hu-HU" smtClean="0"/>
-              <a:t>2025. 05. 12.</a:t>
+              <a:t>2025. 05. 13.</a:t>
             </a:fld>
             <a:endParaRPr lang="hu-HU"/>
           </a:p>
@@ -736,6 +736,90 @@
 </p:notes>
 </file>
 
+<file path=ppt/notesSlides/notesSlide2.xml><?xml version="1.0" encoding="utf-8"?>
+<p:notes xmlns:a="http://schemas.openxmlformats.org/drawingml/2006/main" xmlns:r="http://schemas.openxmlformats.org/officeDocument/2006/relationships" xmlns:p="http://schemas.openxmlformats.org/presentationml/2006/main">
+  <p:cSld>
+    <p:spTree>
+      <p:nvGrpSpPr>
+        <p:cNvPr id="1" name=""/>
+        <p:cNvGrpSpPr/>
+        <p:nvPr/>
+      </p:nvGrpSpPr>
+      <p:grpSpPr>
+        <a:xfrm>
+          <a:off x="0" y="0"/>
+          <a:ext cx="0" cy="0"/>
+          <a:chOff x="0" y="0"/>
+          <a:chExt cx="0" cy="0"/>
+        </a:xfrm>
+      </p:grpSpPr>
+      <p:sp>
+        <p:nvSpPr>
+          <p:cNvPr id="2" name="Diakép helye 1"/>
+          <p:cNvSpPr>
+            <a:spLocks noGrp="1" noRot="1" noChangeAspect="1"/>
+          </p:cNvSpPr>
+          <p:nvPr>
+            <p:ph type="sldImg"/>
+          </p:nvPr>
+        </p:nvSpPr>
+        <p:spPr/>
+      </p:sp>
+      <p:sp>
+        <p:nvSpPr>
+          <p:cNvPr id="3" name="Jegyzetek helye 2"/>
+          <p:cNvSpPr>
+            <a:spLocks noGrp="1"/>
+          </p:cNvSpPr>
+          <p:nvPr>
+            <p:ph type="body" idx="1"/>
+          </p:nvPr>
+        </p:nvSpPr>
+        <p:spPr/>
+        <p:txBody>
+          <a:bodyPr/>
+          <a:lstStyle/>
+          <a:p>
+            <a:endParaRPr lang="hu-HU" dirty="0"/>
+          </a:p>
+        </p:txBody>
+      </p:sp>
+      <p:sp>
+        <p:nvSpPr>
+          <p:cNvPr id="4" name="Dia számának helye 3"/>
+          <p:cNvSpPr>
+            <a:spLocks noGrp="1"/>
+          </p:cNvSpPr>
+          <p:nvPr>
+            <p:ph type="sldNum" sz="quarter" idx="5"/>
+          </p:nvPr>
+        </p:nvSpPr>
+        <p:spPr/>
+        <p:txBody>
+          <a:bodyPr/>
+          <a:lstStyle/>
+          <a:p>
+            <a:fld id="{DD81B902-AA01-4B4C-984B-3A0D86553040}" type="slidenum">
+              <a:rPr lang="hu-HU" smtClean="0"/>
+              <a:t>11</a:t>
+            </a:fld>
+            <a:endParaRPr lang="hu-HU"/>
+          </a:p>
+        </p:txBody>
+      </p:sp>
+    </p:spTree>
+    <p:extLst>
+      <p:ext uri="{BB962C8B-B14F-4D97-AF65-F5344CB8AC3E}">
+        <p14:creationId xmlns:p14="http://schemas.microsoft.com/office/powerpoint/2010/main" val="1931738640"/>
+      </p:ext>
+    </p:extLst>
+  </p:cSld>
+  <p:clrMapOvr>
+    <a:masterClrMapping/>
+  </p:clrMapOvr>
+</p:notes>
+</file>
+
 <file path=ppt/slideLayouts/slideLayout1.xml><?xml version="1.0" encoding="utf-8"?>
 <p:sldLayout xmlns:a="http://schemas.openxmlformats.org/drawingml/2006/main" xmlns:r="http://schemas.openxmlformats.org/officeDocument/2006/relationships" xmlns:p="http://schemas.openxmlformats.org/presentationml/2006/main" type="title" preserve="1">
   <p:cSld name="Címdia">
@@ -883,7 +967,7 @@
           <a:p>
             <a:fld id="{FF076027-57CE-7644-B674-3EEE831F5408}" type="datetime1">
               <a:rPr lang="hu-HU" smtClean="0"/>
-              <a:t>2025. 05. 12.</a:t>
+              <a:t>2025. 05. 13.</a:t>
             </a:fld>
             <a:endParaRPr lang="hu-HU"/>
           </a:p>
@@ -1081,7 +1165,7 @@
           <a:p>
             <a:fld id="{830804EE-E663-FD46-8A40-6E7F387E266E}" type="datetime1">
               <a:rPr lang="hu-HU" smtClean="0"/>
-              <a:t>2025. 05. 12.</a:t>
+              <a:t>2025. 05. 13.</a:t>
             </a:fld>
             <a:endParaRPr lang="hu-HU"/>
           </a:p>
@@ -1289,7 +1373,7 @@
           <a:p>
             <a:fld id="{263D005D-85FF-2949-BC6E-508A5CBFF1F3}" type="datetime1">
               <a:rPr lang="hu-HU" smtClean="0"/>
-              <a:t>2025. 05. 12.</a:t>
+              <a:t>2025. 05. 13.</a:t>
             </a:fld>
             <a:endParaRPr lang="hu-HU"/>
           </a:p>
@@ -1487,7 +1571,7 @@
           <a:p>
             <a:fld id="{66445694-FCB9-A642-8FF4-42EEC02622E4}" type="datetime1">
               <a:rPr lang="hu-HU" smtClean="0"/>
-              <a:t>2025. 05. 12.</a:t>
+              <a:t>2025. 05. 13.</a:t>
             </a:fld>
             <a:endParaRPr lang="hu-HU"/>
           </a:p>
@@ -1762,7 +1846,7 @@
           <a:p>
             <a:fld id="{AD6A2A12-DA2B-E74B-B41C-67785A542A35}" type="datetime1">
               <a:rPr lang="hu-HU" smtClean="0"/>
-              <a:t>2025. 05. 12.</a:t>
+              <a:t>2025. 05. 13.</a:t>
             </a:fld>
             <a:endParaRPr lang="hu-HU"/>
           </a:p>
@@ -2027,7 +2111,7 @@
           <a:p>
             <a:fld id="{632B892B-C86C-CB41-991A-53D194128D28}" type="datetime1">
               <a:rPr lang="hu-HU" smtClean="0"/>
-              <a:t>2025. 05. 12.</a:t>
+              <a:t>2025. 05. 13.</a:t>
             </a:fld>
             <a:endParaRPr lang="hu-HU"/>
           </a:p>
@@ -2439,7 +2523,7 @@
           <a:p>
             <a:fld id="{F3290542-D93A-5B47-A38B-6F0DA92AE7CE}" type="datetime1">
               <a:rPr lang="hu-HU" smtClean="0"/>
-              <a:t>2025. 05. 12.</a:t>
+              <a:t>2025. 05. 13.</a:t>
             </a:fld>
             <a:endParaRPr lang="hu-HU"/>
           </a:p>
@@ -2580,7 +2664,7 @@
           <a:p>
             <a:fld id="{80145D3C-4DB2-0040-9CC3-84A09F3EF651}" type="datetime1">
               <a:rPr lang="hu-HU" smtClean="0"/>
-              <a:t>2025. 05. 12.</a:t>
+              <a:t>2025. 05. 13.</a:t>
             </a:fld>
             <a:endParaRPr lang="hu-HU"/>
           </a:p>
@@ -2693,7 +2777,7 @@
           <a:p>
             <a:fld id="{97E68AE9-82F8-A445-82BE-51C0D4582C23}" type="datetime1">
               <a:rPr lang="hu-HU" smtClean="0"/>
-              <a:t>2025. 05. 12.</a:t>
+              <a:t>2025. 05. 13.</a:t>
             </a:fld>
             <a:endParaRPr lang="hu-HU"/>
           </a:p>
@@ -3004,7 +3088,7 @@
           <a:p>
             <a:fld id="{AF41EB5E-CD90-1648-A208-F53FEC683ACA}" type="datetime1">
               <a:rPr lang="hu-HU" smtClean="0"/>
-              <a:t>2025. 05. 12.</a:t>
+              <a:t>2025. 05. 13.</a:t>
             </a:fld>
             <a:endParaRPr lang="hu-HU"/>
           </a:p>
@@ -3292,7 +3376,7 @@
           <a:p>
             <a:fld id="{D62F77B1-2D56-B440-80A2-3FA9E7ED68E6}" type="datetime1">
               <a:rPr lang="hu-HU" smtClean="0"/>
-              <a:t>2025. 05. 12.</a:t>
+              <a:t>2025. 05. 13.</a:t>
             </a:fld>
             <a:endParaRPr lang="hu-HU"/>
           </a:p>
@@ -3533,7 +3617,7 @@
           <a:p>
             <a:fld id="{6C62EFB0-7CE6-9A42-B406-CD1B830524DB}" type="datetime1">
               <a:rPr lang="hu-HU" smtClean="0"/>
-              <a:t>2025. 05. 12.</a:t>
+              <a:t>2025. 05. 13.</a:t>
             </a:fld>
             <a:endParaRPr lang="hu-HU"/>
           </a:p>
@@ -5410,7 +5494,7 @@
                   <a:spcPts val="600"/>
                 </a:spcAft>
               </a:pPr>
-              <a:t>2025. 05. 12.</a:t>
+              <a:t>2025. 05. 13.</a:t>
             </a:fld>
             <a:endParaRPr lang="hu-HU"/>
           </a:p>
@@ -6892,7 +6976,7 @@
                   <a:spcPts val="600"/>
                 </a:spcAft>
               </a:pPr>
-              <a:t>2025. 05. 12.</a:t>
+              <a:t>2025. 05. 13.</a:t>
             </a:fld>
             <a:endParaRPr lang="hu-HU"/>
           </a:p>
@@ -7591,7 +7675,7 @@
             </a:pPr>
             <a:fld id="{3CE8E417-EEEF-F440-8154-5657BA807881}" type="datetime1">
               <a:rPr lang="hu-HU" smtClean="0"/>
-              <a:t>2025. 05. 12.</a:t>
+              <a:t>2025. 05. 13.</a:t>
             </a:fld>
             <a:endParaRPr lang="hu-HU"/>
           </a:p>
@@ -8543,7 +8627,7 @@
             </a:pPr>
             <a:fld id="{CE5796CF-F91D-8A43-BBA8-BA92F2D3E001}" type="datetime1">
               <a:rPr lang="hu-HU" smtClean="0"/>
-              <a:t>2025. 05. 12.</a:t>
+              <a:t>2025. 05. 13.</a:t>
             </a:fld>
             <a:endParaRPr lang="hu-HU"/>
           </a:p>
@@ -9113,7 +9197,7 @@
             </a:pPr>
             <a:fld id="{F6C20065-8D22-D348-8CD3-A180C3961739}" type="datetime1">
               <a:rPr lang="hu-HU" smtClean="0"/>
-              <a:t>2025. 05. 12.</a:t>
+              <a:t>2025. 05. 13.</a:t>
             </a:fld>
             <a:endParaRPr lang="hu-HU" dirty="0"/>
           </a:p>
@@ -9613,36 +9697,6 @@
           </a:p>
         </p:txBody>
       </p:sp>
-      <p:pic>
-        <p:nvPicPr>
-          <p:cNvPr id="8" name="Tartalom helye 7" descr="A képen diagram, sor, Diagram, képernyőkép látható&#10;&#10;Automatikusan generált leírás">
-            <a:extLst>
-              <a:ext uri="{FF2B5EF4-FFF2-40B4-BE49-F238E27FC236}">
-                <a16:creationId xmlns:a16="http://schemas.microsoft.com/office/drawing/2014/main" id="{1DC4AF57-EAA9-5E0B-630B-A1B76B1D37A5}"/>
-              </a:ext>
-            </a:extLst>
-          </p:cNvPr>
-          <p:cNvPicPr>
-            <a:picLocks noChangeAspect="1"/>
-          </p:cNvPicPr>
-          <p:nvPr/>
-        </p:nvPicPr>
-        <p:blipFill>
-          <a:blip r:embed="rId3"/>
-          <a:stretch>
-            <a:fillRect/>
-          </a:stretch>
-        </p:blipFill>
-        <p:spPr>
-          <a:xfrm>
-            <a:off x="4210692" y="365858"/>
-            <a:ext cx="7677333" cy="5853967"/>
-          </a:xfrm>
-          <a:prstGeom prst="rect">
-            <a:avLst/>
-          </a:prstGeom>
-        </p:spPr>
-      </p:pic>
       <p:sp>
         <p:nvSpPr>
           <p:cNvPr id="4" name="Dátum helye 3">
@@ -9684,7 +9738,7 @@
                   </a:schemeClr>
                 </a:solidFill>
               </a:rPr>
-              <a:t>2025. 05. 12.</a:t>
+              <a:t>2025. 05. 13.</a:t>
             </a:fld>
             <a:endParaRPr lang="en-US" dirty="0">
               <a:solidFill>
@@ -9798,6 +9852,36 @@
           </a:p>
         </p:txBody>
       </p:sp>
+      <p:pic>
+        <p:nvPicPr>
+          <p:cNvPr id="3" name="Kép 2">
+            <a:extLst>
+              <a:ext uri="{FF2B5EF4-FFF2-40B4-BE49-F238E27FC236}">
+                <a16:creationId xmlns:a16="http://schemas.microsoft.com/office/drawing/2014/main" id="{015AB1A0-4C98-15E2-9BE8-1A1903F1BA22}"/>
+              </a:ext>
+            </a:extLst>
+          </p:cNvPr>
+          <p:cNvPicPr>
+            <a:picLocks noChangeAspect="1"/>
+          </p:cNvPicPr>
+          <p:nvPr/>
+        </p:nvPicPr>
+        <p:blipFill>
+          <a:blip r:embed="rId3"/>
+          <a:stretch>
+            <a:fillRect/>
+          </a:stretch>
+        </p:blipFill>
+        <p:spPr>
+          <a:xfrm>
+            <a:off x="4140034" y="247289"/>
+            <a:ext cx="7856024" cy="5950712"/>
+          </a:xfrm>
+          <a:prstGeom prst="rect">
+            <a:avLst/>
+          </a:prstGeom>
+        </p:spPr>
+      </p:pic>
     </p:spTree>
     <p:extLst>
       <p:ext uri="{BB962C8B-B14F-4D97-AF65-F5344CB8AC3E}">
@@ -10419,7 +10503,7 @@
             </a:pPr>
             <a:fld id="{F36B3592-03CB-194B-B84D-F861BFD2AD9F}" type="datetime1">
               <a:rPr lang="hu-HU" smtClean="0"/>
-              <a:t>2025. 05. 12.</a:t>
+              <a:t>2025. 05. 13.</a:t>
             </a:fld>
             <a:endParaRPr lang="hu-HU"/>
           </a:p>
@@ -11353,7 +11437,7 @@
                   </a:schemeClr>
                 </a:solidFill>
               </a:rPr>
-              <a:t>2025. 05. 12.</a:t>
+              <a:t>2025. 05. 13.</a:t>
             </a:fld>
             <a:endParaRPr lang="en-US" dirty="0">
               <a:solidFill>
@@ -12062,7 +12146,7 @@
                   <a:spcPts val="600"/>
                 </a:spcAft>
               </a:pPr>
-              <a:t>2025. 05. 12.</a:t>
+              <a:t>2025. 05. 13.</a:t>
             </a:fld>
             <a:endParaRPr lang="hu-HU"/>
           </a:p>

--- a/bemutato.pptx
+++ b/bemutato.pptx
@@ -18,7 +18,7 @@
     <p:sldId id="262" r:id="rId9"/>
     <p:sldId id="263" r:id="rId10"/>
     <p:sldId id="264" r:id="rId11"/>
-    <p:sldId id="266" r:id="rId12"/>
+    <p:sldId id="267" r:id="rId12"/>
   </p:sldIdLst>
   <p:sldSz cx="12192000" cy="6858000"/>
   <p:notesSz cx="6858000" cy="9144000"/>
@@ -207,7 +207,7 @@
           <a:p>
             <a:fld id="{5D01EA2F-D39E-DC47-A02E-3FADA924A388}" type="datetimeFigureOut">
               <a:rPr lang="hu-HU" smtClean="0"/>
-              <a:t>2025. 05. 13.</a:t>
+              <a:t>2025. 05. 19.</a:t>
             </a:fld>
             <a:endParaRPr lang="hu-HU"/>
           </a:p>
@@ -518,185 +518,7 @@
           <a:bodyPr/>
           <a:lstStyle/>
           <a:p>
-            <a:r>
-              <a:rPr lang="hu-HU" dirty="0"/>
-              <a:t>Az algoritmus az összes detektált szegmentációs pontot összegyűjti, majd hierarchikus </a:t>
-            </a:r>
-            <a:r>
-              <a:rPr lang="hu-HU" dirty="0" err="1"/>
-              <a:t>klaszterezéssel</a:t>
-            </a:r>
-            <a:r>
-              <a:rPr lang="hu-HU" dirty="0"/>
-              <a:t> csoportosítja őket.</a:t>
-            </a:r>
-          </a:p>
-          <a:p>
-            <a:r>
-              <a:rPr lang="hu-HU" dirty="0" err="1">
-                <a:solidFill>
-                  <a:srgbClr val="000000"/>
-                </a:solidFill>
-                <a:effectLst/>
-                <a:latin typeface="Times New Roman" panose="02020603050405020304" pitchFamily="18" charset="0"/>
-              </a:rPr>
-              <a:t>ward</a:t>
-            </a:r>
-            <a:r>
-              <a:rPr lang="hu-HU" dirty="0">
-                <a:solidFill>
-                  <a:srgbClr val="000000"/>
-                </a:solidFill>
-                <a:effectLst/>
-                <a:latin typeface="Times New Roman" panose="02020603050405020304" pitchFamily="18" charset="0"/>
-              </a:rPr>
-              <a:t> egy variancia minimalizáló stratégiát követ, addig a </a:t>
-            </a:r>
-            <a:r>
-              <a:rPr lang="hu-HU" dirty="0" err="1">
-                <a:solidFill>
-                  <a:srgbClr val="000000"/>
-                </a:solidFill>
-                <a:effectLst/>
-                <a:latin typeface="Times New Roman" panose="02020603050405020304" pitchFamily="18" charset="0"/>
-              </a:rPr>
-              <a:t>single</a:t>
-            </a:r>
-            <a:r>
-              <a:rPr lang="hu-HU" dirty="0">
-                <a:solidFill>
-                  <a:srgbClr val="000000"/>
-                </a:solidFill>
-                <a:effectLst/>
-                <a:latin typeface="Times New Roman" panose="02020603050405020304" pitchFamily="18" charset="0"/>
-              </a:rPr>
-              <a:t> a klaszterek legközelebbi pontjai közötti távolság alapján hozza meg az összevonási döntést</a:t>
-            </a:r>
-          </a:p>
-          <a:p>
             <a:endParaRPr lang="hu-HU" dirty="0"/>
-          </a:p>
-          <a:p>
-            <a:r>
-              <a:rPr lang="hu-HU" dirty="0"/>
-              <a:t> A </a:t>
-            </a:r>
-            <a:r>
-              <a:rPr lang="hu-HU" dirty="0" err="1"/>
-              <a:t>klaszterezéshez</a:t>
-            </a:r>
-            <a:r>
-              <a:rPr lang="hu-HU" dirty="0"/>
-              <a:t> használt távolsági küszöböt, amivel a </a:t>
-            </a:r>
-            <a:r>
-              <a:rPr lang="hu-HU" dirty="0" err="1"/>
-              <a:t>dendrogramot</a:t>
-            </a:r>
-            <a:r>
-              <a:rPr lang="hu-HU" dirty="0"/>
-              <a:t> elvágjuk az </a:t>
-            </a:r>
-            <a:r>
-              <a:rPr lang="hu-HU" i="1" dirty="0" err="1"/>
-              <a:t>inconsistent</a:t>
-            </a:r>
-            <a:r>
-              <a:rPr lang="hu-HU" dirty="0"/>
-              <a:t> függvény segítségével automatikusan határozza meg, amely a </a:t>
-            </a:r>
-            <a:r>
-              <a:rPr lang="hu-HU" dirty="0" err="1"/>
-              <a:t>dendrogramon</a:t>
-            </a:r>
-            <a:r>
-              <a:rPr lang="hu-HU" dirty="0"/>
-              <a:t> belüli változékonyságot elemzi különböző mélységeken. </a:t>
-            </a:r>
-          </a:p>
-          <a:p>
-            <a:endParaRPr lang="hu-HU" dirty="0"/>
-          </a:p>
-          <a:p>
-            <a:r>
-              <a:rPr lang="hu-HU" dirty="0"/>
-              <a:t>minden </a:t>
-            </a:r>
-            <a:r>
-              <a:rPr lang="hu-HU" dirty="0" err="1"/>
-              <a:t>dendrogram</a:t>
-            </a:r>
-            <a:r>
-              <a:rPr lang="hu-HU" dirty="0"/>
-              <a:t> szinten </a:t>
-            </a:r>
-            <a:r>
-              <a:rPr lang="hu-HU" u="sng" dirty="0"/>
-              <a:t>az adott </a:t>
-            </a:r>
-            <a:r>
-              <a:rPr lang="hu-HU" u="sng" dirty="0" err="1"/>
-              <a:t>klaszterezési</a:t>
-            </a:r>
-            <a:r>
-              <a:rPr lang="hu-HU" u="sng" dirty="0"/>
-              <a:t> lépés mennyire tér el az azt megelőző </a:t>
-            </a:r>
-            <a:r>
-              <a:rPr lang="hu-HU" u="sng" dirty="0" err="1"/>
-              <a:t>klaszterezések</a:t>
-            </a:r>
-            <a:r>
-              <a:rPr lang="hu-HU" u="sng" dirty="0"/>
-              <a:t> távolságától </a:t>
-            </a:r>
-          </a:p>
-          <a:p>
-            <a:r>
-              <a:rPr lang="hu-HU" u="sng" dirty="0"/>
-              <a:t>különböző mélységi szinteken megvizsgálja az inkonzisztencia szórását, és azt a szintet választja ki, ahol ez a legnagyobb, mert ott jelentkezik a legnagyobb szerkezeti változás</a:t>
-            </a:r>
-            <a:r>
-              <a:rPr lang="hu-HU" dirty="0"/>
-              <a:t>. </a:t>
-            </a:r>
-          </a:p>
-          <a:p>
-            <a:r>
-              <a:rPr lang="hu-HU" dirty="0"/>
-              <a:t>Az ehhez tartozó távolságérték – az adott szint inkonzisztencia átlaga plusz szórása – lesz a vágási küszöb, ami alapján értelmes klasztereket tudunk kialakítani a változási pontok között</a:t>
-            </a:r>
-            <a:endParaRPr lang="hu-HU" u="sng" dirty="0"/>
-          </a:p>
-          <a:p>
-            <a:endParaRPr lang="hu-HU" u="sng" dirty="0"/>
-          </a:p>
-          <a:p>
-            <a:r>
-              <a:rPr lang="hu-HU" u="sng" dirty="0"/>
-              <a:t> Ez az adaptív módszer segít a túl- vagy </a:t>
-            </a:r>
-            <a:r>
-              <a:rPr lang="hu-HU" u="sng" dirty="0" err="1"/>
-              <a:t>alulszegmentálás</a:t>
-            </a:r>
-            <a:r>
-              <a:rPr lang="hu-HU" u="sng" dirty="0"/>
-              <a:t> elkerülésében</a:t>
-            </a:r>
-            <a:r>
-              <a:rPr lang="hu-HU" dirty="0"/>
-              <a:t>.</a:t>
-            </a:r>
-          </a:p>
-          <a:p>
-            <a:endParaRPr lang="hu-HU" dirty="0"/>
-          </a:p>
-          <a:p>
-            <a:r>
-              <a:rPr lang="hu-HU" dirty="0"/>
-              <a:t>Végül a visszaadott változáspontok a klaszterekben szereplő pontok átlaga. - &gt; annyi változáspont ahány klaszter</a:t>
-            </a:r>
           </a:p>
         </p:txBody>
       </p:sp>
@@ -717,7 +539,7 @@
           <a:p>
             <a:fld id="{DD81B902-AA01-4B4C-984B-3A0D86553040}" type="slidenum">
               <a:rPr lang="hu-HU" smtClean="0"/>
-              <a:t>6</a:t>
+              <a:t>1</a:t>
             </a:fld>
             <a:endParaRPr lang="hu-HU"/>
           </a:p>
@@ -726,7 +548,7 @@
     </p:spTree>
     <p:extLst>
       <p:ext uri="{BB962C8B-B14F-4D97-AF65-F5344CB8AC3E}">
-        <p14:creationId xmlns:p14="http://schemas.microsoft.com/office/powerpoint/2010/main" val="3050680156"/>
+        <p14:creationId xmlns:p14="http://schemas.microsoft.com/office/powerpoint/2010/main" val="3199469857"/>
       </p:ext>
     </p:extLst>
   </p:cSld>
@@ -780,7 +602,185 @@
           <a:bodyPr/>
           <a:lstStyle/>
           <a:p>
+            <a:r>
+              <a:rPr lang="hu-HU" dirty="0"/>
+              <a:t>Az algoritmus az összes detektált szegmentációs pontot összegyűjti, majd hierarchikus </a:t>
+            </a:r>
+            <a:r>
+              <a:rPr lang="hu-HU" dirty="0" err="1"/>
+              <a:t>klaszterezéssel</a:t>
+            </a:r>
+            <a:r>
+              <a:rPr lang="hu-HU" dirty="0"/>
+              <a:t> csoportosítja őket.</a:t>
+            </a:r>
+          </a:p>
+          <a:p>
+            <a:r>
+              <a:rPr lang="hu-HU" dirty="0" err="1">
+                <a:solidFill>
+                  <a:srgbClr val="000000"/>
+                </a:solidFill>
+                <a:effectLst/>
+                <a:latin typeface="Times New Roman" panose="02020603050405020304" pitchFamily="18" charset="0"/>
+              </a:rPr>
+              <a:t>ward</a:t>
+            </a:r>
+            <a:r>
+              <a:rPr lang="hu-HU" dirty="0">
+                <a:solidFill>
+                  <a:srgbClr val="000000"/>
+                </a:solidFill>
+                <a:effectLst/>
+                <a:latin typeface="Times New Roman" panose="02020603050405020304" pitchFamily="18" charset="0"/>
+              </a:rPr>
+              <a:t> egy variancia minimalizáló stratégiát követ, addig a </a:t>
+            </a:r>
+            <a:r>
+              <a:rPr lang="hu-HU" dirty="0" err="1">
+                <a:solidFill>
+                  <a:srgbClr val="000000"/>
+                </a:solidFill>
+                <a:effectLst/>
+                <a:latin typeface="Times New Roman" panose="02020603050405020304" pitchFamily="18" charset="0"/>
+              </a:rPr>
+              <a:t>single</a:t>
+            </a:r>
+            <a:r>
+              <a:rPr lang="hu-HU" dirty="0">
+                <a:solidFill>
+                  <a:srgbClr val="000000"/>
+                </a:solidFill>
+                <a:effectLst/>
+                <a:latin typeface="Times New Roman" panose="02020603050405020304" pitchFamily="18" charset="0"/>
+              </a:rPr>
+              <a:t> a klaszterek legközelebbi pontjai közötti távolság alapján hozza meg az összevonási döntést</a:t>
+            </a:r>
+          </a:p>
+          <a:p>
             <a:endParaRPr lang="hu-HU" dirty="0"/>
+          </a:p>
+          <a:p>
+            <a:r>
+              <a:rPr lang="hu-HU" dirty="0"/>
+              <a:t> A </a:t>
+            </a:r>
+            <a:r>
+              <a:rPr lang="hu-HU" dirty="0" err="1"/>
+              <a:t>klaszterezéshez</a:t>
+            </a:r>
+            <a:r>
+              <a:rPr lang="hu-HU" dirty="0"/>
+              <a:t> használt távolsági küszöböt, amivel a </a:t>
+            </a:r>
+            <a:r>
+              <a:rPr lang="hu-HU" dirty="0" err="1"/>
+              <a:t>dendrogramot</a:t>
+            </a:r>
+            <a:r>
+              <a:rPr lang="hu-HU" dirty="0"/>
+              <a:t> elvágjuk az </a:t>
+            </a:r>
+            <a:r>
+              <a:rPr lang="hu-HU" i="1" dirty="0" err="1"/>
+              <a:t>inconsistent</a:t>
+            </a:r>
+            <a:r>
+              <a:rPr lang="hu-HU" dirty="0"/>
+              <a:t> függvény segítségével automatikusan határozza meg, amely a </a:t>
+            </a:r>
+            <a:r>
+              <a:rPr lang="hu-HU" dirty="0" err="1"/>
+              <a:t>dendrogramon</a:t>
+            </a:r>
+            <a:r>
+              <a:rPr lang="hu-HU" dirty="0"/>
+              <a:t> belüli változékonyságot elemzi különböző mélységeken. </a:t>
+            </a:r>
+          </a:p>
+          <a:p>
+            <a:endParaRPr lang="hu-HU" dirty="0"/>
+          </a:p>
+          <a:p>
+            <a:r>
+              <a:rPr lang="hu-HU" dirty="0"/>
+              <a:t>minden </a:t>
+            </a:r>
+            <a:r>
+              <a:rPr lang="hu-HU" dirty="0" err="1"/>
+              <a:t>dendrogram</a:t>
+            </a:r>
+            <a:r>
+              <a:rPr lang="hu-HU" dirty="0"/>
+              <a:t> szinten </a:t>
+            </a:r>
+            <a:r>
+              <a:rPr lang="hu-HU" u="sng" dirty="0"/>
+              <a:t>az adott </a:t>
+            </a:r>
+            <a:r>
+              <a:rPr lang="hu-HU" u="sng" dirty="0" err="1"/>
+              <a:t>klaszterezési</a:t>
+            </a:r>
+            <a:r>
+              <a:rPr lang="hu-HU" u="sng" dirty="0"/>
+              <a:t> lépés mennyire tér el az azt megelőző </a:t>
+            </a:r>
+            <a:r>
+              <a:rPr lang="hu-HU" u="sng" dirty="0" err="1"/>
+              <a:t>klaszterezések</a:t>
+            </a:r>
+            <a:r>
+              <a:rPr lang="hu-HU" u="sng" dirty="0"/>
+              <a:t> távolságától </a:t>
+            </a:r>
+          </a:p>
+          <a:p>
+            <a:r>
+              <a:rPr lang="hu-HU" u="sng" dirty="0"/>
+              <a:t>különböző mélységi szinteken megvizsgálja az inkonzisztencia szórását, és azt a szintet választja ki, ahol ez a legnagyobb, mert ott jelentkezik a legnagyobb szerkezeti változás</a:t>
+            </a:r>
+            <a:r>
+              <a:rPr lang="hu-HU" dirty="0"/>
+              <a:t>. </a:t>
+            </a:r>
+          </a:p>
+          <a:p>
+            <a:r>
+              <a:rPr lang="hu-HU" dirty="0"/>
+              <a:t>Az ehhez tartozó távolságérték – az adott szint inkonzisztencia átlaga plusz szórása – lesz a vágási küszöb, ami alapján értelmes klasztereket tudunk kialakítani a változási pontok között</a:t>
+            </a:r>
+            <a:endParaRPr lang="hu-HU" u="sng" dirty="0"/>
+          </a:p>
+          <a:p>
+            <a:endParaRPr lang="hu-HU" u="sng" dirty="0"/>
+          </a:p>
+          <a:p>
+            <a:r>
+              <a:rPr lang="hu-HU" u="sng" dirty="0"/>
+              <a:t> Ez az adaptív módszer segít a túl- vagy </a:t>
+            </a:r>
+            <a:r>
+              <a:rPr lang="hu-HU" u="sng" dirty="0" err="1"/>
+              <a:t>alulszegmentálás</a:t>
+            </a:r>
+            <a:r>
+              <a:rPr lang="hu-HU" u="sng" dirty="0"/>
+              <a:t> elkerülésében</a:t>
+            </a:r>
+            <a:r>
+              <a:rPr lang="hu-HU" dirty="0"/>
+              <a:t>.</a:t>
+            </a:r>
+          </a:p>
+          <a:p>
+            <a:endParaRPr lang="hu-HU" dirty="0"/>
+          </a:p>
+          <a:p>
+            <a:r>
+              <a:rPr lang="hu-HU" dirty="0"/>
+              <a:t>Végül a visszaadott változáspontok a klaszterekben szereplő pontok átlaga. - &gt; annyi változáspont ahány klaszter</a:t>
+            </a:r>
           </a:p>
         </p:txBody>
       </p:sp>
@@ -801,7 +801,7 @@
           <a:p>
             <a:fld id="{DD81B902-AA01-4B4C-984B-3A0D86553040}" type="slidenum">
               <a:rPr lang="hu-HU" smtClean="0"/>
-              <a:t>11</a:t>
+              <a:t>6</a:t>
             </a:fld>
             <a:endParaRPr lang="hu-HU"/>
           </a:p>
@@ -810,7 +810,7 @@
     </p:spTree>
     <p:extLst>
       <p:ext uri="{BB962C8B-B14F-4D97-AF65-F5344CB8AC3E}">
-        <p14:creationId xmlns:p14="http://schemas.microsoft.com/office/powerpoint/2010/main" val="1931738640"/>
+        <p14:creationId xmlns:p14="http://schemas.microsoft.com/office/powerpoint/2010/main" val="3050680156"/>
       </p:ext>
     </p:extLst>
   </p:cSld>
@@ -965,11 +965,10 @@
           <a:bodyPr/>
           <a:lstStyle/>
           <a:p>
-            <a:fld id="{FF076027-57CE-7644-B674-3EEE831F5408}" type="datetime1">
-              <a:rPr lang="hu-HU" smtClean="0"/>
-              <a:t>2025. 05. 13.</a:t>
-            </a:fld>
-            <a:endParaRPr lang="hu-HU"/>
+            <a:r>
+              <a:rPr lang="hu-HU"/>
+              <a:t>2025. 05. 20.</a:t>
+            </a:r>
           </a:p>
         </p:txBody>
       </p:sp>
@@ -994,7 +993,10 @@
           <a:bodyPr/>
           <a:lstStyle/>
           <a:p>
-            <a:endParaRPr lang="hu-HU"/>
+            <a:r>
+              <a:rPr lang="hu-HU"/>
+              <a:t>Ensemble szegmentáló módszerek idősoros adatokon</a:t>
+            </a:r>
           </a:p>
         </p:txBody>
       </p:sp>
@@ -1163,11 +1165,10 @@
           <a:bodyPr/>
           <a:lstStyle/>
           <a:p>
-            <a:fld id="{830804EE-E663-FD46-8A40-6E7F387E266E}" type="datetime1">
-              <a:rPr lang="hu-HU" smtClean="0"/>
-              <a:t>2025. 05. 13.</a:t>
-            </a:fld>
-            <a:endParaRPr lang="hu-HU"/>
+            <a:r>
+              <a:rPr lang="hu-HU"/>
+              <a:t>2025. 05. 20.</a:t>
+            </a:r>
           </a:p>
         </p:txBody>
       </p:sp>
@@ -1192,7 +1193,10 @@
           <a:bodyPr/>
           <a:lstStyle/>
           <a:p>
-            <a:endParaRPr lang="hu-HU"/>
+            <a:r>
+              <a:rPr lang="hu-HU"/>
+              <a:t>Ensemble szegmentáló módszerek idősoros adatokon</a:t>
+            </a:r>
           </a:p>
         </p:txBody>
       </p:sp>
@@ -1371,11 +1375,10 @@
           <a:bodyPr/>
           <a:lstStyle/>
           <a:p>
-            <a:fld id="{263D005D-85FF-2949-BC6E-508A5CBFF1F3}" type="datetime1">
-              <a:rPr lang="hu-HU" smtClean="0"/>
-              <a:t>2025. 05. 13.</a:t>
-            </a:fld>
-            <a:endParaRPr lang="hu-HU"/>
+            <a:r>
+              <a:rPr lang="hu-HU"/>
+              <a:t>2025. 05. 20.</a:t>
+            </a:r>
           </a:p>
         </p:txBody>
       </p:sp>
@@ -1400,7 +1403,10 @@
           <a:bodyPr/>
           <a:lstStyle/>
           <a:p>
-            <a:endParaRPr lang="hu-HU"/>
+            <a:r>
+              <a:rPr lang="hu-HU"/>
+              <a:t>Ensemble szegmentáló módszerek idősoros adatokon</a:t>
+            </a:r>
           </a:p>
         </p:txBody>
       </p:sp>
@@ -1569,11 +1575,10 @@
           <a:bodyPr/>
           <a:lstStyle/>
           <a:p>
-            <a:fld id="{66445694-FCB9-A642-8FF4-42EEC02622E4}" type="datetime1">
-              <a:rPr lang="hu-HU" smtClean="0"/>
-              <a:t>2025. 05. 13.</a:t>
-            </a:fld>
-            <a:endParaRPr lang="hu-HU"/>
+            <a:r>
+              <a:rPr lang="hu-HU"/>
+              <a:t>2025. 05. 20.</a:t>
+            </a:r>
           </a:p>
         </p:txBody>
       </p:sp>
@@ -1598,7 +1603,10 @@
           <a:bodyPr/>
           <a:lstStyle/>
           <a:p>
-            <a:endParaRPr lang="hu-HU"/>
+            <a:r>
+              <a:rPr lang="hu-HU"/>
+              <a:t>Ensemble szegmentáló módszerek idősoros adatokon</a:t>
+            </a:r>
           </a:p>
         </p:txBody>
       </p:sp>
@@ -1844,11 +1852,10 @@
           <a:bodyPr/>
           <a:lstStyle/>
           <a:p>
-            <a:fld id="{AD6A2A12-DA2B-E74B-B41C-67785A542A35}" type="datetime1">
-              <a:rPr lang="hu-HU" smtClean="0"/>
-              <a:t>2025. 05. 13.</a:t>
-            </a:fld>
-            <a:endParaRPr lang="hu-HU"/>
+            <a:r>
+              <a:rPr lang="hu-HU"/>
+              <a:t>2025. 05. 20.</a:t>
+            </a:r>
           </a:p>
         </p:txBody>
       </p:sp>
@@ -1873,7 +1880,10 @@
           <a:bodyPr/>
           <a:lstStyle/>
           <a:p>
-            <a:endParaRPr lang="hu-HU"/>
+            <a:r>
+              <a:rPr lang="hu-HU"/>
+              <a:t>Ensemble szegmentáló módszerek idősoros adatokon</a:t>
+            </a:r>
           </a:p>
         </p:txBody>
       </p:sp>
@@ -2109,11 +2119,10 @@
           <a:bodyPr/>
           <a:lstStyle/>
           <a:p>
-            <a:fld id="{632B892B-C86C-CB41-991A-53D194128D28}" type="datetime1">
-              <a:rPr lang="hu-HU" smtClean="0"/>
-              <a:t>2025. 05. 13.</a:t>
-            </a:fld>
-            <a:endParaRPr lang="hu-HU"/>
+            <a:r>
+              <a:rPr lang="hu-HU"/>
+              <a:t>2025. 05. 20.</a:t>
+            </a:r>
           </a:p>
         </p:txBody>
       </p:sp>
@@ -2138,7 +2147,10 @@
           <a:bodyPr/>
           <a:lstStyle/>
           <a:p>
-            <a:endParaRPr lang="hu-HU"/>
+            <a:r>
+              <a:rPr lang="hu-HU"/>
+              <a:t>Ensemble szegmentáló módszerek idősoros adatokon</a:t>
+            </a:r>
           </a:p>
         </p:txBody>
       </p:sp>
@@ -2521,11 +2533,10 @@
           <a:bodyPr/>
           <a:lstStyle/>
           <a:p>
-            <a:fld id="{F3290542-D93A-5B47-A38B-6F0DA92AE7CE}" type="datetime1">
-              <a:rPr lang="hu-HU" smtClean="0"/>
-              <a:t>2025. 05. 13.</a:t>
-            </a:fld>
-            <a:endParaRPr lang="hu-HU"/>
+            <a:r>
+              <a:rPr lang="hu-HU"/>
+              <a:t>2025. 05. 20.</a:t>
+            </a:r>
           </a:p>
         </p:txBody>
       </p:sp>
@@ -2550,7 +2561,10 @@
           <a:bodyPr/>
           <a:lstStyle/>
           <a:p>
-            <a:endParaRPr lang="hu-HU"/>
+            <a:r>
+              <a:rPr lang="hu-HU"/>
+              <a:t>Ensemble szegmentáló módszerek idősoros adatokon</a:t>
+            </a:r>
           </a:p>
         </p:txBody>
       </p:sp>
@@ -2662,11 +2676,10 @@
           <a:bodyPr/>
           <a:lstStyle/>
           <a:p>
-            <a:fld id="{80145D3C-4DB2-0040-9CC3-84A09F3EF651}" type="datetime1">
-              <a:rPr lang="hu-HU" smtClean="0"/>
-              <a:t>2025. 05. 13.</a:t>
-            </a:fld>
-            <a:endParaRPr lang="hu-HU"/>
+            <a:r>
+              <a:rPr lang="hu-HU"/>
+              <a:t>2025. 05. 20.</a:t>
+            </a:r>
           </a:p>
         </p:txBody>
       </p:sp>
@@ -2691,7 +2704,10 @@
           <a:bodyPr/>
           <a:lstStyle/>
           <a:p>
-            <a:endParaRPr lang="hu-HU"/>
+            <a:r>
+              <a:rPr lang="hu-HU"/>
+              <a:t>Ensemble szegmentáló módszerek idősoros adatokon</a:t>
+            </a:r>
           </a:p>
         </p:txBody>
       </p:sp>
@@ -2775,11 +2791,10 @@
           <a:bodyPr/>
           <a:lstStyle/>
           <a:p>
-            <a:fld id="{97E68AE9-82F8-A445-82BE-51C0D4582C23}" type="datetime1">
-              <a:rPr lang="hu-HU" smtClean="0"/>
-              <a:t>2025. 05. 13.</a:t>
-            </a:fld>
-            <a:endParaRPr lang="hu-HU"/>
+            <a:r>
+              <a:rPr lang="hu-HU"/>
+              <a:t>2025. 05. 20.</a:t>
+            </a:r>
           </a:p>
         </p:txBody>
       </p:sp>
@@ -2804,7 +2819,10 @@
           <a:bodyPr/>
           <a:lstStyle/>
           <a:p>
-            <a:endParaRPr lang="hu-HU"/>
+            <a:r>
+              <a:rPr lang="hu-HU"/>
+              <a:t>Ensemble szegmentáló módszerek idősoros adatokon</a:t>
+            </a:r>
           </a:p>
         </p:txBody>
       </p:sp>
@@ -3086,11 +3104,10 @@
           <a:bodyPr/>
           <a:lstStyle/>
           <a:p>
-            <a:fld id="{AF41EB5E-CD90-1648-A208-F53FEC683ACA}" type="datetime1">
-              <a:rPr lang="hu-HU" smtClean="0"/>
-              <a:t>2025. 05. 13.</a:t>
-            </a:fld>
-            <a:endParaRPr lang="hu-HU"/>
+            <a:r>
+              <a:rPr lang="hu-HU"/>
+              <a:t>2025. 05. 20.</a:t>
+            </a:r>
           </a:p>
         </p:txBody>
       </p:sp>
@@ -3115,7 +3132,10 @@
           <a:bodyPr/>
           <a:lstStyle/>
           <a:p>
-            <a:endParaRPr lang="hu-HU"/>
+            <a:r>
+              <a:rPr lang="hu-HU"/>
+              <a:t>Ensemble szegmentáló módszerek idősoros adatokon</a:t>
+            </a:r>
           </a:p>
         </p:txBody>
       </p:sp>
@@ -3374,11 +3394,10 @@
           <a:bodyPr/>
           <a:lstStyle/>
           <a:p>
-            <a:fld id="{D62F77B1-2D56-B440-80A2-3FA9E7ED68E6}" type="datetime1">
-              <a:rPr lang="hu-HU" smtClean="0"/>
-              <a:t>2025. 05. 13.</a:t>
-            </a:fld>
-            <a:endParaRPr lang="hu-HU"/>
+            <a:r>
+              <a:rPr lang="hu-HU"/>
+              <a:t>2025. 05. 20.</a:t>
+            </a:r>
           </a:p>
         </p:txBody>
       </p:sp>
@@ -3403,7 +3422,10 @@
           <a:bodyPr/>
           <a:lstStyle/>
           <a:p>
-            <a:endParaRPr lang="hu-HU"/>
+            <a:r>
+              <a:rPr lang="hu-HU"/>
+              <a:t>Ensemble szegmentáló módszerek idősoros adatokon</a:t>
+            </a:r>
           </a:p>
         </p:txBody>
       </p:sp>
@@ -3615,11 +3637,10 @@
             </a:lvl1pPr>
           </a:lstStyle>
           <a:p>
-            <a:fld id="{6C62EFB0-7CE6-9A42-B406-CD1B830524DB}" type="datetime1">
-              <a:rPr lang="hu-HU" smtClean="0"/>
-              <a:t>2025. 05. 13.</a:t>
-            </a:fld>
-            <a:endParaRPr lang="hu-HU"/>
+            <a:r>
+              <a:rPr lang="hu-HU"/>
+              <a:t>2025. 05. 20.</a:t>
+            </a:r>
           </a:p>
         </p:txBody>
       </p:sp>
@@ -3662,7 +3683,10 @@
             </a:lvl1pPr>
           </a:lstStyle>
           <a:p>
-            <a:endParaRPr lang="hu-HU"/>
+            <a:r>
+              <a:rPr lang="hu-HU"/>
+              <a:t>Ensemble szegmentáló módszerek idősoros adatokon</a:t>
+            </a:r>
           </a:p>
         </p:txBody>
       </p:sp>
@@ -4045,7 +4069,7 @@
       </p:grpSpPr>
       <p:sp useBgFill="1">
         <p:nvSpPr>
-          <p:cNvPr id="8" name="Rectangle 7">
+          <p:cNvPr id="15" name="Rectangle 14">
             <a:extLst>
               <a:ext uri="{FF2B5EF4-FFF2-40B4-BE49-F238E27FC236}">
                 <a16:creationId xmlns:a16="http://schemas.microsoft.com/office/drawing/2014/main" id="{943CAA20-3569-4189-9E48-239A229A86CA}"/>
@@ -4133,7 +4157,7 @@
           <a:p>
             <a:pPr algn="l"/>
             <a:r>
-              <a:rPr lang="hu-HU" sz="6600" b="1" kern="50" dirty="0" err="1">
+              <a:rPr lang="hu-HU" sz="5600" b="1" kern="50" dirty="0" err="1">
                 <a:effectLst/>
                 <a:latin typeface="Arial" panose="020B0604020202020204" pitchFamily="34" charset="0"/>
                 <a:ea typeface="DejaVu Sans"/>
@@ -4142,7 +4166,7 @@
               <a:t>Ensemble</a:t>
             </a:r>
             <a:r>
-              <a:rPr lang="hu-HU" sz="6600" b="1" kern="50" dirty="0">
+              <a:rPr lang="hu-HU" sz="5600" b="1" kern="50" dirty="0">
                 <a:effectLst/>
                 <a:latin typeface="Arial" panose="020B0604020202020204" pitchFamily="34" charset="0"/>
                 <a:ea typeface="DejaVu Sans"/>
@@ -4151,14 +4175,48 @@
               <a:t> szegmentáló módszerek idősoros adatokon</a:t>
             </a:r>
             <a:br>
-              <a:rPr lang="hu-HU" sz="6600" b="1" kern="50" dirty="0">
+              <a:rPr lang="hu-HU" sz="5600" b="1" kern="50" dirty="0">
                 <a:effectLst/>
                 <a:latin typeface="Arial" panose="020B0604020202020204" pitchFamily="34" charset="0"/>
                 <a:ea typeface="DejaVu Sans"/>
                 <a:cs typeface="FreeSans"/>
               </a:rPr>
             </a:br>
-            <a:endParaRPr lang="hu-HU" sz="6600" dirty="0"/>
+            <a:r>
+              <a:rPr lang="hu-HU" sz="2400" kern="50" dirty="0">
+                <a:effectLst/>
+                <a:latin typeface="Arial" panose="020B0604020202020204" pitchFamily="34" charset="0"/>
+                <a:ea typeface="DejaVu Sans"/>
+                <a:cs typeface="FreeSans"/>
+              </a:rPr>
+              <a:t>Önálló laboratórium</a:t>
+            </a:r>
+            <a:r>
+              <a:rPr lang="hu-HU" sz="2400" kern="50" dirty="0">
+                <a:latin typeface="Arial" panose="020B0604020202020204" pitchFamily="34" charset="0"/>
+                <a:ea typeface="DejaVu Sans"/>
+                <a:cs typeface="FreeSans"/>
+              </a:rPr>
+              <a:t> s</a:t>
+            </a:r>
+            <a:r>
+              <a:rPr lang="hu-HU" sz="2400" kern="50" dirty="0">
+                <a:effectLst/>
+                <a:latin typeface="Arial" panose="020B0604020202020204" pitchFamily="34" charset="0"/>
+                <a:ea typeface="DejaVu Sans"/>
+                <a:cs typeface="FreeSans"/>
+              </a:rPr>
+              <a:t>zóbeli beszámoló</a:t>
+            </a:r>
+            <a:br>
+              <a:rPr lang="hu-HU" sz="5600" kern="50" dirty="0">
+                <a:effectLst/>
+                <a:latin typeface="Arial" panose="020B0604020202020204" pitchFamily="34" charset="0"/>
+                <a:ea typeface="DejaVu Sans"/>
+                <a:cs typeface="FreeSans"/>
+              </a:rPr>
+            </a:br>
+            <a:endParaRPr lang="hu-HU" sz="5600" dirty="0"/>
           </a:p>
         </p:txBody>
       </p:sp>
@@ -4186,36 +4244,43 @@
         </p:spPr>
         <p:txBody>
           <a:bodyPr>
-            <a:normAutofit/>
+            <a:normAutofit fontScale="92500" lnSpcReduction="20000"/>
           </a:bodyPr>
           <a:lstStyle/>
           <a:p>
             <a:pPr algn="l"/>
             <a:r>
-              <a:rPr lang="hu-HU"/>
+              <a:rPr lang="hu-HU" dirty="0"/>
               <a:t>Készítette: </a:t>
             </a:r>
             <a:r>
-              <a:rPr lang="hu-HU" err="1"/>
+              <a:rPr lang="hu-HU" dirty="0" err="1"/>
               <a:t>Czotter</a:t>
             </a:r>
             <a:r>
-              <a:rPr lang="hu-HU"/>
-              <a:t> Benedek</a:t>
+              <a:rPr lang="hu-HU" dirty="0"/>
+              <a:t> Benedek (TFB4FY)</a:t>
             </a:r>
           </a:p>
           <a:p>
             <a:pPr algn="l"/>
             <a:r>
-              <a:rPr lang="hu-HU"/>
+              <a:rPr lang="hu-HU" dirty="0"/>
               <a:t>Konzulensek: Dr. Szűcs Gábor, Németh Marcell</a:t>
             </a:r>
           </a:p>
-        </p:txBody>
-      </p:sp>
-      <p:sp>
-        <p:nvSpPr>
-          <p:cNvPr id="10" name="sketch line">
+          <a:p>
+            <a:pPr algn="l"/>
+            <a:r>
+              <a:rPr lang="hu-HU" dirty="0"/>
+              <a:t>2024/25/2</a:t>
+            </a:r>
+          </a:p>
+        </p:txBody>
+      </p:sp>
+      <p:sp>
+        <p:nvSpPr>
+          <p:cNvPr id="17" name="sketch line">
             <a:extLst>
               <a:ext uri="{FF2B5EF4-FFF2-40B4-BE49-F238E27FC236}">
                 <a16:creationId xmlns:a16="http://schemas.microsoft.com/office/drawing/2014/main" id="{DA542B6D-E775-4832-91DC-2D20F857813A}"/>
@@ -5487,16 +5552,10 @@
                 <a:spcPts val="600"/>
               </a:spcAft>
             </a:pPr>
-            <a:fld id="{66445694-FCB9-A642-8FF4-42EEC02622E4}" type="datetime1">
-              <a:rPr lang="hu-HU" smtClean="0"/>
-              <a:pPr>
-                <a:spcAft>
-                  <a:spcPts val="600"/>
-                </a:spcAft>
-              </a:pPr>
-              <a:t>2025. 05. 13.</a:t>
-            </a:fld>
-            <a:endParaRPr lang="hu-HU"/>
+            <a:r>
+              <a:rPr lang="hu-HU"/>
+              <a:t>2025. 05. 20.</a:t>
+            </a:r>
           </a:p>
         </p:txBody>
       </p:sp>
@@ -5528,7 +5587,10 @@
           </a:bodyPr>
           <a:lstStyle/>
           <a:p>
-            <a:endParaRPr lang="hu-HU"/>
+            <a:r>
+              <a:rPr lang="hu-HU"/>
+              <a:t>Ensemble szegmentáló módszerek idősoros adatokon</a:t>
+            </a:r>
           </a:p>
         </p:txBody>
       </p:sp>
@@ -5621,10 +5683,10 @@
       </p:grpSpPr>
       <p:sp useBgFill="1">
         <p:nvSpPr>
-          <p:cNvPr id="8" name="Rectangle 7">
-            <a:extLst>
-              <a:ext uri="{FF2B5EF4-FFF2-40B4-BE49-F238E27FC236}">
-                <a16:creationId xmlns:a16="http://schemas.microsoft.com/office/drawing/2014/main" id="{943CAA20-3569-4189-9E48-239A229A86CA}"/>
+          <p:cNvPr id="11" name="Rectangle 10">
+            <a:extLst>
+              <a:ext uri="{FF2B5EF4-FFF2-40B4-BE49-F238E27FC236}">
+                <a16:creationId xmlns:a16="http://schemas.microsoft.com/office/drawing/2014/main" id="{1C799903-48D5-4A31-A1A2-541072D9771E}"/>
               </a:ext>
               <a:ext uri="{C183D7F6-B498-43B3-948B-1728B52AA6E4}">
                 <adec:decorative xmlns:adec="http://schemas.microsoft.com/office/drawing/2017/decorative" val="1"/>
@@ -5645,7 +5707,7 @@
         <p:spPr>
           <a:xfrm>
             <a:off x="0" y="0"/>
-            <a:ext cx="12188952" cy="6858000"/>
+            <a:ext cx="12192002" cy="6858000"/>
           </a:xfrm>
           <a:prstGeom prst="rect">
             <a:avLst/>
@@ -5679,48 +5741,12 @@
           </a:p>
         </p:txBody>
       </p:sp>
-      <p:sp>
-        <p:nvSpPr>
-          <p:cNvPr id="2" name="Cím 1">
-            <a:extLst>
-              <a:ext uri="{FF2B5EF4-FFF2-40B4-BE49-F238E27FC236}">
-                <a16:creationId xmlns:a16="http://schemas.microsoft.com/office/drawing/2014/main" id="{BA96C935-7572-9841-9BBB-DDB87752FCA9}"/>
-              </a:ext>
-            </a:extLst>
-          </p:cNvPr>
-          <p:cNvSpPr>
-            <a:spLocks noGrp="1"/>
-          </p:cNvSpPr>
-          <p:nvPr>
-            <p:ph type="ctrTitle"/>
-          </p:nvPr>
-        </p:nvSpPr>
-        <p:spPr>
-          <a:xfrm>
-            <a:off x="838200" y="451381"/>
-            <a:ext cx="10512552" cy="4066540"/>
-          </a:xfrm>
-        </p:spPr>
-        <p:txBody>
-          <a:bodyPr anchor="b">
-            <a:normAutofit/>
-          </a:bodyPr>
-          <a:lstStyle/>
-          <a:p>
-            <a:pPr algn="l"/>
-            <a:r>
-              <a:rPr lang="hu-HU" sz="6600" dirty="0"/>
-              <a:t>Köszönöm szépen a figyelmet!</a:t>
-            </a:r>
-          </a:p>
-        </p:txBody>
-      </p:sp>
-      <p:sp>
-        <p:nvSpPr>
-          <p:cNvPr id="10" name="sketch line">
-            <a:extLst>
-              <a:ext uri="{FF2B5EF4-FFF2-40B4-BE49-F238E27FC236}">
-                <a16:creationId xmlns:a16="http://schemas.microsoft.com/office/drawing/2014/main" id="{DA542B6D-E775-4832-91DC-2D20F857813A}"/>
+      <p:sp useBgFill="1">
+        <p:nvSpPr>
+          <p:cNvPr id="13" name="Freeform: Shape 12">
+            <a:extLst>
+              <a:ext uri="{FF2B5EF4-FFF2-40B4-BE49-F238E27FC236}">
+                <a16:creationId xmlns:a16="http://schemas.microsoft.com/office/drawing/2014/main" id="{8EFFF109-FC58-4FD3-BE05-9775A1310F55}"/>
               </a:ext>
               <a:ext uri="{C183D7F6-B498-43B3-948B-1728B52AA6E4}">
                 <adec:decorative xmlns:adec="http://schemas.microsoft.com/office/drawing/2017/decorative" val="1"/>
@@ -5740,50 +5766,26 @@
         </p:nvSpPr>
         <p:spPr>
           <a:xfrm>
-            <a:off x="838200" y="4718595"/>
-            <a:ext cx="5410200" cy="18288"/>
+            <a:off x="-1" y="0"/>
+            <a:ext cx="4818889" cy="6858000"/>
           </a:xfrm>
           <a:custGeom>
             <a:avLst/>
             <a:gdLst>
-              <a:gd name="connsiteX0" fmla="*/ 0 w 5410200"/>
-              <a:gd name="connsiteY0" fmla="*/ 0 h 18288"/>
-              <a:gd name="connsiteX1" fmla="*/ 568071 w 5410200"/>
-              <a:gd name="connsiteY1" fmla="*/ 0 h 18288"/>
-              <a:gd name="connsiteX2" fmla="*/ 1298448 w 5410200"/>
-              <a:gd name="connsiteY2" fmla="*/ 0 h 18288"/>
-              <a:gd name="connsiteX3" fmla="*/ 1920621 w 5410200"/>
-              <a:gd name="connsiteY3" fmla="*/ 0 h 18288"/>
-              <a:gd name="connsiteX4" fmla="*/ 2488692 w 5410200"/>
-              <a:gd name="connsiteY4" fmla="*/ 0 h 18288"/>
-              <a:gd name="connsiteX5" fmla="*/ 3219069 w 5410200"/>
-              <a:gd name="connsiteY5" fmla="*/ 0 h 18288"/>
-              <a:gd name="connsiteX6" fmla="*/ 3895344 w 5410200"/>
-              <a:gd name="connsiteY6" fmla="*/ 0 h 18288"/>
-              <a:gd name="connsiteX7" fmla="*/ 4571619 w 5410200"/>
-              <a:gd name="connsiteY7" fmla="*/ 0 h 18288"/>
-              <a:gd name="connsiteX8" fmla="*/ 5410200 w 5410200"/>
-              <a:gd name="connsiteY8" fmla="*/ 0 h 18288"/>
-              <a:gd name="connsiteX9" fmla="*/ 5410200 w 5410200"/>
-              <a:gd name="connsiteY9" fmla="*/ 18288 h 18288"/>
-              <a:gd name="connsiteX10" fmla="*/ 4842129 w 5410200"/>
-              <a:gd name="connsiteY10" fmla="*/ 18288 h 18288"/>
-              <a:gd name="connsiteX11" fmla="*/ 4328160 w 5410200"/>
-              <a:gd name="connsiteY11" fmla="*/ 18288 h 18288"/>
-              <a:gd name="connsiteX12" fmla="*/ 3597783 w 5410200"/>
-              <a:gd name="connsiteY12" fmla="*/ 18288 h 18288"/>
-              <a:gd name="connsiteX13" fmla="*/ 3029712 w 5410200"/>
-              <a:gd name="connsiteY13" fmla="*/ 18288 h 18288"/>
-              <a:gd name="connsiteX14" fmla="*/ 2299335 w 5410200"/>
-              <a:gd name="connsiteY14" fmla="*/ 18288 h 18288"/>
-              <a:gd name="connsiteX15" fmla="*/ 1514856 w 5410200"/>
-              <a:gd name="connsiteY15" fmla="*/ 18288 h 18288"/>
-              <a:gd name="connsiteX16" fmla="*/ 892683 w 5410200"/>
-              <a:gd name="connsiteY16" fmla="*/ 18288 h 18288"/>
-              <a:gd name="connsiteX17" fmla="*/ 0 w 5410200"/>
-              <a:gd name="connsiteY17" fmla="*/ 18288 h 18288"/>
-              <a:gd name="connsiteX18" fmla="*/ 0 w 5410200"/>
-              <a:gd name="connsiteY18" fmla="*/ 0 h 18288"/>
+              <a:gd name="connsiteX0" fmla="*/ 0 w 4818889"/>
+              <a:gd name="connsiteY0" fmla="*/ 0 h 6858000"/>
+              <a:gd name="connsiteX1" fmla="*/ 3605911 w 4818889"/>
+              <a:gd name="connsiteY1" fmla="*/ 0 h 6858000"/>
+              <a:gd name="connsiteX2" fmla="*/ 3668894 w 4818889"/>
+              <a:gd name="connsiteY2" fmla="*/ 69271 h 6858000"/>
+              <a:gd name="connsiteX3" fmla="*/ 4818889 w 4818889"/>
+              <a:gd name="connsiteY3" fmla="*/ 3429000 h 6858000"/>
+              <a:gd name="connsiteX4" fmla="*/ 3668894 w 4818889"/>
+              <a:gd name="connsiteY4" fmla="*/ 6788730 h 6858000"/>
+              <a:gd name="connsiteX5" fmla="*/ 3605911 w 4818889"/>
+              <a:gd name="connsiteY5" fmla="*/ 6858000 h 6858000"/>
+              <a:gd name="connsiteX6" fmla="*/ 0 w 4818889"/>
+              <a:gd name="connsiteY6" fmla="*/ 6858000 h 6858000"/>
             </a:gdLst>
             <a:ahLst/>
             <a:cxnLst>
@@ -5808,259 +5810,343 @@
               <a:cxn ang="0">
                 <a:pos x="connsiteX6" y="connsiteY6"/>
               </a:cxn>
-              <a:cxn ang="0">
-                <a:pos x="connsiteX7" y="connsiteY7"/>
-              </a:cxn>
-              <a:cxn ang="0">
-                <a:pos x="connsiteX8" y="connsiteY8"/>
-              </a:cxn>
-              <a:cxn ang="0">
-                <a:pos x="connsiteX9" y="connsiteY9"/>
-              </a:cxn>
-              <a:cxn ang="0">
-                <a:pos x="connsiteX10" y="connsiteY10"/>
-              </a:cxn>
-              <a:cxn ang="0">
-                <a:pos x="connsiteX11" y="connsiteY11"/>
-              </a:cxn>
-              <a:cxn ang="0">
-                <a:pos x="connsiteX12" y="connsiteY12"/>
-              </a:cxn>
-              <a:cxn ang="0">
-                <a:pos x="connsiteX13" y="connsiteY13"/>
-              </a:cxn>
-              <a:cxn ang="0">
-                <a:pos x="connsiteX14" y="connsiteY14"/>
-              </a:cxn>
-              <a:cxn ang="0">
-                <a:pos x="connsiteX15" y="connsiteY15"/>
-              </a:cxn>
-              <a:cxn ang="0">
-                <a:pos x="connsiteX16" y="connsiteY16"/>
-              </a:cxn>
-              <a:cxn ang="0">
-                <a:pos x="connsiteX17" y="connsiteY17"/>
-              </a:cxn>
-              <a:cxn ang="0">
-                <a:pos x="connsiteX18" y="connsiteY18"/>
-              </a:cxn>
             </a:cxnLst>
             <a:rect l="l" t="t" r="r" b="b"/>
             <a:pathLst>
-              <a:path w="5410200" h="18288" fill="none" extrusionOk="0">
+              <a:path w="4818889" h="6858000">
                 <a:moveTo>
                   <a:pt x="0" y="0"/>
                 </a:moveTo>
-                <a:cubicBezTo>
-                  <a:pt x="163050" y="-18707"/>
-                  <a:pt x="319321" y="-16364"/>
-                  <a:pt x="568071" y="0"/>
-                </a:cubicBezTo>
-                <a:cubicBezTo>
-                  <a:pt x="816821" y="16364"/>
-                  <a:pt x="1013224" y="-7268"/>
-                  <a:pt x="1298448" y="0"/>
-                </a:cubicBezTo>
-                <a:cubicBezTo>
-                  <a:pt x="1583672" y="7268"/>
-                  <a:pt x="1631711" y="-3367"/>
-                  <a:pt x="1920621" y="0"/>
-                </a:cubicBezTo>
-                <a:cubicBezTo>
-                  <a:pt x="2209531" y="3367"/>
-                  <a:pt x="2364420" y="-19184"/>
-                  <a:pt x="2488692" y="0"/>
-                </a:cubicBezTo>
-                <a:cubicBezTo>
-                  <a:pt x="2612964" y="19184"/>
-                  <a:pt x="3023298" y="-34627"/>
-                  <a:pt x="3219069" y="0"/>
-                </a:cubicBezTo>
-                <a:cubicBezTo>
-                  <a:pt x="3414840" y="34627"/>
-                  <a:pt x="3656810" y="24043"/>
-                  <a:pt x="3895344" y="0"/>
-                </a:cubicBezTo>
-                <a:cubicBezTo>
-                  <a:pt x="4133879" y="-24043"/>
-                  <a:pt x="4393984" y="-19577"/>
-                  <a:pt x="4571619" y="0"/>
-                </a:cubicBezTo>
-                <a:cubicBezTo>
-                  <a:pt x="4749255" y="19577"/>
-                  <a:pt x="5179928" y="-6281"/>
-                  <a:pt x="5410200" y="0"/>
-                </a:cubicBezTo>
-                <a:cubicBezTo>
-                  <a:pt x="5410730" y="6954"/>
-                  <a:pt x="5410934" y="12839"/>
-                  <a:pt x="5410200" y="18288"/>
-                </a:cubicBezTo>
-                <a:cubicBezTo>
-                  <a:pt x="5139060" y="6751"/>
-                  <a:pt x="5121593" y="31035"/>
-                  <a:pt x="4842129" y="18288"/>
-                </a:cubicBezTo>
-                <a:cubicBezTo>
-                  <a:pt x="4562665" y="5541"/>
-                  <a:pt x="4448273" y="9487"/>
-                  <a:pt x="4328160" y="18288"/>
-                </a:cubicBezTo>
-                <a:cubicBezTo>
-                  <a:pt x="4208047" y="27089"/>
-                  <a:pt x="3760936" y="22567"/>
-                  <a:pt x="3597783" y="18288"/>
-                </a:cubicBezTo>
-                <a:cubicBezTo>
-                  <a:pt x="3434630" y="14009"/>
-                  <a:pt x="3299718" y="33213"/>
-                  <a:pt x="3029712" y="18288"/>
-                </a:cubicBezTo>
-                <a:cubicBezTo>
-                  <a:pt x="2759706" y="3363"/>
-                  <a:pt x="2640159" y="27394"/>
-                  <a:pt x="2299335" y="18288"/>
-                </a:cubicBezTo>
-                <a:cubicBezTo>
-                  <a:pt x="1958511" y="9182"/>
-                  <a:pt x="1801186" y="28985"/>
-                  <a:pt x="1514856" y="18288"/>
-                </a:cubicBezTo>
-                <a:cubicBezTo>
-                  <a:pt x="1228526" y="7591"/>
-                  <a:pt x="1063509" y="-5305"/>
-                  <a:pt x="892683" y="18288"/>
-                </a:cubicBezTo>
-                <a:cubicBezTo>
-                  <a:pt x="721857" y="41881"/>
-                  <a:pt x="186945" y="-20897"/>
-                  <a:pt x="0" y="18288"/>
-                </a:cubicBezTo>
-                <a:cubicBezTo>
-                  <a:pt x="-570" y="9279"/>
-                  <a:pt x="132" y="5100"/>
-                  <a:pt x="0" y="0"/>
-                </a:cubicBezTo>
-                <a:close/>
-              </a:path>
-              <a:path w="5410200" h="18288" stroke="0" extrusionOk="0">
-                <a:moveTo>
-                  <a:pt x="0" y="0"/>
-                </a:moveTo>
-                <a:cubicBezTo>
-                  <a:pt x="285096" y="-4925"/>
-                  <a:pt x="376456" y="22268"/>
-                  <a:pt x="622173" y="0"/>
-                </a:cubicBezTo>
-                <a:cubicBezTo>
-                  <a:pt x="867890" y="-22268"/>
-                  <a:pt x="1031392" y="7228"/>
-                  <a:pt x="1136142" y="0"/>
-                </a:cubicBezTo>
-                <a:cubicBezTo>
-                  <a:pt x="1240892" y="-7228"/>
-                  <a:pt x="1561853" y="9877"/>
-                  <a:pt x="1920621" y="0"/>
-                </a:cubicBezTo>
-                <a:cubicBezTo>
-                  <a:pt x="2279389" y="-9877"/>
-                  <a:pt x="2367255" y="19546"/>
-                  <a:pt x="2542794" y="0"/>
-                </a:cubicBezTo>
-                <a:cubicBezTo>
-                  <a:pt x="2718333" y="-19546"/>
-                  <a:pt x="2866732" y="-22226"/>
-                  <a:pt x="3164967" y="0"/>
-                </a:cubicBezTo>
-                <a:cubicBezTo>
-                  <a:pt x="3463202" y="22226"/>
-                  <a:pt x="3568055" y="-2765"/>
-                  <a:pt x="3949446" y="0"/>
-                </a:cubicBezTo>
-                <a:cubicBezTo>
-                  <a:pt x="4330837" y="2765"/>
-                  <a:pt x="4287895" y="10557"/>
-                  <a:pt x="4517517" y="0"/>
-                </a:cubicBezTo>
-                <a:cubicBezTo>
-                  <a:pt x="4747139" y="-10557"/>
-                  <a:pt x="5149588" y="8716"/>
-                  <a:pt x="5410200" y="0"/>
-                </a:cubicBezTo>
-                <a:cubicBezTo>
-                  <a:pt x="5409517" y="5414"/>
-                  <a:pt x="5409480" y="12510"/>
-                  <a:pt x="5410200" y="18288"/>
-                </a:cubicBezTo>
-                <a:cubicBezTo>
-                  <a:pt x="5163327" y="41494"/>
-                  <a:pt x="5008749" y="10693"/>
-                  <a:pt x="4842129" y="18288"/>
-                </a:cubicBezTo>
-                <a:cubicBezTo>
-                  <a:pt x="4675509" y="25883"/>
-                  <a:pt x="4433401" y="-615"/>
-                  <a:pt x="4165854" y="18288"/>
-                </a:cubicBezTo>
-                <a:cubicBezTo>
-                  <a:pt x="3898308" y="37191"/>
-                  <a:pt x="3809032" y="-8710"/>
-                  <a:pt x="3543681" y="18288"/>
-                </a:cubicBezTo>
-                <a:cubicBezTo>
-                  <a:pt x="3278330" y="45286"/>
-                  <a:pt x="3073876" y="-15917"/>
-                  <a:pt x="2759202" y="18288"/>
-                </a:cubicBezTo>
-                <a:cubicBezTo>
-                  <a:pt x="2444528" y="52493"/>
-                  <a:pt x="2204144" y="3372"/>
-                  <a:pt x="1974723" y="18288"/>
-                </a:cubicBezTo>
-                <a:cubicBezTo>
-                  <a:pt x="1745302" y="33204"/>
-                  <a:pt x="1602335" y="31490"/>
-                  <a:pt x="1406652" y="18288"/>
-                </a:cubicBezTo>
-                <a:cubicBezTo>
-                  <a:pt x="1210969" y="5086"/>
-                  <a:pt x="923948" y="3161"/>
-                  <a:pt x="730377" y="18288"/>
-                </a:cubicBezTo>
-                <a:cubicBezTo>
-                  <a:pt x="536806" y="33415"/>
-                  <a:pt x="336496" y="-141"/>
-                  <a:pt x="0" y="18288"/>
-                </a:cubicBezTo>
-                <a:cubicBezTo>
-                  <a:pt x="-306" y="11061"/>
-                  <a:pt x="-655" y="7751"/>
-                  <a:pt x="0" y="0"/>
-                </a:cubicBezTo>
+                <a:lnTo>
+                  <a:pt x="3605911" y="0"/>
+                </a:lnTo>
+                <a:lnTo>
+                  <a:pt x="3668894" y="69271"/>
+                </a:lnTo>
+                <a:cubicBezTo>
+                  <a:pt x="4379420" y="929100"/>
+                  <a:pt x="4818889" y="2116944"/>
+                  <a:pt x="4818889" y="3429000"/>
+                </a:cubicBezTo>
+                <a:cubicBezTo>
+                  <a:pt x="4818889" y="4741056"/>
+                  <a:pt x="4379420" y="5928900"/>
+                  <a:pt x="3668894" y="6788730"/>
+                </a:cubicBezTo>
+                <a:lnTo>
+                  <a:pt x="3605911" y="6858000"/>
+                </a:lnTo>
+                <a:lnTo>
+                  <a:pt x="0" y="6858000"/>
+                </a:lnTo>
                 <a:close/>
               </a:path>
             </a:pathLst>
           </a:custGeom>
+          <a:ln w="9525">
+            <a:solidFill>
+              <a:srgbClr val="E6E6E6"/>
+            </a:solidFill>
+          </a:ln>
+          <a:effectLst>
+            <a:outerShdw blurRad="50800" dist="38100" algn="l" rotWithShape="0">
+              <a:schemeClr val="bg1">
+                <a:lumMod val="85000"/>
+                <a:alpha val="50000"/>
+              </a:schemeClr>
+            </a:outerShdw>
+          </a:effectLst>
+        </p:spPr>
+        <p:style>
+          <a:lnRef idx="2">
+            <a:schemeClr val="accent1">
+              <a:shade val="50000"/>
+            </a:schemeClr>
+          </a:lnRef>
+          <a:fillRef idx="1">
+            <a:schemeClr val="accent1"/>
+          </a:fillRef>
+          <a:effectRef idx="0">
+            <a:schemeClr val="accent1"/>
+          </a:effectRef>
+          <a:fontRef idx="minor">
+            <a:schemeClr val="lt1"/>
+          </a:fontRef>
+        </p:style>
+        <p:txBody>
+          <a:bodyPr wrap="square" rtlCol="0" anchor="ctr">
+            <a:noAutofit/>
+          </a:bodyPr>
+          <a:lstStyle/>
+          <a:p>
+            <a:pPr marL="0" marR="0" lvl="0" indent="0" algn="ctr" defTabSz="914400" rtl="0" eaLnBrk="1" fontAlgn="auto" latinLnBrk="0" hangingPunct="1">
+              <a:lnSpc>
+                <a:spcPct val="100000"/>
+              </a:lnSpc>
+              <a:spcBef>
+                <a:spcPts val="0"/>
+              </a:spcBef>
+              <a:spcAft>
+                <a:spcPts val="0"/>
+              </a:spcAft>
+              <a:buClrTx/>
+              <a:buSzTx/>
+              <a:buFontTx/>
+              <a:buNone/>
+              <a:tabLst/>
+              <a:defRPr/>
+            </a:pPr>
+            <a:endParaRPr kumimoji="0" lang="en-US" sz="1800" b="0" i="0" u="none" strike="noStrike" kern="1200" cap="none" spc="0" normalizeH="0" baseline="0" noProof="0">
+              <a:ln>
+                <a:noFill/>
+              </a:ln>
+              <a:solidFill>
+                <a:prstClr val="white"/>
+              </a:solidFill>
+              <a:effectLst/>
+              <a:uLnTx/>
+              <a:uFillTx/>
+              <a:latin typeface="Calibri" panose="020F0502020204030204"/>
+              <a:ea typeface="+mn-ea"/>
+              <a:cs typeface="+mn-cs"/>
+            </a:endParaRPr>
+          </a:p>
+        </p:txBody>
+      </p:sp>
+      <p:sp useBgFill="1">
+        <p:nvSpPr>
+          <p:cNvPr id="15" name="Freeform: Shape 14">
+            <a:extLst>
+              <a:ext uri="{FF2B5EF4-FFF2-40B4-BE49-F238E27FC236}">
+                <a16:creationId xmlns:a16="http://schemas.microsoft.com/office/drawing/2014/main" id="{E1B96AD6-92A9-4273-A62B-96A1C3E0BA95}"/>
+              </a:ext>
+              <a:ext uri="{C183D7F6-B498-43B3-948B-1728B52AA6E4}">
+                <adec:decorative xmlns:adec="http://schemas.microsoft.com/office/drawing/2017/decorative" val="1"/>
+              </a:ext>
+            </a:extLst>
+          </p:cNvPr>
+          <p:cNvSpPr>
+            <a:spLocks noGrp="1" noRot="1" noChangeAspect="1" noMove="1" noResize="1" noEditPoints="1" noAdjustHandles="1" noChangeArrowheads="1" noChangeShapeType="1" noTextEdit="1"/>
+          </p:cNvSpPr>
+          <p:nvPr>
+            <p:extLst>
+              <p:ext uri="{386F3935-93C4-4BCD-93E2-E3B085C9AB24}">
+                <p16:designElem xmlns:p16="http://schemas.microsoft.com/office/powerpoint/2015/main" val="1"/>
+              </p:ext>
+            </p:extLst>
+          </p:nvPr>
+        </p:nvSpPr>
+        <p:spPr>
+          <a:xfrm>
+            <a:off x="1" y="0"/>
+            <a:ext cx="4811477" cy="6858000"/>
+          </a:xfrm>
+          <a:custGeom>
+            <a:avLst/>
+            <a:gdLst>
+              <a:gd name="connsiteX0" fmla="*/ 0 w 4811477"/>
+              <a:gd name="connsiteY0" fmla="*/ 0 h 6858000"/>
+              <a:gd name="connsiteX1" fmla="*/ 3598499 w 4811477"/>
+              <a:gd name="connsiteY1" fmla="*/ 0 h 6858000"/>
+              <a:gd name="connsiteX2" fmla="*/ 3661482 w 4811477"/>
+              <a:gd name="connsiteY2" fmla="*/ 69271 h 6858000"/>
+              <a:gd name="connsiteX3" fmla="*/ 4811477 w 4811477"/>
+              <a:gd name="connsiteY3" fmla="*/ 3429000 h 6858000"/>
+              <a:gd name="connsiteX4" fmla="*/ 3661482 w 4811477"/>
+              <a:gd name="connsiteY4" fmla="*/ 6788730 h 6858000"/>
+              <a:gd name="connsiteX5" fmla="*/ 3598499 w 4811477"/>
+              <a:gd name="connsiteY5" fmla="*/ 6858000 h 6858000"/>
+              <a:gd name="connsiteX6" fmla="*/ 0 w 4811477"/>
+              <a:gd name="connsiteY6" fmla="*/ 6858000 h 6858000"/>
+            </a:gdLst>
+            <a:ahLst/>
+            <a:cxnLst>
+              <a:cxn ang="0">
+                <a:pos x="connsiteX0" y="connsiteY0"/>
+              </a:cxn>
+              <a:cxn ang="0">
+                <a:pos x="connsiteX1" y="connsiteY1"/>
+              </a:cxn>
+              <a:cxn ang="0">
+                <a:pos x="connsiteX2" y="connsiteY2"/>
+              </a:cxn>
+              <a:cxn ang="0">
+                <a:pos x="connsiteX3" y="connsiteY3"/>
+              </a:cxn>
+              <a:cxn ang="0">
+                <a:pos x="connsiteX4" y="connsiteY4"/>
+              </a:cxn>
+              <a:cxn ang="0">
+                <a:pos x="connsiteX5" y="connsiteY5"/>
+              </a:cxn>
+              <a:cxn ang="0">
+                <a:pos x="connsiteX6" y="connsiteY6"/>
+              </a:cxn>
+            </a:cxnLst>
+            <a:rect l="l" t="t" r="r" b="b"/>
+            <a:pathLst>
+              <a:path w="4811477" h="6858000">
+                <a:moveTo>
+                  <a:pt x="0" y="0"/>
+                </a:moveTo>
+                <a:lnTo>
+                  <a:pt x="3598499" y="0"/>
+                </a:lnTo>
+                <a:lnTo>
+                  <a:pt x="3661482" y="69271"/>
+                </a:lnTo>
+                <a:cubicBezTo>
+                  <a:pt x="4372008" y="929100"/>
+                  <a:pt x="4811477" y="2116944"/>
+                  <a:pt x="4811477" y="3429000"/>
+                </a:cubicBezTo>
+                <a:cubicBezTo>
+                  <a:pt x="4811477" y="4741056"/>
+                  <a:pt x="4372008" y="5928900"/>
+                  <a:pt x="3661482" y="6788730"/>
+                </a:cubicBezTo>
+                <a:lnTo>
+                  <a:pt x="3598499" y="6858000"/>
+                </a:lnTo>
+                <a:lnTo>
+                  <a:pt x="0" y="6858000"/>
+                </a:lnTo>
+                <a:close/>
+              </a:path>
+            </a:pathLst>
+          </a:custGeom>
+          <a:ln w="9525">
+            <a:noFill/>
+          </a:ln>
+          <a:effectLst/>
+        </p:spPr>
+        <p:style>
+          <a:lnRef idx="2">
+            <a:schemeClr val="accent1">
+              <a:shade val="50000"/>
+            </a:schemeClr>
+          </a:lnRef>
+          <a:fillRef idx="1">
+            <a:schemeClr val="accent1"/>
+          </a:fillRef>
+          <a:effectRef idx="0">
+            <a:schemeClr val="accent1"/>
+          </a:effectRef>
+          <a:fontRef idx="minor">
+            <a:schemeClr val="lt1"/>
+          </a:fontRef>
+        </p:style>
+        <p:txBody>
+          <a:bodyPr wrap="square" rtlCol="0" anchor="ctr">
+            <a:noAutofit/>
+          </a:bodyPr>
+          <a:lstStyle/>
+          <a:p>
+            <a:pPr marL="0" marR="0" lvl="0" indent="0" algn="ctr" defTabSz="914400" rtl="0" eaLnBrk="1" fontAlgn="auto" latinLnBrk="0" hangingPunct="1">
+              <a:lnSpc>
+                <a:spcPct val="100000"/>
+              </a:lnSpc>
+              <a:spcBef>
+                <a:spcPts val="0"/>
+              </a:spcBef>
+              <a:spcAft>
+                <a:spcPts val="0"/>
+              </a:spcAft>
+              <a:buClrTx/>
+              <a:buSzTx/>
+              <a:buFontTx/>
+              <a:buNone/>
+              <a:tabLst/>
+              <a:defRPr/>
+            </a:pPr>
+            <a:endParaRPr kumimoji="0" lang="en-US" sz="1800" b="0" i="0" u="none" strike="noStrike" kern="1200" cap="none" spc="0" normalizeH="0" baseline="0" noProof="0">
+              <a:ln>
+                <a:noFill/>
+              </a:ln>
+              <a:solidFill>
+                <a:prstClr val="white"/>
+              </a:solidFill>
+              <a:effectLst/>
+              <a:uLnTx/>
+              <a:uFillTx/>
+              <a:latin typeface="Calibri" panose="020F0502020204030204"/>
+              <a:ea typeface="+mn-ea"/>
+              <a:cs typeface="+mn-cs"/>
+            </a:endParaRPr>
+          </a:p>
+        </p:txBody>
+      </p:sp>
+      <p:sp>
+        <p:nvSpPr>
+          <p:cNvPr id="2" name="Cím 1">
+            <a:extLst>
+              <a:ext uri="{FF2B5EF4-FFF2-40B4-BE49-F238E27FC236}">
+                <a16:creationId xmlns:a16="http://schemas.microsoft.com/office/drawing/2014/main" id="{A9E74CE1-F559-F025-41C4-86B573576D84}"/>
+              </a:ext>
+            </a:extLst>
+          </p:cNvPr>
+          <p:cNvSpPr>
+            <a:spLocks noGrp="1"/>
+          </p:cNvSpPr>
+          <p:nvPr>
+            <p:ph type="title"/>
+          </p:nvPr>
+        </p:nvSpPr>
+        <p:spPr>
+          <a:xfrm>
+            <a:off x="621792" y="1161288"/>
+            <a:ext cx="3493008" cy="4526280"/>
+          </a:xfrm>
+        </p:spPr>
+        <p:txBody>
+          <a:bodyPr>
+            <a:normAutofit/>
+          </a:bodyPr>
+          <a:lstStyle/>
+          <a:p>
+            <a:r>
+              <a:rPr lang="hu-HU" sz="5400" b="1" dirty="0"/>
+              <a:t>Köszönöm szépen a figyelmet!</a:t>
+            </a:r>
+          </a:p>
+        </p:txBody>
+      </p:sp>
+      <p:sp>
+        <p:nvSpPr>
+          <p:cNvPr id="17" name="Rectangle 16">
+            <a:extLst>
+              <a:ext uri="{FF2B5EF4-FFF2-40B4-BE49-F238E27FC236}">
+                <a16:creationId xmlns:a16="http://schemas.microsoft.com/office/drawing/2014/main" id="{463EEC44-1BA3-44ED-81FC-A644B04B2A44}"/>
+              </a:ext>
+              <a:ext uri="{C183D7F6-B498-43B3-948B-1728B52AA6E4}">
+                <adec:decorative xmlns:adec="http://schemas.microsoft.com/office/drawing/2017/decorative" val="1"/>
+              </a:ext>
+            </a:extLst>
+          </p:cNvPr>
+          <p:cNvSpPr>
+            <a:spLocks noGrp="1" noRot="1" noChangeAspect="1" noMove="1" noResize="1" noEditPoints="1" noAdjustHandles="1" noChangeArrowheads="1" noChangeShapeType="1" noTextEdit="1"/>
+          </p:cNvSpPr>
+          <p:nvPr>
+            <p:extLst>
+              <p:ext uri="{386F3935-93C4-4BCD-93E2-E3B085C9AB24}">
+                <p16:designElem xmlns:p16="http://schemas.microsoft.com/office/powerpoint/2015/main" val="1"/>
+              </p:ext>
+            </p:extLst>
+          </p:nvPr>
+        </p:nvSpPr>
+        <p:spPr>
+          <a:xfrm>
+            <a:off x="0" y="3102049"/>
+            <a:ext cx="128016" cy="653903"/>
+          </a:xfrm>
+          <a:prstGeom prst="rect">
+            <a:avLst/>
+          </a:prstGeom>
           <a:solidFill>
             <a:schemeClr val="accent2"/>
           </a:solidFill>
-          <a:ln w="41275" cap="rnd">
-            <a:solidFill>
-              <a:schemeClr val="accent2"/>
-            </a:solidFill>
-            <a:round/>
-            <a:extLst>
-              <a:ext uri="{C807C97D-BFC1-408E-A445-0C87EB9F89A2}">
-                <ask:lineSketchStyleProps xmlns:ask="http://schemas.microsoft.com/office/drawing/2018/sketchyshapes" sd="1219033472">
-                  <a:prstGeom prst="rect">
-                    <a:avLst/>
-                  </a:prstGeom>
-                  <ask:type>
-                    <ask:lineSketchFreehand/>
-                  </ask:type>
-                </ask:lineSketchStyleProps>
-              </a:ext>
-            </a:extLst>
+          <a:ln>
+            <a:noFill/>
           </a:ln>
         </p:spPr>
         <p:style>
@@ -6084,14 +6170,102 @@
           <a:lstStyle/>
           <a:p>
             <a:pPr algn="ctr"/>
-            <a:endParaRPr lang="en-US"/>
+            <a:endParaRPr lang="en-US">
+              <a:solidFill>
+                <a:prstClr val="white"/>
+              </a:solidFill>
+              <a:latin typeface="Calibri" panose="020F0502020204030204"/>
+            </a:endParaRPr>
+          </a:p>
+        </p:txBody>
+      </p:sp>
+      <p:sp>
+        <p:nvSpPr>
+          <p:cNvPr id="3" name="Tartalom helye 2">
+            <a:extLst>
+              <a:ext uri="{FF2B5EF4-FFF2-40B4-BE49-F238E27FC236}">
+                <a16:creationId xmlns:a16="http://schemas.microsoft.com/office/drawing/2014/main" id="{784746B0-5E66-827E-003E-90FFE68D2EF8}"/>
+              </a:ext>
+            </a:extLst>
+          </p:cNvPr>
+          <p:cNvSpPr>
+            <a:spLocks noGrp="1"/>
+          </p:cNvSpPr>
+          <p:nvPr>
+            <p:ph idx="1"/>
+          </p:nvPr>
+        </p:nvSpPr>
+        <p:spPr>
+          <a:xfrm>
+            <a:off x="4818887" y="932688"/>
+            <a:ext cx="6531865" cy="4992624"/>
+          </a:xfrm>
+        </p:spPr>
+        <p:txBody>
+          <a:bodyPr anchor="ctr">
+            <a:normAutofit/>
+          </a:bodyPr>
+          <a:lstStyle/>
+          <a:p>
+            <a:r>
+              <a:rPr lang="hu-HU" sz="2400" dirty="0"/>
+              <a:t>Elvégzett munka:</a:t>
+            </a:r>
+          </a:p>
+          <a:p>
+            <a:pPr lvl="1"/>
+            <a:r>
+              <a:rPr lang="hu-HU" sz="2000" dirty="0"/>
+              <a:t>Szegmentáló algoritmusok optimalizálása</a:t>
+            </a:r>
+          </a:p>
+          <a:p>
+            <a:pPr lvl="1"/>
+            <a:r>
+              <a:rPr lang="hu-HU" sz="2000" dirty="0" err="1"/>
+              <a:t>Ensemble</a:t>
+            </a:r>
+            <a:r>
+              <a:rPr lang="hu-HU" sz="2000" dirty="0"/>
+              <a:t> modellek:</a:t>
+            </a:r>
+          </a:p>
+          <a:p>
+            <a:pPr lvl="2"/>
+            <a:r>
+              <a:rPr lang="hu-HU" dirty="0"/>
+              <a:t>Hierarchikus </a:t>
+            </a:r>
+            <a:r>
+              <a:rPr lang="hu-HU" dirty="0" err="1"/>
+              <a:t>klaszterezéssel</a:t>
+            </a:r>
+            <a:endParaRPr lang="hu-HU" dirty="0"/>
+          </a:p>
+          <a:p>
+            <a:pPr lvl="2"/>
+            <a:r>
+              <a:rPr lang="hu-HU" dirty="0" err="1"/>
+              <a:t>Kmeans</a:t>
+            </a:r>
+            <a:r>
+              <a:rPr lang="hu-HU" dirty="0"/>
+              <a:t> és statisztikai jellemzők alapján</a:t>
+            </a:r>
+          </a:p>
+          <a:p>
+            <a:pPr lvl="1"/>
+            <a:r>
+              <a:rPr lang="hu-HU" sz="2000" dirty="0"/>
+              <a:t>Robusztusabb, pontosabb eredmények elérése</a:t>
+            </a:r>
           </a:p>
         </p:txBody>
       </p:sp>
     </p:spTree>
     <p:extLst>
       <p:ext uri="{BB962C8B-B14F-4D97-AF65-F5344CB8AC3E}">
-        <p14:creationId xmlns:p14="http://schemas.microsoft.com/office/powerpoint/2010/main" val="269400283"/>
+        <p14:creationId xmlns:p14="http://schemas.microsoft.com/office/powerpoint/2010/main" val="779805796"/>
       </p:ext>
     </p:extLst>
   </p:cSld>
@@ -6889,49 +7063,61 @@
           <a:p>
             <a:pPr marL="219710" indent="270510"/>
             <a:r>
-              <a:rPr lang="hu-HU" sz="2400" kern="50" dirty="0">
+              <a:rPr lang="hu-HU" sz="2500" kern="50" dirty="0">
                 <a:effectLst/>
                 <a:latin typeface="Times New Roman" panose="02020603050405020304" pitchFamily="18" charset="0"/>
                 <a:ea typeface="DejaVu Sans"/>
                 <a:cs typeface="FreeSans"/>
               </a:rPr>
-              <a:t>Ha van több szegmentáló módszer (vannak köztük jobbak és kevésbé jók), akkor hogyan lehetne őket kombinálni, hogy egy jobb (pontosabb) szegmentáló módszert kapjunk?  Azaz van </a:t>
-            </a:r>
-            <a:r>
-              <a:rPr lang="hu-HU" sz="2400" kern="50" dirty="0" err="1">
+              <a:t>Van több szegmentáló módszer</a:t>
+            </a:r>
+          </a:p>
+          <a:p>
+            <a:pPr marL="219710" indent="270510"/>
+            <a:r>
+              <a:rPr lang="hu-HU" sz="2500" kern="50" dirty="0">
+                <a:latin typeface="Times New Roman" panose="02020603050405020304" pitchFamily="18" charset="0"/>
+                <a:ea typeface="DejaVu Sans"/>
+                <a:cs typeface="FreeSans"/>
+              </a:rPr>
+              <a:t>Hogyan lehet kiválasztani </a:t>
+            </a:r>
+            <a:r>
+              <a:rPr lang="hu-HU" sz="2500" kern="50" dirty="0" err="1">
+                <a:latin typeface="Times New Roman" panose="02020603050405020304" pitchFamily="18" charset="0"/>
+                <a:ea typeface="DejaVu Sans"/>
+                <a:cs typeface="FreeSans"/>
+              </a:rPr>
+              <a:t>k</a:t>
+            </a:r>
+            <a:r>
+              <a:rPr lang="hu-HU" sz="2500" kern="50" dirty="0">
+                <a:latin typeface="Times New Roman" panose="02020603050405020304" pitchFamily="18" charset="0"/>
+                <a:ea typeface="DejaVu Sans"/>
+                <a:cs typeface="FreeSans"/>
+              </a:rPr>
+              <a:t> darabot, hogy pontosabb eredményt érjünk el?</a:t>
+            </a:r>
+          </a:p>
+          <a:p>
+            <a:pPr marL="219710" indent="270510"/>
+            <a:r>
+              <a:rPr lang="hu-HU" sz="2500" kern="50" dirty="0" err="1">
                 <a:effectLst/>
                 <a:latin typeface="Times New Roman" panose="02020603050405020304" pitchFamily="18" charset="0"/>
                 <a:ea typeface="DejaVu Sans"/>
                 <a:cs typeface="FreeSans"/>
               </a:rPr>
-              <a:t>k</a:t>
-            </a:r>
-            <a:r>
-              <a:rPr lang="hu-HU" sz="2400" kern="50" dirty="0">
+              <a:t>Ensemble</a:t>
+            </a:r>
+            <a:r>
+              <a:rPr lang="hu-HU" sz="2500" kern="50" dirty="0">
                 <a:effectLst/>
                 <a:latin typeface="Times New Roman" panose="02020603050405020304" pitchFamily="18" charset="0"/>
                 <a:ea typeface="DejaVu Sans"/>
                 <a:cs typeface="FreeSans"/>
               </a:rPr>
-              <a:t> db kész módszer a szakirodalomban, akkor egy </a:t>
-            </a:r>
-            <a:r>
-              <a:rPr lang="hu-HU" sz="2400" kern="50" dirty="0" err="1">
-                <a:effectLst/>
-                <a:latin typeface="Times New Roman" panose="02020603050405020304" pitchFamily="18" charset="0"/>
-                <a:ea typeface="DejaVu Sans"/>
-                <a:cs typeface="FreeSans"/>
-              </a:rPr>
-              <a:t>ensemble</a:t>
-            </a:r>
-            <a:r>
-              <a:rPr lang="hu-HU" sz="2400" kern="50" dirty="0">
-                <a:effectLst/>
-                <a:latin typeface="Times New Roman" panose="02020603050405020304" pitchFamily="18" charset="0"/>
-                <a:ea typeface="DejaVu Sans"/>
-                <a:cs typeface="FreeSans"/>
-              </a:rPr>
-              <a:t> módszer hogyan tud majd dönteni a szegmentálási feladatban?</a:t>
+              <a:t> módszer hogyan tud dönteni</a:t>
             </a:r>
           </a:p>
         </p:txBody>
@@ -6969,16 +7155,11 @@
                 <a:spcPts val="600"/>
               </a:spcAft>
             </a:pPr>
-            <a:fld id="{66445694-FCB9-A642-8FF4-42EEC02622E4}" type="datetime1">
-              <a:rPr lang="hu-HU" smtClean="0"/>
-              <a:pPr>
-                <a:spcAft>
-                  <a:spcPts val="600"/>
-                </a:spcAft>
-              </a:pPr>
-              <a:t>2025. 05. 13.</a:t>
-            </a:fld>
-            <a:endParaRPr lang="hu-HU"/>
+            <a:r>
+              <a:rPr lang="hu-HU"/>
+              <a:t>2025. 05. 20.</a:t>
+            </a:r>
+            <a:endParaRPr lang="hu-HU" dirty="0"/>
           </a:p>
         </p:txBody>
       </p:sp>
@@ -7010,7 +7191,23 @@
           </a:bodyPr>
           <a:lstStyle/>
           <a:p>
-            <a:endParaRPr lang="hu-HU"/>
+            <a:r>
+              <a:rPr lang="hu-HU" sz="1200" kern="50" dirty="0" err="1">
+                <a:effectLst/>
+                <a:ea typeface="DejaVu Sans"/>
+                <a:cs typeface="FreeSans"/>
+              </a:rPr>
+              <a:t>Ensemble</a:t>
+            </a:r>
+            <a:r>
+              <a:rPr lang="hu-HU" sz="1200" kern="50" dirty="0">
+                <a:effectLst/>
+                <a:ea typeface="DejaVu Sans"/>
+                <a:cs typeface="FreeSans"/>
+              </a:rPr>
+              <a:t> szegmentáló módszerek idősoros adatokon</a:t>
+            </a:r>
+            <a:endParaRPr lang="hu-HU" dirty="0"/>
           </a:p>
         </p:txBody>
       </p:sp>
@@ -7673,11 +7870,10 @@
                 <a:spcPts val="600"/>
               </a:spcAft>
             </a:pPr>
-            <a:fld id="{3CE8E417-EEEF-F440-8154-5657BA807881}" type="datetime1">
-              <a:rPr lang="hu-HU" smtClean="0"/>
-              <a:t>2025. 05. 13.</a:t>
-            </a:fld>
-            <a:endParaRPr lang="hu-HU"/>
+            <a:r>
+              <a:rPr lang="hu-HU"/>
+              <a:t>2025. 05. 20.</a:t>
+            </a:r>
           </a:p>
         </p:txBody>
       </p:sp>
@@ -7709,7 +7905,14 @@
           </a:bodyPr>
           <a:lstStyle/>
           <a:p>
-            <a:endParaRPr lang="hu-HU" dirty="0"/>
+            <a:r>
+              <a:rPr lang="hu-HU" dirty="0" err="1"/>
+              <a:t>Ensemble</a:t>
+            </a:r>
+            <a:r>
+              <a:rPr lang="hu-HU" dirty="0"/>
+              <a:t> szegmentáló módszerek idősoros adatokon</a:t>
+            </a:r>
           </a:p>
         </p:txBody>
       </p:sp>
@@ -8625,11 +8828,10 @@
                 <a:spcPts val="600"/>
               </a:spcAft>
             </a:pPr>
-            <a:fld id="{CE5796CF-F91D-8A43-BBA8-BA92F2D3E001}" type="datetime1">
-              <a:rPr lang="hu-HU" smtClean="0"/>
-              <a:t>2025. 05. 13.</a:t>
-            </a:fld>
-            <a:endParaRPr lang="hu-HU"/>
+            <a:r>
+              <a:rPr lang="hu-HU"/>
+              <a:t>2025. 05. 20.</a:t>
+            </a:r>
           </a:p>
         </p:txBody>
       </p:sp>
@@ -8661,7 +8863,10 @@
           </a:bodyPr>
           <a:lstStyle/>
           <a:p>
-            <a:endParaRPr lang="hu-HU"/>
+            <a:r>
+              <a:rPr lang="hu-HU"/>
+              <a:t>Ensemble szegmentáló módszerek idősoros adatokon</a:t>
+            </a:r>
           </a:p>
         </p:txBody>
       </p:sp>
@@ -8754,10 +8959,10 @@
       </p:grpSpPr>
       <p:sp useBgFill="1">
         <p:nvSpPr>
-          <p:cNvPr id="14" name="Rectangle 13">
-            <a:extLst>
-              <a:ext uri="{FF2B5EF4-FFF2-40B4-BE49-F238E27FC236}">
-                <a16:creationId xmlns:a16="http://schemas.microsoft.com/office/drawing/2014/main" id="{2B97F24A-32CE-4C1C-A50D-3016B394DCFB}"/>
+          <p:cNvPr id="21" name="Rectangle 20">
+            <a:extLst>
+              <a:ext uri="{FF2B5EF4-FFF2-40B4-BE49-F238E27FC236}">
+                <a16:creationId xmlns:a16="http://schemas.microsoft.com/office/drawing/2014/main" id="{BCED4D40-4B67-4331-AC48-79B82B4A47D8}"/>
               </a:ext>
               <a:ext uri="{C183D7F6-B498-43B3-948B-1728B52AA6E4}">
                 <adec:decorative xmlns:adec="http://schemas.microsoft.com/office/drawing/2017/decorative" val="1"/>
@@ -8830,41 +9035,56 @@
         </p:nvSpPr>
         <p:spPr>
           <a:xfrm>
-            <a:off x="630936" y="639520"/>
-            <a:ext cx="3429000" cy="1719072"/>
+            <a:off x="638881" y="417576"/>
+            <a:ext cx="10909640" cy="1249394"/>
           </a:xfrm>
         </p:spPr>
         <p:txBody>
-          <a:bodyPr anchor="b">
+          <a:bodyPr vert="horz" lIns="91440" tIns="45720" rIns="91440" bIns="45720" rtlCol="0" anchor="ctr">
             <a:normAutofit/>
           </a:bodyPr>
           <a:lstStyle/>
           <a:p>
-            <a:r>
-              <a:rPr lang="hu-HU" sz="3800" dirty="0" err="1"/>
-              <a:t>State</a:t>
-            </a:r>
-            <a:r>
-              <a:rPr lang="hu-HU" sz="3800" dirty="0"/>
-              <a:t>-of-</a:t>
-            </a:r>
-            <a:r>
-              <a:rPr lang="hu-HU" sz="3800" dirty="0" err="1"/>
-              <a:t>the</a:t>
-            </a:r>
-            <a:r>
-              <a:rPr lang="hu-HU" sz="3800" dirty="0"/>
-              <a:t>-art algoritmusok</a:t>
-            </a:r>
-          </a:p>
-        </p:txBody>
-      </p:sp>
-      <p:sp>
-        <p:nvSpPr>
-          <p:cNvPr id="16" name="sketch line">
-            <a:extLst>
-              <a:ext uri="{FF2B5EF4-FFF2-40B4-BE49-F238E27FC236}">
-                <a16:creationId xmlns:a16="http://schemas.microsoft.com/office/drawing/2014/main" id="{CD8B4F24-440B-49E9-B85D-733523DC064B}"/>
+            <a:pPr algn="ctr"/>
+            <a:r>
+              <a:rPr lang="en-US" sz="4800" kern="1200" dirty="0">
+                <a:solidFill>
+                  <a:schemeClr val="tx1"/>
+                </a:solidFill>
+                <a:latin typeface="+mj-lt"/>
+                <a:ea typeface="+mj-ea"/>
+                <a:cs typeface="+mj-cs"/>
+              </a:rPr>
+              <a:t>State-of-the-art </a:t>
+            </a:r>
+            <a:r>
+              <a:rPr lang="en-US" sz="4800" kern="1200" dirty="0" err="1">
+                <a:solidFill>
+                  <a:schemeClr val="tx1"/>
+                </a:solidFill>
+                <a:latin typeface="+mj-lt"/>
+                <a:ea typeface="+mj-ea"/>
+                <a:cs typeface="+mj-cs"/>
+              </a:rPr>
+              <a:t>algoritmusok</a:t>
+            </a:r>
+            <a:endParaRPr lang="en-US" sz="4800" kern="1200" dirty="0">
+              <a:solidFill>
+                <a:schemeClr val="tx1"/>
+              </a:solidFill>
+              <a:latin typeface="+mj-lt"/>
+              <a:ea typeface="+mj-ea"/>
+              <a:cs typeface="+mj-cs"/>
+            </a:endParaRPr>
+          </a:p>
+        </p:txBody>
+      </p:sp>
+      <p:sp>
+        <p:nvSpPr>
+          <p:cNvPr id="23" name="sketch line">
+            <a:extLst>
+              <a:ext uri="{FF2B5EF4-FFF2-40B4-BE49-F238E27FC236}">
+                <a16:creationId xmlns:a16="http://schemas.microsoft.com/office/drawing/2014/main" id="{670CEDEF-4F34-412E-84EE-329C1E936AF5}"/>
               </a:ext>
               <a:ext uri="{C183D7F6-B498-43B3-948B-1728B52AA6E4}">
                 <adec:decorative xmlns:adec="http://schemas.microsoft.com/office/drawing/2017/decorative" val="1"/>
@@ -8884,36 +9104,46 @@
         </p:nvSpPr>
         <p:spPr>
           <a:xfrm>
-            <a:off x="643278" y="2573756"/>
-            <a:ext cx="3255095" cy="18288"/>
+            <a:off x="3807702" y="1733454"/>
+            <a:ext cx="4572000" cy="18288"/>
           </a:xfrm>
           <a:custGeom>
             <a:avLst/>
             <a:gdLst>
-              <a:gd name="connsiteX0" fmla="*/ 0 w 3255095"/>
+              <a:gd name="connsiteX0" fmla="*/ 0 w 4572000"/>
               <a:gd name="connsiteY0" fmla="*/ 0 h 18288"/>
-              <a:gd name="connsiteX1" fmla="*/ 618468 w 3255095"/>
+              <a:gd name="connsiteX1" fmla="*/ 515983 w 4572000"/>
               <a:gd name="connsiteY1" fmla="*/ 0 h 18288"/>
-              <a:gd name="connsiteX2" fmla="*/ 1269487 w 3255095"/>
+              <a:gd name="connsiteX2" fmla="*/ 1031966 w 4572000"/>
               <a:gd name="connsiteY2" fmla="*/ 0 h 18288"/>
-              <a:gd name="connsiteX3" fmla="*/ 1953057 w 3255095"/>
+              <a:gd name="connsiteX3" fmla="*/ 1639389 w 4572000"/>
               <a:gd name="connsiteY3" fmla="*/ 0 h 18288"/>
-              <a:gd name="connsiteX4" fmla="*/ 2636627 w 3255095"/>
+              <a:gd name="connsiteX4" fmla="*/ 2383971 w 4572000"/>
               <a:gd name="connsiteY4" fmla="*/ 0 h 18288"/>
-              <a:gd name="connsiteX5" fmla="*/ 3255095 w 3255095"/>
+              <a:gd name="connsiteX5" fmla="*/ 2945674 w 4572000"/>
               <a:gd name="connsiteY5" fmla="*/ 0 h 18288"/>
-              <a:gd name="connsiteX6" fmla="*/ 3255095 w 3255095"/>
-              <a:gd name="connsiteY6" fmla="*/ 18288 h 18288"/>
-              <a:gd name="connsiteX7" fmla="*/ 2538974 w 3255095"/>
-              <a:gd name="connsiteY7" fmla="*/ 18288 h 18288"/>
-              <a:gd name="connsiteX8" fmla="*/ 1822853 w 3255095"/>
+              <a:gd name="connsiteX6" fmla="*/ 3507377 w 4572000"/>
+              <a:gd name="connsiteY6" fmla="*/ 0 h 18288"/>
+              <a:gd name="connsiteX7" fmla="*/ 4572000 w 4572000"/>
+              <a:gd name="connsiteY7" fmla="*/ 0 h 18288"/>
+              <a:gd name="connsiteX8" fmla="*/ 4572000 w 4572000"/>
               <a:gd name="connsiteY8" fmla="*/ 18288 h 18288"/>
-              <a:gd name="connsiteX9" fmla="*/ 1171834 w 3255095"/>
+              <a:gd name="connsiteX9" fmla="*/ 3873137 w 4572000"/>
               <a:gd name="connsiteY9" fmla="*/ 18288 h 18288"/>
-              <a:gd name="connsiteX10" fmla="*/ 0 w 3255095"/>
+              <a:gd name="connsiteX10" fmla="*/ 3311434 w 4572000"/>
               <a:gd name="connsiteY10" fmla="*/ 18288 h 18288"/>
-              <a:gd name="connsiteX11" fmla="*/ 0 w 3255095"/>
-              <a:gd name="connsiteY11" fmla="*/ 0 h 18288"/>
+              <a:gd name="connsiteX11" fmla="*/ 2749731 w 4572000"/>
+              <a:gd name="connsiteY11" fmla="*/ 18288 h 18288"/>
+              <a:gd name="connsiteX12" fmla="*/ 2050869 w 4572000"/>
+              <a:gd name="connsiteY12" fmla="*/ 18288 h 18288"/>
+              <a:gd name="connsiteX13" fmla="*/ 1306286 w 4572000"/>
+              <a:gd name="connsiteY13" fmla="*/ 18288 h 18288"/>
+              <a:gd name="connsiteX14" fmla="*/ 790303 w 4572000"/>
+              <a:gd name="connsiteY14" fmla="*/ 18288 h 18288"/>
+              <a:gd name="connsiteX15" fmla="*/ 0 w 4572000"/>
+              <a:gd name="connsiteY15" fmla="*/ 18288 h 18288"/>
+              <a:gd name="connsiteX16" fmla="*/ 0 w 4572000"/>
+              <a:gd name="connsiteY16" fmla="*/ 0 h 18288"/>
             </a:gdLst>
             <a:ahLst/>
             <a:cxnLst>
@@ -8953,132 +9183,192 @@
               <a:cxn ang="0">
                 <a:pos x="connsiteX11" y="connsiteY11"/>
               </a:cxn>
+              <a:cxn ang="0">
+                <a:pos x="connsiteX12" y="connsiteY12"/>
+              </a:cxn>
+              <a:cxn ang="0">
+                <a:pos x="connsiteX13" y="connsiteY13"/>
+              </a:cxn>
+              <a:cxn ang="0">
+                <a:pos x="connsiteX14" y="connsiteY14"/>
+              </a:cxn>
+              <a:cxn ang="0">
+                <a:pos x="connsiteX15" y="connsiteY15"/>
+              </a:cxn>
+              <a:cxn ang="0">
+                <a:pos x="connsiteX16" y="connsiteY16"/>
+              </a:cxn>
             </a:cxnLst>
             <a:rect l="l" t="t" r="r" b="b"/>
             <a:pathLst>
-              <a:path w="3255095" h="18288" fill="none" extrusionOk="0">
+              <a:path w="4572000" h="18288" fill="none" extrusionOk="0">
                 <a:moveTo>
                   <a:pt x="0" y="0"/>
                 </a:moveTo>
                 <a:cubicBezTo>
-                  <a:pt x="240201" y="-22123"/>
-                  <a:pt x="462021" y="-19623"/>
-                  <a:pt x="618468" y="0"/>
-                </a:cubicBezTo>
-                <a:cubicBezTo>
-                  <a:pt x="774915" y="19623"/>
-                  <a:pt x="974734" y="2035"/>
-                  <a:pt x="1269487" y="0"/>
-                </a:cubicBezTo>
-                <a:cubicBezTo>
-                  <a:pt x="1564240" y="-2035"/>
-                  <a:pt x="1733579" y="10639"/>
-                  <a:pt x="1953057" y="0"/>
-                </a:cubicBezTo>
-                <a:cubicBezTo>
-                  <a:pt x="2172535" y="-10639"/>
-                  <a:pt x="2453962" y="14018"/>
-                  <a:pt x="2636627" y="0"/>
-                </a:cubicBezTo>
-                <a:cubicBezTo>
-                  <a:pt x="2819292" y="-14018"/>
-                  <a:pt x="3121375" y="5399"/>
-                  <a:pt x="3255095" y="0"/>
-                </a:cubicBezTo>
-                <a:cubicBezTo>
-                  <a:pt x="3254386" y="8157"/>
-                  <a:pt x="3254682" y="12125"/>
-                  <a:pt x="3255095" y="18288"/>
-                </a:cubicBezTo>
-                <a:cubicBezTo>
-                  <a:pt x="3088545" y="23203"/>
-                  <a:pt x="2687475" y="7419"/>
-                  <a:pt x="2538974" y="18288"/>
-                </a:cubicBezTo>
-                <a:cubicBezTo>
-                  <a:pt x="2390473" y="29157"/>
-                  <a:pt x="2137381" y="-8959"/>
-                  <a:pt x="1822853" y="18288"/>
-                </a:cubicBezTo>
-                <a:cubicBezTo>
-                  <a:pt x="1508325" y="45535"/>
-                  <a:pt x="1466437" y="20385"/>
-                  <a:pt x="1171834" y="18288"/>
-                </a:cubicBezTo>
-                <a:cubicBezTo>
-                  <a:pt x="877231" y="16191"/>
-                  <a:pt x="561097" y="37643"/>
+                  <a:pt x="105156" y="-20963"/>
+                  <a:pt x="340432" y="822"/>
+                  <a:pt x="515983" y="0"/>
+                </a:cubicBezTo>
+                <a:cubicBezTo>
+                  <a:pt x="691534" y="-822"/>
+                  <a:pt x="850679" y="16479"/>
+                  <a:pt x="1031966" y="0"/>
+                </a:cubicBezTo>
+                <a:cubicBezTo>
+                  <a:pt x="1213253" y="-16479"/>
+                  <a:pt x="1443646" y="-18730"/>
+                  <a:pt x="1639389" y="0"/>
+                </a:cubicBezTo>
+                <a:cubicBezTo>
+                  <a:pt x="1835132" y="18730"/>
+                  <a:pt x="2159975" y="18531"/>
+                  <a:pt x="2383971" y="0"/>
+                </a:cubicBezTo>
+                <a:cubicBezTo>
+                  <a:pt x="2607967" y="-18531"/>
+                  <a:pt x="2719096" y="-12030"/>
+                  <a:pt x="2945674" y="0"/>
+                </a:cubicBezTo>
+                <a:cubicBezTo>
+                  <a:pt x="3172252" y="12030"/>
+                  <a:pt x="3269167" y="27666"/>
+                  <a:pt x="3507377" y="0"/>
+                </a:cubicBezTo>
+                <a:cubicBezTo>
+                  <a:pt x="3745587" y="-27666"/>
+                  <a:pt x="4116741" y="18705"/>
+                  <a:pt x="4572000" y="0"/>
+                </a:cubicBezTo>
+                <a:cubicBezTo>
+                  <a:pt x="4572895" y="8974"/>
+                  <a:pt x="4571454" y="9359"/>
+                  <a:pt x="4572000" y="18288"/>
+                </a:cubicBezTo>
+                <a:cubicBezTo>
+                  <a:pt x="4374698" y="3942"/>
+                  <a:pt x="4098874" y="-11042"/>
+                  <a:pt x="3873137" y="18288"/>
+                </a:cubicBezTo>
+                <a:cubicBezTo>
+                  <a:pt x="3647400" y="47618"/>
+                  <a:pt x="3517055" y="5421"/>
+                  <a:pt x="3311434" y="18288"/>
+                </a:cubicBezTo>
+                <a:cubicBezTo>
+                  <a:pt x="3105813" y="31155"/>
+                  <a:pt x="3025168" y="17856"/>
+                  <a:pt x="2749731" y="18288"/>
+                </a:cubicBezTo>
+                <a:cubicBezTo>
+                  <a:pt x="2474294" y="18720"/>
+                  <a:pt x="2291766" y="-14168"/>
+                  <a:pt x="2050869" y="18288"/>
+                </a:cubicBezTo>
+                <a:cubicBezTo>
+                  <a:pt x="1809972" y="50744"/>
+                  <a:pt x="1540276" y="46798"/>
+                  <a:pt x="1306286" y="18288"/>
+                </a:cubicBezTo>
+                <a:cubicBezTo>
+                  <a:pt x="1072296" y="-10222"/>
+                  <a:pt x="972445" y="19645"/>
+                  <a:pt x="790303" y="18288"/>
+                </a:cubicBezTo>
+                <a:cubicBezTo>
+                  <a:pt x="608161" y="16931"/>
+                  <a:pt x="200981" y="8241"/>
                   <a:pt x="0" y="18288"/>
                 </a:cubicBezTo>
                 <a:cubicBezTo>
-                  <a:pt x="-46" y="12483"/>
-                  <a:pt x="-203" y="6491"/>
+                  <a:pt x="-229" y="14222"/>
+                  <a:pt x="509" y="5816"/>
                   <a:pt x="0" y="0"/>
                 </a:cubicBezTo>
                 <a:close/>
               </a:path>
-              <a:path w="3255095" h="18288" stroke="0" extrusionOk="0">
+              <a:path w="4572000" h="18288" stroke="0" extrusionOk="0">
                 <a:moveTo>
                   <a:pt x="0" y="0"/>
                 </a:moveTo>
                 <a:cubicBezTo>
-                  <a:pt x="291965" y="19429"/>
-                  <a:pt x="363155" y="8568"/>
-                  <a:pt x="618468" y="0"/>
-                </a:cubicBezTo>
-                <a:cubicBezTo>
-                  <a:pt x="873781" y="-8568"/>
-                  <a:pt x="904459" y="-19505"/>
-                  <a:pt x="1171834" y="0"/>
-                </a:cubicBezTo>
-                <a:cubicBezTo>
-                  <a:pt x="1439209" y="19505"/>
-                  <a:pt x="1744369" y="9790"/>
-                  <a:pt x="1887955" y="0"/>
-                </a:cubicBezTo>
-                <a:cubicBezTo>
-                  <a:pt x="2031541" y="-9790"/>
-                  <a:pt x="2346378" y="21240"/>
-                  <a:pt x="2506423" y="0"/>
-                </a:cubicBezTo>
-                <a:cubicBezTo>
-                  <a:pt x="2666468" y="-21240"/>
-                  <a:pt x="2990257" y="30414"/>
-                  <a:pt x="3255095" y="0"/>
-                </a:cubicBezTo>
-                <a:cubicBezTo>
-                  <a:pt x="3254831" y="4493"/>
-                  <a:pt x="3255479" y="9472"/>
-                  <a:pt x="3255095" y="18288"/>
-                </a:cubicBezTo>
-                <a:cubicBezTo>
-                  <a:pt x="3120743" y="16690"/>
-                  <a:pt x="2759628" y="42462"/>
-                  <a:pt x="2604076" y="18288"/>
-                </a:cubicBezTo>
-                <a:cubicBezTo>
-                  <a:pt x="2448524" y="-5886"/>
-                  <a:pt x="2184336" y="19599"/>
-                  <a:pt x="1887955" y="18288"/>
-                </a:cubicBezTo>
-                <a:cubicBezTo>
-                  <a:pt x="1591574" y="16977"/>
-                  <a:pt x="1548845" y="6870"/>
-                  <a:pt x="1334589" y="18288"/>
-                </a:cubicBezTo>
-                <a:cubicBezTo>
-                  <a:pt x="1120333" y="29706"/>
-                  <a:pt x="996014" y="9662"/>
-                  <a:pt x="683570" y="18288"/>
-                </a:cubicBezTo>
-                <a:cubicBezTo>
-                  <a:pt x="371126" y="26914"/>
-                  <a:pt x="198687" y="16167"/>
+                  <a:pt x="143285" y="-9565"/>
+                  <a:pt x="327959" y="-11498"/>
+                  <a:pt x="561703" y="0"/>
+                </a:cubicBezTo>
+                <a:cubicBezTo>
+                  <a:pt x="795447" y="11498"/>
+                  <a:pt x="838260" y="18255"/>
+                  <a:pt x="1077686" y="0"/>
+                </a:cubicBezTo>
+                <a:cubicBezTo>
+                  <a:pt x="1317112" y="-18255"/>
+                  <a:pt x="1437472" y="23514"/>
+                  <a:pt x="1639389" y="0"/>
+                </a:cubicBezTo>
+                <a:cubicBezTo>
+                  <a:pt x="1841306" y="-23514"/>
+                  <a:pt x="2037142" y="-12551"/>
+                  <a:pt x="2292531" y="0"/>
+                </a:cubicBezTo>
+                <a:cubicBezTo>
+                  <a:pt x="2547920" y="12551"/>
+                  <a:pt x="2810436" y="-20352"/>
+                  <a:pt x="2991394" y="0"/>
+                </a:cubicBezTo>
+                <a:cubicBezTo>
+                  <a:pt x="3172352" y="20352"/>
+                  <a:pt x="3530025" y="-13347"/>
+                  <a:pt x="3735977" y="0"/>
+                </a:cubicBezTo>
+                <a:cubicBezTo>
+                  <a:pt x="3941929" y="13347"/>
+                  <a:pt x="4161497" y="34086"/>
+                  <a:pt x="4572000" y="0"/>
+                </a:cubicBezTo>
+                <a:cubicBezTo>
+                  <a:pt x="4571545" y="6162"/>
+                  <a:pt x="4571903" y="11775"/>
+                  <a:pt x="4572000" y="18288"/>
+                </a:cubicBezTo>
+                <a:cubicBezTo>
+                  <a:pt x="4228040" y="36490"/>
+                  <a:pt x="4199736" y="42557"/>
+                  <a:pt x="3873137" y="18288"/>
+                </a:cubicBezTo>
+                <a:cubicBezTo>
+                  <a:pt x="3546538" y="-5981"/>
+                  <a:pt x="3472124" y="16809"/>
+                  <a:pt x="3128554" y="18288"/>
+                </a:cubicBezTo>
+                <a:cubicBezTo>
+                  <a:pt x="2784984" y="19767"/>
+                  <a:pt x="2735896" y="-17781"/>
+                  <a:pt x="2383971" y="18288"/>
+                </a:cubicBezTo>
+                <a:cubicBezTo>
+                  <a:pt x="2032046" y="54357"/>
+                  <a:pt x="2019324" y="2920"/>
+                  <a:pt x="1867989" y="18288"/>
+                </a:cubicBezTo>
+                <a:cubicBezTo>
+                  <a:pt x="1716654" y="33656"/>
+                  <a:pt x="1418675" y="32575"/>
+                  <a:pt x="1169126" y="18288"/>
+                </a:cubicBezTo>
+                <a:cubicBezTo>
+                  <a:pt x="919577" y="4001"/>
+                  <a:pt x="798537" y="16165"/>
+                  <a:pt x="561703" y="18288"/>
+                </a:cubicBezTo>
+                <a:cubicBezTo>
+                  <a:pt x="324869" y="20411"/>
+                  <a:pt x="221395" y="-912"/>
                   <a:pt x="0" y="18288"/>
                 </a:cubicBezTo>
                 <a:cubicBezTo>
-                  <a:pt x="843" y="9577"/>
-                  <a:pt x="371" y="6900"/>
+                  <a:pt x="766" y="10800"/>
+                  <a:pt x="-457" y="8180"/>
                   <a:pt x="0" y="0"/>
                 </a:cubicBezTo>
                 <a:close/>
@@ -9088,14 +9378,14 @@
           <a:solidFill>
             <a:schemeClr val="accent2"/>
           </a:solidFill>
-          <a:ln w="38100" cap="rnd">
+          <a:ln w="41275" cap="rnd">
             <a:solidFill>
               <a:schemeClr val="accent2"/>
             </a:solidFill>
             <a:round/>
             <a:extLst>
               <a:ext uri="{C807C97D-BFC1-408E-A445-0C87EB9F89A2}">
-                <ask:lineSketchStyleProps xmlns:ask="http://schemas.microsoft.com/office/drawing/2018/sketchyshapes" sd="1219033472">
+                <ask:lineSketchStyleProps xmlns:ask="http://schemas.microsoft.com/office/drawing/2018/sketchyshapes" sd="2727557108">
                   <a:prstGeom prst="rect">
                     <a:avLst/>
                   </a:prstGeom>
@@ -9134,7 +9424,7 @@
       </p:sp>
       <p:pic>
         <p:nvPicPr>
-          <p:cNvPr id="7" name="Tartalom helye 6">
+          <p:cNvPr id="7" name="Tartalom helye 6" descr="A képen szöveg, képernyőkép, Betűtípus, szám látható&#10;&#10;Automatikusan generált leírás">
             <a:extLst>
               <a:ext uri="{FF2B5EF4-FFF2-40B4-BE49-F238E27FC236}">
                 <a16:creationId xmlns:a16="http://schemas.microsoft.com/office/drawing/2014/main" id="{2F0BFB7E-E288-130A-FD76-39A2836BD73B}"/>
@@ -9154,8 +9444,8 @@
         </p:blipFill>
         <p:spPr>
           <a:xfrm>
-            <a:off x="4059936" y="1177492"/>
-            <a:ext cx="7791318" cy="3486613"/>
+            <a:off x="1280177" y="1909666"/>
+            <a:ext cx="9631645" cy="4310159"/>
           </a:xfrm>
           <a:prstGeom prst="rect">
             <a:avLst/>
@@ -9185,7 +9475,7 @@
           </a:xfrm>
         </p:spPr>
         <p:txBody>
-          <a:bodyPr>
+          <a:bodyPr vert="horz" lIns="91440" tIns="45720" rIns="91440" bIns="45720" rtlCol="0" anchor="ctr">
             <a:normAutofit/>
           </a:bodyPr>
           <a:lstStyle/>
@@ -9195,11 +9485,16 @@
                 <a:spcPts val="600"/>
               </a:spcAft>
             </a:pPr>
-            <a:fld id="{F6C20065-8D22-D348-8CD3-A180C3961739}" type="datetime1">
-              <a:rPr lang="hu-HU" smtClean="0"/>
-              <a:t>2025. 05. 13.</a:t>
-            </a:fld>
-            <a:endParaRPr lang="hu-HU" dirty="0"/>
+            <a:r>
+              <a:rPr lang="en-US">
+                <a:solidFill>
+                  <a:schemeClr val="tx1">
+                    <a:tint val="75000"/>
+                  </a:schemeClr>
+                </a:solidFill>
+              </a:rPr>
+              <a:t>2025. 05. 20.</a:t>
+            </a:r>
           </a:p>
         </p:txBody>
       </p:sp>
@@ -9226,12 +9521,29 @@
           </a:xfrm>
         </p:spPr>
         <p:txBody>
-          <a:bodyPr>
+          <a:bodyPr vert="horz" lIns="91440" tIns="45720" rIns="91440" bIns="45720" rtlCol="0" anchor="ctr">
             <a:normAutofit/>
           </a:bodyPr>
           <a:lstStyle/>
           <a:p>
-            <a:endParaRPr lang="hu-HU"/>
+            <a:pPr>
+              <a:spcAft>
+                <a:spcPts val="600"/>
+              </a:spcAft>
+            </a:pPr>
+            <a:r>
+              <a:rPr lang="en-US" kern="1200">
+                <a:solidFill>
+                  <a:schemeClr val="tx1">
+                    <a:tint val="75000"/>
+                  </a:schemeClr>
+                </a:solidFill>
+                <a:latin typeface="+mn-lt"/>
+                <a:ea typeface="+mn-ea"/>
+                <a:cs typeface="+mn-cs"/>
+              </a:rPr>
+              <a:t>Ensemble szegmentáló módszerek idősoros adatokon</a:t>
+            </a:r>
           </a:p>
         </p:txBody>
       </p:sp>
@@ -9258,7 +9570,7 @@
           </a:xfrm>
         </p:spPr>
         <p:txBody>
-          <a:bodyPr>
+          <a:bodyPr vert="horz" lIns="91440" tIns="45720" rIns="91440" bIns="45720" rtlCol="0" anchor="ctr">
             <a:normAutofit/>
           </a:bodyPr>
           <a:lstStyle/>
@@ -9269,7 +9581,13 @@
               </a:spcAft>
             </a:pPr>
             <a:fld id="{2BF5634A-3FEB-2145-92F8-FA1760146F41}" type="slidenum">
-              <a:rPr lang="hu-HU" smtClean="0"/>
+              <a:rPr lang="en-US" smtClean="0">
+                <a:solidFill>
+                  <a:schemeClr val="tx1">
+                    <a:tint val="75000"/>
+                  </a:schemeClr>
+                </a:solidFill>
+              </a:rPr>
               <a:pPr>
                 <a:spcAft>
                   <a:spcPts val="600"/>
@@ -9278,7 +9596,13 @@
               <a:t>5</a:t>
             </a:fld>
             <a:r>
-              <a:rPr lang="hu-HU" dirty="0"/>
+              <a:rPr lang="en-US">
+                <a:solidFill>
+                  <a:schemeClr val="tx1">
+                    <a:tint val="75000"/>
+                  </a:schemeClr>
+                </a:solidFill>
+              </a:rPr>
               <a:t>/11</a:t>
             </a:r>
           </a:p>
@@ -9730,16 +10054,16 @@
                 <a:spcPts val="600"/>
               </a:spcAft>
             </a:pPr>
-            <a:fld id="{4D49FDE6-1D45-5A42-A661-ED0C1E03E6E1}" type="datetime1">
-              <a:rPr lang="hu-HU" smtClean="0">
+            <a:r>
+              <a:rPr lang="hu-HU">
                 <a:solidFill>
                   <a:schemeClr val="tx1">
                     <a:tint val="75000"/>
                   </a:schemeClr>
                 </a:solidFill>
               </a:rPr>
-              <a:t>2025. 05. 13.</a:t>
-            </a:fld>
+              <a:t>2025. 05. 20.</a:t>
+            </a:r>
             <a:endParaRPr lang="en-US" dirty="0">
               <a:solidFill>
                 <a:schemeClr val="tx1">
@@ -9778,16 +10102,19 @@
           </a:bodyPr>
           <a:lstStyle/>
           <a:p>
-            <a:endParaRPr lang="en-US" sz="1200" kern="1200">
-              <a:solidFill>
-                <a:schemeClr val="tx1">
-                  <a:tint val="75000"/>
-                </a:schemeClr>
-              </a:solidFill>
-              <a:latin typeface="+mn-lt"/>
-              <a:ea typeface="+mn-ea"/>
-              <a:cs typeface="+mn-cs"/>
-            </a:endParaRPr>
+            <a:r>
+              <a:rPr lang="en-US" sz="1200" kern="1200">
+                <a:solidFill>
+                  <a:schemeClr val="tx1">
+                    <a:tint val="75000"/>
+                  </a:schemeClr>
+                </a:solidFill>
+                <a:latin typeface="+mn-lt"/>
+                <a:ea typeface="+mn-ea"/>
+                <a:cs typeface="+mn-cs"/>
+              </a:rPr>
+              <a:t>Ensemble szegmentáló módszerek idősoros adatokon</a:t>
+            </a:r>
           </a:p>
         </p:txBody>
       </p:sp>
@@ -10009,7 +10336,7 @@
           <a:lstStyle/>
           <a:p>
             <a:r>
-              <a:rPr lang="hu-HU" sz="4200" dirty="0"/>
+              <a:rPr lang="hu-HU" sz="4000" dirty="0"/>
               <a:t>Adott klaszteren legjobban teljesítő algoritmus választása</a:t>
             </a:r>
           </a:p>
@@ -10501,11 +10828,10 @@
                 <a:spcPts val="600"/>
               </a:spcAft>
             </a:pPr>
-            <a:fld id="{F36B3592-03CB-194B-B84D-F861BFD2AD9F}" type="datetime1">
-              <a:rPr lang="hu-HU" smtClean="0"/>
-              <a:t>2025. 05. 13.</a:t>
-            </a:fld>
-            <a:endParaRPr lang="hu-HU"/>
+            <a:r>
+              <a:rPr lang="hu-HU"/>
+              <a:t>2025. 05. 20.</a:t>
+            </a:r>
           </a:p>
         </p:txBody>
       </p:sp>
@@ -10537,7 +10863,10 @@
           </a:bodyPr>
           <a:lstStyle/>
           <a:p>
-            <a:endParaRPr lang="hu-HU"/>
+            <a:r>
+              <a:rPr lang="hu-HU"/>
+              <a:t>Ensemble szegmentáló módszerek idősoros adatokon</a:t>
+            </a:r>
           </a:p>
         </p:txBody>
       </p:sp>
@@ -10612,8 +10941,8 @@
         </p:blipFill>
         <p:spPr>
           <a:xfrm>
-            <a:off x="7276087" y="3270888"/>
-            <a:ext cx="4536000" cy="2919600"/>
+            <a:off x="7014258" y="3270887"/>
+            <a:ext cx="4797829" cy="2948937"/>
           </a:xfrm>
           <a:prstGeom prst="rect">
             <a:avLst/>
@@ -10786,8 +11115,8 @@
         </p:blipFill>
         <p:spPr>
           <a:xfrm>
-            <a:off x="7276087" y="215774"/>
-            <a:ext cx="4536000" cy="3055114"/>
+            <a:off x="7014258" y="206632"/>
+            <a:ext cx="4797829" cy="3064256"/>
           </a:xfrm>
           <a:prstGeom prst="rect">
             <a:avLst/>
@@ -11429,16 +11758,16 @@
                 <a:spcPts val="600"/>
               </a:spcAft>
             </a:pPr>
-            <a:fld id="{7AA740A8-D92E-7A46-8C12-3A1D635ED03F}" type="datetime1">
-              <a:rPr lang="hu-HU" smtClean="0">
+            <a:r>
+              <a:rPr lang="hu-HU">
                 <a:solidFill>
                   <a:schemeClr val="tx1">
                     <a:tint val="75000"/>
                   </a:schemeClr>
                 </a:solidFill>
               </a:rPr>
-              <a:t>2025. 05. 13.</a:t>
-            </a:fld>
+              <a:t>2025. 05. 20.</a:t>
+            </a:r>
             <a:endParaRPr lang="en-US" dirty="0">
               <a:solidFill>
                 <a:schemeClr val="tx1">
@@ -11477,16 +11806,19 @@
           </a:bodyPr>
           <a:lstStyle/>
           <a:p>
-            <a:endParaRPr lang="en-US" sz="1200" kern="1200">
-              <a:solidFill>
-                <a:schemeClr val="tx1">
-                  <a:tint val="75000"/>
-                </a:schemeClr>
-              </a:solidFill>
-              <a:latin typeface="+mn-lt"/>
-              <a:ea typeface="+mn-ea"/>
-              <a:cs typeface="+mn-cs"/>
-            </a:endParaRPr>
+            <a:r>
+              <a:rPr lang="en-US" sz="1200" kern="1200">
+                <a:solidFill>
+                  <a:schemeClr val="tx1">
+                    <a:tint val="75000"/>
+                  </a:schemeClr>
+                </a:solidFill>
+                <a:latin typeface="+mn-lt"/>
+                <a:ea typeface="+mn-ea"/>
+                <a:cs typeface="+mn-cs"/>
+              </a:rPr>
+              <a:t>Ensemble szegmentáló módszerek idősoros adatokon</a:t>
+            </a:r>
           </a:p>
         </p:txBody>
       </p:sp>
@@ -12098,8 +12430,8 @@
         </p:blipFill>
         <p:spPr>
           <a:xfrm>
-            <a:off x="4654296" y="1634033"/>
-            <a:ext cx="6903720" cy="3589934"/>
+            <a:off x="4328932" y="1301690"/>
+            <a:ext cx="7697163" cy="4002524"/>
           </a:xfrm>
           <a:prstGeom prst="rect">
             <a:avLst/>
@@ -12139,16 +12471,10 @@
                 <a:spcPts val="600"/>
               </a:spcAft>
             </a:pPr>
-            <a:fld id="{66445694-FCB9-A642-8FF4-42EEC02622E4}" type="datetime1">
-              <a:rPr lang="hu-HU" smtClean="0"/>
-              <a:pPr>
-                <a:spcAft>
-                  <a:spcPts val="600"/>
-                </a:spcAft>
-              </a:pPr>
-              <a:t>2025. 05. 13.</a:t>
-            </a:fld>
-            <a:endParaRPr lang="hu-HU"/>
+            <a:r>
+              <a:rPr lang="hu-HU"/>
+              <a:t>2025. 05. 20.</a:t>
+            </a:r>
           </a:p>
         </p:txBody>
       </p:sp>
@@ -12180,7 +12506,10 @@
           </a:bodyPr>
           <a:lstStyle/>
           <a:p>
-            <a:endParaRPr lang="hu-HU"/>
+            <a:r>
+              <a:rPr lang="hu-HU"/>
+              <a:t>Ensemble szegmentáló módszerek idősoros adatokon</a:t>
+            </a:r>
           </a:p>
         </p:txBody>
       </p:sp>
